--- a/Presentation.pptx
+++ b/Presentation.pptx
@@ -8,7 +8,8 @@
     <p:sldId id="256" r:id="rId2"/>
     <p:sldId id="257" r:id="rId3"/>
     <p:sldId id="258" r:id="rId4"/>
-    <p:sldId id="259" r:id="rId5"/>
+    <p:sldId id="260" r:id="rId5"/>
+    <p:sldId id="259" r:id="rId6"/>
   </p:sldIdLst>
   <p:sldSz cx="12192000" cy="6858000"/>
   <p:notesSz cx="6858000" cy="9144000"/>
@@ -119,6 +120,7 @@
 <p1510:revInfo xmlns:a="http://schemas.openxmlformats.org/drawingml/2006/main" xmlns:r="http://schemas.openxmlformats.org/officeDocument/2006/relationships" xmlns:p1510="http://schemas.microsoft.com/office/powerpoint/2015/10/main">
   <p1510:revLst>
     <p1510:client id="{8B4A22F3-B80E-44E7-B124-3E46BFB02330}" v="361" dt="2023-02-01T10:57:09.792"/>
+    <p1510:client id="{C9528C1D-14AE-7263-4E34-6071EB9C7508}" v="69" dt="2023-02-08T10:20:22.563"/>
   </p1510:revLst>
 </p1510:revInfo>
 </file>
@@ -252,7 +254,7 @@
           <a:p>
             <a:fld id="{C764DE79-268F-4C1A-8933-263129D2AF90}" type="datetimeFigureOut">
               <a:rPr lang="en-US" dirty="0"/>
-              <a:t>2/1/2023</a:t>
+              <a:t>2/8/2023</a:t>
             </a:fld>
             <a:endParaRPr lang="en-US" dirty="0"/>
           </a:p>
@@ -420,7 +422,7 @@
           <a:p>
             <a:fld id="{C764DE79-268F-4C1A-8933-263129D2AF90}" type="datetimeFigureOut">
               <a:rPr lang="en-US" dirty="0"/>
-              <a:t>2/1/2023</a:t>
+              <a:t>2/8/2023</a:t>
             </a:fld>
             <a:endParaRPr lang="en-US" dirty="0"/>
           </a:p>
@@ -598,7 +600,7 @@
           <a:p>
             <a:fld id="{C764DE79-268F-4C1A-8933-263129D2AF90}" type="datetimeFigureOut">
               <a:rPr lang="en-US" dirty="0"/>
-              <a:t>2/1/2023</a:t>
+              <a:t>2/8/2023</a:t>
             </a:fld>
             <a:endParaRPr lang="en-US" dirty="0"/>
           </a:p>
@@ -766,7 +768,7 @@
           <a:p>
             <a:fld id="{C764DE79-268F-4C1A-8933-263129D2AF90}" type="datetimeFigureOut">
               <a:rPr lang="en-US" dirty="0"/>
-              <a:t>2/1/2023</a:t>
+              <a:t>2/8/2023</a:t>
             </a:fld>
             <a:endParaRPr lang="en-US" dirty="0"/>
           </a:p>
@@ -1011,7 +1013,7 @@
           <a:p>
             <a:fld id="{C764DE79-268F-4C1A-8933-263129D2AF90}" type="datetimeFigureOut">
               <a:rPr lang="en-US" dirty="0"/>
-              <a:t>2/1/2023</a:t>
+              <a:t>2/8/2023</a:t>
             </a:fld>
             <a:endParaRPr lang="en-US" dirty="0"/>
           </a:p>
@@ -1240,7 +1242,7 @@
           <a:p>
             <a:fld id="{C764DE79-268F-4C1A-8933-263129D2AF90}" type="datetimeFigureOut">
               <a:rPr lang="en-US" dirty="0"/>
-              <a:t>2/1/2023</a:t>
+              <a:t>2/8/2023</a:t>
             </a:fld>
             <a:endParaRPr lang="en-US" dirty="0"/>
           </a:p>
@@ -1604,7 +1606,7 @@
           <a:p>
             <a:fld id="{C764DE79-268F-4C1A-8933-263129D2AF90}" type="datetimeFigureOut">
               <a:rPr lang="en-US" dirty="0"/>
-              <a:t>2/1/2023</a:t>
+              <a:t>2/8/2023</a:t>
             </a:fld>
             <a:endParaRPr lang="en-US" dirty="0"/>
           </a:p>
@@ -1721,7 +1723,7 @@
           <a:p>
             <a:fld id="{C764DE79-268F-4C1A-8933-263129D2AF90}" type="datetimeFigureOut">
               <a:rPr lang="en-US" dirty="0"/>
-              <a:t>2/1/2023</a:t>
+              <a:t>2/8/2023</a:t>
             </a:fld>
             <a:endParaRPr lang="en-US" dirty="0"/>
           </a:p>
@@ -1816,7 +1818,7 @@
           <a:p>
             <a:fld id="{C764DE79-268F-4C1A-8933-263129D2AF90}" type="datetimeFigureOut">
               <a:rPr lang="en-US" dirty="0"/>
-              <a:t>2/1/2023</a:t>
+              <a:t>2/8/2023</a:t>
             </a:fld>
             <a:endParaRPr lang="en-US" dirty="0"/>
           </a:p>
@@ -2091,7 +2093,7 @@
           <a:p>
             <a:fld id="{C764DE79-268F-4C1A-8933-263129D2AF90}" type="datetimeFigureOut">
               <a:rPr lang="en-US" dirty="0"/>
-              <a:t>2/1/2023</a:t>
+              <a:t>2/8/2023</a:t>
             </a:fld>
             <a:endParaRPr lang="en-US" dirty="0"/>
           </a:p>
@@ -2343,7 +2345,7 @@
           <a:p>
             <a:fld id="{C764DE79-268F-4C1A-8933-263129D2AF90}" type="datetimeFigureOut">
               <a:rPr lang="en-US" dirty="0"/>
-              <a:t>2/1/2023</a:t>
+              <a:t>2/8/2023</a:t>
             </a:fld>
             <a:endParaRPr lang="en-US" dirty="0"/>
           </a:p>
@@ -2554,7 +2556,7 @@
           <a:p>
             <a:fld id="{C764DE79-268F-4C1A-8933-263129D2AF90}" type="datetimeFigureOut">
               <a:rPr lang="en-US" dirty="0"/>
-              <a:t>2/1/2023</a:t>
+              <a:t>2/8/2023</a:t>
             </a:fld>
             <a:endParaRPr lang="en-US" dirty="0"/>
           </a:p>
@@ -23215,6 +23217,9157 @@
           <p:cNvPr id="8" name="Rectangle 7">
             <a:extLst>
               <a:ext uri="{FF2B5EF4-FFF2-40B4-BE49-F238E27FC236}">
+                <a16:creationId xmlns:a16="http://schemas.microsoft.com/office/drawing/2014/main" id="{5FEF463D-EE6B-46FF-B7C7-74B09A96C8AB}"/>
+              </a:ext>
+              <a:ext uri="{C183D7F6-B498-43B3-948B-1728B52AA6E4}">
+                <adec:decorative xmlns:adec="http://schemas.microsoft.com/office/drawing/2017/decorative" val="1"/>
+              </a:ext>
+            </a:extLst>
+          </p:cNvPr>
+          <p:cNvSpPr>
+            <a:spLocks noGrp="1" noRot="1" noChangeAspect="1" noMove="1" noResize="1" noEditPoints="1" noAdjustHandles="1" noChangeArrowheads="1" noChangeShapeType="1" noTextEdit="1"/>
+          </p:cNvSpPr>
+          <p:nvPr>
+            <p:extLst>
+              <p:ext uri="{386F3935-93C4-4BCD-93E2-E3B085C9AB24}">
+                <p16:designElem xmlns:p16="http://schemas.microsoft.com/office/powerpoint/2015/main" val="1"/>
+              </p:ext>
+            </p:extLst>
+          </p:nvPr>
+        </p:nvSpPr>
+        <p:spPr>
+          <a:xfrm>
+            <a:off x="0" y="0"/>
+            <a:ext cx="12192000" cy="6858000"/>
+          </a:xfrm>
+          <a:prstGeom prst="rect">
+            <a:avLst/>
+          </a:prstGeom>
+          <a:ln w="12700" cap="flat" cmpd="sng" algn="ctr">
+            <a:noFill/>
+            <a:prstDash val="solid"/>
+            <a:miter lim="800000"/>
+          </a:ln>
+          <a:effectLst/>
+        </p:spPr>
+        <p:style>
+          <a:lnRef idx="2">
+            <a:schemeClr val="accent1">
+              <a:shade val="50000"/>
+            </a:schemeClr>
+          </a:lnRef>
+          <a:fillRef idx="1">
+            <a:schemeClr val="accent1"/>
+          </a:fillRef>
+          <a:effectRef idx="0">
+            <a:schemeClr val="accent1"/>
+          </a:effectRef>
+          <a:fontRef idx="minor">
+            <a:schemeClr val="lt1"/>
+          </a:fontRef>
+        </p:style>
+        <p:txBody>
+          <a:bodyPr rtlCol="0" anchor="ctr"/>
+          <a:lstStyle/>
+          <a:p>
+            <a:pPr algn="ctr"/>
+            <a:endParaRPr lang="en-US"/>
+          </a:p>
+        </p:txBody>
+      </p:sp>
+      <p:grpSp>
+        <p:nvGrpSpPr>
+          <p:cNvPr id="10" name="Group 9">
+            <a:extLst>
+              <a:ext uri="{FF2B5EF4-FFF2-40B4-BE49-F238E27FC236}">
+                <a16:creationId xmlns:a16="http://schemas.microsoft.com/office/drawing/2014/main" id="{11A27B3A-460C-4100-99B5-817F25979F6C}"/>
+              </a:ext>
+              <a:ext uri="{C183D7F6-B498-43B3-948B-1728B52AA6E4}">
+                <adec:decorative xmlns:adec="http://schemas.microsoft.com/office/drawing/2017/decorative" val="1"/>
+              </a:ext>
+            </a:extLst>
+          </p:cNvPr>
+          <p:cNvGrpSpPr>
+            <a:grpSpLocks noGrp="1" noUngrp="1" noRot="1" noChangeAspect="1" noMove="1" noResize="1"/>
+          </p:cNvGrpSpPr>
+          <p:nvPr>
+            <p:extLst>
+              <p:ext uri="{386F3935-93C4-4BCD-93E2-E3B085C9AB24}">
+                <p16:designElem xmlns:p16="http://schemas.microsoft.com/office/powerpoint/2015/main" val="1"/>
+              </p:ext>
+            </p:extLst>
+          </p:nvPr>
+        </p:nvGrpSpPr>
+        <p:grpSpPr>
+          <a:xfrm>
+            <a:off x="827089" y="1498602"/>
+            <a:ext cx="4403345" cy="3940174"/>
+            <a:chOff x="827089" y="1498602"/>
+            <a:chExt cx="4403345" cy="3940174"/>
+          </a:xfrm>
+          <a:effectLst>
+            <a:outerShdw blurRad="381000" dist="152400" dir="5400000" algn="ctr" rotWithShape="0">
+              <a:srgbClr val="000000">
+                <a:alpha val="10000"/>
+              </a:srgbClr>
+            </a:outerShdw>
+          </a:effectLst>
+        </p:grpSpPr>
+        <p:sp>
+          <p:nvSpPr>
+            <p:cNvPr id="11" name="Freeform: Shape 10">
+              <a:extLst>
+                <a:ext uri="{FF2B5EF4-FFF2-40B4-BE49-F238E27FC236}">
+                  <a16:creationId xmlns:a16="http://schemas.microsoft.com/office/drawing/2014/main" id="{35450488-7F33-43E4-B4DA-CAB50A1CC380}"/>
+                </a:ext>
+                <a:ext uri="{C183D7F6-B498-43B3-948B-1728B52AA6E4}">
+                  <adec:decorative xmlns:adec="http://schemas.microsoft.com/office/drawing/2017/decorative" val="1"/>
+                </a:ext>
+              </a:extLst>
+            </p:cNvPr>
+            <p:cNvSpPr/>
+            <p:nvPr>
+              <p:extLst>
+                <p:ext uri="{386F3935-93C4-4BCD-93E2-E3B085C9AB24}">
+                  <p16:designElem xmlns:p16="http://schemas.microsoft.com/office/powerpoint/2015/main" val="1"/>
+                </p:ext>
+              </p:extLst>
+            </p:nvPr>
+          </p:nvSpPr>
+          <p:spPr>
+            <a:xfrm>
+              <a:off x="827089" y="1498602"/>
+              <a:ext cx="4403345" cy="3940174"/>
+            </a:xfrm>
+            <a:custGeom>
+              <a:avLst/>
+              <a:gdLst>
+                <a:gd name="connsiteX0" fmla="*/ 0 w 5260975"/>
+                <a:gd name="connsiteY0" fmla="*/ 0 h 4707593"/>
+                <a:gd name="connsiteX1" fmla="*/ 5260975 w 5260975"/>
+                <a:gd name="connsiteY1" fmla="*/ 0 h 4707593"/>
+                <a:gd name="connsiteX2" fmla="*/ 5260975 w 5260975"/>
+                <a:gd name="connsiteY2" fmla="*/ 3296937 h 4707593"/>
+                <a:gd name="connsiteX3" fmla="*/ 5260975 w 5260975"/>
+                <a:gd name="connsiteY3" fmla="*/ 3518571 h 4707593"/>
+                <a:gd name="connsiteX4" fmla="*/ 5226504 w 5260975"/>
+                <a:gd name="connsiteY4" fmla="*/ 3534000 h 4707593"/>
+                <a:gd name="connsiteX5" fmla="*/ 5206341 w 5260975"/>
+                <a:gd name="connsiteY5" fmla="*/ 3542065 h 4707593"/>
+                <a:gd name="connsiteX6" fmla="*/ 5123287 w 5260975"/>
+                <a:gd name="connsiteY6" fmla="*/ 3594010 h 4707593"/>
+                <a:gd name="connsiteX7" fmla="*/ 5048107 w 5260975"/>
+                <a:gd name="connsiteY7" fmla="*/ 3658244 h 4707593"/>
+                <a:gd name="connsiteX8" fmla="*/ 4992899 w 5260975"/>
+                <a:gd name="connsiteY8" fmla="*/ 3734479 h 4707593"/>
+                <a:gd name="connsiteX9" fmla="*/ 4977440 w 5260975"/>
+                <a:gd name="connsiteY9" fmla="*/ 3752627 h 4707593"/>
+                <a:gd name="connsiteX10" fmla="*/ 4935194 w 5260975"/>
+                <a:gd name="connsiteY10" fmla="*/ 3775382 h 4707593"/>
+                <a:gd name="connsiteX11" fmla="*/ 4897844 w 5260975"/>
+                <a:gd name="connsiteY11" fmla="*/ 3792472 h 4707593"/>
+                <a:gd name="connsiteX12" fmla="*/ 4870767 w 5260975"/>
+                <a:gd name="connsiteY12" fmla="*/ 3811388 h 4707593"/>
+                <a:gd name="connsiteX13" fmla="*/ 4847917 w 5260975"/>
+                <a:gd name="connsiteY13" fmla="*/ 3828767 h 4707593"/>
+                <a:gd name="connsiteX14" fmla="*/ 4796163 w 5260975"/>
+                <a:gd name="connsiteY14" fmla="*/ 3873702 h 4707593"/>
+                <a:gd name="connsiteX15" fmla="*/ 4738843 w 5260975"/>
+                <a:gd name="connsiteY15" fmla="*/ 3911628 h 4707593"/>
+                <a:gd name="connsiteX16" fmla="*/ 4692755 w 5260975"/>
+                <a:gd name="connsiteY16" fmla="*/ 3958099 h 4707593"/>
+                <a:gd name="connsiteX17" fmla="*/ 4673744 w 5260975"/>
+                <a:gd name="connsiteY17" fmla="*/ 3983255 h 4707593"/>
+                <a:gd name="connsiteX18" fmla="*/ 4633801 w 5260975"/>
+                <a:gd name="connsiteY18" fmla="*/ 4000442 h 4707593"/>
+                <a:gd name="connsiteX19" fmla="*/ 4590499 w 5260975"/>
+                <a:gd name="connsiteY19" fmla="*/ 4027326 h 4707593"/>
+                <a:gd name="connsiteX20" fmla="*/ 4559773 w 5260975"/>
+                <a:gd name="connsiteY20" fmla="*/ 4054018 h 4707593"/>
+                <a:gd name="connsiteX21" fmla="*/ 4536059 w 5260975"/>
+                <a:gd name="connsiteY21" fmla="*/ 4071877 h 4707593"/>
+                <a:gd name="connsiteX22" fmla="*/ 4502550 w 5260975"/>
+                <a:gd name="connsiteY22" fmla="*/ 4089832 h 4707593"/>
+                <a:gd name="connsiteX23" fmla="*/ 4468944 w 5260975"/>
+                <a:gd name="connsiteY23" fmla="*/ 4113356 h 4707593"/>
+                <a:gd name="connsiteX24" fmla="*/ 4452623 w 5260975"/>
+                <a:gd name="connsiteY24" fmla="*/ 4127854 h 4707593"/>
+                <a:gd name="connsiteX25" fmla="*/ 4421032 w 5260975"/>
+                <a:gd name="connsiteY25" fmla="*/ 4151953 h 4707593"/>
+                <a:gd name="connsiteX26" fmla="*/ 4388483 w 5260975"/>
+                <a:gd name="connsiteY26" fmla="*/ 4174421 h 4707593"/>
+                <a:gd name="connsiteX27" fmla="*/ 4327321 w 5260975"/>
+                <a:gd name="connsiteY27" fmla="*/ 4200153 h 4707593"/>
+                <a:gd name="connsiteX28" fmla="*/ 4271633 w 5260975"/>
+                <a:gd name="connsiteY28" fmla="*/ 4237983 h 4707593"/>
+                <a:gd name="connsiteX29" fmla="*/ 4227465 w 5260975"/>
+                <a:gd name="connsiteY29" fmla="*/ 4265635 h 4707593"/>
+                <a:gd name="connsiteX30" fmla="*/ 4201733 w 5260975"/>
+                <a:gd name="connsiteY30" fmla="*/ 4283783 h 4707593"/>
+                <a:gd name="connsiteX31" fmla="*/ 4154494 w 5260975"/>
+                <a:gd name="connsiteY31" fmla="*/ 4324301 h 4707593"/>
+                <a:gd name="connsiteX32" fmla="*/ 4081234 w 5260975"/>
+                <a:gd name="connsiteY32" fmla="*/ 4366931 h 4707593"/>
+                <a:gd name="connsiteX33" fmla="*/ 4036971 w 5260975"/>
+                <a:gd name="connsiteY33" fmla="*/ 4389975 h 4707593"/>
+                <a:gd name="connsiteX34" fmla="*/ 3941725 w 5260975"/>
+                <a:gd name="connsiteY34" fmla="*/ 4424733 h 4707593"/>
+                <a:gd name="connsiteX35" fmla="*/ 3910999 w 5260975"/>
+                <a:gd name="connsiteY35" fmla="*/ 4437119 h 4707593"/>
+                <a:gd name="connsiteX36" fmla="*/ 3875859 w 5260975"/>
+                <a:gd name="connsiteY36" fmla="*/ 4445280 h 4707593"/>
+                <a:gd name="connsiteX37" fmla="*/ 3819401 w 5260975"/>
+                <a:gd name="connsiteY37" fmla="*/ 4464579 h 4707593"/>
+                <a:gd name="connsiteX38" fmla="*/ 3709176 w 5260975"/>
+                <a:gd name="connsiteY38" fmla="*/ 4497800 h 4707593"/>
+                <a:gd name="connsiteX39" fmla="*/ 3684981 w 5260975"/>
+                <a:gd name="connsiteY39" fmla="*/ 4502889 h 4707593"/>
+                <a:gd name="connsiteX40" fmla="*/ 3623338 w 5260975"/>
+                <a:gd name="connsiteY40" fmla="*/ 4524300 h 4707593"/>
+                <a:gd name="connsiteX41" fmla="*/ 3586373 w 5260975"/>
+                <a:gd name="connsiteY41" fmla="*/ 4538702 h 4707593"/>
+                <a:gd name="connsiteX42" fmla="*/ 3555743 w 5260975"/>
+                <a:gd name="connsiteY42" fmla="*/ 4546960 h 4707593"/>
+                <a:gd name="connsiteX43" fmla="*/ 3528667 w 5260975"/>
+                <a:gd name="connsiteY43" fmla="*/ 4550801 h 4707593"/>
+                <a:gd name="connsiteX44" fmla="*/ 3457424 w 5260975"/>
+                <a:gd name="connsiteY44" fmla="*/ 4569811 h 4707593"/>
+                <a:gd name="connsiteX45" fmla="*/ 3429003 w 5260975"/>
+                <a:gd name="connsiteY45" fmla="*/ 4577301 h 4707593"/>
+                <a:gd name="connsiteX46" fmla="*/ 3355264 w 5260975"/>
+                <a:gd name="connsiteY46" fmla="*/ 4603033 h 4707593"/>
+                <a:gd name="connsiteX47" fmla="*/ 3292757 w 5260975"/>
+                <a:gd name="connsiteY47" fmla="*/ 4620027 h 4707593"/>
+                <a:gd name="connsiteX48" fmla="*/ 3266643 w 5260975"/>
+                <a:gd name="connsiteY48" fmla="*/ 4628188 h 4707593"/>
+                <a:gd name="connsiteX49" fmla="*/ 3206921 w 5260975"/>
+                <a:gd name="connsiteY49" fmla="*/ 4641823 h 4707593"/>
+                <a:gd name="connsiteX50" fmla="*/ 3173123 w 5260975"/>
+                <a:gd name="connsiteY50" fmla="*/ 4651425 h 4707593"/>
+                <a:gd name="connsiteX51" fmla="*/ 3090646 w 5260975"/>
+                <a:gd name="connsiteY51" fmla="*/ 4662274 h 4707593"/>
+                <a:gd name="connsiteX52" fmla="*/ 3005480 w 5260975"/>
+                <a:gd name="connsiteY52" fmla="*/ 4672739 h 4707593"/>
+                <a:gd name="connsiteX53" fmla="*/ 2958721 w 5260975"/>
+                <a:gd name="connsiteY53" fmla="*/ 4676196 h 4707593"/>
+                <a:gd name="connsiteX54" fmla="*/ 2917915 w 5260975"/>
+                <a:gd name="connsiteY54" fmla="*/ 4681670 h 4707593"/>
+                <a:gd name="connsiteX55" fmla="*/ 2882389 w 5260975"/>
+                <a:gd name="connsiteY55" fmla="*/ 4685126 h 4707593"/>
+                <a:gd name="connsiteX56" fmla="*/ 2825837 w 5260975"/>
+                <a:gd name="connsiteY56" fmla="*/ 4692135 h 4707593"/>
+                <a:gd name="connsiteX57" fmla="*/ 2802313 w 5260975"/>
+                <a:gd name="connsiteY57" fmla="*/ 4693960 h 4707593"/>
+                <a:gd name="connsiteX58" fmla="*/ 2746816 w 5260975"/>
+                <a:gd name="connsiteY58" fmla="*/ 4693863 h 4707593"/>
+                <a:gd name="connsiteX59" fmla="*/ 2727517 w 5260975"/>
+                <a:gd name="connsiteY59" fmla="*/ 4692903 h 4707593"/>
+                <a:gd name="connsiteX60" fmla="*/ 2690359 w 5260975"/>
+                <a:gd name="connsiteY60" fmla="*/ 4680997 h 4707593"/>
+                <a:gd name="connsiteX61" fmla="*/ 2685943 w 5260975"/>
+                <a:gd name="connsiteY61" fmla="*/ 4680133 h 4707593"/>
+                <a:gd name="connsiteX62" fmla="*/ 2661554 w 5260975"/>
+                <a:gd name="connsiteY62" fmla="*/ 4675428 h 4707593"/>
+                <a:gd name="connsiteX63" fmla="*/ 2648208 w 5260975"/>
+                <a:gd name="connsiteY63" fmla="*/ 4673892 h 4707593"/>
+                <a:gd name="connsiteX64" fmla="*/ 2597512 w 5260975"/>
+                <a:gd name="connsiteY64" fmla="*/ 4664099 h 4707593"/>
+                <a:gd name="connsiteX65" fmla="*/ 2568324 w 5260975"/>
+                <a:gd name="connsiteY65" fmla="*/ 4659490 h 4707593"/>
+                <a:gd name="connsiteX66" fmla="*/ 2544704 w 5260975"/>
+                <a:gd name="connsiteY66" fmla="*/ 4660162 h 4707593"/>
+                <a:gd name="connsiteX67" fmla="*/ 2503225 w 5260975"/>
+                <a:gd name="connsiteY67" fmla="*/ 4661026 h 4707593"/>
+                <a:gd name="connsiteX68" fmla="*/ 2489975 w 5260975"/>
+                <a:gd name="connsiteY68" fmla="*/ 4663235 h 4707593"/>
+                <a:gd name="connsiteX69" fmla="*/ 2430061 w 5260975"/>
+                <a:gd name="connsiteY69" fmla="*/ 4656897 h 4707593"/>
+                <a:gd name="connsiteX70" fmla="*/ 2395880 w 5260975"/>
+                <a:gd name="connsiteY70" fmla="*/ 4656417 h 4707593"/>
+                <a:gd name="connsiteX71" fmla="*/ 2357378 w 5260975"/>
+                <a:gd name="connsiteY71" fmla="*/ 4648544 h 4707593"/>
+                <a:gd name="connsiteX72" fmla="*/ 2346145 w 5260975"/>
+                <a:gd name="connsiteY72" fmla="*/ 4648928 h 4707593"/>
+                <a:gd name="connsiteX73" fmla="*/ 2333567 w 5260975"/>
+                <a:gd name="connsiteY73" fmla="*/ 4649600 h 4707593"/>
+                <a:gd name="connsiteX74" fmla="*/ 2294968 w 5260975"/>
+                <a:gd name="connsiteY74" fmla="*/ 4650177 h 4707593"/>
+                <a:gd name="connsiteX75" fmla="*/ 2271540 w 5260975"/>
+                <a:gd name="connsiteY75" fmla="*/ 4653057 h 4707593"/>
+                <a:gd name="connsiteX76" fmla="*/ 2226895 w 5260975"/>
+                <a:gd name="connsiteY76" fmla="*/ 4651329 h 4707593"/>
+                <a:gd name="connsiteX77" fmla="*/ 2210379 w 5260975"/>
+                <a:gd name="connsiteY77" fmla="*/ 4653825 h 4707593"/>
+                <a:gd name="connsiteX78" fmla="*/ 2168613 w 5260975"/>
+                <a:gd name="connsiteY78" fmla="*/ 4654113 h 4707593"/>
+                <a:gd name="connsiteX79" fmla="*/ 2131167 w 5260975"/>
+                <a:gd name="connsiteY79" fmla="*/ 4652673 h 4707593"/>
+                <a:gd name="connsiteX80" fmla="*/ 2095065 w 5260975"/>
+                <a:gd name="connsiteY80" fmla="*/ 4653441 h 4707593"/>
+                <a:gd name="connsiteX81" fmla="*/ 2069237 w 5260975"/>
+                <a:gd name="connsiteY81" fmla="*/ 4656609 h 4707593"/>
+                <a:gd name="connsiteX82" fmla="*/ 2041201 w 5260975"/>
+                <a:gd name="connsiteY82" fmla="*/ 4658529 h 4707593"/>
+                <a:gd name="connsiteX83" fmla="*/ 1963909 w 5260975"/>
+                <a:gd name="connsiteY83" fmla="*/ 4669955 h 4707593"/>
+                <a:gd name="connsiteX84" fmla="*/ 1949603 w 5260975"/>
+                <a:gd name="connsiteY84" fmla="*/ 4667171 h 4707593"/>
+                <a:gd name="connsiteX85" fmla="*/ 1868373 w 5260975"/>
+                <a:gd name="connsiteY85" fmla="*/ 4664578 h 4707593"/>
+                <a:gd name="connsiteX86" fmla="*/ 1850707 w 5260975"/>
+                <a:gd name="connsiteY86" fmla="*/ 4664771 h 4707593"/>
+                <a:gd name="connsiteX87" fmla="*/ 1803275 w 5260975"/>
+                <a:gd name="connsiteY87" fmla="*/ 4653441 h 4707593"/>
+                <a:gd name="connsiteX88" fmla="*/ 1730112 w 5260975"/>
+                <a:gd name="connsiteY88" fmla="*/ 4671396 h 4707593"/>
+                <a:gd name="connsiteX89" fmla="*/ 1661652 w 5260975"/>
+                <a:gd name="connsiteY89" fmla="*/ 4693863 h 4707593"/>
+                <a:gd name="connsiteX90" fmla="*/ 1653011 w 5260975"/>
+                <a:gd name="connsiteY90" fmla="*/ 4696744 h 4707593"/>
+                <a:gd name="connsiteX91" fmla="*/ 1628431 w 5260975"/>
+                <a:gd name="connsiteY91" fmla="*/ 4701641 h 4707593"/>
+                <a:gd name="connsiteX92" fmla="*/ 1597995 w 5260975"/>
+                <a:gd name="connsiteY92" fmla="*/ 4703369 h 4707593"/>
+                <a:gd name="connsiteX93" fmla="*/ 1559396 w 5260975"/>
+                <a:gd name="connsiteY93" fmla="*/ 4707593 h 4707593"/>
+                <a:gd name="connsiteX94" fmla="*/ 1528480 w 5260975"/>
+                <a:gd name="connsiteY94" fmla="*/ 4702312 h 4707593"/>
+                <a:gd name="connsiteX95" fmla="*/ 1485272 w 5260975"/>
+                <a:gd name="connsiteY95" fmla="*/ 4694439 h 4707593"/>
+                <a:gd name="connsiteX96" fmla="*/ 1444562 w 5260975"/>
+                <a:gd name="connsiteY96" fmla="*/ 4686950 h 4707593"/>
+                <a:gd name="connsiteX97" fmla="*/ 1431696 w 5260975"/>
+                <a:gd name="connsiteY97" fmla="*/ 4695783 h 4707593"/>
+                <a:gd name="connsiteX98" fmla="*/ 1411821 w 5260975"/>
+                <a:gd name="connsiteY98" fmla="*/ 4703464 h 4707593"/>
+                <a:gd name="connsiteX99" fmla="*/ 1389738 w 5260975"/>
+                <a:gd name="connsiteY99" fmla="*/ 4694247 h 4707593"/>
+                <a:gd name="connsiteX100" fmla="*/ 1338081 w 5260975"/>
+                <a:gd name="connsiteY100" fmla="*/ 4675141 h 4707593"/>
+                <a:gd name="connsiteX101" fmla="*/ 1305436 w 5260975"/>
+                <a:gd name="connsiteY101" fmla="*/ 4674276 h 4707593"/>
+                <a:gd name="connsiteX102" fmla="*/ 1234481 w 5260975"/>
+                <a:gd name="connsiteY102" fmla="*/ 4666115 h 4707593"/>
+                <a:gd name="connsiteX103" fmla="*/ 1188106 w 5260975"/>
+                <a:gd name="connsiteY103" fmla="*/ 4654497 h 4707593"/>
+                <a:gd name="connsiteX104" fmla="*/ 1154790 w 5260975"/>
+                <a:gd name="connsiteY104" fmla="*/ 4641343 h 4707593"/>
+                <a:gd name="connsiteX105" fmla="*/ 1107069 w 5260975"/>
+                <a:gd name="connsiteY105" fmla="*/ 4624156 h 4707593"/>
+                <a:gd name="connsiteX106" fmla="*/ 1059158 w 5260975"/>
+                <a:gd name="connsiteY106" fmla="*/ 4615227 h 4707593"/>
+                <a:gd name="connsiteX107" fmla="*/ 1024496 w 5260975"/>
+                <a:gd name="connsiteY107" fmla="*/ 4603993 h 4707593"/>
+                <a:gd name="connsiteX108" fmla="*/ 982153 w 5260975"/>
+                <a:gd name="connsiteY108" fmla="*/ 4596311 h 4707593"/>
+                <a:gd name="connsiteX109" fmla="*/ 946628 w 5260975"/>
+                <a:gd name="connsiteY109" fmla="*/ 4596024 h 4707593"/>
+                <a:gd name="connsiteX110" fmla="*/ 890939 w 5260975"/>
+                <a:gd name="connsiteY110" fmla="*/ 4597368 h 4707593"/>
+                <a:gd name="connsiteX111" fmla="*/ 822769 w 5260975"/>
+                <a:gd name="connsiteY111" fmla="*/ 4574133 h 4707593"/>
+                <a:gd name="connsiteX112" fmla="*/ 795212 w 5260975"/>
+                <a:gd name="connsiteY112" fmla="*/ 4568947 h 4707593"/>
+                <a:gd name="connsiteX113" fmla="*/ 769288 w 5260975"/>
+                <a:gd name="connsiteY113" fmla="*/ 4566547 h 4707593"/>
+                <a:gd name="connsiteX114" fmla="*/ 714271 w 5260975"/>
+                <a:gd name="connsiteY114" fmla="*/ 4551089 h 4707593"/>
+                <a:gd name="connsiteX115" fmla="*/ 691900 w 5260975"/>
+                <a:gd name="connsiteY115" fmla="*/ 4545999 h 4707593"/>
+                <a:gd name="connsiteX116" fmla="*/ 660598 w 5260975"/>
+                <a:gd name="connsiteY116" fmla="*/ 4546096 h 4707593"/>
+                <a:gd name="connsiteX117" fmla="*/ 603662 w 5260975"/>
+                <a:gd name="connsiteY117" fmla="*/ 4538991 h 4707593"/>
+                <a:gd name="connsiteX118" fmla="*/ 546821 w 5260975"/>
+                <a:gd name="connsiteY118" fmla="*/ 4518251 h 4707593"/>
+                <a:gd name="connsiteX119" fmla="*/ 522721 w 5260975"/>
+                <a:gd name="connsiteY119" fmla="*/ 4520267 h 4707593"/>
+                <a:gd name="connsiteX120" fmla="*/ 514080 w 5260975"/>
+                <a:gd name="connsiteY120" fmla="*/ 4519788 h 4707593"/>
+                <a:gd name="connsiteX121" fmla="*/ 436404 w 5260975"/>
+                <a:gd name="connsiteY121" fmla="*/ 4508361 h 4707593"/>
+                <a:gd name="connsiteX122" fmla="*/ 428626 w 5260975"/>
+                <a:gd name="connsiteY122" fmla="*/ 4507114 h 4707593"/>
+                <a:gd name="connsiteX123" fmla="*/ 392141 w 5260975"/>
+                <a:gd name="connsiteY123" fmla="*/ 4496936 h 4707593"/>
+                <a:gd name="connsiteX124" fmla="*/ 300157 w 5260975"/>
+                <a:gd name="connsiteY124" fmla="*/ 4490599 h 4707593"/>
+                <a:gd name="connsiteX125" fmla="*/ 294493 w 5260975"/>
+                <a:gd name="connsiteY125" fmla="*/ 4489831 h 4707593"/>
+                <a:gd name="connsiteX126" fmla="*/ 263671 w 5260975"/>
+                <a:gd name="connsiteY126" fmla="*/ 4494919 h 4707593"/>
+                <a:gd name="connsiteX127" fmla="*/ 248406 w 5260975"/>
+                <a:gd name="connsiteY127" fmla="*/ 4502121 h 4707593"/>
+                <a:gd name="connsiteX128" fmla="*/ 224594 w 5260975"/>
+                <a:gd name="connsiteY128" fmla="*/ 4509610 h 4707593"/>
+                <a:gd name="connsiteX129" fmla="*/ 200398 w 5260975"/>
+                <a:gd name="connsiteY129" fmla="*/ 4512395 h 4707593"/>
+                <a:gd name="connsiteX130" fmla="*/ 159783 w 5260975"/>
+                <a:gd name="connsiteY130" fmla="*/ 4501064 h 4707593"/>
+                <a:gd name="connsiteX131" fmla="*/ 144997 w 5260975"/>
+                <a:gd name="connsiteY131" fmla="*/ 4499912 h 4707593"/>
+                <a:gd name="connsiteX132" fmla="*/ 112064 w 5260975"/>
+                <a:gd name="connsiteY132" fmla="*/ 4494440 h 4707593"/>
+                <a:gd name="connsiteX133" fmla="*/ 83259 w 5260975"/>
+                <a:gd name="connsiteY133" fmla="*/ 4494824 h 4707593"/>
+                <a:gd name="connsiteX134" fmla="*/ 60120 w 5260975"/>
+                <a:gd name="connsiteY134" fmla="*/ 4503561 h 4707593"/>
+                <a:gd name="connsiteX135" fmla="*/ 26514 w 5260975"/>
+                <a:gd name="connsiteY135" fmla="*/ 4505289 h 4707593"/>
+                <a:gd name="connsiteX136" fmla="*/ 4814 w 5260975"/>
+                <a:gd name="connsiteY136" fmla="*/ 4498952 h 4707593"/>
+                <a:gd name="connsiteX137" fmla="*/ 398 w 5260975"/>
+                <a:gd name="connsiteY137" fmla="*/ 4498089 h 4707593"/>
+                <a:gd name="connsiteX138" fmla="*/ 0 w 5260975"/>
+                <a:gd name="connsiteY138" fmla="*/ 4498087 h 4707593"/>
+              </a:gdLst>
+              <a:ahLst/>
+              <a:cxnLst>
+                <a:cxn ang="0">
+                  <a:pos x="connsiteX0" y="connsiteY0"/>
+                </a:cxn>
+                <a:cxn ang="0">
+                  <a:pos x="connsiteX1" y="connsiteY1"/>
+                </a:cxn>
+                <a:cxn ang="0">
+                  <a:pos x="connsiteX2" y="connsiteY2"/>
+                </a:cxn>
+                <a:cxn ang="0">
+                  <a:pos x="connsiteX3" y="connsiteY3"/>
+                </a:cxn>
+                <a:cxn ang="0">
+                  <a:pos x="connsiteX4" y="connsiteY4"/>
+                </a:cxn>
+                <a:cxn ang="0">
+                  <a:pos x="connsiteX5" y="connsiteY5"/>
+                </a:cxn>
+                <a:cxn ang="0">
+                  <a:pos x="connsiteX6" y="connsiteY6"/>
+                </a:cxn>
+                <a:cxn ang="0">
+                  <a:pos x="connsiteX7" y="connsiteY7"/>
+                </a:cxn>
+                <a:cxn ang="0">
+                  <a:pos x="connsiteX8" y="connsiteY8"/>
+                </a:cxn>
+                <a:cxn ang="0">
+                  <a:pos x="connsiteX9" y="connsiteY9"/>
+                </a:cxn>
+                <a:cxn ang="0">
+                  <a:pos x="connsiteX10" y="connsiteY10"/>
+                </a:cxn>
+                <a:cxn ang="0">
+                  <a:pos x="connsiteX11" y="connsiteY11"/>
+                </a:cxn>
+                <a:cxn ang="0">
+                  <a:pos x="connsiteX12" y="connsiteY12"/>
+                </a:cxn>
+                <a:cxn ang="0">
+                  <a:pos x="connsiteX13" y="connsiteY13"/>
+                </a:cxn>
+                <a:cxn ang="0">
+                  <a:pos x="connsiteX14" y="connsiteY14"/>
+                </a:cxn>
+                <a:cxn ang="0">
+                  <a:pos x="connsiteX15" y="connsiteY15"/>
+                </a:cxn>
+                <a:cxn ang="0">
+                  <a:pos x="connsiteX16" y="connsiteY16"/>
+                </a:cxn>
+                <a:cxn ang="0">
+                  <a:pos x="connsiteX17" y="connsiteY17"/>
+                </a:cxn>
+                <a:cxn ang="0">
+                  <a:pos x="connsiteX18" y="connsiteY18"/>
+                </a:cxn>
+                <a:cxn ang="0">
+                  <a:pos x="connsiteX19" y="connsiteY19"/>
+                </a:cxn>
+                <a:cxn ang="0">
+                  <a:pos x="connsiteX20" y="connsiteY20"/>
+                </a:cxn>
+                <a:cxn ang="0">
+                  <a:pos x="connsiteX21" y="connsiteY21"/>
+                </a:cxn>
+                <a:cxn ang="0">
+                  <a:pos x="connsiteX22" y="connsiteY22"/>
+                </a:cxn>
+                <a:cxn ang="0">
+                  <a:pos x="connsiteX23" y="connsiteY23"/>
+                </a:cxn>
+                <a:cxn ang="0">
+                  <a:pos x="connsiteX24" y="connsiteY24"/>
+                </a:cxn>
+                <a:cxn ang="0">
+                  <a:pos x="connsiteX25" y="connsiteY25"/>
+                </a:cxn>
+                <a:cxn ang="0">
+                  <a:pos x="connsiteX26" y="connsiteY26"/>
+                </a:cxn>
+                <a:cxn ang="0">
+                  <a:pos x="connsiteX27" y="connsiteY27"/>
+                </a:cxn>
+                <a:cxn ang="0">
+                  <a:pos x="connsiteX28" y="connsiteY28"/>
+                </a:cxn>
+                <a:cxn ang="0">
+                  <a:pos x="connsiteX29" y="connsiteY29"/>
+                </a:cxn>
+                <a:cxn ang="0">
+                  <a:pos x="connsiteX30" y="connsiteY30"/>
+                </a:cxn>
+                <a:cxn ang="0">
+                  <a:pos x="connsiteX31" y="connsiteY31"/>
+                </a:cxn>
+                <a:cxn ang="0">
+                  <a:pos x="connsiteX32" y="connsiteY32"/>
+                </a:cxn>
+                <a:cxn ang="0">
+                  <a:pos x="connsiteX33" y="connsiteY33"/>
+                </a:cxn>
+                <a:cxn ang="0">
+                  <a:pos x="connsiteX34" y="connsiteY34"/>
+                </a:cxn>
+                <a:cxn ang="0">
+                  <a:pos x="connsiteX35" y="connsiteY35"/>
+                </a:cxn>
+                <a:cxn ang="0">
+                  <a:pos x="connsiteX36" y="connsiteY36"/>
+                </a:cxn>
+                <a:cxn ang="0">
+                  <a:pos x="connsiteX37" y="connsiteY37"/>
+                </a:cxn>
+                <a:cxn ang="0">
+                  <a:pos x="connsiteX38" y="connsiteY38"/>
+                </a:cxn>
+                <a:cxn ang="0">
+                  <a:pos x="connsiteX39" y="connsiteY39"/>
+                </a:cxn>
+                <a:cxn ang="0">
+                  <a:pos x="connsiteX40" y="connsiteY40"/>
+                </a:cxn>
+                <a:cxn ang="0">
+                  <a:pos x="connsiteX41" y="connsiteY41"/>
+                </a:cxn>
+                <a:cxn ang="0">
+                  <a:pos x="connsiteX42" y="connsiteY42"/>
+                </a:cxn>
+                <a:cxn ang="0">
+                  <a:pos x="connsiteX43" y="connsiteY43"/>
+                </a:cxn>
+                <a:cxn ang="0">
+                  <a:pos x="connsiteX44" y="connsiteY44"/>
+                </a:cxn>
+                <a:cxn ang="0">
+                  <a:pos x="connsiteX45" y="connsiteY45"/>
+                </a:cxn>
+                <a:cxn ang="0">
+                  <a:pos x="connsiteX46" y="connsiteY46"/>
+                </a:cxn>
+                <a:cxn ang="0">
+                  <a:pos x="connsiteX47" y="connsiteY47"/>
+                </a:cxn>
+                <a:cxn ang="0">
+                  <a:pos x="connsiteX48" y="connsiteY48"/>
+                </a:cxn>
+                <a:cxn ang="0">
+                  <a:pos x="connsiteX49" y="connsiteY49"/>
+                </a:cxn>
+                <a:cxn ang="0">
+                  <a:pos x="connsiteX50" y="connsiteY50"/>
+                </a:cxn>
+                <a:cxn ang="0">
+                  <a:pos x="connsiteX51" y="connsiteY51"/>
+                </a:cxn>
+                <a:cxn ang="0">
+                  <a:pos x="connsiteX52" y="connsiteY52"/>
+                </a:cxn>
+                <a:cxn ang="0">
+                  <a:pos x="connsiteX53" y="connsiteY53"/>
+                </a:cxn>
+                <a:cxn ang="0">
+                  <a:pos x="connsiteX54" y="connsiteY54"/>
+                </a:cxn>
+                <a:cxn ang="0">
+                  <a:pos x="connsiteX55" y="connsiteY55"/>
+                </a:cxn>
+                <a:cxn ang="0">
+                  <a:pos x="connsiteX56" y="connsiteY56"/>
+                </a:cxn>
+                <a:cxn ang="0">
+                  <a:pos x="connsiteX57" y="connsiteY57"/>
+                </a:cxn>
+                <a:cxn ang="0">
+                  <a:pos x="connsiteX58" y="connsiteY58"/>
+                </a:cxn>
+                <a:cxn ang="0">
+                  <a:pos x="connsiteX59" y="connsiteY59"/>
+                </a:cxn>
+                <a:cxn ang="0">
+                  <a:pos x="connsiteX60" y="connsiteY60"/>
+                </a:cxn>
+                <a:cxn ang="0">
+                  <a:pos x="connsiteX61" y="connsiteY61"/>
+                </a:cxn>
+                <a:cxn ang="0">
+                  <a:pos x="connsiteX62" y="connsiteY62"/>
+                </a:cxn>
+                <a:cxn ang="0">
+                  <a:pos x="connsiteX63" y="connsiteY63"/>
+                </a:cxn>
+                <a:cxn ang="0">
+                  <a:pos x="connsiteX64" y="connsiteY64"/>
+                </a:cxn>
+                <a:cxn ang="0">
+                  <a:pos x="connsiteX65" y="connsiteY65"/>
+                </a:cxn>
+                <a:cxn ang="0">
+                  <a:pos x="connsiteX66" y="connsiteY66"/>
+                </a:cxn>
+                <a:cxn ang="0">
+                  <a:pos x="connsiteX67" y="connsiteY67"/>
+                </a:cxn>
+                <a:cxn ang="0">
+                  <a:pos x="connsiteX68" y="connsiteY68"/>
+                </a:cxn>
+                <a:cxn ang="0">
+                  <a:pos x="connsiteX69" y="connsiteY69"/>
+                </a:cxn>
+                <a:cxn ang="0">
+                  <a:pos x="connsiteX70" y="connsiteY70"/>
+                </a:cxn>
+                <a:cxn ang="0">
+                  <a:pos x="connsiteX71" y="connsiteY71"/>
+                </a:cxn>
+                <a:cxn ang="0">
+                  <a:pos x="connsiteX72" y="connsiteY72"/>
+                </a:cxn>
+                <a:cxn ang="0">
+                  <a:pos x="connsiteX73" y="connsiteY73"/>
+                </a:cxn>
+                <a:cxn ang="0">
+                  <a:pos x="connsiteX74" y="connsiteY74"/>
+                </a:cxn>
+                <a:cxn ang="0">
+                  <a:pos x="connsiteX75" y="connsiteY75"/>
+                </a:cxn>
+                <a:cxn ang="0">
+                  <a:pos x="connsiteX76" y="connsiteY76"/>
+                </a:cxn>
+                <a:cxn ang="0">
+                  <a:pos x="connsiteX77" y="connsiteY77"/>
+                </a:cxn>
+                <a:cxn ang="0">
+                  <a:pos x="connsiteX78" y="connsiteY78"/>
+                </a:cxn>
+                <a:cxn ang="0">
+                  <a:pos x="connsiteX79" y="connsiteY79"/>
+                </a:cxn>
+                <a:cxn ang="0">
+                  <a:pos x="connsiteX80" y="connsiteY80"/>
+                </a:cxn>
+                <a:cxn ang="0">
+                  <a:pos x="connsiteX81" y="connsiteY81"/>
+                </a:cxn>
+                <a:cxn ang="0">
+                  <a:pos x="connsiteX82" y="connsiteY82"/>
+                </a:cxn>
+                <a:cxn ang="0">
+                  <a:pos x="connsiteX83" y="connsiteY83"/>
+                </a:cxn>
+                <a:cxn ang="0">
+                  <a:pos x="connsiteX84" y="connsiteY84"/>
+                </a:cxn>
+                <a:cxn ang="0">
+                  <a:pos x="connsiteX85" y="connsiteY85"/>
+                </a:cxn>
+                <a:cxn ang="0">
+                  <a:pos x="connsiteX86" y="connsiteY86"/>
+                </a:cxn>
+                <a:cxn ang="0">
+                  <a:pos x="connsiteX87" y="connsiteY87"/>
+                </a:cxn>
+                <a:cxn ang="0">
+                  <a:pos x="connsiteX88" y="connsiteY88"/>
+                </a:cxn>
+                <a:cxn ang="0">
+                  <a:pos x="connsiteX89" y="connsiteY89"/>
+                </a:cxn>
+                <a:cxn ang="0">
+                  <a:pos x="connsiteX90" y="connsiteY90"/>
+                </a:cxn>
+                <a:cxn ang="0">
+                  <a:pos x="connsiteX91" y="connsiteY91"/>
+                </a:cxn>
+                <a:cxn ang="0">
+                  <a:pos x="connsiteX92" y="connsiteY92"/>
+                </a:cxn>
+                <a:cxn ang="0">
+                  <a:pos x="connsiteX93" y="connsiteY93"/>
+                </a:cxn>
+                <a:cxn ang="0">
+                  <a:pos x="connsiteX94" y="connsiteY94"/>
+                </a:cxn>
+                <a:cxn ang="0">
+                  <a:pos x="connsiteX95" y="connsiteY95"/>
+                </a:cxn>
+                <a:cxn ang="0">
+                  <a:pos x="connsiteX96" y="connsiteY96"/>
+                </a:cxn>
+                <a:cxn ang="0">
+                  <a:pos x="connsiteX97" y="connsiteY97"/>
+                </a:cxn>
+                <a:cxn ang="0">
+                  <a:pos x="connsiteX98" y="connsiteY98"/>
+                </a:cxn>
+                <a:cxn ang="0">
+                  <a:pos x="connsiteX99" y="connsiteY99"/>
+                </a:cxn>
+                <a:cxn ang="0">
+                  <a:pos x="connsiteX100" y="connsiteY100"/>
+                </a:cxn>
+                <a:cxn ang="0">
+                  <a:pos x="connsiteX101" y="connsiteY101"/>
+                </a:cxn>
+                <a:cxn ang="0">
+                  <a:pos x="connsiteX102" y="connsiteY102"/>
+                </a:cxn>
+                <a:cxn ang="0">
+                  <a:pos x="connsiteX103" y="connsiteY103"/>
+                </a:cxn>
+                <a:cxn ang="0">
+                  <a:pos x="connsiteX104" y="connsiteY104"/>
+                </a:cxn>
+                <a:cxn ang="0">
+                  <a:pos x="connsiteX105" y="connsiteY105"/>
+                </a:cxn>
+                <a:cxn ang="0">
+                  <a:pos x="connsiteX106" y="connsiteY106"/>
+                </a:cxn>
+                <a:cxn ang="0">
+                  <a:pos x="connsiteX107" y="connsiteY107"/>
+                </a:cxn>
+                <a:cxn ang="0">
+                  <a:pos x="connsiteX108" y="connsiteY108"/>
+                </a:cxn>
+                <a:cxn ang="0">
+                  <a:pos x="connsiteX109" y="connsiteY109"/>
+                </a:cxn>
+                <a:cxn ang="0">
+                  <a:pos x="connsiteX110" y="connsiteY110"/>
+                </a:cxn>
+                <a:cxn ang="0">
+                  <a:pos x="connsiteX111" y="connsiteY111"/>
+                </a:cxn>
+                <a:cxn ang="0">
+                  <a:pos x="connsiteX112" y="connsiteY112"/>
+                </a:cxn>
+                <a:cxn ang="0">
+                  <a:pos x="connsiteX113" y="connsiteY113"/>
+                </a:cxn>
+                <a:cxn ang="0">
+                  <a:pos x="connsiteX114" y="connsiteY114"/>
+                </a:cxn>
+                <a:cxn ang="0">
+                  <a:pos x="connsiteX115" y="connsiteY115"/>
+                </a:cxn>
+                <a:cxn ang="0">
+                  <a:pos x="connsiteX116" y="connsiteY116"/>
+                </a:cxn>
+                <a:cxn ang="0">
+                  <a:pos x="connsiteX117" y="connsiteY117"/>
+                </a:cxn>
+                <a:cxn ang="0">
+                  <a:pos x="connsiteX118" y="connsiteY118"/>
+                </a:cxn>
+                <a:cxn ang="0">
+                  <a:pos x="connsiteX119" y="connsiteY119"/>
+                </a:cxn>
+                <a:cxn ang="0">
+                  <a:pos x="connsiteX120" y="connsiteY120"/>
+                </a:cxn>
+                <a:cxn ang="0">
+                  <a:pos x="connsiteX121" y="connsiteY121"/>
+                </a:cxn>
+                <a:cxn ang="0">
+                  <a:pos x="connsiteX122" y="connsiteY122"/>
+                </a:cxn>
+                <a:cxn ang="0">
+                  <a:pos x="connsiteX123" y="connsiteY123"/>
+                </a:cxn>
+                <a:cxn ang="0">
+                  <a:pos x="connsiteX124" y="connsiteY124"/>
+                </a:cxn>
+                <a:cxn ang="0">
+                  <a:pos x="connsiteX125" y="connsiteY125"/>
+                </a:cxn>
+                <a:cxn ang="0">
+                  <a:pos x="connsiteX126" y="connsiteY126"/>
+                </a:cxn>
+                <a:cxn ang="0">
+                  <a:pos x="connsiteX127" y="connsiteY127"/>
+                </a:cxn>
+                <a:cxn ang="0">
+                  <a:pos x="connsiteX128" y="connsiteY128"/>
+                </a:cxn>
+                <a:cxn ang="0">
+                  <a:pos x="connsiteX129" y="connsiteY129"/>
+                </a:cxn>
+                <a:cxn ang="0">
+                  <a:pos x="connsiteX130" y="connsiteY130"/>
+                </a:cxn>
+                <a:cxn ang="0">
+                  <a:pos x="connsiteX131" y="connsiteY131"/>
+                </a:cxn>
+                <a:cxn ang="0">
+                  <a:pos x="connsiteX132" y="connsiteY132"/>
+                </a:cxn>
+                <a:cxn ang="0">
+                  <a:pos x="connsiteX133" y="connsiteY133"/>
+                </a:cxn>
+                <a:cxn ang="0">
+                  <a:pos x="connsiteX134" y="connsiteY134"/>
+                </a:cxn>
+                <a:cxn ang="0">
+                  <a:pos x="connsiteX135" y="connsiteY135"/>
+                </a:cxn>
+                <a:cxn ang="0">
+                  <a:pos x="connsiteX136" y="connsiteY136"/>
+                </a:cxn>
+                <a:cxn ang="0">
+                  <a:pos x="connsiteX137" y="connsiteY137"/>
+                </a:cxn>
+                <a:cxn ang="0">
+                  <a:pos x="connsiteX138" y="connsiteY138"/>
+                </a:cxn>
+              </a:cxnLst>
+              <a:rect l="l" t="t" r="r" b="b"/>
+              <a:pathLst>
+                <a:path w="5260975" h="4707593">
+                  <a:moveTo>
+                    <a:pt x="0" y="0"/>
+                  </a:moveTo>
+                  <a:lnTo>
+                    <a:pt x="5260975" y="0"/>
+                  </a:lnTo>
+                  <a:lnTo>
+                    <a:pt x="5260975" y="3296937"/>
+                  </a:lnTo>
+                  <a:lnTo>
+                    <a:pt x="5260975" y="3518571"/>
+                  </a:lnTo>
+                  <a:lnTo>
+                    <a:pt x="5226504" y="3534000"/>
+                  </a:lnTo>
+                  <a:cubicBezTo>
+                    <a:pt x="5219783" y="3536785"/>
+                    <a:pt x="5212389" y="3538321"/>
+                    <a:pt x="5206341" y="3542065"/>
+                  </a:cubicBezTo>
+                  <a:cubicBezTo>
+                    <a:pt x="5178495" y="3559156"/>
+                    <a:pt x="5151515" y="3577591"/>
+                    <a:pt x="5123287" y="3594010"/>
+                  </a:cubicBezTo>
+                  <a:cubicBezTo>
+                    <a:pt x="5094195" y="3611004"/>
+                    <a:pt x="5068175" y="3631071"/>
+                    <a:pt x="5048107" y="3658244"/>
+                  </a:cubicBezTo>
+                  <a:cubicBezTo>
+                    <a:pt x="5029480" y="3683496"/>
+                    <a:pt x="5011429" y="3709131"/>
+                    <a:pt x="4992899" y="3734479"/>
+                  </a:cubicBezTo>
+                  <a:cubicBezTo>
+                    <a:pt x="4988194" y="3740912"/>
+                    <a:pt x="4983874" y="3748498"/>
+                    <a:pt x="4977440" y="3752627"/>
+                  </a:cubicBezTo>
+                  <a:cubicBezTo>
+                    <a:pt x="4964094" y="3761268"/>
+                    <a:pt x="4949500" y="3768277"/>
+                    <a:pt x="4935194" y="3775382"/>
+                  </a:cubicBezTo>
+                  <a:cubicBezTo>
+                    <a:pt x="4922903" y="3781431"/>
+                    <a:pt x="4909846" y="3785943"/>
+                    <a:pt x="4897844" y="3792472"/>
+                  </a:cubicBezTo>
+                  <a:cubicBezTo>
+                    <a:pt x="4888243" y="3797658"/>
+                    <a:pt x="4879697" y="3804859"/>
+                    <a:pt x="4870767" y="3811388"/>
+                  </a:cubicBezTo>
+                  <a:cubicBezTo>
+                    <a:pt x="4862990" y="3817052"/>
+                    <a:pt x="4854445" y="3821949"/>
+                    <a:pt x="4847917" y="3828767"/>
+                  </a:cubicBezTo>
+                  <a:cubicBezTo>
+                    <a:pt x="4831977" y="3845281"/>
+                    <a:pt x="4815942" y="3861508"/>
+                    <a:pt x="4796163" y="3873702"/>
+                  </a:cubicBezTo>
+                  <a:cubicBezTo>
+                    <a:pt x="4776672" y="3885799"/>
+                    <a:pt x="4758237" y="3899338"/>
+                    <a:pt x="4738843" y="3911628"/>
+                  </a:cubicBezTo>
+                  <a:cubicBezTo>
+                    <a:pt x="4719831" y="3923630"/>
+                    <a:pt x="4702645" y="3936783"/>
+                    <a:pt x="4692755" y="3958099"/>
+                  </a:cubicBezTo>
+                  <a:cubicBezTo>
+                    <a:pt x="4688339" y="3967508"/>
+                    <a:pt x="4682097" y="3977782"/>
+                    <a:pt x="4673744" y="3983255"/>
+                  </a:cubicBezTo>
+                  <a:cubicBezTo>
+                    <a:pt x="4661838" y="3991032"/>
+                    <a:pt x="4646764" y="3993817"/>
+                    <a:pt x="4633801" y="4000442"/>
+                  </a:cubicBezTo>
+                  <a:cubicBezTo>
+                    <a:pt x="4618535" y="4008219"/>
+                    <a:pt x="4600869" y="4014940"/>
+                    <a:pt x="4590499" y="4027326"/>
+                  </a:cubicBezTo>
+                  <a:cubicBezTo>
+                    <a:pt x="4581281" y="4038368"/>
+                    <a:pt x="4571968" y="4047009"/>
+                    <a:pt x="4559773" y="4054018"/>
+                  </a:cubicBezTo>
+                  <a:cubicBezTo>
+                    <a:pt x="4551229" y="4058915"/>
+                    <a:pt x="4544892" y="4067844"/>
+                    <a:pt x="4536059" y="4071877"/>
+                  </a:cubicBezTo>
+                  <a:cubicBezTo>
+                    <a:pt x="4524442" y="4077254"/>
+                    <a:pt x="4512727" y="4081479"/>
+                    <a:pt x="4502550" y="4089832"/>
+                  </a:cubicBezTo>
+                  <a:cubicBezTo>
+                    <a:pt x="4491987" y="4098473"/>
+                    <a:pt x="4479986" y="4105290"/>
+                    <a:pt x="4468944" y="4113356"/>
+                  </a:cubicBezTo>
+                  <a:cubicBezTo>
+                    <a:pt x="4463087" y="4117676"/>
+                    <a:pt x="4458286" y="4123341"/>
+                    <a:pt x="4452623" y="4127854"/>
+                  </a:cubicBezTo>
+                  <a:cubicBezTo>
+                    <a:pt x="4442252" y="4136111"/>
+                    <a:pt x="4431690" y="4144176"/>
+                    <a:pt x="4421032" y="4151953"/>
+                  </a:cubicBezTo>
+                  <a:cubicBezTo>
+                    <a:pt x="4410375" y="4159731"/>
+                    <a:pt x="4400197" y="4168756"/>
+                    <a:pt x="4388483" y="4174421"/>
+                  </a:cubicBezTo>
+                  <a:cubicBezTo>
+                    <a:pt x="4368513" y="4184023"/>
+                    <a:pt x="4346717" y="4189784"/>
+                    <a:pt x="4327321" y="4200153"/>
+                  </a:cubicBezTo>
+                  <a:cubicBezTo>
+                    <a:pt x="4307639" y="4210714"/>
+                    <a:pt x="4289107" y="4223965"/>
+                    <a:pt x="4271633" y="4237983"/>
+                  </a:cubicBezTo>
+                  <a:cubicBezTo>
+                    <a:pt x="4257807" y="4249025"/>
+                    <a:pt x="4244845" y="4259971"/>
+                    <a:pt x="4227465" y="4265635"/>
+                  </a:cubicBezTo>
+                  <a:cubicBezTo>
+                    <a:pt x="4217768" y="4268804"/>
+                    <a:pt x="4207591" y="4275717"/>
+                    <a:pt x="4201733" y="4283783"/>
+                  </a:cubicBezTo>
+                  <a:cubicBezTo>
+                    <a:pt x="4189059" y="4301353"/>
+                    <a:pt x="4172833" y="4313739"/>
+                    <a:pt x="4154494" y="4324301"/>
+                  </a:cubicBezTo>
+                  <a:cubicBezTo>
+                    <a:pt x="4130010" y="4338511"/>
+                    <a:pt x="4105814" y="4353009"/>
+                    <a:pt x="4081234" y="4366931"/>
+                  </a:cubicBezTo>
+                  <a:cubicBezTo>
+                    <a:pt x="4066737" y="4375189"/>
+                    <a:pt x="4052335" y="4383926"/>
+                    <a:pt x="4036971" y="4389975"/>
+                  </a:cubicBezTo>
+                  <a:cubicBezTo>
+                    <a:pt x="4005575" y="4402457"/>
+                    <a:pt x="3973410" y="4413114"/>
+                    <a:pt x="3941725" y="4424733"/>
+                  </a:cubicBezTo>
+                  <a:cubicBezTo>
+                    <a:pt x="3931355" y="4428477"/>
+                    <a:pt x="3921561" y="4433854"/>
+                    <a:pt x="3910999" y="4437119"/>
+                  </a:cubicBezTo>
+                  <a:cubicBezTo>
+                    <a:pt x="3899573" y="4440671"/>
+                    <a:pt x="3887285" y="4441727"/>
+                    <a:pt x="3875859" y="4445280"/>
+                  </a:cubicBezTo>
+                  <a:cubicBezTo>
+                    <a:pt x="3856847" y="4451136"/>
+                    <a:pt x="3838412" y="4458626"/>
+                    <a:pt x="3819401" y="4464579"/>
+                  </a:cubicBezTo>
+                  <a:cubicBezTo>
+                    <a:pt x="3782723" y="4476005"/>
+                    <a:pt x="3745949" y="4486951"/>
+                    <a:pt x="3709176" y="4497800"/>
+                  </a:cubicBezTo>
+                  <a:cubicBezTo>
+                    <a:pt x="3701303" y="4500105"/>
+                    <a:pt x="3692757" y="4500393"/>
+                    <a:pt x="3684981" y="4502889"/>
+                  </a:cubicBezTo>
+                  <a:cubicBezTo>
+                    <a:pt x="3664337" y="4509610"/>
+                    <a:pt x="3643789" y="4516907"/>
+                    <a:pt x="3623338" y="4524300"/>
+                  </a:cubicBezTo>
+                  <a:cubicBezTo>
+                    <a:pt x="3610953" y="4528813"/>
+                    <a:pt x="3598854" y="4534382"/>
+                    <a:pt x="3586373" y="4538702"/>
+                  </a:cubicBezTo>
+                  <a:cubicBezTo>
+                    <a:pt x="3576387" y="4542159"/>
+                    <a:pt x="3566113" y="4544847"/>
+                    <a:pt x="3555743" y="4546960"/>
+                  </a:cubicBezTo>
+                  <a:cubicBezTo>
+                    <a:pt x="3546814" y="4548785"/>
+                    <a:pt x="3537501" y="4548592"/>
+                    <a:pt x="3528667" y="4550801"/>
+                  </a:cubicBezTo>
+                  <a:cubicBezTo>
+                    <a:pt x="3504759" y="4556753"/>
+                    <a:pt x="3481140" y="4563475"/>
+                    <a:pt x="3457424" y="4569811"/>
+                  </a:cubicBezTo>
+                  <a:cubicBezTo>
+                    <a:pt x="3447919" y="4572308"/>
+                    <a:pt x="3438221" y="4574133"/>
+                    <a:pt x="3429003" y="4577301"/>
+                  </a:cubicBezTo>
+                  <a:cubicBezTo>
+                    <a:pt x="3404327" y="4585654"/>
+                    <a:pt x="3380036" y="4595159"/>
+                    <a:pt x="3355264" y="4603033"/>
+                  </a:cubicBezTo>
+                  <a:cubicBezTo>
+                    <a:pt x="3334717" y="4609562"/>
+                    <a:pt x="3313593" y="4614266"/>
+                    <a:pt x="3292757" y="4620027"/>
+                  </a:cubicBezTo>
+                  <a:cubicBezTo>
+                    <a:pt x="3283924" y="4622524"/>
+                    <a:pt x="3275475" y="4626077"/>
+                    <a:pt x="3266643" y="4628188"/>
+                  </a:cubicBezTo>
+                  <a:cubicBezTo>
+                    <a:pt x="3246863" y="4632990"/>
+                    <a:pt x="3226796" y="4637022"/>
+                    <a:pt x="3206921" y="4641823"/>
+                  </a:cubicBezTo>
+                  <a:cubicBezTo>
+                    <a:pt x="3195590" y="4644607"/>
+                    <a:pt x="3184645" y="4649600"/>
+                    <a:pt x="3173123" y="4651425"/>
+                  </a:cubicBezTo>
+                  <a:cubicBezTo>
+                    <a:pt x="3145759" y="4655745"/>
+                    <a:pt x="3118203" y="4658817"/>
+                    <a:pt x="3090646" y="4662274"/>
+                  </a:cubicBezTo>
+                  <a:cubicBezTo>
+                    <a:pt x="3062227" y="4665826"/>
+                    <a:pt x="3033902" y="4669571"/>
+                    <a:pt x="3005480" y="4672739"/>
+                  </a:cubicBezTo>
+                  <a:cubicBezTo>
+                    <a:pt x="2989926" y="4674372"/>
+                    <a:pt x="2974275" y="4674660"/>
+                    <a:pt x="2958721" y="4676196"/>
+                  </a:cubicBezTo>
+                  <a:cubicBezTo>
+                    <a:pt x="2945087" y="4677541"/>
+                    <a:pt x="2931549" y="4680037"/>
+                    <a:pt x="2917915" y="4681670"/>
+                  </a:cubicBezTo>
+                  <a:cubicBezTo>
+                    <a:pt x="2906105" y="4683013"/>
+                    <a:pt x="2894199" y="4683781"/>
+                    <a:pt x="2882389" y="4685126"/>
+                  </a:cubicBezTo>
+                  <a:cubicBezTo>
+                    <a:pt x="2863475" y="4687334"/>
+                    <a:pt x="2844655" y="4689831"/>
+                    <a:pt x="2825837" y="4692135"/>
+                  </a:cubicBezTo>
+                  <a:cubicBezTo>
+                    <a:pt x="2817964" y="4692999"/>
+                    <a:pt x="2809706" y="4695399"/>
+                    <a:pt x="2802313" y="4693960"/>
+                  </a:cubicBezTo>
+                  <a:cubicBezTo>
+                    <a:pt x="2783686" y="4690310"/>
+                    <a:pt x="2765347" y="4691367"/>
+                    <a:pt x="2746816" y="4693863"/>
+                  </a:cubicBezTo>
+                  <a:cubicBezTo>
+                    <a:pt x="2740479" y="4694728"/>
+                    <a:pt x="2733662" y="4694535"/>
+                    <a:pt x="2727517" y="4692903"/>
+                  </a:cubicBezTo>
+                  <a:cubicBezTo>
+                    <a:pt x="2714939" y="4689638"/>
+                    <a:pt x="2702745" y="4685029"/>
+                    <a:pt x="2690359" y="4680997"/>
+                  </a:cubicBezTo>
+                  <a:cubicBezTo>
+                    <a:pt x="2689014" y="4680517"/>
+                    <a:pt x="2687382" y="4680421"/>
+                    <a:pt x="2685943" y="4680133"/>
+                  </a:cubicBezTo>
+                  <a:cubicBezTo>
+                    <a:pt x="2677781" y="4678500"/>
+                    <a:pt x="2669717" y="4676868"/>
+                    <a:pt x="2661554" y="4675428"/>
+                  </a:cubicBezTo>
+                  <a:cubicBezTo>
+                    <a:pt x="2657138" y="4674660"/>
+                    <a:pt x="2652625" y="4674564"/>
+                    <a:pt x="2648208" y="4673892"/>
+                  </a:cubicBezTo>
+                  <a:cubicBezTo>
+                    <a:pt x="2631118" y="4671203"/>
+                    <a:pt x="2612299" y="4675716"/>
+                    <a:pt x="2597512" y="4664099"/>
+                  </a:cubicBezTo>
+                  <a:cubicBezTo>
+                    <a:pt x="2587911" y="4656609"/>
+                    <a:pt x="2578597" y="4658338"/>
+                    <a:pt x="2568324" y="4659490"/>
+                  </a:cubicBezTo>
+                  <a:cubicBezTo>
+                    <a:pt x="2560547" y="4660354"/>
+                    <a:pt x="2552577" y="4660065"/>
+                    <a:pt x="2544704" y="4660162"/>
+                  </a:cubicBezTo>
+                  <a:cubicBezTo>
+                    <a:pt x="2530878" y="4660449"/>
+                    <a:pt x="2517052" y="4660546"/>
+                    <a:pt x="2503225" y="4661026"/>
+                  </a:cubicBezTo>
+                  <a:cubicBezTo>
+                    <a:pt x="2498808" y="4661218"/>
+                    <a:pt x="2494297" y="4663619"/>
+                    <a:pt x="2489975" y="4663235"/>
+                  </a:cubicBezTo>
+                  <a:cubicBezTo>
+                    <a:pt x="2470004" y="4661410"/>
+                    <a:pt x="2450033" y="4658529"/>
+                    <a:pt x="2430061" y="4656897"/>
+                  </a:cubicBezTo>
+                  <a:cubicBezTo>
+                    <a:pt x="2418732" y="4655938"/>
+                    <a:pt x="2407114" y="4657761"/>
+                    <a:pt x="2395880" y="4656417"/>
+                  </a:cubicBezTo>
+                  <a:cubicBezTo>
+                    <a:pt x="2382919" y="4654881"/>
+                    <a:pt x="2370245" y="4650945"/>
+                    <a:pt x="2357378" y="4648544"/>
+                  </a:cubicBezTo>
+                  <a:cubicBezTo>
+                    <a:pt x="2353826" y="4647872"/>
+                    <a:pt x="2349889" y="4648736"/>
+                    <a:pt x="2346145" y="4648928"/>
+                  </a:cubicBezTo>
+                  <a:cubicBezTo>
+                    <a:pt x="2341920" y="4649120"/>
+                    <a:pt x="2337791" y="4649504"/>
+                    <a:pt x="2333567" y="4649600"/>
+                  </a:cubicBezTo>
+                  <a:cubicBezTo>
+                    <a:pt x="2320700" y="4649793"/>
+                    <a:pt x="2307835" y="4649504"/>
+                    <a:pt x="2294968" y="4650177"/>
+                  </a:cubicBezTo>
+                  <a:cubicBezTo>
+                    <a:pt x="2287095" y="4650561"/>
+                    <a:pt x="2278839" y="4654497"/>
+                    <a:pt x="2271540" y="4653057"/>
+                  </a:cubicBezTo>
+                  <a:cubicBezTo>
+                    <a:pt x="2256659" y="4650272"/>
+                    <a:pt x="2241776" y="4656513"/>
+                    <a:pt x="2226895" y="4651329"/>
+                  </a:cubicBezTo>
+                  <a:cubicBezTo>
+                    <a:pt x="2222285" y="4649793"/>
+                    <a:pt x="2215948" y="4653633"/>
+                    <a:pt x="2210379" y="4653825"/>
+                  </a:cubicBezTo>
+                  <a:cubicBezTo>
+                    <a:pt x="2196457" y="4654305"/>
+                    <a:pt x="2182535" y="4654209"/>
+                    <a:pt x="2168613" y="4654113"/>
+                  </a:cubicBezTo>
+                  <a:cubicBezTo>
+                    <a:pt x="2156131" y="4654017"/>
+                    <a:pt x="2143168" y="4655361"/>
+                    <a:pt x="2131167" y="4652673"/>
+                  </a:cubicBezTo>
+                  <a:cubicBezTo>
+                    <a:pt x="2118588" y="4649793"/>
+                    <a:pt x="2107259" y="4650177"/>
+                    <a:pt x="2095065" y="4653441"/>
+                  </a:cubicBezTo>
+                  <a:cubicBezTo>
+                    <a:pt x="2086711" y="4655649"/>
+                    <a:pt x="2077878" y="4655938"/>
+                    <a:pt x="2069237" y="4656609"/>
+                  </a:cubicBezTo>
+                  <a:cubicBezTo>
+                    <a:pt x="2059924" y="4657377"/>
+                    <a:pt x="2049650" y="4655361"/>
+                    <a:pt x="2041201" y="4658529"/>
+                  </a:cubicBezTo>
+                  <a:cubicBezTo>
+                    <a:pt x="2016044" y="4667939"/>
+                    <a:pt x="1990216" y="4669955"/>
+                    <a:pt x="1963909" y="4669955"/>
+                  </a:cubicBezTo>
+                  <a:cubicBezTo>
+                    <a:pt x="1959107" y="4669955"/>
+                    <a:pt x="1954210" y="4668612"/>
+                    <a:pt x="1949603" y="4667171"/>
+                  </a:cubicBezTo>
+                  <a:cubicBezTo>
+                    <a:pt x="1922717" y="4658529"/>
+                    <a:pt x="1895737" y="4659297"/>
+                    <a:pt x="1868373" y="4664578"/>
+                  </a:cubicBezTo>
+                  <a:cubicBezTo>
+                    <a:pt x="1862708" y="4665731"/>
+                    <a:pt x="1856372" y="4665923"/>
+                    <a:pt x="1850707" y="4664771"/>
+                  </a:cubicBezTo>
+                  <a:cubicBezTo>
+                    <a:pt x="1834768" y="4661410"/>
+                    <a:pt x="1819309" y="4655841"/>
+                    <a:pt x="1803275" y="4653441"/>
+                  </a:cubicBezTo>
+                  <a:cubicBezTo>
+                    <a:pt x="1776775" y="4649504"/>
+                    <a:pt x="1753828" y="4662754"/>
+                    <a:pt x="1730112" y="4671396"/>
+                  </a:cubicBezTo>
+                  <a:cubicBezTo>
+                    <a:pt x="1707548" y="4679557"/>
+                    <a:pt x="1688345" y="4697992"/>
+                    <a:pt x="1661652" y="4693863"/>
+                  </a:cubicBezTo>
+                  <a:cubicBezTo>
+                    <a:pt x="1658965" y="4693479"/>
+                    <a:pt x="1655988" y="4696071"/>
+                    <a:pt x="1653011" y="4696744"/>
+                  </a:cubicBezTo>
+                  <a:cubicBezTo>
+                    <a:pt x="1644850" y="4698568"/>
+                    <a:pt x="1636689" y="4700776"/>
+                    <a:pt x="1628431" y="4701641"/>
+                  </a:cubicBezTo>
+                  <a:cubicBezTo>
+                    <a:pt x="1618350" y="4702793"/>
+                    <a:pt x="1608076" y="4702409"/>
+                    <a:pt x="1597995" y="4703369"/>
+                  </a:cubicBezTo>
+                  <a:cubicBezTo>
+                    <a:pt x="1585032" y="4704521"/>
+                    <a:pt x="1572263" y="4707593"/>
+                    <a:pt x="1559396" y="4707593"/>
+                  </a:cubicBezTo>
+                  <a:cubicBezTo>
+                    <a:pt x="1549026" y="4707593"/>
+                    <a:pt x="1538753" y="4704041"/>
+                    <a:pt x="1528480" y="4702312"/>
+                  </a:cubicBezTo>
+                  <a:cubicBezTo>
+                    <a:pt x="1513981" y="4699912"/>
+                    <a:pt x="1498042" y="4700584"/>
+                    <a:pt x="1485272" y="4694439"/>
+                  </a:cubicBezTo>
+                  <a:cubicBezTo>
+                    <a:pt x="1471639" y="4687910"/>
+                    <a:pt x="1458676" y="4684934"/>
+                    <a:pt x="1444562" y="4686950"/>
+                  </a:cubicBezTo>
+                  <a:cubicBezTo>
+                    <a:pt x="1439857" y="4687622"/>
+                    <a:pt x="1433808" y="4691655"/>
+                    <a:pt x="1431696" y="4695783"/>
+                  </a:cubicBezTo>
+                  <a:cubicBezTo>
+                    <a:pt x="1426991" y="4705001"/>
+                    <a:pt x="1420559" y="4706634"/>
+                    <a:pt x="1411821" y="4703464"/>
+                  </a:cubicBezTo>
+                  <a:cubicBezTo>
+                    <a:pt x="1404236" y="4700776"/>
+                    <a:pt x="1394922" y="4699432"/>
+                    <a:pt x="1389738" y="4694247"/>
+                  </a:cubicBezTo>
+                  <a:cubicBezTo>
+                    <a:pt x="1375047" y="4679557"/>
+                    <a:pt x="1356324" y="4679077"/>
+                    <a:pt x="1338081" y="4675141"/>
+                  </a:cubicBezTo>
+                  <a:cubicBezTo>
+                    <a:pt x="1326945" y="4672739"/>
+                    <a:pt x="1316574" y="4672644"/>
+                    <a:pt x="1305436" y="4674276"/>
+                  </a:cubicBezTo>
+                  <a:cubicBezTo>
+                    <a:pt x="1281241" y="4677925"/>
+                    <a:pt x="1257717" y="4672739"/>
+                    <a:pt x="1234481" y="4666115"/>
+                  </a:cubicBezTo>
+                  <a:cubicBezTo>
+                    <a:pt x="1219118" y="4661698"/>
+                    <a:pt x="1203372" y="4659010"/>
+                    <a:pt x="1188106" y="4654497"/>
+                  </a:cubicBezTo>
+                  <a:cubicBezTo>
+                    <a:pt x="1176680" y="4651041"/>
+                    <a:pt x="1165255" y="4646912"/>
+                    <a:pt x="1154790" y="4641343"/>
+                  </a:cubicBezTo>
+                  <a:cubicBezTo>
+                    <a:pt x="1139618" y="4633181"/>
+                    <a:pt x="1126369" y="4620891"/>
+                    <a:pt x="1107069" y="4624156"/>
+                  </a:cubicBezTo>
+                  <a:cubicBezTo>
+                    <a:pt x="1090074" y="4627036"/>
+                    <a:pt x="1074713" y="4620988"/>
+                    <a:pt x="1059158" y="4615227"/>
+                  </a:cubicBezTo>
+                  <a:cubicBezTo>
+                    <a:pt x="1047732" y="4611002"/>
+                    <a:pt x="1036308" y="4606681"/>
+                    <a:pt x="1024496" y="4603993"/>
+                  </a:cubicBezTo>
+                  <a:cubicBezTo>
+                    <a:pt x="1010478" y="4600824"/>
+                    <a:pt x="994635" y="4602169"/>
+                    <a:pt x="982153" y="4596311"/>
+                  </a:cubicBezTo>
+                  <a:cubicBezTo>
+                    <a:pt x="969095" y="4590166"/>
+                    <a:pt x="958246" y="4594295"/>
+                    <a:pt x="946628" y="4596024"/>
+                  </a:cubicBezTo>
+                  <a:cubicBezTo>
+                    <a:pt x="928097" y="4598712"/>
+                    <a:pt x="909661" y="4603705"/>
+                    <a:pt x="890939" y="4597368"/>
+                  </a:cubicBezTo>
+                  <a:cubicBezTo>
+                    <a:pt x="868184" y="4589687"/>
+                    <a:pt x="845620" y="4581430"/>
+                    <a:pt x="822769" y="4574133"/>
+                  </a:cubicBezTo>
+                  <a:cubicBezTo>
+                    <a:pt x="813934" y="4571347"/>
+                    <a:pt x="804431" y="4570195"/>
+                    <a:pt x="795212" y="4568947"/>
+                  </a:cubicBezTo>
+                  <a:cubicBezTo>
+                    <a:pt x="786476" y="4567891"/>
+                    <a:pt x="776010" y="4570579"/>
+                    <a:pt x="769288" y="4566547"/>
+                  </a:cubicBezTo>
+                  <a:cubicBezTo>
+                    <a:pt x="752005" y="4556178"/>
+                    <a:pt x="734243" y="4551089"/>
+                    <a:pt x="714271" y="4551089"/>
+                  </a:cubicBezTo>
+                  <a:cubicBezTo>
+                    <a:pt x="706781" y="4551089"/>
+                    <a:pt x="699484" y="4546768"/>
+                    <a:pt x="691900" y="4545999"/>
+                  </a:cubicBezTo>
+                  <a:cubicBezTo>
+                    <a:pt x="681529" y="4545040"/>
+                    <a:pt x="669623" y="4542447"/>
+                    <a:pt x="660598" y="4546096"/>
+                  </a:cubicBezTo>
+                  <a:cubicBezTo>
+                    <a:pt x="639379" y="4554737"/>
+                    <a:pt x="622193" y="4547536"/>
+                    <a:pt x="603662" y="4538991"/>
+                  </a:cubicBezTo>
+                  <a:cubicBezTo>
+                    <a:pt x="585418" y="4530541"/>
+                    <a:pt x="566215" y="4523821"/>
+                    <a:pt x="546821" y="4518251"/>
+                  </a:cubicBezTo>
+                  <a:cubicBezTo>
+                    <a:pt x="539524" y="4516235"/>
+                    <a:pt x="530787" y="4519596"/>
+                    <a:pt x="522721" y="4520267"/>
+                  </a:cubicBezTo>
+                  <a:cubicBezTo>
+                    <a:pt x="519840" y="4520460"/>
+                    <a:pt x="516671" y="4520748"/>
+                    <a:pt x="514080" y="4519788"/>
+                  </a:cubicBezTo>
+                  <a:cubicBezTo>
+                    <a:pt x="489020" y="4510570"/>
+                    <a:pt x="463575" y="4503561"/>
+                    <a:pt x="436404" y="4508361"/>
+                  </a:cubicBezTo>
+                  <a:cubicBezTo>
+                    <a:pt x="433908" y="4508842"/>
+                    <a:pt x="431123" y="4507786"/>
+                    <a:pt x="428626" y="4507114"/>
+                  </a:cubicBezTo>
+                  <a:cubicBezTo>
+                    <a:pt x="416432" y="4503657"/>
+                    <a:pt x="404526" y="4498184"/>
+                    <a:pt x="392141" y="4496936"/>
+                  </a:cubicBezTo>
+                  <a:cubicBezTo>
+                    <a:pt x="361608" y="4493864"/>
+                    <a:pt x="330884" y="4492615"/>
+                    <a:pt x="300157" y="4490599"/>
+                  </a:cubicBezTo>
+                  <a:cubicBezTo>
+                    <a:pt x="298237" y="4490503"/>
+                    <a:pt x="296221" y="4490503"/>
+                    <a:pt x="294493" y="4489831"/>
+                  </a:cubicBezTo>
+                  <a:cubicBezTo>
+                    <a:pt x="283163" y="4485702"/>
+                    <a:pt x="273274" y="4487047"/>
+                    <a:pt x="263671" y="4494919"/>
+                  </a:cubicBezTo>
+                  <a:cubicBezTo>
+                    <a:pt x="259447" y="4498376"/>
+                    <a:pt x="253686" y="4500200"/>
+                    <a:pt x="248406" y="4502121"/>
+                  </a:cubicBezTo>
+                  <a:cubicBezTo>
+                    <a:pt x="240628" y="4505002"/>
+                    <a:pt x="232659" y="4507786"/>
+                    <a:pt x="224594" y="4509610"/>
+                  </a:cubicBezTo>
+                  <a:cubicBezTo>
+                    <a:pt x="216624" y="4511338"/>
+                    <a:pt x="208079" y="4513738"/>
+                    <a:pt x="200398" y="4512395"/>
+                  </a:cubicBezTo>
+                  <a:cubicBezTo>
+                    <a:pt x="186572" y="4509994"/>
+                    <a:pt x="173417" y="4504618"/>
+                    <a:pt x="159783" y="4501064"/>
+                  </a:cubicBezTo>
+                  <a:cubicBezTo>
+                    <a:pt x="155079" y="4499816"/>
+                    <a:pt x="149893" y="4500009"/>
+                    <a:pt x="144997" y="4499912"/>
+                  </a:cubicBezTo>
+                  <a:cubicBezTo>
+                    <a:pt x="133763" y="4499625"/>
+                    <a:pt x="122241" y="4502409"/>
+                    <a:pt x="112064" y="4494440"/>
+                  </a:cubicBezTo>
+                  <a:cubicBezTo>
+                    <a:pt x="102655" y="4486951"/>
+                    <a:pt x="93148" y="4489158"/>
+                    <a:pt x="83259" y="4494824"/>
+                  </a:cubicBezTo>
+                  <a:cubicBezTo>
+                    <a:pt x="76154" y="4498857"/>
+                    <a:pt x="68090" y="4502025"/>
+                    <a:pt x="60120" y="4503561"/>
+                  </a:cubicBezTo>
+                  <a:cubicBezTo>
+                    <a:pt x="49174" y="4505673"/>
+                    <a:pt x="38324" y="4506538"/>
+                    <a:pt x="26514" y="4505289"/>
+                  </a:cubicBezTo>
+                  <a:cubicBezTo>
+                    <a:pt x="18161" y="4504425"/>
+                    <a:pt x="11343" y="4504041"/>
+                    <a:pt x="4814" y="4498952"/>
+                  </a:cubicBezTo>
+                  <a:cubicBezTo>
+                    <a:pt x="3759" y="4498184"/>
+                    <a:pt x="1839" y="4497992"/>
+                    <a:pt x="398" y="4498089"/>
+                  </a:cubicBezTo>
+                  <a:lnTo>
+                    <a:pt x="0" y="4498087"/>
+                  </a:lnTo>
+                  <a:close/>
+                </a:path>
+              </a:pathLst>
+            </a:custGeom>
+            <a:solidFill>
+              <a:schemeClr val="tx1"/>
+            </a:solidFill>
+            <a:ln w="12700" cap="flat" cmpd="sng" algn="ctr">
+              <a:noFill/>
+              <a:prstDash val="solid"/>
+              <a:miter lim="800000"/>
+            </a:ln>
+            <a:effectLst/>
+          </p:spPr>
+          <p:style>
+            <a:lnRef idx="2">
+              <a:schemeClr val="accent1">
+                <a:shade val="50000"/>
+              </a:schemeClr>
+            </a:lnRef>
+            <a:fillRef idx="1">
+              <a:schemeClr val="accent1"/>
+            </a:fillRef>
+            <a:effectRef idx="0">
+              <a:schemeClr val="accent1"/>
+            </a:effectRef>
+            <a:fontRef idx="minor">
+              <a:schemeClr val="lt1"/>
+            </a:fontRef>
+          </p:style>
+          <p:txBody>
+            <a:bodyPr wrap="square" rtlCol="0" anchor="ctr">
+              <a:noAutofit/>
+            </a:bodyPr>
+            <a:lstStyle/>
+            <a:p>
+              <a:pPr algn="ctr"/>
+              <a:endParaRPr lang="en-US" dirty="0">
+                <a:solidFill>
+                  <a:schemeClr val="lt1">
+                    <a:alpha val="14000"/>
+                  </a:schemeClr>
+                </a:solidFill>
+              </a:endParaRPr>
+            </a:p>
+          </p:txBody>
+        </p:sp>
+        <p:sp>
+          <p:nvSpPr>
+            <p:cNvPr id="12" name="Freeform: Shape 11">
+              <a:extLst>
+                <a:ext uri="{FF2B5EF4-FFF2-40B4-BE49-F238E27FC236}">
+                  <a16:creationId xmlns:a16="http://schemas.microsoft.com/office/drawing/2014/main" id="{EE5154B2-BEF9-4C08-B6B1-9DED9F17C4B7}"/>
+                </a:ext>
+                <a:ext uri="{C183D7F6-B498-43B3-948B-1728B52AA6E4}">
+                  <adec:decorative xmlns:adec="http://schemas.microsoft.com/office/drawing/2017/decorative" val="1"/>
+                </a:ext>
+              </a:extLst>
+            </p:cNvPr>
+            <p:cNvSpPr/>
+            <p:nvPr>
+              <p:extLst>
+                <p:ext uri="{386F3935-93C4-4BCD-93E2-E3B085C9AB24}">
+                  <p16:designElem xmlns:p16="http://schemas.microsoft.com/office/powerpoint/2015/main" val="1"/>
+                </p:ext>
+              </p:extLst>
+            </p:nvPr>
+          </p:nvSpPr>
+          <p:spPr>
+            <a:xfrm>
+              <a:off x="827089" y="1498602"/>
+              <a:ext cx="4403345" cy="3940174"/>
+            </a:xfrm>
+            <a:custGeom>
+              <a:avLst/>
+              <a:gdLst>
+                <a:gd name="connsiteX0" fmla="*/ 0 w 5260975"/>
+                <a:gd name="connsiteY0" fmla="*/ 0 h 4707593"/>
+                <a:gd name="connsiteX1" fmla="*/ 5260975 w 5260975"/>
+                <a:gd name="connsiteY1" fmla="*/ 0 h 4707593"/>
+                <a:gd name="connsiteX2" fmla="*/ 5260975 w 5260975"/>
+                <a:gd name="connsiteY2" fmla="*/ 3296937 h 4707593"/>
+                <a:gd name="connsiteX3" fmla="*/ 5260975 w 5260975"/>
+                <a:gd name="connsiteY3" fmla="*/ 3518571 h 4707593"/>
+                <a:gd name="connsiteX4" fmla="*/ 5226504 w 5260975"/>
+                <a:gd name="connsiteY4" fmla="*/ 3534000 h 4707593"/>
+                <a:gd name="connsiteX5" fmla="*/ 5206341 w 5260975"/>
+                <a:gd name="connsiteY5" fmla="*/ 3542065 h 4707593"/>
+                <a:gd name="connsiteX6" fmla="*/ 5123287 w 5260975"/>
+                <a:gd name="connsiteY6" fmla="*/ 3594010 h 4707593"/>
+                <a:gd name="connsiteX7" fmla="*/ 5048107 w 5260975"/>
+                <a:gd name="connsiteY7" fmla="*/ 3658244 h 4707593"/>
+                <a:gd name="connsiteX8" fmla="*/ 4992899 w 5260975"/>
+                <a:gd name="connsiteY8" fmla="*/ 3734479 h 4707593"/>
+                <a:gd name="connsiteX9" fmla="*/ 4977440 w 5260975"/>
+                <a:gd name="connsiteY9" fmla="*/ 3752627 h 4707593"/>
+                <a:gd name="connsiteX10" fmla="*/ 4935194 w 5260975"/>
+                <a:gd name="connsiteY10" fmla="*/ 3775382 h 4707593"/>
+                <a:gd name="connsiteX11" fmla="*/ 4897844 w 5260975"/>
+                <a:gd name="connsiteY11" fmla="*/ 3792472 h 4707593"/>
+                <a:gd name="connsiteX12" fmla="*/ 4870767 w 5260975"/>
+                <a:gd name="connsiteY12" fmla="*/ 3811388 h 4707593"/>
+                <a:gd name="connsiteX13" fmla="*/ 4847917 w 5260975"/>
+                <a:gd name="connsiteY13" fmla="*/ 3828767 h 4707593"/>
+                <a:gd name="connsiteX14" fmla="*/ 4796163 w 5260975"/>
+                <a:gd name="connsiteY14" fmla="*/ 3873702 h 4707593"/>
+                <a:gd name="connsiteX15" fmla="*/ 4738843 w 5260975"/>
+                <a:gd name="connsiteY15" fmla="*/ 3911628 h 4707593"/>
+                <a:gd name="connsiteX16" fmla="*/ 4692755 w 5260975"/>
+                <a:gd name="connsiteY16" fmla="*/ 3958099 h 4707593"/>
+                <a:gd name="connsiteX17" fmla="*/ 4673744 w 5260975"/>
+                <a:gd name="connsiteY17" fmla="*/ 3983255 h 4707593"/>
+                <a:gd name="connsiteX18" fmla="*/ 4633801 w 5260975"/>
+                <a:gd name="connsiteY18" fmla="*/ 4000442 h 4707593"/>
+                <a:gd name="connsiteX19" fmla="*/ 4590499 w 5260975"/>
+                <a:gd name="connsiteY19" fmla="*/ 4027326 h 4707593"/>
+                <a:gd name="connsiteX20" fmla="*/ 4559773 w 5260975"/>
+                <a:gd name="connsiteY20" fmla="*/ 4054018 h 4707593"/>
+                <a:gd name="connsiteX21" fmla="*/ 4536059 w 5260975"/>
+                <a:gd name="connsiteY21" fmla="*/ 4071877 h 4707593"/>
+                <a:gd name="connsiteX22" fmla="*/ 4502550 w 5260975"/>
+                <a:gd name="connsiteY22" fmla="*/ 4089832 h 4707593"/>
+                <a:gd name="connsiteX23" fmla="*/ 4468944 w 5260975"/>
+                <a:gd name="connsiteY23" fmla="*/ 4113356 h 4707593"/>
+                <a:gd name="connsiteX24" fmla="*/ 4452623 w 5260975"/>
+                <a:gd name="connsiteY24" fmla="*/ 4127854 h 4707593"/>
+                <a:gd name="connsiteX25" fmla="*/ 4421032 w 5260975"/>
+                <a:gd name="connsiteY25" fmla="*/ 4151953 h 4707593"/>
+                <a:gd name="connsiteX26" fmla="*/ 4388483 w 5260975"/>
+                <a:gd name="connsiteY26" fmla="*/ 4174421 h 4707593"/>
+                <a:gd name="connsiteX27" fmla="*/ 4327321 w 5260975"/>
+                <a:gd name="connsiteY27" fmla="*/ 4200153 h 4707593"/>
+                <a:gd name="connsiteX28" fmla="*/ 4271633 w 5260975"/>
+                <a:gd name="connsiteY28" fmla="*/ 4237983 h 4707593"/>
+                <a:gd name="connsiteX29" fmla="*/ 4227465 w 5260975"/>
+                <a:gd name="connsiteY29" fmla="*/ 4265635 h 4707593"/>
+                <a:gd name="connsiteX30" fmla="*/ 4201733 w 5260975"/>
+                <a:gd name="connsiteY30" fmla="*/ 4283783 h 4707593"/>
+                <a:gd name="connsiteX31" fmla="*/ 4154494 w 5260975"/>
+                <a:gd name="connsiteY31" fmla="*/ 4324301 h 4707593"/>
+                <a:gd name="connsiteX32" fmla="*/ 4081234 w 5260975"/>
+                <a:gd name="connsiteY32" fmla="*/ 4366931 h 4707593"/>
+                <a:gd name="connsiteX33" fmla="*/ 4036971 w 5260975"/>
+                <a:gd name="connsiteY33" fmla="*/ 4389975 h 4707593"/>
+                <a:gd name="connsiteX34" fmla="*/ 3941725 w 5260975"/>
+                <a:gd name="connsiteY34" fmla="*/ 4424733 h 4707593"/>
+                <a:gd name="connsiteX35" fmla="*/ 3910999 w 5260975"/>
+                <a:gd name="connsiteY35" fmla="*/ 4437119 h 4707593"/>
+                <a:gd name="connsiteX36" fmla="*/ 3875859 w 5260975"/>
+                <a:gd name="connsiteY36" fmla="*/ 4445280 h 4707593"/>
+                <a:gd name="connsiteX37" fmla="*/ 3819401 w 5260975"/>
+                <a:gd name="connsiteY37" fmla="*/ 4464579 h 4707593"/>
+                <a:gd name="connsiteX38" fmla="*/ 3709176 w 5260975"/>
+                <a:gd name="connsiteY38" fmla="*/ 4497800 h 4707593"/>
+                <a:gd name="connsiteX39" fmla="*/ 3684981 w 5260975"/>
+                <a:gd name="connsiteY39" fmla="*/ 4502889 h 4707593"/>
+                <a:gd name="connsiteX40" fmla="*/ 3623338 w 5260975"/>
+                <a:gd name="connsiteY40" fmla="*/ 4524300 h 4707593"/>
+                <a:gd name="connsiteX41" fmla="*/ 3586373 w 5260975"/>
+                <a:gd name="connsiteY41" fmla="*/ 4538702 h 4707593"/>
+                <a:gd name="connsiteX42" fmla="*/ 3555743 w 5260975"/>
+                <a:gd name="connsiteY42" fmla="*/ 4546960 h 4707593"/>
+                <a:gd name="connsiteX43" fmla="*/ 3528667 w 5260975"/>
+                <a:gd name="connsiteY43" fmla="*/ 4550801 h 4707593"/>
+                <a:gd name="connsiteX44" fmla="*/ 3457424 w 5260975"/>
+                <a:gd name="connsiteY44" fmla="*/ 4569811 h 4707593"/>
+                <a:gd name="connsiteX45" fmla="*/ 3429003 w 5260975"/>
+                <a:gd name="connsiteY45" fmla="*/ 4577301 h 4707593"/>
+                <a:gd name="connsiteX46" fmla="*/ 3355264 w 5260975"/>
+                <a:gd name="connsiteY46" fmla="*/ 4603033 h 4707593"/>
+                <a:gd name="connsiteX47" fmla="*/ 3292757 w 5260975"/>
+                <a:gd name="connsiteY47" fmla="*/ 4620027 h 4707593"/>
+                <a:gd name="connsiteX48" fmla="*/ 3266643 w 5260975"/>
+                <a:gd name="connsiteY48" fmla="*/ 4628188 h 4707593"/>
+                <a:gd name="connsiteX49" fmla="*/ 3206921 w 5260975"/>
+                <a:gd name="connsiteY49" fmla="*/ 4641823 h 4707593"/>
+                <a:gd name="connsiteX50" fmla="*/ 3173123 w 5260975"/>
+                <a:gd name="connsiteY50" fmla="*/ 4651425 h 4707593"/>
+                <a:gd name="connsiteX51" fmla="*/ 3090646 w 5260975"/>
+                <a:gd name="connsiteY51" fmla="*/ 4662274 h 4707593"/>
+                <a:gd name="connsiteX52" fmla="*/ 3005480 w 5260975"/>
+                <a:gd name="connsiteY52" fmla="*/ 4672739 h 4707593"/>
+                <a:gd name="connsiteX53" fmla="*/ 2958721 w 5260975"/>
+                <a:gd name="connsiteY53" fmla="*/ 4676196 h 4707593"/>
+                <a:gd name="connsiteX54" fmla="*/ 2917915 w 5260975"/>
+                <a:gd name="connsiteY54" fmla="*/ 4681670 h 4707593"/>
+                <a:gd name="connsiteX55" fmla="*/ 2882389 w 5260975"/>
+                <a:gd name="connsiteY55" fmla="*/ 4685126 h 4707593"/>
+                <a:gd name="connsiteX56" fmla="*/ 2825837 w 5260975"/>
+                <a:gd name="connsiteY56" fmla="*/ 4692135 h 4707593"/>
+                <a:gd name="connsiteX57" fmla="*/ 2802313 w 5260975"/>
+                <a:gd name="connsiteY57" fmla="*/ 4693960 h 4707593"/>
+                <a:gd name="connsiteX58" fmla="*/ 2746816 w 5260975"/>
+                <a:gd name="connsiteY58" fmla="*/ 4693863 h 4707593"/>
+                <a:gd name="connsiteX59" fmla="*/ 2727517 w 5260975"/>
+                <a:gd name="connsiteY59" fmla="*/ 4692903 h 4707593"/>
+                <a:gd name="connsiteX60" fmla="*/ 2690359 w 5260975"/>
+                <a:gd name="connsiteY60" fmla="*/ 4680997 h 4707593"/>
+                <a:gd name="connsiteX61" fmla="*/ 2685943 w 5260975"/>
+                <a:gd name="connsiteY61" fmla="*/ 4680133 h 4707593"/>
+                <a:gd name="connsiteX62" fmla="*/ 2661554 w 5260975"/>
+                <a:gd name="connsiteY62" fmla="*/ 4675428 h 4707593"/>
+                <a:gd name="connsiteX63" fmla="*/ 2648208 w 5260975"/>
+                <a:gd name="connsiteY63" fmla="*/ 4673892 h 4707593"/>
+                <a:gd name="connsiteX64" fmla="*/ 2597512 w 5260975"/>
+                <a:gd name="connsiteY64" fmla="*/ 4664099 h 4707593"/>
+                <a:gd name="connsiteX65" fmla="*/ 2568324 w 5260975"/>
+                <a:gd name="connsiteY65" fmla="*/ 4659490 h 4707593"/>
+                <a:gd name="connsiteX66" fmla="*/ 2544704 w 5260975"/>
+                <a:gd name="connsiteY66" fmla="*/ 4660162 h 4707593"/>
+                <a:gd name="connsiteX67" fmla="*/ 2503225 w 5260975"/>
+                <a:gd name="connsiteY67" fmla="*/ 4661026 h 4707593"/>
+                <a:gd name="connsiteX68" fmla="*/ 2489975 w 5260975"/>
+                <a:gd name="connsiteY68" fmla="*/ 4663235 h 4707593"/>
+                <a:gd name="connsiteX69" fmla="*/ 2430061 w 5260975"/>
+                <a:gd name="connsiteY69" fmla="*/ 4656897 h 4707593"/>
+                <a:gd name="connsiteX70" fmla="*/ 2395880 w 5260975"/>
+                <a:gd name="connsiteY70" fmla="*/ 4656417 h 4707593"/>
+                <a:gd name="connsiteX71" fmla="*/ 2357378 w 5260975"/>
+                <a:gd name="connsiteY71" fmla="*/ 4648544 h 4707593"/>
+                <a:gd name="connsiteX72" fmla="*/ 2346145 w 5260975"/>
+                <a:gd name="connsiteY72" fmla="*/ 4648928 h 4707593"/>
+                <a:gd name="connsiteX73" fmla="*/ 2333567 w 5260975"/>
+                <a:gd name="connsiteY73" fmla="*/ 4649600 h 4707593"/>
+                <a:gd name="connsiteX74" fmla="*/ 2294968 w 5260975"/>
+                <a:gd name="connsiteY74" fmla="*/ 4650177 h 4707593"/>
+                <a:gd name="connsiteX75" fmla="*/ 2271540 w 5260975"/>
+                <a:gd name="connsiteY75" fmla="*/ 4653057 h 4707593"/>
+                <a:gd name="connsiteX76" fmla="*/ 2226895 w 5260975"/>
+                <a:gd name="connsiteY76" fmla="*/ 4651329 h 4707593"/>
+                <a:gd name="connsiteX77" fmla="*/ 2210379 w 5260975"/>
+                <a:gd name="connsiteY77" fmla="*/ 4653825 h 4707593"/>
+                <a:gd name="connsiteX78" fmla="*/ 2168613 w 5260975"/>
+                <a:gd name="connsiteY78" fmla="*/ 4654113 h 4707593"/>
+                <a:gd name="connsiteX79" fmla="*/ 2131167 w 5260975"/>
+                <a:gd name="connsiteY79" fmla="*/ 4652673 h 4707593"/>
+                <a:gd name="connsiteX80" fmla="*/ 2095065 w 5260975"/>
+                <a:gd name="connsiteY80" fmla="*/ 4653441 h 4707593"/>
+                <a:gd name="connsiteX81" fmla="*/ 2069237 w 5260975"/>
+                <a:gd name="connsiteY81" fmla="*/ 4656609 h 4707593"/>
+                <a:gd name="connsiteX82" fmla="*/ 2041201 w 5260975"/>
+                <a:gd name="connsiteY82" fmla="*/ 4658529 h 4707593"/>
+                <a:gd name="connsiteX83" fmla="*/ 1963909 w 5260975"/>
+                <a:gd name="connsiteY83" fmla="*/ 4669955 h 4707593"/>
+                <a:gd name="connsiteX84" fmla="*/ 1949603 w 5260975"/>
+                <a:gd name="connsiteY84" fmla="*/ 4667171 h 4707593"/>
+                <a:gd name="connsiteX85" fmla="*/ 1868373 w 5260975"/>
+                <a:gd name="connsiteY85" fmla="*/ 4664578 h 4707593"/>
+                <a:gd name="connsiteX86" fmla="*/ 1850707 w 5260975"/>
+                <a:gd name="connsiteY86" fmla="*/ 4664771 h 4707593"/>
+                <a:gd name="connsiteX87" fmla="*/ 1803275 w 5260975"/>
+                <a:gd name="connsiteY87" fmla="*/ 4653441 h 4707593"/>
+                <a:gd name="connsiteX88" fmla="*/ 1730112 w 5260975"/>
+                <a:gd name="connsiteY88" fmla="*/ 4671396 h 4707593"/>
+                <a:gd name="connsiteX89" fmla="*/ 1661652 w 5260975"/>
+                <a:gd name="connsiteY89" fmla="*/ 4693863 h 4707593"/>
+                <a:gd name="connsiteX90" fmla="*/ 1653011 w 5260975"/>
+                <a:gd name="connsiteY90" fmla="*/ 4696744 h 4707593"/>
+                <a:gd name="connsiteX91" fmla="*/ 1628431 w 5260975"/>
+                <a:gd name="connsiteY91" fmla="*/ 4701641 h 4707593"/>
+                <a:gd name="connsiteX92" fmla="*/ 1597995 w 5260975"/>
+                <a:gd name="connsiteY92" fmla="*/ 4703369 h 4707593"/>
+                <a:gd name="connsiteX93" fmla="*/ 1559396 w 5260975"/>
+                <a:gd name="connsiteY93" fmla="*/ 4707593 h 4707593"/>
+                <a:gd name="connsiteX94" fmla="*/ 1528480 w 5260975"/>
+                <a:gd name="connsiteY94" fmla="*/ 4702312 h 4707593"/>
+                <a:gd name="connsiteX95" fmla="*/ 1485272 w 5260975"/>
+                <a:gd name="connsiteY95" fmla="*/ 4694439 h 4707593"/>
+                <a:gd name="connsiteX96" fmla="*/ 1444562 w 5260975"/>
+                <a:gd name="connsiteY96" fmla="*/ 4686950 h 4707593"/>
+                <a:gd name="connsiteX97" fmla="*/ 1431696 w 5260975"/>
+                <a:gd name="connsiteY97" fmla="*/ 4695783 h 4707593"/>
+                <a:gd name="connsiteX98" fmla="*/ 1411821 w 5260975"/>
+                <a:gd name="connsiteY98" fmla="*/ 4703464 h 4707593"/>
+                <a:gd name="connsiteX99" fmla="*/ 1389738 w 5260975"/>
+                <a:gd name="connsiteY99" fmla="*/ 4694247 h 4707593"/>
+                <a:gd name="connsiteX100" fmla="*/ 1338081 w 5260975"/>
+                <a:gd name="connsiteY100" fmla="*/ 4675141 h 4707593"/>
+                <a:gd name="connsiteX101" fmla="*/ 1305436 w 5260975"/>
+                <a:gd name="connsiteY101" fmla="*/ 4674276 h 4707593"/>
+                <a:gd name="connsiteX102" fmla="*/ 1234481 w 5260975"/>
+                <a:gd name="connsiteY102" fmla="*/ 4666115 h 4707593"/>
+                <a:gd name="connsiteX103" fmla="*/ 1188106 w 5260975"/>
+                <a:gd name="connsiteY103" fmla="*/ 4654497 h 4707593"/>
+                <a:gd name="connsiteX104" fmla="*/ 1154790 w 5260975"/>
+                <a:gd name="connsiteY104" fmla="*/ 4641343 h 4707593"/>
+                <a:gd name="connsiteX105" fmla="*/ 1107069 w 5260975"/>
+                <a:gd name="connsiteY105" fmla="*/ 4624156 h 4707593"/>
+                <a:gd name="connsiteX106" fmla="*/ 1059158 w 5260975"/>
+                <a:gd name="connsiteY106" fmla="*/ 4615227 h 4707593"/>
+                <a:gd name="connsiteX107" fmla="*/ 1024496 w 5260975"/>
+                <a:gd name="connsiteY107" fmla="*/ 4603993 h 4707593"/>
+                <a:gd name="connsiteX108" fmla="*/ 982153 w 5260975"/>
+                <a:gd name="connsiteY108" fmla="*/ 4596311 h 4707593"/>
+                <a:gd name="connsiteX109" fmla="*/ 946628 w 5260975"/>
+                <a:gd name="connsiteY109" fmla="*/ 4596024 h 4707593"/>
+                <a:gd name="connsiteX110" fmla="*/ 890939 w 5260975"/>
+                <a:gd name="connsiteY110" fmla="*/ 4597368 h 4707593"/>
+                <a:gd name="connsiteX111" fmla="*/ 822769 w 5260975"/>
+                <a:gd name="connsiteY111" fmla="*/ 4574133 h 4707593"/>
+                <a:gd name="connsiteX112" fmla="*/ 795212 w 5260975"/>
+                <a:gd name="connsiteY112" fmla="*/ 4568947 h 4707593"/>
+                <a:gd name="connsiteX113" fmla="*/ 769288 w 5260975"/>
+                <a:gd name="connsiteY113" fmla="*/ 4566547 h 4707593"/>
+                <a:gd name="connsiteX114" fmla="*/ 714271 w 5260975"/>
+                <a:gd name="connsiteY114" fmla="*/ 4551089 h 4707593"/>
+                <a:gd name="connsiteX115" fmla="*/ 691900 w 5260975"/>
+                <a:gd name="connsiteY115" fmla="*/ 4545999 h 4707593"/>
+                <a:gd name="connsiteX116" fmla="*/ 660598 w 5260975"/>
+                <a:gd name="connsiteY116" fmla="*/ 4546096 h 4707593"/>
+                <a:gd name="connsiteX117" fmla="*/ 603662 w 5260975"/>
+                <a:gd name="connsiteY117" fmla="*/ 4538991 h 4707593"/>
+                <a:gd name="connsiteX118" fmla="*/ 546821 w 5260975"/>
+                <a:gd name="connsiteY118" fmla="*/ 4518251 h 4707593"/>
+                <a:gd name="connsiteX119" fmla="*/ 522721 w 5260975"/>
+                <a:gd name="connsiteY119" fmla="*/ 4520267 h 4707593"/>
+                <a:gd name="connsiteX120" fmla="*/ 514080 w 5260975"/>
+                <a:gd name="connsiteY120" fmla="*/ 4519788 h 4707593"/>
+                <a:gd name="connsiteX121" fmla="*/ 436404 w 5260975"/>
+                <a:gd name="connsiteY121" fmla="*/ 4508361 h 4707593"/>
+                <a:gd name="connsiteX122" fmla="*/ 428626 w 5260975"/>
+                <a:gd name="connsiteY122" fmla="*/ 4507114 h 4707593"/>
+                <a:gd name="connsiteX123" fmla="*/ 392141 w 5260975"/>
+                <a:gd name="connsiteY123" fmla="*/ 4496936 h 4707593"/>
+                <a:gd name="connsiteX124" fmla="*/ 300157 w 5260975"/>
+                <a:gd name="connsiteY124" fmla="*/ 4490599 h 4707593"/>
+                <a:gd name="connsiteX125" fmla="*/ 294493 w 5260975"/>
+                <a:gd name="connsiteY125" fmla="*/ 4489831 h 4707593"/>
+                <a:gd name="connsiteX126" fmla="*/ 263671 w 5260975"/>
+                <a:gd name="connsiteY126" fmla="*/ 4494919 h 4707593"/>
+                <a:gd name="connsiteX127" fmla="*/ 248406 w 5260975"/>
+                <a:gd name="connsiteY127" fmla="*/ 4502121 h 4707593"/>
+                <a:gd name="connsiteX128" fmla="*/ 224594 w 5260975"/>
+                <a:gd name="connsiteY128" fmla="*/ 4509610 h 4707593"/>
+                <a:gd name="connsiteX129" fmla="*/ 200398 w 5260975"/>
+                <a:gd name="connsiteY129" fmla="*/ 4512395 h 4707593"/>
+                <a:gd name="connsiteX130" fmla="*/ 159783 w 5260975"/>
+                <a:gd name="connsiteY130" fmla="*/ 4501064 h 4707593"/>
+                <a:gd name="connsiteX131" fmla="*/ 144997 w 5260975"/>
+                <a:gd name="connsiteY131" fmla="*/ 4499912 h 4707593"/>
+                <a:gd name="connsiteX132" fmla="*/ 112064 w 5260975"/>
+                <a:gd name="connsiteY132" fmla="*/ 4494440 h 4707593"/>
+                <a:gd name="connsiteX133" fmla="*/ 83259 w 5260975"/>
+                <a:gd name="connsiteY133" fmla="*/ 4494824 h 4707593"/>
+                <a:gd name="connsiteX134" fmla="*/ 60120 w 5260975"/>
+                <a:gd name="connsiteY134" fmla="*/ 4503561 h 4707593"/>
+                <a:gd name="connsiteX135" fmla="*/ 26514 w 5260975"/>
+                <a:gd name="connsiteY135" fmla="*/ 4505289 h 4707593"/>
+                <a:gd name="connsiteX136" fmla="*/ 4814 w 5260975"/>
+                <a:gd name="connsiteY136" fmla="*/ 4498952 h 4707593"/>
+                <a:gd name="connsiteX137" fmla="*/ 398 w 5260975"/>
+                <a:gd name="connsiteY137" fmla="*/ 4498089 h 4707593"/>
+                <a:gd name="connsiteX138" fmla="*/ 0 w 5260975"/>
+                <a:gd name="connsiteY138" fmla="*/ 4498087 h 4707593"/>
+              </a:gdLst>
+              <a:ahLst/>
+              <a:cxnLst>
+                <a:cxn ang="0">
+                  <a:pos x="connsiteX0" y="connsiteY0"/>
+                </a:cxn>
+                <a:cxn ang="0">
+                  <a:pos x="connsiteX1" y="connsiteY1"/>
+                </a:cxn>
+                <a:cxn ang="0">
+                  <a:pos x="connsiteX2" y="connsiteY2"/>
+                </a:cxn>
+                <a:cxn ang="0">
+                  <a:pos x="connsiteX3" y="connsiteY3"/>
+                </a:cxn>
+                <a:cxn ang="0">
+                  <a:pos x="connsiteX4" y="connsiteY4"/>
+                </a:cxn>
+                <a:cxn ang="0">
+                  <a:pos x="connsiteX5" y="connsiteY5"/>
+                </a:cxn>
+                <a:cxn ang="0">
+                  <a:pos x="connsiteX6" y="connsiteY6"/>
+                </a:cxn>
+                <a:cxn ang="0">
+                  <a:pos x="connsiteX7" y="connsiteY7"/>
+                </a:cxn>
+                <a:cxn ang="0">
+                  <a:pos x="connsiteX8" y="connsiteY8"/>
+                </a:cxn>
+                <a:cxn ang="0">
+                  <a:pos x="connsiteX9" y="connsiteY9"/>
+                </a:cxn>
+                <a:cxn ang="0">
+                  <a:pos x="connsiteX10" y="connsiteY10"/>
+                </a:cxn>
+                <a:cxn ang="0">
+                  <a:pos x="connsiteX11" y="connsiteY11"/>
+                </a:cxn>
+                <a:cxn ang="0">
+                  <a:pos x="connsiteX12" y="connsiteY12"/>
+                </a:cxn>
+                <a:cxn ang="0">
+                  <a:pos x="connsiteX13" y="connsiteY13"/>
+                </a:cxn>
+                <a:cxn ang="0">
+                  <a:pos x="connsiteX14" y="connsiteY14"/>
+                </a:cxn>
+                <a:cxn ang="0">
+                  <a:pos x="connsiteX15" y="connsiteY15"/>
+                </a:cxn>
+                <a:cxn ang="0">
+                  <a:pos x="connsiteX16" y="connsiteY16"/>
+                </a:cxn>
+                <a:cxn ang="0">
+                  <a:pos x="connsiteX17" y="connsiteY17"/>
+                </a:cxn>
+                <a:cxn ang="0">
+                  <a:pos x="connsiteX18" y="connsiteY18"/>
+                </a:cxn>
+                <a:cxn ang="0">
+                  <a:pos x="connsiteX19" y="connsiteY19"/>
+                </a:cxn>
+                <a:cxn ang="0">
+                  <a:pos x="connsiteX20" y="connsiteY20"/>
+                </a:cxn>
+                <a:cxn ang="0">
+                  <a:pos x="connsiteX21" y="connsiteY21"/>
+                </a:cxn>
+                <a:cxn ang="0">
+                  <a:pos x="connsiteX22" y="connsiteY22"/>
+                </a:cxn>
+                <a:cxn ang="0">
+                  <a:pos x="connsiteX23" y="connsiteY23"/>
+                </a:cxn>
+                <a:cxn ang="0">
+                  <a:pos x="connsiteX24" y="connsiteY24"/>
+                </a:cxn>
+                <a:cxn ang="0">
+                  <a:pos x="connsiteX25" y="connsiteY25"/>
+                </a:cxn>
+                <a:cxn ang="0">
+                  <a:pos x="connsiteX26" y="connsiteY26"/>
+                </a:cxn>
+                <a:cxn ang="0">
+                  <a:pos x="connsiteX27" y="connsiteY27"/>
+                </a:cxn>
+                <a:cxn ang="0">
+                  <a:pos x="connsiteX28" y="connsiteY28"/>
+                </a:cxn>
+                <a:cxn ang="0">
+                  <a:pos x="connsiteX29" y="connsiteY29"/>
+                </a:cxn>
+                <a:cxn ang="0">
+                  <a:pos x="connsiteX30" y="connsiteY30"/>
+                </a:cxn>
+                <a:cxn ang="0">
+                  <a:pos x="connsiteX31" y="connsiteY31"/>
+                </a:cxn>
+                <a:cxn ang="0">
+                  <a:pos x="connsiteX32" y="connsiteY32"/>
+                </a:cxn>
+                <a:cxn ang="0">
+                  <a:pos x="connsiteX33" y="connsiteY33"/>
+                </a:cxn>
+                <a:cxn ang="0">
+                  <a:pos x="connsiteX34" y="connsiteY34"/>
+                </a:cxn>
+                <a:cxn ang="0">
+                  <a:pos x="connsiteX35" y="connsiteY35"/>
+                </a:cxn>
+                <a:cxn ang="0">
+                  <a:pos x="connsiteX36" y="connsiteY36"/>
+                </a:cxn>
+                <a:cxn ang="0">
+                  <a:pos x="connsiteX37" y="connsiteY37"/>
+                </a:cxn>
+                <a:cxn ang="0">
+                  <a:pos x="connsiteX38" y="connsiteY38"/>
+                </a:cxn>
+                <a:cxn ang="0">
+                  <a:pos x="connsiteX39" y="connsiteY39"/>
+                </a:cxn>
+                <a:cxn ang="0">
+                  <a:pos x="connsiteX40" y="connsiteY40"/>
+                </a:cxn>
+                <a:cxn ang="0">
+                  <a:pos x="connsiteX41" y="connsiteY41"/>
+                </a:cxn>
+                <a:cxn ang="0">
+                  <a:pos x="connsiteX42" y="connsiteY42"/>
+                </a:cxn>
+                <a:cxn ang="0">
+                  <a:pos x="connsiteX43" y="connsiteY43"/>
+                </a:cxn>
+                <a:cxn ang="0">
+                  <a:pos x="connsiteX44" y="connsiteY44"/>
+                </a:cxn>
+                <a:cxn ang="0">
+                  <a:pos x="connsiteX45" y="connsiteY45"/>
+                </a:cxn>
+                <a:cxn ang="0">
+                  <a:pos x="connsiteX46" y="connsiteY46"/>
+                </a:cxn>
+                <a:cxn ang="0">
+                  <a:pos x="connsiteX47" y="connsiteY47"/>
+                </a:cxn>
+                <a:cxn ang="0">
+                  <a:pos x="connsiteX48" y="connsiteY48"/>
+                </a:cxn>
+                <a:cxn ang="0">
+                  <a:pos x="connsiteX49" y="connsiteY49"/>
+                </a:cxn>
+                <a:cxn ang="0">
+                  <a:pos x="connsiteX50" y="connsiteY50"/>
+                </a:cxn>
+                <a:cxn ang="0">
+                  <a:pos x="connsiteX51" y="connsiteY51"/>
+                </a:cxn>
+                <a:cxn ang="0">
+                  <a:pos x="connsiteX52" y="connsiteY52"/>
+                </a:cxn>
+                <a:cxn ang="0">
+                  <a:pos x="connsiteX53" y="connsiteY53"/>
+                </a:cxn>
+                <a:cxn ang="0">
+                  <a:pos x="connsiteX54" y="connsiteY54"/>
+                </a:cxn>
+                <a:cxn ang="0">
+                  <a:pos x="connsiteX55" y="connsiteY55"/>
+                </a:cxn>
+                <a:cxn ang="0">
+                  <a:pos x="connsiteX56" y="connsiteY56"/>
+                </a:cxn>
+                <a:cxn ang="0">
+                  <a:pos x="connsiteX57" y="connsiteY57"/>
+                </a:cxn>
+                <a:cxn ang="0">
+                  <a:pos x="connsiteX58" y="connsiteY58"/>
+                </a:cxn>
+                <a:cxn ang="0">
+                  <a:pos x="connsiteX59" y="connsiteY59"/>
+                </a:cxn>
+                <a:cxn ang="0">
+                  <a:pos x="connsiteX60" y="connsiteY60"/>
+                </a:cxn>
+                <a:cxn ang="0">
+                  <a:pos x="connsiteX61" y="connsiteY61"/>
+                </a:cxn>
+                <a:cxn ang="0">
+                  <a:pos x="connsiteX62" y="connsiteY62"/>
+                </a:cxn>
+                <a:cxn ang="0">
+                  <a:pos x="connsiteX63" y="connsiteY63"/>
+                </a:cxn>
+                <a:cxn ang="0">
+                  <a:pos x="connsiteX64" y="connsiteY64"/>
+                </a:cxn>
+                <a:cxn ang="0">
+                  <a:pos x="connsiteX65" y="connsiteY65"/>
+                </a:cxn>
+                <a:cxn ang="0">
+                  <a:pos x="connsiteX66" y="connsiteY66"/>
+                </a:cxn>
+                <a:cxn ang="0">
+                  <a:pos x="connsiteX67" y="connsiteY67"/>
+                </a:cxn>
+                <a:cxn ang="0">
+                  <a:pos x="connsiteX68" y="connsiteY68"/>
+                </a:cxn>
+                <a:cxn ang="0">
+                  <a:pos x="connsiteX69" y="connsiteY69"/>
+                </a:cxn>
+                <a:cxn ang="0">
+                  <a:pos x="connsiteX70" y="connsiteY70"/>
+                </a:cxn>
+                <a:cxn ang="0">
+                  <a:pos x="connsiteX71" y="connsiteY71"/>
+                </a:cxn>
+                <a:cxn ang="0">
+                  <a:pos x="connsiteX72" y="connsiteY72"/>
+                </a:cxn>
+                <a:cxn ang="0">
+                  <a:pos x="connsiteX73" y="connsiteY73"/>
+                </a:cxn>
+                <a:cxn ang="0">
+                  <a:pos x="connsiteX74" y="connsiteY74"/>
+                </a:cxn>
+                <a:cxn ang="0">
+                  <a:pos x="connsiteX75" y="connsiteY75"/>
+                </a:cxn>
+                <a:cxn ang="0">
+                  <a:pos x="connsiteX76" y="connsiteY76"/>
+                </a:cxn>
+                <a:cxn ang="0">
+                  <a:pos x="connsiteX77" y="connsiteY77"/>
+                </a:cxn>
+                <a:cxn ang="0">
+                  <a:pos x="connsiteX78" y="connsiteY78"/>
+                </a:cxn>
+                <a:cxn ang="0">
+                  <a:pos x="connsiteX79" y="connsiteY79"/>
+                </a:cxn>
+                <a:cxn ang="0">
+                  <a:pos x="connsiteX80" y="connsiteY80"/>
+                </a:cxn>
+                <a:cxn ang="0">
+                  <a:pos x="connsiteX81" y="connsiteY81"/>
+                </a:cxn>
+                <a:cxn ang="0">
+                  <a:pos x="connsiteX82" y="connsiteY82"/>
+                </a:cxn>
+                <a:cxn ang="0">
+                  <a:pos x="connsiteX83" y="connsiteY83"/>
+                </a:cxn>
+                <a:cxn ang="0">
+                  <a:pos x="connsiteX84" y="connsiteY84"/>
+                </a:cxn>
+                <a:cxn ang="0">
+                  <a:pos x="connsiteX85" y="connsiteY85"/>
+                </a:cxn>
+                <a:cxn ang="0">
+                  <a:pos x="connsiteX86" y="connsiteY86"/>
+                </a:cxn>
+                <a:cxn ang="0">
+                  <a:pos x="connsiteX87" y="connsiteY87"/>
+                </a:cxn>
+                <a:cxn ang="0">
+                  <a:pos x="connsiteX88" y="connsiteY88"/>
+                </a:cxn>
+                <a:cxn ang="0">
+                  <a:pos x="connsiteX89" y="connsiteY89"/>
+                </a:cxn>
+                <a:cxn ang="0">
+                  <a:pos x="connsiteX90" y="connsiteY90"/>
+                </a:cxn>
+                <a:cxn ang="0">
+                  <a:pos x="connsiteX91" y="connsiteY91"/>
+                </a:cxn>
+                <a:cxn ang="0">
+                  <a:pos x="connsiteX92" y="connsiteY92"/>
+                </a:cxn>
+                <a:cxn ang="0">
+                  <a:pos x="connsiteX93" y="connsiteY93"/>
+                </a:cxn>
+                <a:cxn ang="0">
+                  <a:pos x="connsiteX94" y="connsiteY94"/>
+                </a:cxn>
+                <a:cxn ang="0">
+                  <a:pos x="connsiteX95" y="connsiteY95"/>
+                </a:cxn>
+                <a:cxn ang="0">
+                  <a:pos x="connsiteX96" y="connsiteY96"/>
+                </a:cxn>
+                <a:cxn ang="0">
+                  <a:pos x="connsiteX97" y="connsiteY97"/>
+                </a:cxn>
+                <a:cxn ang="0">
+                  <a:pos x="connsiteX98" y="connsiteY98"/>
+                </a:cxn>
+                <a:cxn ang="0">
+                  <a:pos x="connsiteX99" y="connsiteY99"/>
+                </a:cxn>
+                <a:cxn ang="0">
+                  <a:pos x="connsiteX100" y="connsiteY100"/>
+                </a:cxn>
+                <a:cxn ang="0">
+                  <a:pos x="connsiteX101" y="connsiteY101"/>
+                </a:cxn>
+                <a:cxn ang="0">
+                  <a:pos x="connsiteX102" y="connsiteY102"/>
+                </a:cxn>
+                <a:cxn ang="0">
+                  <a:pos x="connsiteX103" y="connsiteY103"/>
+                </a:cxn>
+                <a:cxn ang="0">
+                  <a:pos x="connsiteX104" y="connsiteY104"/>
+                </a:cxn>
+                <a:cxn ang="0">
+                  <a:pos x="connsiteX105" y="connsiteY105"/>
+                </a:cxn>
+                <a:cxn ang="0">
+                  <a:pos x="connsiteX106" y="connsiteY106"/>
+                </a:cxn>
+                <a:cxn ang="0">
+                  <a:pos x="connsiteX107" y="connsiteY107"/>
+                </a:cxn>
+                <a:cxn ang="0">
+                  <a:pos x="connsiteX108" y="connsiteY108"/>
+                </a:cxn>
+                <a:cxn ang="0">
+                  <a:pos x="connsiteX109" y="connsiteY109"/>
+                </a:cxn>
+                <a:cxn ang="0">
+                  <a:pos x="connsiteX110" y="connsiteY110"/>
+                </a:cxn>
+                <a:cxn ang="0">
+                  <a:pos x="connsiteX111" y="connsiteY111"/>
+                </a:cxn>
+                <a:cxn ang="0">
+                  <a:pos x="connsiteX112" y="connsiteY112"/>
+                </a:cxn>
+                <a:cxn ang="0">
+                  <a:pos x="connsiteX113" y="connsiteY113"/>
+                </a:cxn>
+                <a:cxn ang="0">
+                  <a:pos x="connsiteX114" y="connsiteY114"/>
+                </a:cxn>
+                <a:cxn ang="0">
+                  <a:pos x="connsiteX115" y="connsiteY115"/>
+                </a:cxn>
+                <a:cxn ang="0">
+                  <a:pos x="connsiteX116" y="connsiteY116"/>
+                </a:cxn>
+                <a:cxn ang="0">
+                  <a:pos x="connsiteX117" y="connsiteY117"/>
+                </a:cxn>
+                <a:cxn ang="0">
+                  <a:pos x="connsiteX118" y="connsiteY118"/>
+                </a:cxn>
+                <a:cxn ang="0">
+                  <a:pos x="connsiteX119" y="connsiteY119"/>
+                </a:cxn>
+                <a:cxn ang="0">
+                  <a:pos x="connsiteX120" y="connsiteY120"/>
+                </a:cxn>
+                <a:cxn ang="0">
+                  <a:pos x="connsiteX121" y="connsiteY121"/>
+                </a:cxn>
+                <a:cxn ang="0">
+                  <a:pos x="connsiteX122" y="connsiteY122"/>
+                </a:cxn>
+                <a:cxn ang="0">
+                  <a:pos x="connsiteX123" y="connsiteY123"/>
+                </a:cxn>
+                <a:cxn ang="0">
+                  <a:pos x="connsiteX124" y="connsiteY124"/>
+                </a:cxn>
+                <a:cxn ang="0">
+                  <a:pos x="connsiteX125" y="connsiteY125"/>
+                </a:cxn>
+                <a:cxn ang="0">
+                  <a:pos x="connsiteX126" y="connsiteY126"/>
+                </a:cxn>
+                <a:cxn ang="0">
+                  <a:pos x="connsiteX127" y="connsiteY127"/>
+                </a:cxn>
+                <a:cxn ang="0">
+                  <a:pos x="connsiteX128" y="connsiteY128"/>
+                </a:cxn>
+                <a:cxn ang="0">
+                  <a:pos x="connsiteX129" y="connsiteY129"/>
+                </a:cxn>
+                <a:cxn ang="0">
+                  <a:pos x="connsiteX130" y="connsiteY130"/>
+                </a:cxn>
+                <a:cxn ang="0">
+                  <a:pos x="connsiteX131" y="connsiteY131"/>
+                </a:cxn>
+                <a:cxn ang="0">
+                  <a:pos x="connsiteX132" y="connsiteY132"/>
+                </a:cxn>
+                <a:cxn ang="0">
+                  <a:pos x="connsiteX133" y="connsiteY133"/>
+                </a:cxn>
+                <a:cxn ang="0">
+                  <a:pos x="connsiteX134" y="connsiteY134"/>
+                </a:cxn>
+                <a:cxn ang="0">
+                  <a:pos x="connsiteX135" y="connsiteY135"/>
+                </a:cxn>
+                <a:cxn ang="0">
+                  <a:pos x="connsiteX136" y="connsiteY136"/>
+                </a:cxn>
+                <a:cxn ang="0">
+                  <a:pos x="connsiteX137" y="connsiteY137"/>
+                </a:cxn>
+                <a:cxn ang="0">
+                  <a:pos x="connsiteX138" y="connsiteY138"/>
+                </a:cxn>
+              </a:cxnLst>
+              <a:rect l="l" t="t" r="r" b="b"/>
+              <a:pathLst>
+                <a:path w="5260975" h="4707593">
+                  <a:moveTo>
+                    <a:pt x="0" y="0"/>
+                  </a:moveTo>
+                  <a:lnTo>
+                    <a:pt x="5260975" y="0"/>
+                  </a:lnTo>
+                  <a:lnTo>
+                    <a:pt x="5260975" y="3296937"/>
+                  </a:lnTo>
+                  <a:lnTo>
+                    <a:pt x="5260975" y="3518571"/>
+                  </a:lnTo>
+                  <a:lnTo>
+                    <a:pt x="5226504" y="3534000"/>
+                  </a:lnTo>
+                  <a:cubicBezTo>
+                    <a:pt x="5219783" y="3536785"/>
+                    <a:pt x="5212389" y="3538321"/>
+                    <a:pt x="5206341" y="3542065"/>
+                  </a:cubicBezTo>
+                  <a:cubicBezTo>
+                    <a:pt x="5178495" y="3559156"/>
+                    <a:pt x="5151515" y="3577591"/>
+                    <a:pt x="5123287" y="3594010"/>
+                  </a:cubicBezTo>
+                  <a:cubicBezTo>
+                    <a:pt x="5094195" y="3611004"/>
+                    <a:pt x="5068175" y="3631071"/>
+                    <a:pt x="5048107" y="3658244"/>
+                  </a:cubicBezTo>
+                  <a:cubicBezTo>
+                    <a:pt x="5029480" y="3683496"/>
+                    <a:pt x="5011429" y="3709131"/>
+                    <a:pt x="4992899" y="3734479"/>
+                  </a:cubicBezTo>
+                  <a:cubicBezTo>
+                    <a:pt x="4988194" y="3740912"/>
+                    <a:pt x="4983874" y="3748498"/>
+                    <a:pt x="4977440" y="3752627"/>
+                  </a:cubicBezTo>
+                  <a:cubicBezTo>
+                    <a:pt x="4964094" y="3761268"/>
+                    <a:pt x="4949500" y="3768277"/>
+                    <a:pt x="4935194" y="3775382"/>
+                  </a:cubicBezTo>
+                  <a:cubicBezTo>
+                    <a:pt x="4922903" y="3781431"/>
+                    <a:pt x="4909846" y="3785943"/>
+                    <a:pt x="4897844" y="3792472"/>
+                  </a:cubicBezTo>
+                  <a:cubicBezTo>
+                    <a:pt x="4888243" y="3797658"/>
+                    <a:pt x="4879697" y="3804859"/>
+                    <a:pt x="4870767" y="3811388"/>
+                  </a:cubicBezTo>
+                  <a:cubicBezTo>
+                    <a:pt x="4862990" y="3817052"/>
+                    <a:pt x="4854445" y="3821949"/>
+                    <a:pt x="4847917" y="3828767"/>
+                  </a:cubicBezTo>
+                  <a:cubicBezTo>
+                    <a:pt x="4831977" y="3845281"/>
+                    <a:pt x="4815942" y="3861508"/>
+                    <a:pt x="4796163" y="3873702"/>
+                  </a:cubicBezTo>
+                  <a:cubicBezTo>
+                    <a:pt x="4776672" y="3885799"/>
+                    <a:pt x="4758237" y="3899338"/>
+                    <a:pt x="4738843" y="3911628"/>
+                  </a:cubicBezTo>
+                  <a:cubicBezTo>
+                    <a:pt x="4719831" y="3923630"/>
+                    <a:pt x="4702645" y="3936783"/>
+                    <a:pt x="4692755" y="3958099"/>
+                  </a:cubicBezTo>
+                  <a:cubicBezTo>
+                    <a:pt x="4688339" y="3967508"/>
+                    <a:pt x="4682097" y="3977782"/>
+                    <a:pt x="4673744" y="3983255"/>
+                  </a:cubicBezTo>
+                  <a:cubicBezTo>
+                    <a:pt x="4661838" y="3991032"/>
+                    <a:pt x="4646764" y="3993817"/>
+                    <a:pt x="4633801" y="4000442"/>
+                  </a:cubicBezTo>
+                  <a:cubicBezTo>
+                    <a:pt x="4618535" y="4008219"/>
+                    <a:pt x="4600869" y="4014940"/>
+                    <a:pt x="4590499" y="4027326"/>
+                  </a:cubicBezTo>
+                  <a:cubicBezTo>
+                    <a:pt x="4581281" y="4038368"/>
+                    <a:pt x="4571968" y="4047009"/>
+                    <a:pt x="4559773" y="4054018"/>
+                  </a:cubicBezTo>
+                  <a:cubicBezTo>
+                    <a:pt x="4551229" y="4058915"/>
+                    <a:pt x="4544892" y="4067844"/>
+                    <a:pt x="4536059" y="4071877"/>
+                  </a:cubicBezTo>
+                  <a:cubicBezTo>
+                    <a:pt x="4524442" y="4077254"/>
+                    <a:pt x="4512727" y="4081479"/>
+                    <a:pt x="4502550" y="4089832"/>
+                  </a:cubicBezTo>
+                  <a:cubicBezTo>
+                    <a:pt x="4491987" y="4098473"/>
+                    <a:pt x="4479986" y="4105290"/>
+                    <a:pt x="4468944" y="4113356"/>
+                  </a:cubicBezTo>
+                  <a:cubicBezTo>
+                    <a:pt x="4463087" y="4117676"/>
+                    <a:pt x="4458286" y="4123341"/>
+                    <a:pt x="4452623" y="4127854"/>
+                  </a:cubicBezTo>
+                  <a:cubicBezTo>
+                    <a:pt x="4442252" y="4136111"/>
+                    <a:pt x="4431690" y="4144176"/>
+                    <a:pt x="4421032" y="4151953"/>
+                  </a:cubicBezTo>
+                  <a:cubicBezTo>
+                    <a:pt x="4410375" y="4159731"/>
+                    <a:pt x="4400197" y="4168756"/>
+                    <a:pt x="4388483" y="4174421"/>
+                  </a:cubicBezTo>
+                  <a:cubicBezTo>
+                    <a:pt x="4368513" y="4184023"/>
+                    <a:pt x="4346717" y="4189784"/>
+                    <a:pt x="4327321" y="4200153"/>
+                  </a:cubicBezTo>
+                  <a:cubicBezTo>
+                    <a:pt x="4307639" y="4210714"/>
+                    <a:pt x="4289107" y="4223965"/>
+                    <a:pt x="4271633" y="4237983"/>
+                  </a:cubicBezTo>
+                  <a:cubicBezTo>
+                    <a:pt x="4257807" y="4249025"/>
+                    <a:pt x="4244845" y="4259971"/>
+                    <a:pt x="4227465" y="4265635"/>
+                  </a:cubicBezTo>
+                  <a:cubicBezTo>
+                    <a:pt x="4217768" y="4268804"/>
+                    <a:pt x="4207591" y="4275717"/>
+                    <a:pt x="4201733" y="4283783"/>
+                  </a:cubicBezTo>
+                  <a:cubicBezTo>
+                    <a:pt x="4189059" y="4301353"/>
+                    <a:pt x="4172833" y="4313739"/>
+                    <a:pt x="4154494" y="4324301"/>
+                  </a:cubicBezTo>
+                  <a:cubicBezTo>
+                    <a:pt x="4130010" y="4338511"/>
+                    <a:pt x="4105814" y="4353009"/>
+                    <a:pt x="4081234" y="4366931"/>
+                  </a:cubicBezTo>
+                  <a:cubicBezTo>
+                    <a:pt x="4066737" y="4375189"/>
+                    <a:pt x="4052335" y="4383926"/>
+                    <a:pt x="4036971" y="4389975"/>
+                  </a:cubicBezTo>
+                  <a:cubicBezTo>
+                    <a:pt x="4005575" y="4402457"/>
+                    <a:pt x="3973410" y="4413114"/>
+                    <a:pt x="3941725" y="4424733"/>
+                  </a:cubicBezTo>
+                  <a:cubicBezTo>
+                    <a:pt x="3931355" y="4428477"/>
+                    <a:pt x="3921561" y="4433854"/>
+                    <a:pt x="3910999" y="4437119"/>
+                  </a:cubicBezTo>
+                  <a:cubicBezTo>
+                    <a:pt x="3899573" y="4440671"/>
+                    <a:pt x="3887285" y="4441727"/>
+                    <a:pt x="3875859" y="4445280"/>
+                  </a:cubicBezTo>
+                  <a:cubicBezTo>
+                    <a:pt x="3856847" y="4451136"/>
+                    <a:pt x="3838412" y="4458626"/>
+                    <a:pt x="3819401" y="4464579"/>
+                  </a:cubicBezTo>
+                  <a:cubicBezTo>
+                    <a:pt x="3782723" y="4476005"/>
+                    <a:pt x="3745949" y="4486951"/>
+                    <a:pt x="3709176" y="4497800"/>
+                  </a:cubicBezTo>
+                  <a:cubicBezTo>
+                    <a:pt x="3701303" y="4500105"/>
+                    <a:pt x="3692757" y="4500393"/>
+                    <a:pt x="3684981" y="4502889"/>
+                  </a:cubicBezTo>
+                  <a:cubicBezTo>
+                    <a:pt x="3664337" y="4509610"/>
+                    <a:pt x="3643789" y="4516907"/>
+                    <a:pt x="3623338" y="4524300"/>
+                  </a:cubicBezTo>
+                  <a:cubicBezTo>
+                    <a:pt x="3610953" y="4528813"/>
+                    <a:pt x="3598854" y="4534382"/>
+                    <a:pt x="3586373" y="4538702"/>
+                  </a:cubicBezTo>
+                  <a:cubicBezTo>
+                    <a:pt x="3576387" y="4542159"/>
+                    <a:pt x="3566113" y="4544847"/>
+                    <a:pt x="3555743" y="4546960"/>
+                  </a:cubicBezTo>
+                  <a:cubicBezTo>
+                    <a:pt x="3546814" y="4548785"/>
+                    <a:pt x="3537501" y="4548592"/>
+                    <a:pt x="3528667" y="4550801"/>
+                  </a:cubicBezTo>
+                  <a:cubicBezTo>
+                    <a:pt x="3504759" y="4556753"/>
+                    <a:pt x="3481140" y="4563475"/>
+                    <a:pt x="3457424" y="4569811"/>
+                  </a:cubicBezTo>
+                  <a:cubicBezTo>
+                    <a:pt x="3447919" y="4572308"/>
+                    <a:pt x="3438221" y="4574133"/>
+                    <a:pt x="3429003" y="4577301"/>
+                  </a:cubicBezTo>
+                  <a:cubicBezTo>
+                    <a:pt x="3404327" y="4585654"/>
+                    <a:pt x="3380036" y="4595159"/>
+                    <a:pt x="3355264" y="4603033"/>
+                  </a:cubicBezTo>
+                  <a:cubicBezTo>
+                    <a:pt x="3334717" y="4609562"/>
+                    <a:pt x="3313593" y="4614266"/>
+                    <a:pt x="3292757" y="4620027"/>
+                  </a:cubicBezTo>
+                  <a:cubicBezTo>
+                    <a:pt x="3283924" y="4622524"/>
+                    <a:pt x="3275475" y="4626077"/>
+                    <a:pt x="3266643" y="4628188"/>
+                  </a:cubicBezTo>
+                  <a:cubicBezTo>
+                    <a:pt x="3246863" y="4632990"/>
+                    <a:pt x="3226796" y="4637022"/>
+                    <a:pt x="3206921" y="4641823"/>
+                  </a:cubicBezTo>
+                  <a:cubicBezTo>
+                    <a:pt x="3195590" y="4644607"/>
+                    <a:pt x="3184645" y="4649600"/>
+                    <a:pt x="3173123" y="4651425"/>
+                  </a:cubicBezTo>
+                  <a:cubicBezTo>
+                    <a:pt x="3145759" y="4655745"/>
+                    <a:pt x="3118203" y="4658817"/>
+                    <a:pt x="3090646" y="4662274"/>
+                  </a:cubicBezTo>
+                  <a:cubicBezTo>
+                    <a:pt x="3062227" y="4665826"/>
+                    <a:pt x="3033902" y="4669571"/>
+                    <a:pt x="3005480" y="4672739"/>
+                  </a:cubicBezTo>
+                  <a:cubicBezTo>
+                    <a:pt x="2989926" y="4674372"/>
+                    <a:pt x="2974275" y="4674660"/>
+                    <a:pt x="2958721" y="4676196"/>
+                  </a:cubicBezTo>
+                  <a:cubicBezTo>
+                    <a:pt x="2945087" y="4677541"/>
+                    <a:pt x="2931549" y="4680037"/>
+                    <a:pt x="2917915" y="4681670"/>
+                  </a:cubicBezTo>
+                  <a:cubicBezTo>
+                    <a:pt x="2906105" y="4683013"/>
+                    <a:pt x="2894199" y="4683781"/>
+                    <a:pt x="2882389" y="4685126"/>
+                  </a:cubicBezTo>
+                  <a:cubicBezTo>
+                    <a:pt x="2863475" y="4687334"/>
+                    <a:pt x="2844655" y="4689831"/>
+                    <a:pt x="2825837" y="4692135"/>
+                  </a:cubicBezTo>
+                  <a:cubicBezTo>
+                    <a:pt x="2817964" y="4692999"/>
+                    <a:pt x="2809706" y="4695399"/>
+                    <a:pt x="2802313" y="4693960"/>
+                  </a:cubicBezTo>
+                  <a:cubicBezTo>
+                    <a:pt x="2783686" y="4690310"/>
+                    <a:pt x="2765347" y="4691367"/>
+                    <a:pt x="2746816" y="4693863"/>
+                  </a:cubicBezTo>
+                  <a:cubicBezTo>
+                    <a:pt x="2740479" y="4694728"/>
+                    <a:pt x="2733662" y="4694535"/>
+                    <a:pt x="2727517" y="4692903"/>
+                  </a:cubicBezTo>
+                  <a:cubicBezTo>
+                    <a:pt x="2714939" y="4689638"/>
+                    <a:pt x="2702745" y="4685029"/>
+                    <a:pt x="2690359" y="4680997"/>
+                  </a:cubicBezTo>
+                  <a:cubicBezTo>
+                    <a:pt x="2689014" y="4680517"/>
+                    <a:pt x="2687382" y="4680421"/>
+                    <a:pt x="2685943" y="4680133"/>
+                  </a:cubicBezTo>
+                  <a:cubicBezTo>
+                    <a:pt x="2677781" y="4678500"/>
+                    <a:pt x="2669717" y="4676868"/>
+                    <a:pt x="2661554" y="4675428"/>
+                  </a:cubicBezTo>
+                  <a:cubicBezTo>
+                    <a:pt x="2657138" y="4674660"/>
+                    <a:pt x="2652625" y="4674564"/>
+                    <a:pt x="2648208" y="4673892"/>
+                  </a:cubicBezTo>
+                  <a:cubicBezTo>
+                    <a:pt x="2631118" y="4671203"/>
+                    <a:pt x="2612299" y="4675716"/>
+                    <a:pt x="2597512" y="4664099"/>
+                  </a:cubicBezTo>
+                  <a:cubicBezTo>
+                    <a:pt x="2587911" y="4656609"/>
+                    <a:pt x="2578597" y="4658338"/>
+                    <a:pt x="2568324" y="4659490"/>
+                  </a:cubicBezTo>
+                  <a:cubicBezTo>
+                    <a:pt x="2560547" y="4660354"/>
+                    <a:pt x="2552577" y="4660065"/>
+                    <a:pt x="2544704" y="4660162"/>
+                  </a:cubicBezTo>
+                  <a:cubicBezTo>
+                    <a:pt x="2530878" y="4660449"/>
+                    <a:pt x="2517052" y="4660546"/>
+                    <a:pt x="2503225" y="4661026"/>
+                  </a:cubicBezTo>
+                  <a:cubicBezTo>
+                    <a:pt x="2498808" y="4661218"/>
+                    <a:pt x="2494297" y="4663619"/>
+                    <a:pt x="2489975" y="4663235"/>
+                  </a:cubicBezTo>
+                  <a:cubicBezTo>
+                    <a:pt x="2470004" y="4661410"/>
+                    <a:pt x="2450033" y="4658529"/>
+                    <a:pt x="2430061" y="4656897"/>
+                  </a:cubicBezTo>
+                  <a:cubicBezTo>
+                    <a:pt x="2418732" y="4655938"/>
+                    <a:pt x="2407114" y="4657761"/>
+                    <a:pt x="2395880" y="4656417"/>
+                  </a:cubicBezTo>
+                  <a:cubicBezTo>
+                    <a:pt x="2382919" y="4654881"/>
+                    <a:pt x="2370245" y="4650945"/>
+                    <a:pt x="2357378" y="4648544"/>
+                  </a:cubicBezTo>
+                  <a:cubicBezTo>
+                    <a:pt x="2353826" y="4647872"/>
+                    <a:pt x="2349889" y="4648736"/>
+                    <a:pt x="2346145" y="4648928"/>
+                  </a:cubicBezTo>
+                  <a:cubicBezTo>
+                    <a:pt x="2341920" y="4649120"/>
+                    <a:pt x="2337791" y="4649504"/>
+                    <a:pt x="2333567" y="4649600"/>
+                  </a:cubicBezTo>
+                  <a:cubicBezTo>
+                    <a:pt x="2320700" y="4649793"/>
+                    <a:pt x="2307835" y="4649504"/>
+                    <a:pt x="2294968" y="4650177"/>
+                  </a:cubicBezTo>
+                  <a:cubicBezTo>
+                    <a:pt x="2287095" y="4650561"/>
+                    <a:pt x="2278839" y="4654497"/>
+                    <a:pt x="2271540" y="4653057"/>
+                  </a:cubicBezTo>
+                  <a:cubicBezTo>
+                    <a:pt x="2256659" y="4650272"/>
+                    <a:pt x="2241776" y="4656513"/>
+                    <a:pt x="2226895" y="4651329"/>
+                  </a:cubicBezTo>
+                  <a:cubicBezTo>
+                    <a:pt x="2222285" y="4649793"/>
+                    <a:pt x="2215948" y="4653633"/>
+                    <a:pt x="2210379" y="4653825"/>
+                  </a:cubicBezTo>
+                  <a:cubicBezTo>
+                    <a:pt x="2196457" y="4654305"/>
+                    <a:pt x="2182535" y="4654209"/>
+                    <a:pt x="2168613" y="4654113"/>
+                  </a:cubicBezTo>
+                  <a:cubicBezTo>
+                    <a:pt x="2156131" y="4654017"/>
+                    <a:pt x="2143168" y="4655361"/>
+                    <a:pt x="2131167" y="4652673"/>
+                  </a:cubicBezTo>
+                  <a:cubicBezTo>
+                    <a:pt x="2118588" y="4649793"/>
+                    <a:pt x="2107259" y="4650177"/>
+                    <a:pt x="2095065" y="4653441"/>
+                  </a:cubicBezTo>
+                  <a:cubicBezTo>
+                    <a:pt x="2086711" y="4655649"/>
+                    <a:pt x="2077878" y="4655938"/>
+                    <a:pt x="2069237" y="4656609"/>
+                  </a:cubicBezTo>
+                  <a:cubicBezTo>
+                    <a:pt x="2059924" y="4657377"/>
+                    <a:pt x="2049650" y="4655361"/>
+                    <a:pt x="2041201" y="4658529"/>
+                  </a:cubicBezTo>
+                  <a:cubicBezTo>
+                    <a:pt x="2016044" y="4667939"/>
+                    <a:pt x="1990216" y="4669955"/>
+                    <a:pt x="1963909" y="4669955"/>
+                  </a:cubicBezTo>
+                  <a:cubicBezTo>
+                    <a:pt x="1959107" y="4669955"/>
+                    <a:pt x="1954210" y="4668612"/>
+                    <a:pt x="1949603" y="4667171"/>
+                  </a:cubicBezTo>
+                  <a:cubicBezTo>
+                    <a:pt x="1922717" y="4658529"/>
+                    <a:pt x="1895737" y="4659297"/>
+                    <a:pt x="1868373" y="4664578"/>
+                  </a:cubicBezTo>
+                  <a:cubicBezTo>
+                    <a:pt x="1862708" y="4665731"/>
+                    <a:pt x="1856372" y="4665923"/>
+                    <a:pt x="1850707" y="4664771"/>
+                  </a:cubicBezTo>
+                  <a:cubicBezTo>
+                    <a:pt x="1834768" y="4661410"/>
+                    <a:pt x="1819309" y="4655841"/>
+                    <a:pt x="1803275" y="4653441"/>
+                  </a:cubicBezTo>
+                  <a:cubicBezTo>
+                    <a:pt x="1776775" y="4649504"/>
+                    <a:pt x="1753828" y="4662754"/>
+                    <a:pt x="1730112" y="4671396"/>
+                  </a:cubicBezTo>
+                  <a:cubicBezTo>
+                    <a:pt x="1707548" y="4679557"/>
+                    <a:pt x="1688345" y="4697992"/>
+                    <a:pt x="1661652" y="4693863"/>
+                  </a:cubicBezTo>
+                  <a:cubicBezTo>
+                    <a:pt x="1658965" y="4693479"/>
+                    <a:pt x="1655988" y="4696071"/>
+                    <a:pt x="1653011" y="4696744"/>
+                  </a:cubicBezTo>
+                  <a:cubicBezTo>
+                    <a:pt x="1644850" y="4698568"/>
+                    <a:pt x="1636689" y="4700776"/>
+                    <a:pt x="1628431" y="4701641"/>
+                  </a:cubicBezTo>
+                  <a:cubicBezTo>
+                    <a:pt x="1618350" y="4702793"/>
+                    <a:pt x="1608076" y="4702409"/>
+                    <a:pt x="1597995" y="4703369"/>
+                  </a:cubicBezTo>
+                  <a:cubicBezTo>
+                    <a:pt x="1585032" y="4704521"/>
+                    <a:pt x="1572263" y="4707593"/>
+                    <a:pt x="1559396" y="4707593"/>
+                  </a:cubicBezTo>
+                  <a:cubicBezTo>
+                    <a:pt x="1549026" y="4707593"/>
+                    <a:pt x="1538753" y="4704041"/>
+                    <a:pt x="1528480" y="4702312"/>
+                  </a:cubicBezTo>
+                  <a:cubicBezTo>
+                    <a:pt x="1513981" y="4699912"/>
+                    <a:pt x="1498042" y="4700584"/>
+                    <a:pt x="1485272" y="4694439"/>
+                  </a:cubicBezTo>
+                  <a:cubicBezTo>
+                    <a:pt x="1471639" y="4687910"/>
+                    <a:pt x="1458676" y="4684934"/>
+                    <a:pt x="1444562" y="4686950"/>
+                  </a:cubicBezTo>
+                  <a:cubicBezTo>
+                    <a:pt x="1439857" y="4687622"/>
+                    <a:pt x="1433808" y="4691655"/>
+                    <a:pt x="1431696" y="4695783"/>
+                  </a:cubicBezTo>
+                  <a:cubicBezTo>
+                    <a:pt x="1426991" y="4705001"/>
+                    <a:pt x="1420559" y="4706634"/>
+                    <a:pt x="1411821" y="4703464"/>
+                  </a:cubicBezTo>
+                  <a:cubicBezTo>
+                    <a:pt x="1404236" y="4700776"/>
+                    <a:pt x="1394922" y="4699432"/>
+                    <a:pt x="1389738" y="4694247"/>
+                  </a:cubicBezTo>
+                  <a:cubicBezTo>
+                    <a:pt x="1375047" y="4679557"/>
+                    <a:pt x="1356324" y="4679077"/>
+                    <a:pt x="1338081" y="4675141"/>
+                  </a:cubicBezTo>
+                  <a:cubicBezTo>
+                    <a:pt x="1326945" y="4672739"/>
+                    <a:pt x="1316574" y="4672644"/>
+                    <a:pt x="1305436" y="4674276"/>
+                  </a:cubicBezTo>
+                  <a:cubicBezTo>
+                    <a:pt x="1281241" y="4677925"/>
+                    <a:pt x="1257717" y="4672739"/>
+                    <a:pt x="1234481" y="4666115"/>
+                  </a:cubicBezTo>
+                  <a:cubicBezTo>
+                    <a:pt x="1219118" y="4661698"/>
+                    <a:pt x="1203372" y="4659010"/>
+                    <a:pt x="1188106" y="4654497"/>
+                  </a:cubicBezTo>
+                  <a:cubicBezTo>
+                    <a:pt x="1176680" y="4651041"/>
+                    <a:pt x="1165255" y="4646912"/>
+                    <a:pt x="1154790" y="4641343"/>
+                  </a:cubicBezTo>
+                  <a:cubicBezTo>
+                    <a:pt x="1139618" y="4633181"/>
+                    <a:pt x="1126369" y="4620891"/>
+                    <a:pt x="1107069" y="4624156"/>
+                  </a:cubicBezTo>
+                  <a:cubicBezTo>
+                    <a:pt x="1090074" y="4627036"/>
+                    <a:pt x="1074713" y="4620988"/>
+                    <a:pt x="1059158" y="4615227"/>
+                  </a:cubicBezTo>
+                  <a:cubicBezTo>
+                    <a:pt x="1047732" y="4611002"/>
+                    <a:pt x="1036308" y="4606681"/>
+                    <a:pt x="1024496" y="4603993"/>
+                  </a:cubicBezTo>
+                  <a:cubicBezTo>
+                    <a:pt x="1010478" y="4600824"/>
+                    <a:pt x="994635" y="4602169"/>
+                    <a:pt x="982153" y="4596311"/>
+                  </a:cubicBezTo>
+                  <a:cubicBezTo>
+                    <a:pt x="969095" y="4590166"/>
+                    <a:pt x="958246" y="4594295"/>
+                    <a:pt x="946628" y="4596024"/>
+                  </a:cubicBezTo>
+                  <a:cubicBezTo>
+                    <a:pt x="928097" y="4598712"/>
+                    <a:pt x="909661" y="4603705"/>
+                    <a:pt x="890939" y="4597368"/>
+                  </a:cubicBezTo>
+                  <a:cubicBezTo>
+                    <a:pt x="868184" y="4589687"/>
+                    <a:pt x="845620" y="4581430"/>
+                    <a:pt x="822769" y="4574133"/>
+                  </a:cubicBezTo>
+                  <a:cubicBezTo>
+                    <a:pt x="813934" y="4571347"/>
+                    <a:pt x="804431" y="4570195"/>
+                    <a:pt x="795212" y="4568947"/>
+                  </a:cubicBezTo>
+                  <a:cubicBezTo>
+                    <a:pt x="786476" y="4567891"/>
+                    <a:pt x="776010" y="4570579"/>
+                    <a:pt x="769288" y="4566547"/>
+                  </a:cubicBezTo>
+                  <a:cubicBezTo>
+                    <a:pt x="752005" y="4556178"/>
+                    <a:pt x="734243" y="4551089"/>
+                    <a:pt x="714271" y="4551089"/>
+                  </a:cubicBezTo>
+                  <a:cubicBezTo>
+                    <a:pt x="706781" y="4551089"/>
+                    <a:pt x="699484" y="4546768"/>
+                    <a:pt x="691900" y="4545999"/>
+                  </a:cubicBezTo>
+                  <a:cubicBezTo>
+                    <a:pt x="681529" y="4545040"/>
+                    <a:pt x="669623" y="4542447"/>
+                    <a:pt x="660598" y="4546096"/>
+                  </a:cubicBezTo>
+                  <a:cubicBezTo>
+                    <a:pt x="639379" y="4554737"/>
+                    <a:pt x="622193" y="4547536"/>
+                    <a:pt x="603662" y="4538991"/>
+                  </a:cubicBezTo>
+                  <a:cubicBezTo>
+                    <a:pt x="585418" y="4530541"/>
+                    <a:pt x="566215" y="4523821"/>
+                    <a:pt x="546821" y="4518251"/>
+                  </a:cubicBezTo>
+                  <a:cubicBezTo>
+                    <a:pt x="539524" y="4516235"/>
+                    <a:pt x="530787" y="4519596"/>
+                    <a:pt x="522721" y="4520267"/>
+                  </a:cubicBezTo>
+                  <a:cubicBezTo>
+                    <a:pt x="519840" y="4520460"/>
+                    <a:pt x="516671" y="4520748"/>
+                    <a:pt x="514080" y="4519788"/>
+                  </a:cubicBezTo>
+                  <a:cubicBezTo>
+                    <a:pt x="489020" y="4510570"/>
+                    <a:pt x="463575" y="4503561"/>
+                    <a:pt x="436404" y="4508361"/>
+                  </a:cubicBezTo>
+                  <a:cubicBezTo>
+                    <a:pt x="433908" y="4508842"/>
+                    <a:pt x="431123" y="4507786"/>
+                    <a:pt x="428626" y="4507114"/>
+                  </a:cubicBezTo>
+                  <a:cubicBezTo>
+                    <a:pt x="416432" y="4503657"/>
+                    <a:pt x="404526" y="4498184"/>
+                    <a:pt x="392141" y="4496936"/>
+                  </a:cubicBezTo>
+                  <a:cubicBezTo>
+                    <a:pt x="361608" y="4493864"/>
+                    <a:pt x="330884" y="4492615"/>
+                    <a:pt x="300157" y="4490599"/>
+                  </a:cubicBezTo>
+                  <a:cubicBezTo>
+                    <a:pt x="298237" y="4490503"/>
+                    <a:pt x="296221" y="4490503"/>
+                    <a:pt x="294493" y="4489831"/>
+                  </a:cubicBezTo>
+                  <a:cubicBezTo>
+                    <a:pt x="283163" y="4485702"/>
+                    <a:pt x="273274" y="4487047"/>
+                    <a:pt x="263671" y="4494919"/>
+                  </a:cubicBezTo>
+                  <a:cubicBezTo>
+                    <a:pt x="259447" y="4498376"/>
+                    <a:pt x="253686" y="4500200"/>
+                    <a:pt x="248406" y="4502121"/>
+                  </a:cubicBezTo>
+                  <a:cubicBezTo>
+                    <a:pt x="240628" y="4505002"/>
+                    <a:pt x="232659" y="4507786"/>
+                    <a:pt x="224594" y="4509610"/>
+                  </a:cubicBezTo>
+                  <a:cubicBezTo>
+                    <a:pt x="216624" y="4511338"/>
+                    <a:pt x="208079" y="4513738"/>
+                    <a:pt x="200398" y="4512395"/>
+                  </a:cubicBezTo>
+                  <a:cubicBezTo>
+                    <a:pt x="186572" y="4509994"/>
+                    <a:pt x="173417" y="4504618"/>
+                    <a:pt x="159783" y="4501064"/>
+                  </a:cubicBezTo>
+                  <a:cubicBezTo>
+                    <a:pt x="155079" y="4499816"/>
+                    <a:pt x="149893" y="4500009"/>
+                    <a:pt x="144997" y="4499912"/>
+                  </a:cubicBezTo>
+                  <a:cubicBezTo>
+                    <a:pt x="133763" y="4499625"/>
+                    <a:pt x="122241" y="4502409"/>
+                    <a:pt x="112064" y="4494440"/>
+                  </a:cubicBezTo>
+                  <a:cubicBezTo>
+                    <a:pt x="102655" y="4486951"/>
+                    <a:pt x="93148" y="4489158"/>
+                    <a:pt x="83259" y="4494824"/>
+                  </a:cubicBezTo>
+                  <a:cubicBezTo>
+                    <a:pt x="76154" y="4498857"/>
+                    <a:pt x="68090" y="4502025"/>
+                    <a:pt x="60120" y="4503561"/>
+                  </a:cubicBezTo>
+                  <a:cubicBezTo>
+                    <a:pt x="49174" y="4505673"/>
+                    <a:pt x="38324" y="4506538"/>
+                    <a:pt x="26514" y="4505289"/>
+                  </a:cubicBezTo>
+                  <a:cubicBezTo>
+                    <a:pt x="18161" y="4504425"/>
+                    <a:pt x="11343" y="4504041"/>
+                    <a:pt x="4814" y="4498952"/>
+                  </a:cubicBezTo>
+                  <a:cubicBezTo>
+                    <a:pt x="3759" y="4498184"/>
+                    <a:pt x="1839" y="4497992"/>
+                    <a:pt x="398" y="4498089"/>
+                  </a:cubicBezTo>
+                  <a:lnTo>
+                    <a:pt x="0" y="4498087"/>
+                  </a:lnTo>
+                  <a:close/>
+                </a:path>
+              </a:pathLst>
+            </a:custGeom>
+            <a:solidFill>
+              <a:schemeClr val="bg1">
+                <a:alpha val="86000"/>
+              </a:schemeClr>
+            </a:solidFill>
+            <a:ln w="12700" cap="flat" cmpd="sng" algn="ctr">
+              <a:noFill/>
+              <a:prstDash val="solid"/>
+              <a:miter lim="800000"/>
+            </a:ln>
+            <a:effectLst/>
+          </p:spPr>
+          <p:style>
+            <a:lnRef idx="2">
+              <a:schemeClr val="accent1">
+                <a:shade val="50000"/>
+              </a:schemeClr>
+            </a:lnRef>
+            <a:fillRef idx="1">
+              <a:schemeClr val="accent1"/>
+            </a:fillRef>
+            <a:effectRef idx="0">
+              <a:schemeClr val="accent1"/>
+            </a:effectRef>
+            <a:fontRef idx="minor">
+              <a:schemeClr val="lt1"/>
+            </a:fontRef>
+          </p:style>
+          <p:txBody>
+            <a:bodyPr wrap="square" rtlCol="0" anchor="ctr">
+              <a:noAutofit/>
+            </a:bodyPr>
+            <a:lstStyle/>
+            <a:p>
+              <a:pPr algn="ctr"/>
+              <a:endParaRPr lang="en-US" dirty="0">
+                <a:solidFill>
+                  <a:schemeClr val="lt1">
+                    <a:alpha val="14000"/>
+                  </a:schemeClr>
+                </a:solidFill>
+              </a:endParaRPr>
+            </a:p>
+          </p:txBody>
+        </p:sp>
+      </p:grpSp>
+      <p:sp>
+        <p:nvSpPr>
+          <p:cNvPr id="2" name="Title 1">
+            <a:extLst>
+              <a:ext uri="{FF2B5EF4-FFF2-40B4-BE49-F238E27FC236}">
+                <a16:creationId xmlns:a16="http://schemas.microsoft.com/office/drawing/2014/main" id="{CB47A89C-3F89-AB4D-1C01-2E9721E0E4D7}"/>
+              </a:ext>
+            </a:extLst>
+          </p:cNvPr>
+          <p:cNvSpPr>
+            <a:spLocks noGrp="1"/>
+          </p:cNvSpPr>
+          <p:nvPr>
+            <p:ph type="title"/>
+          </p:nvPr>
+        </p:nvSpPr>
+        <p:spPr>
+          <a:xfrm>
+            <a:off x="1268127" y="2023558"/>
+            <a:ext cx="3521265" cy="2491292"/>
+          </a:xfrm>
+        </p:spPr>
+        <p:txBody>
+          <a:bodyPr anchor="t">
+            <a:normAutofit/>
+          </a:bodyPr>
+          <a:lstStyle/>
+          <a:p>
+            <a:r>
+              <a:rPr lang="en-US" sz="4000" dirty="0"/>
+              <a:t>Testy, </a:t>
+            </a:r>
+            <a:r>
+              <a:rPr lang="en-US" sz="4000" dirty="0" err="1"/>
+              <a:t>rodzaje</a:t>
+            </a:r>
+            <a:r>
+              <a:rPr lang="en-US" sz="4000" dirty="0"/>
+              <a:t> I po co je </a:t>
+            </a:r>
+            <a:r>
+              <a:rPr lang="en-US" sz="4000" dirty="0" err="1"/>
+              <a:t>piszemy</a:t>
+            </a:r>
+            <a:br>
+              <a:rPr lang="en-US" sz="4000" dirty="0"/>
+            </a:br>
+            <a:endParaRPr lang="en-US" sz="4000" dirty="0">
+              <a:cs typeface="Calibri Light"/>
+            </a:endParaRPr>
+          </a:p>
+        </p:txBody>
+      </p:sp>
+      <p:sp>
+        <p:nvSpPr>
+          <p:cNvPr id="14" name="Freeform: Shape 13">
+            <a:extLst>
+              <a:ext uri="{FF2B5EF4-FFF2-40B4-BE49-F238E27FC236}">
+                <a16:creationId xmlns:a16="http://schemas.microsoft.com/office/drawing/2014/main" id="{30B5ED20-499B-41E7-95BE-8BBD3131456F}"/>
+              </a:ext>
+              <a:ext uri="{C183D7F6-B498-43B3-948B-1728B52AA6E4}">
+                <adec:decorative xmlns:adec="http://schemas.microsoft.com/office/drawing/2017/decorative" val="1"/>
+              </a:ext>
+            </a:extLst>
+          </p:cNvPr>
+          <p:cNvSpPr>
+            <a:spLocks noGrp="1" noRot="1" noChangeAspect="1" noMove="1" noResize="1" noEditPoints="1" noAdjustHandles="1" noChangeArrowheads="1" noChangeShapeType="1" noTextEdit="1"/>
+          </p:cNvSpPr>
+          <p:nvPr>
+            <p:extLst>
+              <p:ext uri="{386F3935-93C4-4BCD-93E2-E3B085C9AB24}">
+                <p16:designElem xmlns:p16="http://schemas.microsoft.com/office/powerpoint/2015/main" val="1"/>
+              </p:ext>
+            </p:extLst>
+          </p:nvPr>
+        </p:nvSpPr>
+        <p:spPr>
+          <a:xfrm>
+            <a:off x="827088" y="4258080"/>
+            <a:ext cx="4403345" cy="1180695"/>
+          </a:xfrm>
+          <a:custGeom>
+            <a:avLst/>
+            <a:gdLst>
+              <a:gd name="connsiteX0" fmla="*/ 5260975 w 5260975"/>
+              <a:gd name="connsiteY0" fmla="*/ 0 h 1410656"/>
+              <a:gd name="connsiteX1" fmla="*/ 5260975 w 5260975"/>
+              <a:gd name="connsiteY1" fmla="*/ 221634 h 1410656"/>
+              <a:gd name="connsiteX2" fmla="*/ 5226503 w 5260975"/>
+              <a:gd name="connsiteY2" fmla="*/ 237063 h 1410656"/>
+              <a:gd name="connsiteX3" fmla="*/ 5206341 w 5260975"/>
+              <a:gd name="connsiteY3" fmla="*/ 245128 h 1410656"/>
+              <a:gd name="connsiteX4" fmla="*/ 5123287 w 5260975"/>
+              <a:gd name="connsiteY4" fmla="*/ 297073 h 1410656"/>
+              <a:gd name="connsiteX5" fmla="*/ 5048107 w 5260975"/>
+              <a:gd name="connsiteY5" fmla="*/ 361307 h 1410656"/>
+              <a:gd name="connsiteX6" fmla="*/ 4992899 w 5260975"/>
+              <a:gd name="connsiteY6" fmla="*/ 437542 h 1410656"/>
+              <a:gd name="connsiteX7" fmla="*/ 4977440 w 5260975"/>
+              <a:gd name="connsiteY7" fmla="*/ 455690 h 1410656"/>
+              <a:gd name="connsiteX8" fmla="*/ 4935193 w 5260975"/>
+              <a:gd name="connsiteY8" fmla="*/ 478445 h 1410656"/>
+              <a:gd name="connsiteX9" fmla="*/ 4897844 w 5260975"/>
+              <a:gd name="connsiteY9" fmla="*/ 495535 h 1410656"/>
+              <a:gd name="connsiteX10" fmla="*/ 4870767 w 5260975"/>
+              <a:gd name="connsiteY10" fmla="*/ 514451 h 1410656"/>
+              <a:gd name="connsiteX11" fmla="*/ 4847916 w 5260975"/>
+              <a:gd name="connsiteY11" fmla="*/ 531830 h 1410656"/>
+              <a:gd name="connsiteX12" fmla="*/ 4796163 w 5260975"/>
+              <a:gd name="connsiteY12" fmla="*/ 576765 h 1410656"/>
+              <a:gd name="connsiteX13" fmla="*/ 4738843 w 5260975"/>
+              <a:gd name="connsiteY13" fmla="*/ 614691 h 1410656"/>
+              <a:gd name="connsiteX14" fmla="*/ 4692755 w 5260975"/>
+              <a:gd name="connsiteY14" fmla="*/ 661162 h 1410656"/>
+              <a:gd name="connsiteX15" fmla="*/ 4673744 w 5260975"/>
+              <a:gd name="connsiteY15" fmla="*/ 686318 h 1410656"/>
+              <a:gd name="connsiteX16" fmla="*/ 4633801 w 5260975"/>
+              <a:gd name="connsiteY16" fmla="*/ 703505 h 1410656"/>
+              <a:gd name="connsiteX17" fmla="*/ 4590499 w 5260975"/>
+              <a:gd name="connsiteY17" fmla="*/ 730389 h 1410656"/>
+              <a:gd name="connsiteX18" fmla="*/ 4559773 w 5260975"/>
+              <a:gd name="connsiteY18" fmla="*/ 757081 h 1410656"/>
+              <a:gd name="connsiteX19" fmla="*/ 4536059 w 5260975"/>
+              <a:gd name="connsiteY19" fmla="*/ 774940 h 1410656"/>
+              <a:gd name="connsiteX20" fmla="*/ 4502549 w 5260975"/>
+              <a:gd name="connsiteY20" fmla="*/ 792895 h 1410656"/>
+              <a:gd name="connsiteX21" fmla="*/ 4468944 w 5260975"/>
+              <a:gd name="connsiteY21" fmla="*/ 816419 h 1410656"/>
+              <a:gd name="connsiteX22" fmla="*/ 4452622 w 5260975"/>
+              <a:gd name="connsiteY22" fmla="*/ 830917 h 1410656"/>
+              <a:gd name="connsiteX23" fmla="*/ 4421032 w 5260975"/>
+              <a:gd name="connsiteY23" fmla="*/ 855016 h 1410656"/>
+              <a:gd name="connsiteX24" fmla="*/ 4388483 w 5260975"/>
+              <a:gd name="connsiteY24" fmla="*/ 877484 h 1410656"/>
+              <a:gd name="connsiteX25" fmla="*/ 4327321 w 5260975"/>
+              <a:gd name="connsiteY25" fmla="*/ 903216 h 1410656"/>
+              <a:gd name="connsiteX26" fmla="*/ 4271633 w 5260975"/>
+              <a:gd name="connsiteY26" fmla="*/ 941046 h 1410656"/>
+              <a:gd name="connsiteX27" fmla="*/ 4227465 w 5260975"/>
+              <a:gd name="connsiteY27" fmla="*/ 968698 h 1410656"/>
+              <a:gd name="connsiteX28" fmla="*/ 4201733 w 5260975"/>
+              <a:gd name="connsiteY28" fmla="*/ 986846 h 1410656"/>
+              <a:gd name="connsiteX29" fmla="*/ 4154494 w 5260975"/>
+              <a:gd name="connsiteY29" fmla="*/ 1027364 h 1410656"/>
+              <a:gd name="connsiteX30" fmla="*/ 4081234 w 5260975"/>
+              <a:gd name="connsiteY30" fmla="*/ 1069994 h 1410656"/>
+              <a:gd name="connsiteX31" fmla="*/ 4036971 w 5260975"/>
+              <a:gd name="connsiteY31" fmla="*/ 1093038 h 1410656"/>
+              <a:gd name="connsiteX32" fmla="*/ 3941725 w 5260975"/>
+              <a:gd name="connsiteY32" fmla="*/ 1127796 h 1410656"/>
+              <a:gd name="connsiteX33" fmla="*/ 3910999 w 5260975"/>
+              <a:gd name="connsiteY33" fmla="*/ 1140182 h 1410656"/>
+              <a:gd name="connsiteX34" fmla="*/ 3875859 w 5260975"/>
+              <a:gd name="connsiteY34" fmla="*/ 1148343 h 1410656"/>
+              <a:gd name="connsiteX35" fmla="*/ 3819401 w 5260975"/>
+              <a:gd name="connsiteY35" fmla="*/ 1167642 h 1410656"/>
+              <a:gd name="connsiteX36" fmla="*/ 3709176 w 5260975"/>
+              <a:gd name="connsiteY36" fmla="*/ 1200863 h 1410656"/>
+              <a:gd name="connsiteX37" fmla="*/ 3684981 w 5260975"/>
+              <a:gd name="connsiteY37" fmla="*/ 1205952 h 1410656"/>
+              <a:gd name="connsiteX38" fmla="*/ 3623338 w 5260975"/>
+              <a:gd name="connsiteY38" fmla="*/ 1227363 h 1410656"/>
+              <a:gd name="connsiteX39" fmla="*/ 3586373 w 5260975"/>
+              <a:gd name="connsiteY39" fmla="*/ 1241765 h 1410656"/>
+              <a:gd name="connsiteX40" fmla="*/ 3555743 w 5260975"/>
+              <a:gd name="connsiteY40" fmla="*/ 1250023 h 1410656"/>
+              <a:gd name="connsiteX41" fmla="*/ 3528667 w 5260975"/>
+              <a:gd name="connsiteY41" fmla="*/ 1253864 h 1410656"/>
+              <a:gd name="connsiteX42" fmla="*/ 3457424 w 5260975"/>
+              <a:gd name="connsiteY42" fmla="*/ 1272874 h 1410656"/>
+              <a:gd name="connsiteX43" fmla="*/ 3429003 w 5260975"/>
+              <a:gd name="connsiteY43" fmla="*/ 1280364 h 1410656"/>
+              <a:gd name="connsiteX44" fmla="*/ 3355264 w 5260975"/>
+              <a:gd name="connsiteY44" fmla="*/ 1306096 h 1410656"/>
+              <a:gd name="connsiteX45" fmla="*/ 3292757 w 5260975"/>
+              <a:gd name="connsiteY45" fmla="*/ 1323090 h 1410656"/>
+              <a:gd name="connsiteX46" fmla="*/ 3266643 w 5260975"/>
+              <a:gd name="connsiteY46" fmla="*/ 1331251 h 1410656"/>
+              <a:gd name="connsiteX47" fmla="*/ 3206921 w 5260975"/>
+              <a:gd name="connsiteY47" fmla="*/ 1344886 h 1410656"/>
+              <a:gd name="connsiteX48" fmla="*/ 3173123 w 5260975"/>
+              <a:gd name="connsiteY48" fmla="*/ 1354488 h 1410656"/>
+              <a:gd name="connsiteX49" fmla="*/ 3090646 w 5260975"/>
+              <a:gd name="connsiteY49" fmla="*/ 1365337 h 1410656"/>
+              <a:gd name="connsiteX50" fmla="*/ 3005480 w 5260975"/>
+              <a:gd name="connsiteY50" fmla="*/ 1375802 h 1410656"/>
+              <a:gd name="connsiteX51" fmla="*/ 2958721 w 5260975"/>
+              <a:gd name="connsiteY51" fmla="*/ 1379259 h 1410656"/>
+              <a:gd name="connsiteX52" fmla="*/ 2917915 w 5260975"/>
+              <a:gd name="connsiteY52" fmla="*/ 1384733 h 1410656"/>
+              <a:gd name="connsiteX53" fmla="*/ 2882389 w 5260975"/>
+              <a:gd name="connsiteY53" fmla="*/ 1388189 h 1410656"/>
+              <a:gd name="connsiteX54" fmla="*/ 2825837 w 5260975"/>
+              <a:gd name="connsiteY54" fmla="*/ 1395198 h 1410656"/>
+              <a:gd name="connsiteX55" fmla="*/ 2802313 w 5260975"/>
+              <a:gd name="connsiteY55" fmla="*/ 1397023 h 1410656"/>
+              <a:gd name="connsiteX56" fmla="*/ 2746816 w 5260975"/>
+              <a:gd name="connsiteY56" fmla="*/ 1396926 h 1410656"/>
+              <a:gd name="connsiteX57" fmla="*/ 2727517 w 5260975"/>
+              <a:gd name="connsiteY57" fmla="*/ 1395966 h 1410656"/>
+              <a:gd name="connsiteX58" fmla="*/ 2690359 w 5260975"/>
+              <a:gd name="connsiteY58" fmla="*/ 1384060 h 1410656"/>
+              <a:gd name="connsiteX59" fmla="*/ 2685943 w 5260975"/>
+              <a:gd name="connsiteY59" fmla="*/ 1383196 h 1410656"/>
+              <a:gd name="connsiteX60" fmla="*/ 2661554 w 5260975"/>
+              <a:gd name="connsiteY60" fmla="*/ 1378491 h 1410656"/>
+              <a:gd name="connsiteX61" fmla="*/ 2648208 w 5260975"/>
+              <a:gd name="connsiteY61" fmla="*/ 1376955 h 1410656"/>
+              <a:gd name="connsiteX62" fmla="*/ 2597512 w 5260975"/>
+              <a:gd name="connsiteY62" fmla="*/ 1367162 h 1410656"/>
+              <a:gd name="connsiteX63" fmla="*/ 2568324 w 5260975"/>
+              <a:gd name="connsiteY63" fmla="*/ 1362553 h 1410656"/>
+              <a:gd name="connsiteX64" fmla="*/ 2544704 w 5260975"/>
+              <a:gd name="connsiteY64" fmla="*/ 1363225 h 1410656"/>
+              <a:gd name="connsiteX65" fmla="*/ 2503225 w 5260975"/>
+              <a:gd name="connsiteY65" fmla="*/ 1364089 h 1410656"/>
+              <a:gd name="connsiteX66" fmla="*/ 2489975 w 5260975"/>
+              <a:gd name="connsiteY66" fmla="*/ 1366298 h 1410656"/>
+              <a:gd name="connsiteX67" fmla="*/ 2430061 w 5260975"/>
+              <a:gd name="connsiteY67" fmla="*/ 1359960 h 1410656"/>
+              <a:gd name="connsiteX68" fmla="*/ 2395880 w 5260975"/>
+              <a:gd name="connsiteY68" fmla="*/ 1359480 h 1410656"/>
+              <a:gd name="connsiteX69" fmla="*/ 2357378 w 5260975"/>
+              <a:gd name="connsiteY69" fmla="*/ 1351607 h 1410656"/>
+              <a:gd name="connsiteX70" fmla="*/ 2346145 w 5260975"/>
+              <a:gd name="connsiteY70" fmla="*/ 1351991 h 1410656"/>
+              <a:gd name="connsiteX71" fmla="*/ 2333567 w 5260975"/>
+              <a:gd name="connsiteY71" fmla="*/ 1352663 h 1410656"/>
+              <a:gd name="connsiteX72" fmla="*/ 2294968 w 5260975"/>
+              <a:gd name="connsiteY72" fmla="*/ 1353240 h 1410656"/>
+              <a:gd name="connsiteX73" fmla="*/ 2271540 w 5260975"/>
+              <a:gd name="connsiteY73" fmla="*/ 1356120 h 1410656"/>
+              <a:gd name="connsiteX74" fmla="*/ 2226895 w 5260975"/>
+              <a:gd name="connsiteY74" fmla="*/ 1354392 h 1410656"/>
+              <a:gd name="connsiteX75" fmla="*/ 2210379 w 5260975"/>
+              <a:gd name="connsiteY75" fmla="*/ 1356888 h 1410656"/>
+              <a:gd name="connsiteX76" fmla="*/ 2168613 w 5260975"/>
+              <a:gd name="connsiteY76" fmla="*/ 1357176 h 1410656"/>
+              <a:gd name="connsiteX77" fmla="*/ 2131167 w 5260975"/>
+              <a:gd name="connsiteY77" fmla="*/ 1355736 h 1410656"/>
+              <a:gd name="connsiteX78" fmla="*/ 2095065 w 5260975"/>
+              <a:gd name="connsiteY78" fmla="*/ 1356504 h 1410656"/>
+              <a:gd name="connsiteX79" fmla="*/ 2069237 w 5260975"/>
+              <a:gd name="connsiteY79" fmla="*/ 1359672 h 1410656"/>
+              <a:gd name="connsiteX80" fmla="*/ 2041201 w 5260975"/>
+              <a:gd name="connsiteY80" fmla="*/ 1361592 h 1410656"/>
+              <a:gd name="connsiteX81" fmla="*/ 1963909 w 5260975"/>
+              <a:gd name="connsiteY81" fmla="*/ 1373018 h 1410656"/>
+              <a:gd name="connsiteX82" fmla="*/ 1949603 w 5260975"/>
+              <a:gd name="connsiteY82" fmla="*/ 1370234 h 1410656"/>
+              <a:gd name="connsiteX83" fmla="*/ 1868373 w 5260975"/>
+              <a:gd name="connsiteY83" fmla="*/ 1367641 h 1410656"/>
+              <a:gd name="connsiteX84" fmla="*/ 1850707 w 5260975"/>
+              <a:gd name="connsiteY84" fmla="*/ 1367834 h 1410656"/>
+              <a:gd name="connsiteX85" fmla="*/ 1803275 w 5260975"/>
+              <a:gd name="connsiteY85" fmla="*/ 1356504 h 1410656"/>
+              <a:gd name="connsiteX86" fmla="*/ 1730112 w 5260975"/>
+              <a:gd name="connsiteY86" fmla="*/ 1374459 h 1410656"/>
+              <a:gd name="connsiteX87" fmla="*/ 1661652 w 5260975"/>
+              <a:gd name="connsiteY87" fmla="*/ 1396926 h 1410656"/>
+              <a:gd name="connsiteX88" fmla="*/ 1653011 w 5260975"/>
+              <a:gd name="connsiteY88" fmla="*/ 1399807 h 1410656"/>
+              <a:gd name="connsiteX89" fmla="*/ 1628431 w 5260975"/>
+              <a:gd name="connsiteY89" fmla="*/ 1404704 h 1410656"/>
+              <a:gd name="connsiteX90" fmla="*/ 1597995 w 5260975"/>
+              <a:gd name="connsiteY90" fmla="*/ 1406432 h 1410656"/>
+              <a:gd name="connsiteX91" fmla="*/ 1559396 w 5260975"/>
+              <a:gd name="connsiteY91" fmla="*/ 1410656 h 1410656"/>
+              <a:gd name="connsiteX92" fmla="*/ 1528480 w 5260975"/>
+              <a:gd name="connsiteY92" fmla="*/ 1405375 h 1410656"/>
+              <a:gd name="connsiteX93" fmla="*/ 1485272 w 5260975"/>
+              <a:gd name="connsiteY93" fmla="*/ 1397502 h 1410656"/>
+              <a:gd name="connsiteX94" fmla="*/ 1444562 w 5260975"/>
+              <a:gd name="connsiteY94" fmla="*/ 1390013 h 1410656"/>
+              <a:gd name="connsiteX95" fmla="*/ 1431696 w 5260975"/>
+              <a:gd name="connsiteY95" fmla="*/ 1398846 h 1410656"/>
+              <a:gd name="connsiteX96" fmla="*/ 1411821 w 5260975"/>
+              <a:gd name="connsiteY96" fmla="*/ 1406527 h 1410656"/>
+              <a:gd name="connsiteX97" fmla="*/ 1389738 w 5260975"/>
+              <a:gd name="connsiteY97" fmla="*/ 1397310 h 1410656"/>
+              <a:gd name="connsiteX98" fmla="*/ 1338081 w 5260975"/>
+              <a:gd name="connsiteY98" fmla="*/ 1378204 h 1410656"/>
+              <a:gd name="connsiteX99" fmla="*/ 1305436 w 5260975"/>
+              <a:gd name="connsiteY99" fmla="*/ 1377339 h 1410656"/>
+              <a:gd name="connsiteX100" fmla="*/ 1234481 w 5260975"/>
+              <a:gd name="connsiteY100" fmla="*/ 1369178 h 1410656"/>
+              <a:gd name="connsiteX101" fmla="*/ 1188106 w 5260975"/>
+              <a:gd name="connsiteY101" fmla="*/ 1357560 h 1410656"/>
+              <a:gd name="connsiteX102" fmla="*/ 1154790 w 5260975"/>
+              <a:gd name="connsiteY102" fmla="*/ 1344406 h 1410656"/>
+              <a:gd name="connsiteX103" fmla="*/ 1107069 w 5260975"/>
+              <a:gd name="connsiteY103" fmla="*/ 1327219 h 1410656"/>
+              <a:gd name="connsiteX104" fmla="*/ 1059158 w 5260975"/>
+              <a:gd name="connsiteY104" fmla="*/ 1318290 h 1410656"/>
+              <a:gd name="connsiteX105" fmla="*/ 1024496 w 5260975"/>
+              <a:gd name="connsiteY105" fmla="*/ 1307056 h 1410656"/>
+              <a:gd name="connsiteX106" fmla="*/ 982153 w 5260975"/>
+              <a:gd name="connsiteY106" fmla="*/ 1299374 h 1410656"/>
+              <a:gd name="connsiteX107" fmla="*/ 946628 w 5260975"/>
+              <a:gd name="connsiteY107" fmla="*/ 1299087 h 1410656"/>
+              <a:gd name="connsiteX108" fmla="*/ 890939 w 5260975"/>
+              <a:gd name="connsiteY108" fmla="*/ 1300431 h 1410656"/>
+              <a:gd name="connsiteX109" fmla="*/ 822769 w 5260975"/>
+              <a:gd name="connsiteY109" fmla="*/ 1277196 h 1410656"/>
+              <a:gd name="connsiteX110" fmla="*/ 795212 w 5260975"/>
+              <a:gd name="connsiteY110" fmla="*/ 1272010 h 1410656"/>
+              <a:gd name="connsiteX111" fmla="*/ 769288 w 5260975"/>
+              <a:gd name="connsiteY111" fmla="*/ 1269610 h 1410656"/>
+              <a:gd name="connsiteX112" fmla="*/ 714271 w 5260975"/>
+              <a:gd name="connsiteY112" fmla="*/ 1254152 h 1410656"/>
+              <a:gd name="connsiteX113" fmla="*/ 691900 w 5260975"/>
+              <a:gd name="connsiteY113" fmla="*/ 1249062 h 1410656"/>
+              <a:gd name="connsiteX114" fmla="*/ 660598 w 5260975"/>
+              <a:gd name="connsiteY114" fmla="*/ 1249159 h 1410656"/>
+              <a:gd name="connsiteX115" fmla="*/ 603662 w 5260975"/>
+              <a:gd name="connsiteY115" fmla="*/ 1242054 h 1410656"/>
+              <a:gd name="connsiteX116" fmla="*/ 546821 w 5260975"/>
+              <a:gd name="connsiteY116" fmla="*/ 1221314 h 1410656"/>
+              <a:gd name="connsiteX117" fmla="*/ 522721 w 5260975"/>
+              <a:gd name="connsiteY117" fmla="*/ 1223330 h 1410656"/>
+              <a:gd name="connsiteX118" fmla="*/ 514080 w 5260975"/>
+              <a:gd name="connsiteY118" fmla="*/ 1222851 h 1410656"/>
+              <a:gd name="connsiteX119" fmla="*/ 436404 w 5260975"/>
+              <a:gd name="connsiteY119" fmla="*/ 1211424 h 1410656"/>
+              <a:gd name="connsiteX120" fmla="*/ 428626 w 5260975"/>
+              <a:gd name="connsiteY120" fmla="*/ 1210177 h 1410656"/>
+              <a:gd name="connsiteX121" fmla="*/ 392141 w 5260975"/>
+              <a:gd name="connsiteY121" fmla="*/ 1199999 h 1410656"/>
+              <a:gd name="connsiteX122" fmla="*/ 300157 w 5260975"/>
+              <a:gd name="connsiteY122" fmla="*/ 1193662 h 1410656"/>
+              <a:gd name="connsiteX123" fmla="*/ 294493 w 5260975"/>
+              <a:gd name="connsiteY123" fmla="*/ 1192894 h 1410656"/>
+              <a:gd name="connsiteX124" fmla="*/ 263671 w 5260975"/>
+              <a:gd name="connsiteY124" fmla="*/ 1197982 h 1410656"/>
+              <a:gd name="connsiteX125" fmla="*/ 248406 w 5260975"/>
+              <a:gd name="connsiteY125" fmla="*/ 1205184 h 1410656"/>
+              <a:gd name="connsiteX126" fmla="*/ 224594 w 5260975"/>
+              <a:gd name="connsiteY126" fmla="*/ 1212673 h 1410656"/>
+              <a:gd name="connsiteX127" fmla="*/ 200398 w 5260975"/>
+              <a:gd name="connsiteY127" fmla="*/ 1215458 h 1410656"/>
+              <a:gd name="connsiteX128" fmla="*/ 159783 w 5260975"/>
+              <a:gd name="connsiteY128" fmla="*/ 1204127 h 1410656"/>
+              <a:gd name="connsiteX129" fmla="*/ 144997 w 5260975"/>
+              <a:gd name="connsiteY129" fmla="*/ 1202975 h 1410656"/>
+              <a:gd name="connsiteX130" fmla="*/ 112064 w 5260975"/>
+              <a:gd name="connsiteY130" fmla="*/ 1197503 h 1410656"/>
+              <a:gd name="connsiteX131" fmla="*/ 83259 w 5260975"/>
+              <a:gd name="connsiteY131" fmla="*/ 1197887 h 1410656"/>
+              <a:gd name="connsiteX132" fmla="*/ 60120 w 5260975"/>
+              <a:gd name="connsiteY132" fmla="*/ 1206624 h 1410656"/>
+              <a:gd name="connsiteX133" fmla="*/ 26514 w 5260975"/>
+              <a:gd name="connsiteY133" fmla="*/ 1208352 h 1410656"/>
+              <a:gd name="connsiteX134" fmla="*/ 4814 w 5260975"/>
+              <a:gd name="connsiteY134" fmla="*/ 1202015 h 1410656"/>
+              <a:gd name="connsiteX135" fmla="*/ 398 w 5260975"/>
+              <a:gd name="connsiteY135" fmla="*/ 1201152 h 1410656"/>
+              <a:gd name="connsiteX136" fmla="*/ 0 w 5260975"/>
+              <a:gd name="connsiteY136" fmla="*/ 1201150 h 1410656"/>
+              <a:gd name="connsiteX137" fmla="*/ 0 w 5260975"/>
+              <a:gd name="connsiteY137" fmla="*/ 1004512 h 1410656"/>
+              <a:gd name="connsiteX138" fmla="*/ 30355 w 5260975"/>
+              <a:gd name="connsiteY138" fmla="*/ 1002784 h 1410656"/>
+              <a:gd name="connsiteX139" fmla="*/ 52151 w 5260975"/>
+              <a:gd name="connsiteY139" fmla="*/ 997695 h 1410656"/>
+              <a:gd name="connsiteX140" fmla="*/ 64248 w 5260975"/>
+              <a:gd name="connsiteY140" fmla="*/ 994430 h 1410656"/>
+              <a:gd name="connsiteX141" fmla="*/ 126370 w 5260975"/>
+              <a:gd name="connsiteY141" fmla="*/ 985405 h 1410656"/>
+              <a:gd name="connsiteX142" fmla="*/ 154022 w 5260975"/>
+              <a:gd name="connsiteY142" fmla="*/ 975708 h 1410656"/>
+              <a:gd name="connsiteX143" fmla="*/ 161512 w 5260975"/>
+              <a:gd name="connsiteY143" fmla="*/ 974268 h 1410656"/>
+              <a:gd name="connsiteX144" fmla="*/ 202510 w 5260975"/>
+              <a:gd name="connsiteY144" fmla="*/ 978300 h 1410656"/>
+              <a:gd name="connsiteX145" fmla="*/ 233235 w 5260975"/>
+              <a:gd name="connsiteY145" fmla="*/ 993950 h 1410656"/>
+              <a:gd name="connsiteX146" fmla="*/ 239188 w 5260975"/>
+              <a:gd name="connsiteY146" fmla="*/ 999231 h 1410656"/>
+              <a:gd name="connsiteX147" fmla="*/ 324834 w 5260975"/>
+              <a:gd name="connsiteY147" fmla="*/ 997407 h 1410656"/>
+              <a:gd name="connsiteX148" fmla="*/ 337987 w 5260975"/>
+              <a:gd name="connsiteY148" fmla="*/ 995198 h 1410656"/>
+              <a:gd name="connsiteX149" fmla="*/ 401550 w 5260975"/>
+              <a:gd name="connsiteY149" fmla="*/ 1004416 h 1410656"/>
+              <a:gd name="connsiteX150" fmla="*/ 420081 w 5260975"/>
+              <a:gd name="connsiteY150" fmla="*/ 1006240 h 1410656"/>
+              <a:gd name="connsiteX151" fmla="*/ 486523 w 5260975"/>
+              <a:gd name="connsiteY151" fmla="*/ 1014498 h 1410656"/>
+              <a:gd name="connsiteX152" fmla="*/ 495932 w 5260975"/>
+              <a:gd name="connsiteY152" fmla="*/ 1006817 h 1410656"/>
+              <a:gd name="connsiteX153" fmla="*/ 523009 w 5260975"/>
+              <a:gd name="connsiteY153" fmla="*/ 987517 h 1410656"/>
+              <a:gd name="connsiteX154" fmla="*/ 576393 w 5260975"/>
+              <a:gd name="connsiteY154" fmla="*/ 970427 h 1410656"/>
+              <a:gd name="connsiteX155" fmla="*/ 590892 w 5260975"/>
+              <a:gd name="connsiteY155" fmla="*/ 971387 h 1410656"/>
+              <a:gd name="connsiteX156" fmla="*/ 627569 w 5260975"/>
+              <a:gd name="connsiteY156" fmla="*/ 999904 h 1410656"/>
+              <a:gd name="connsiteX157" fmla="*/ 645429 w 5260975"/>
+              <a:gd name="connsiteY157" fmla="*/ 1011329 h 1410656"/>
+              <a:gd name="connsiteX158" fmla="*/ 696125 w 5260975"/>
+              <a:gd name="connsiteY158" fmla="*/ 1032356 h 1410656"/>
+              <a:gd name="connsiteX159" fmla="*/ 700349 w 5260975"/>
+              <a:gd name="connsiteY159" fmla="*/ 1036197 h 1410656"/>
+              <a:gd name="connsiteX160" fmla="*/ 737795 w 5260975"/>
+              <a:gd name="connsiteY160" fmla="*/ 1081804 h 1410656"/>
+              <a:gd name="connsiteX161" fmla="*/ 746244 w 5260975"/>
+              <a:gd name="connsiteY161" fmla="*/ 1089581 h 1410656"/>
+              <a:gd name="connsiteX162" fmla="*/ 756422 w 5260975"/>
+              <a:gd name="connsiteY162" fmla="*/ 1101680 h 1410656"/>
+              <a:gd name="connsiteX163" fmla="*/ 788202 w 5260975"/>
+              <a:gd name="connsiteY163" fmla="*/ 1125108 h 1410656"/>
+              <a:gd name="connsiteX164" fmla="*/ 827569 w 5260975"/>
+              <a:gd name="connsiteY164" fmla="*/ 1132596 h 1410656"/>
+              <a:gd name="connsiteX165" fmla="*/ 875097 w 5260975"/>
+              <a:gd name="connsiteY165" fmla="*/ 1144022 h 1410656"/>
+              <a:gd name="connsiteX166" fmla="*/ 894972 w 5260975"/>
+              <a:gd name="connsiteY166" fmla="*/ 1151704 h 1410656"/>
+              <a:gd name="connsiteX167" fmla="*/ 948260 w 5260975"/>
+              <a:gd name="connsiteY167" fmla="*/ 1166298 h 1410656"/>
+              <a:gd name="connsiteX168" fmla="*/ 986282 w 5260975"/>
+              <a:gd name="connsiteY168" fmla="*/ 1178588 h 1410656"/>
+              <a:gd name="connsiteX169" fmla="*/ 1041107 w 5260975"/>
+              <a:gd name="connsiteY169" fmla="*/ 1185789 h 1410656"/>
+              <a:gd name="connsiteX170" fmla="*/ 1067703 w 5260975"/>
+              <a:gd name="connsiteY170" fmla="*/ 1186076 h 1410656"/>
+              <a:gd name="connsiteX171" fmla="*/ 1116574 w 5260975"/>
+              <a:gd name="connsiteY171" fmla="*/ 1222946 h 1410656"/>
+              <a:gd name="connsiteX172" fmla="*/ 1155557 w 5260975"/>
+              <a:gd name="connsiteY172" fmla="*/ 1247335 h 1410656"/>
+              <a:gd name="connsiteX173" fmla="*/ 1196556 w 5260975"/>
+              <a:gd name="connsiteY173" fmla="*/ 1235525 h 1410656"/>
+              <a:gd name="connsiteX174" fmla="*/ 1207693 w 5260975"/>
+              <a:gd name="connsiteY174" fmla="*/ 1224387 h 1410656"/>
+              <a:gd name="connsiteX175" fmla="*/ 1274904 w 5260975"/>
+              <a:gd name="connsiteY175" fmla="*/ 1213826 h 1410656"/>
+              <a:gd name="connsiteX176" fmla="*/ 1370919 w 5260975"/>
+              <a:gd name="connsiteY176" fmla="*/ 1213442 h 1410656"/>
+              <a:gd name="connsiteX177" fmla="*/ 1530593 w 5260975"/>
+              <a:gd name="connsiteY177" fmla="*/ 1189437 h 1410656"/>
+              <a:gd name="connsiteX178" fmla="*/ 1558436 w 5260975"/>
+              <a:gd name="connsiteY178" fmla="*/ 1178299 h 1410656"/>
+              <a:gd name="connsiteX179" fmla="*/ 1589737 w 5260975"/>
+              <a:gd name="connsiteY179" fmla="*/ 1175515 h 1410656"/>
+              <a:gd name="connsiteX180" fmla="*/ 1601740 w 5260975"/>
+              <a:gd name="connsiteY180" fmla="*/ 1182333 h 1410656"/>
+              <a:gd name="connsiteX181" fmla="*/ 1654259 w 5260975"/>
+              <a:gd name="connsiteY181" fmla="*/ 1192510 h 1410656"/>
+              <a:gd name="connsiteX182" fmla="*/ 1664246 w 5260975"/>
+              <a:gd name="connsiteY182" fmla="*/ 1192702 h 1410656"/>
+              <a:gd name="connsiteX183" fmla="*/ 1698427 w 5260975"/>
+              <a:gd name="connsiteY183" fmla="*/ 1188381 h 1410656"/>
+              <a:gd name="connsiteX184" fmla="*/ 1730112 w 5260975"/>
+              <a:gd name="connsiteY184" fmla="*/ 1185885 h 1410656"/>
+              <a:gd name="connsiteX185" fmla="*/ 1809996 w 5260975"/>
+              <a:gd name="connsiteY185" fmla="*/ 1194046 h 1410656"/>
+              <a:gd name="connsiteX186" fmla="*/ 1871254 w 5260975"/>
+              <a:gd name="connsiteY186" fmla="*/ 1192126 h 1410656"/>
+              <a:gd name="connsiteX187" fmla="*/ 1899482 w 5260975"/>
+              <a:gd name="connsiteY187" fmla="*/ 1194046 h 1410656"/>
+              <a:gd name="connsiteX188" fmla="*/ 1915420 w 5260975"/>
+              <a:gd name="connsiteY188" fmla="*/ 1196927 h 1410656"/>
+              <a:gd name="connsiteX189" fmla="*/ 1951522 w 5260975"/>
+              <a:gd name="connsiteY189" fmla="*/ 1216994 h 1410656"/>
+              <a:gd name="connsiteX190" fmla="*/ 1971302 w 5260975"/>
+              <a:gd name="connsiteY190" fmla="*/ 1221507 h 1410656"/>
+              <a:gd name="connsiteX191" fmla="*/ 2030831 w 5260975"/>
+              <a:gd name="connsiteY191" fmla="*/ 1221123 h 1410656"/>
+              <a:gd name="connsiteX192" fmla="*/ 2120125 w 5260975"/>
+              <a:gd name="connsiteY192" fmla="*/ 1190878 h 1410656"/>
+              <a:gd name="connsiteX193" fmla="*/ 2129439 w 5260975"/>
+              <a:gd name="connsiteY193" fmla="*/ 1186845 h 1410656"/>
+              <a:gd name="connsiteX194" fmla="*/ 2174854 w 5260975"/>
+              <a:gd name="connsiteY194" fmla="*/ 1181852 h 1410656"/>
+              <a:gd name="connsiteX195" fmla="*/ 2205674 w 5260975"/>
+              <a:gd name="connsiteY195" fmla="*/ 1188669 h 1410656"/>
+              <a:gd name="connsiteX196" fmla="*/ 2247634 w 5260975"/>
+              <a:gd name="connsiteY196" fmla="*/ 1202784 h 1410656"/>
+              <a:gd name="connsiteX197" fmla="*/ 2285367 w 5260975"/>
+              <a:gd name="connsiteY197" fmla="*/ 1214594 h 1410656"/>
+              <a:gd name="connsiteX198" fmla="*/ 2312827 w 5260975"/>
+              <a:gd name="connsiteY198" fmla="*/ 1227939 h 1410656"/>
+              <a:gd name="connsiteX199" fmla="*/ 2375622 w 5260975"/>
+              <a:gd name="connsiteY199" fmla="*/ 1237733 h 1410656"/>
+              <a:gd name="connsiteX200" fmla="*/ 2382151 w 5260975"/>
+              <a:gd name="connsiteY200" fmla="*/ 1239365 h 1410656"/>
+              <a:gd name="connsiteX201" fmla="*/ 2429390 w 5260975"/>
+              <a:gd name="connsiteY201" fmla="*/ 1227459 h 1410656"/>
+              <a:gd name="connsiteX202" fmla="*/ 2486134 w 5260975"/>
+              <a:gd name="connsiteY202" fmla="*/ 1215362 h 1410656"/>
+              <a:gd name="connsiteX203" fmla="*/ 2506394 w 5260975"/>
+              <a:gd name="connsiteY203" fmla="*/ 1219490 h 1410656"/>
+              <a:gd name="connsiteX204" fmla="*/ 2534142 w 5260975"/>
+              <a:gd name="connsiteY204" fmla="*/ 1225347 h 1410656"/>
+              <a:gd name="connsiteX205" fmla="*/ 2559874 w 5260975"/>
+              <a:gd name="connsiteY205" fmla="*/ 1222275 h 1410656"/>
+              <a:gd name="connsiteX206" fmla="*/ 2575525 w 5260975"/>
+              <a:gd name="connsiteY206" fmla="*/ 1221987 h 1410656"/>
+              <a:gd name="connsiteX207" fmla="*/ 2646960 w 5260975"/>
+              <a:gd name="connsiteY207" fmla="*/ 1257896 h 1410656"/>
+              <a:gd name="connsiteX208" fmla="*/ 2665107 w 5260975"/>
+              <a:gd name="connsiteY208" fmla="*/ 1260873 h 1410656"/>
+              <a:gd name="connsiteX209" fmla="*/ 2675381 w 5260975"/>
+              <a:gd name="connsiteY209" fmla="*/ 1265290 h 1410656"/>
+              <a:gd name="connsiteX210" fmla="*/ 2737311 w 5260975"/>
+              <a:gd name="connsiteY210" fmla="*/ 1309841 h 1410656"/>
+              <a:gd name="connsiteX211" fmla="*/ 2763619 w 5260975"/>
+              <a:gd name="connsiteY211" fmla="*/ 1318866 h 1410656"/>
+              <a:gd name="connsiteX212" fmla="*/ 2792519 w 5260975"/>
+              <a:gd name="connsiteY212" fmla="*/ 1317041 h 1410656"/>
+              <a:gd name="connsiteX213" fmla="*/ 2809226 w 5260975"/>
+              <a:gd name="connsiteY213" fmla="*/ 1313777 h 1410656"/>
+              <a:gd name="connsiteX214" fmla="*/ 2850705 w 5260975"/>
+              <a:gd name="connsiteY214" fmla="*/ 1285452 h 1410656"/>
+              <a:gd name="connsiteX215" fmla="*/ 2874324 w 5260975"/>
+              <a:gd name="connsiteY215" fmla="*/ 1286413 h 1410656"/>
+              <a:gd name="connsiteX216" fmla="*/ 2911194 w 5260975"/>
+              <a:gd name="connsiteY216" fmla="*/ 1305903 h 1410656"/>
+              <a:gd name="connsiteX217" fmla="*/ 2978116 w 5260975"/>
+              <a:gd name="connsiteY217" fmla="*/ 1314641 h 1410656"/>
+              <a:gd name="connsiteX218" fmla="*/ 3012106 w 5260975"/>
+              <a:gd name="connsiteY218" fmla="*/ 1287373 h 1410656"/>
+              <a:gd name="connsiteX219" fmla="*/ 3029676 w 5260975"/>
+              <a:gd name="connsiteY219" fmla="*/ 1261161 h 1410656"/>
+              <a:gd name="connsiteX220" fmla="*/ 3080469 w 5260975"/>
+              <a:gd name="connsiteY220" fmla="*/ 1230724 h 1410656"/>
+              <a:gd name="connsiteX221" fmla="*/ 3092567 w 5260975"/>
+              <a:gd name="connsiteY221" fmla="*/ 1242054 h 1410656"/>
+              <a:gd name="connsiteX222" fmla="*/ 3129821 w 5260975"/>
+              <a:gd name="connsiteY222" fmla="*/ 1246855 h 1410656"/>
+              <a:gd name="connsiteX223" fmla="*/ 3170147 w 5260975"/>
+              <a:gd name="connsiteY223" fmla="*/ 1246471 h 1410656"/>
+              <a:gd name="connsiteX224" fmla="*/ 3240429 w 5260975"/>
+              <a:gd name="connsiteY224" fmla="*/ 1251559 h 1410656"/>
+              <a:gd name="connsiteX225" fmla="*/ 3287189 w 5260975"/>
+              <a:gd name="connsiteY225" fmla="*/ 1222466 h 1410656"/>
+              <a:gd name="connsiteX226" fmla="*/ 3305049 w 5260975"/>
+              <a:gd name="connsiteY226" fmla="*/ 1210465 h 1410656"/>
+              <a:gd name="connsiteX227" fmla="*/ 3321755 w 5260975"/>
+              <a:gd name="connsiteY227" fmla="*/ 1202784 h 1410656"/>
+              <a:gd name="connsiteX228" fmla="*/ 3341055 w 5260975"/>
+              <a:gd name="connsiteY228" fmla="*/ 1198463 h 1410656"/>
+              <a:gd name="connsiteX229" fmla="*/ 3387621 w 5260975"/>
+              <a:gd name="connsiteY229" fmla="*/ 1182140 h 1410656"/>
+              <a:gd name="connsiteX230" fmla="*/ 3413161 w 5260975"/>
+              <a:gd name="connsiteY230" fmla="*/ 1166105 h 1410656"/>
+              <a:gd name="connsiteX231" fmla="*/ 3470579 w 5260975"/>
+              <a:gd name="connsiteY231" fmla="*/ 1150647 h 1410656"/>
+              <a:gd name="connsiteX232" fmla="*/ 3509657 w 5260975"/>
+              <a:gd name="connsiteY232" fmla="*/ 1136821 h 1410656"/>
+              <a:gd name="connsiteX233" fmla="*/ 3550847 w 5260975"/>
+              <a:gd name="connsiteY233" fmla="*/ 1113009 h 1410656"/>
+              <a:gd name="connsiteX234" fmla="*/ 3556608 w 5260975"/>
+              <a:gd name="connsiteY234" fmla="*/ 1109361 h 1410656"/>
+              <a:gd name="connsiteX235" fmla="*/ 3570435 w 5260975"/>
+              <a:gd name="connsiteY235" fmla="*/ 1093710 h 1410656"/>
+              <a:gd name="connsiteX236" fmla="*/ 3590501 w 5260975"/>
+              <a:gd name="connsiteY236" fmla="*/ 1039846 h 1410656"/>
+              <a:gd name="connsiteX237" fmla="*/ 3596263 w 5260975"/>
+              <a:gd name="connsiteY237" fmla="*/ 1028900 h 1410656"/>
+              <a:gd name="connsiteX238" fmla="*/ 3648591 w 5260975"/>
+              <a:gd name="connsiteY238" fmla="*/ 992030 h 1410656"/>
+              <a:gd name="connsiteX239" fmla="*/ 3667986 w 5260975"/>
+              <a:gd name="connsiteY239" fmla="*/ 995487 h 1410656"/>
+              <a:gd name="connsiteX240" fmla="*/ 3689397 w 5260975"/>
+              <a:gd name="connsiteY240" fmla="*/ 1007585 h 1410656"/>
+              <a:gd name="connsiteX241" fmla="*/ 3736349 w 5260975"/>
+              <a:gd name="connsiteY241" fmla="*/ 1010753 h 1410656"/>
+              <a:gd name="connsiteX242" fmla="*/ 3753919 w 5260975"/>
+              <a:gd name="connsiteY242" fmla="*/ 1004513 h 1410656"/>
+              <a:gd name="connsiteX243" fmla="*/ 3784643 w 5260975"/>
+              <a:gd name="connsiteY243" fmla="*/ 987710 h 1410656"/>
+              <a:gd name="connsiteX244" fmla="*/ 3808359 w 5260975"/>
+              <a:gd name="connsiteY244" fmla="*/ 961689 h 1410656"/>
+              <a:gd name="connsiteX245" fmla="*/ 3842829 w 5260975"/>
+              <a:gd name="connsiteY245" fmla="*/ 918674 h 1410656"/>
+              <a:gd name="connsiteX246" fmla="*/ 3908983 w 5260975"/>
+              <a:gd name="connsiteY246" fmla="*/ 902256 h 1410656"/>
+              <a:gd name="connsiteX247" fmla="*/ 3934428 w 5260975"/>
+              <a:gd name="connsiteY247" fmla="*/ 896783 h 1410656"/>
+              <a:gd name="connsiteX248" fmla="*/ 4026987 w 5260975"/>
+              <a:gd name="connsiteY248" fmla="*/ 873835 h 1410656"/>
+              <a:gd name="connsiteX249" fmla="*/ 4035051 w 5260975"/>
+              <a:gd name="connsiteY249" fmla="*/ 873067 h 1410656"/>
+              <a:gd name="connsiteX250" fmla="*/ 4099189 w 5260975"/>
+              <a:gd name="connsiteY250" fmla="*/ 846664 h 1410656"/>
+              <a:gd name="connsiteX251" fmla="*/ 4114647 w 5260975"/>
+              <a:gd name="connsiteY251" fmla="*/ 840134 h 1410656"/>
+              <a:gd name="connsiteX252" fmla="*/ 4133563 w 5260975"/>
+              <a:gd name="connsiteY252" fmla="*/ 823427 h 1410656"/>
+              <a:gd name="connsiteX253" fmla="*/ 4151039 w 5260975"/>
+              <a:gd name="connsiteY253" fmla="*/ 776284 h 1410656"/>
+              <a:gd name="connsiteX254" fmla="*/ 4171489 w 5260975"/>
+              <a:gd name="connsiteY254" fmla="*/ 754776 h 1410656"/>
+              <a:gd name="connsiteX255" fmla="*/ 4186372 w 5260975"/>
+              <a:gd name="connsiteY255" fmla="*/ 741718 h 1410656"/>
+              <a:gd name="connsiteX256" fmla="*/ 4199429 w 5260975"/>
+              <a:gd name="connsiteY256" fmla="*/ 721940 h 1410656"/>
+              <a:gd name="connsiteX257" fmla="*/ 4212487 w 5260975"/>
+              <a:gd name="connsiteY257" fmla="*/ 674604 h 1410656"/>
+              <a:gd name="connsiteX258" fmla="*/ 4232555 w 5260975"/>
+              <a:gd name="connsiteY258" fmla="*/ 632645 h 1410656"/>
+              <a:gd name="connsiteX259" fmla="*/ 4268657 w 5260975"/>
+              <a:gd name="connsiteY259" fmla="*/ 609410 h 1410656"/>
+              <a:gd name="connsiteX260" fmla="*/ 4291028 w 5260975"/>
+              <a:gd name="connsiteY260" fmla="*/ 597216 h 1410656"/>
+              <a:gd name="connsiteX261" fmla="*/ 4379651 w 5260975"/>
+              <a:gd name="connsiteY261" fmla="*/ 609506 h 1410656"/>
+              <a:gd name="connsiteX262" fmla="*/ 4440139 w 5260975"/>
+              <a:gd name="connsiteY262" fmla="*/ 621507 h 1410656"/>
+              <a:gd name="connsiteX263" fmla="*/ 4460015 w 5260975"/>
+              <a:gd name="connsiteY263" fmla="*/ 616899 h 1410656"/>
+              <a:gd name="connsiteX264" fmla="*/ 4516183 w 5260975"/>
+              <a:gd name="connsiteY264" fmla="*/ 577724 h 1410656"/>
+              <a:gd name="connsiteX265" fmla="*/ 4571681 w 5260975"/>
+              <a:gd name="connsiteY265" fmla="*/ 560250 h 1410656"/>
+              <a:gd name="connsiteX266" fmla="*/ 4613447 w 5260975"/>
+              <a:gd name="connsiteY266" fmla="*/ 555257 h 1410656"/>
+              <a:gd name="connsiteX267" fmla="*/ 4649355 w 5260975"/>
+              <a:gd name="connsiteY267" fmla="*/ 551417 h 1410656"/>
+              <a:gd name="connsiteX268" fmla="*/ 4692467 w 5260975"/>
+              <a:gd name="connsiteY268" fmla="*/ 540663 h 1410656"/>
+              <a:gd name="connsiteX269" fmla="*/ 4716855 w 5260975"/>
+              <a:gd name="connsiteY269" fmla="*/ 528949 h 1410656"/>
+              <a:gd name="connsiteX270" fmla="*/ 4755645 w 5260975"/>
+              <a:gd name="connsiteY270" fmla="*/ 512147 h 1410656"/>
+              <a:gd name="connsiteX271" fmla="*/ 4795395 w 5260975"/>
+              <a:gd name="connsiteY271" fmla="*/ 490351 h 1410656"/>
+              <a:gd name="connsiteX272" fmla="*/ 4825928 w 5260975"/>
+              <a:gd name="connsiteY272" fmla="*/ 459818 h 1410656"/>
+              <a:gd name="connsiteX273" fmla="*/ 4842347 w 5260975"/>
+              <a:gd name="connsiteY273" fmla="*/ 434086 h 1410656"/>
+              <a:gd name="connsiteX274" fmla="*/ 4890451 w 5260975"/>
+              <a:gd name="connsiteY274" fmla="*/ 397216 h 1410656"/>
+              <a:gd name="connsiteX275" fmla="*/ 4933945 w 5260975"/>
+              <a:gd name="connsiteY275" fmla="*/ 327701 h 1410656"/>
+              <a:gd name="connsiteX276" fmla="*/ 4961214 w 5260975"/>
+              <a:gd name="connsiteY276" fmla="*/ 298801 h 1410656"/>
+              <a:gd name="connsiteX277" fmla="*/ 4976672 w 5260975"/>
+              <a:gd name="connsiteY277" fmla="*/ 290639 h 1410656"/>
+              <a:gd name="connsiteX278" fmla="*/ 5002979 w 5260975"/>
+              <a:gd name="connsiteY278" fmla="*/ 270573 h 1410656"/>
+              <a:gd name="connsiteX279" fmla="*/ 5018535 w 5260975"/>
+              <a:gd name="connsiteY279" fmla="*/ 255690 h 1410656"/>
+              <a:gd name="connsiteX280" fmla="*/ 5061069 w 5260975"/>
+              <a:gd name="connsiteY280" fmla="*/ 200961 h 1410656"/>
+              <a:gd name="connsiteX281" fmla="*/ 5074127 w 5260975"/>
+              <a:gd name="connsiteY281" fmla="*/ 184735 h 1410656"/>
+              <a:gd name="connsiteX282" fmla="*/ 5101108 w 5260975"/>
+              <a:gd name="connsiteY282" fmla="*/ 156891 h 1410656"/>
+              <a:gd name="connsiteX283" fmla="*/ 5112918 w 5260975"/>
+              <a:gd name="connsiteY283" fmla="*/ 148441 h 1410656"/>
+              <a:gd name="connsiteX284" fmla="*/ 5133753 w 5260975"/>
+              <a:gd name="connsiteY284" fmla="*/ 125782 h 1410656"/>
+              <a:gd name="connsiteX285" fmla="*/ 5183393 w 5260975"/>
+              <a:gd name="connsiteY285" fmla="*/ 66348 h 1410656"/>
+              <a:gd name="connsiteX286" fmla="*/ 5204709 w 5260975"/>
+              <a:gd name="connsiteY286" fmla="*/ 33030 h 1410656"/>
+              <a:gd name="connsiteX287" fmla="*/ 5247243 w 5260975"/>
+              <a:gd name="connsiteY287" fmla="*/ 8451 h 1410656"/>
+            </a:gdLst>
+            <a:ahLst/>
+            <a:cxnLst>
+              <a:cxn ang="0">
+                <a:pos x="connsiteX0" y="connsiteY0"/>
+              </a:cxn>
+              <a:cxn ang="0">
+                <a:pos x="connsiteX1" y="connsiteY1"/>
+              </a:cxn>
+              <a:cxn ang="0">
+                <a:pos x="connsiteX2" y="connsiteY2"/>
+              </a:cxn>
+              <a:cxn ang="0">
+                <a:pos x="connsiteX3" y="connsiteY3"/>
+              </a:cxn>
+              <a:cxn ang="0">
+                <a:pos x="connsiteX4" y="connsiteY4"/>
+              </a:cxn>
+              <a:cxn ang="0">
+                <a:pos x="connsiteX5" y="connsiteY5"/>
+              </a:cxn>
+              <a:cxn ang="0">
+                <a:pos x="connsiteX6" y="connsiteY6"/>
+              </a:cxn>
+              <a:cxn ang="0">
+                <a:pos x="connsiteX7" y="connsiteY7"/>
+              </a:cxn>
+              <a:cxn ang="0">
+                <a:pos x="connsiteX8" y="connsiteY8"/>
+              </a:cxn>
+              <a:cxn ang="0">
+                <a:pos x="connsiteX9" y="connsiteY9"/>
+              </a:cxn>
+              <a:cxn ang="0">
+                <a:pos x="connsiteX10" y="connsiteY10"/>
+              </a:cxn>
+              <a:cxn ang="0">
+                <a:pos x="connsiteX11" y="connsiteY11"/>
+              </a:cxn>
+              <a:cxn ang="0">
+                <a:pos x="connsiteX12" y="connsiteY12"/>
+              </a:cxn>
+              <a:cxn ang="0">
+                <a:pos x="connsiteX13" y="connsiteY13"/>
+              </a:cxn>
+              <a:cxn ang="0">
+                <a:pos x="connsiteX14" y="connsiteY14"/>
+              </a:cxn>
+              <a:cxn ang="0">
+                <a:pos x="connsiteX15" y="connsiteY15"/>
+              </a:cxn>
+              <a:cxn ang="0">
+                <a:pos x="connsiteX16" y="connsiteY16"/>
+              </a:cxn>
+              <a:cxn ang="0">
+                <a:pos x="connsiteX17" y="connsiteY17"/>
+              </a:cxn>
+              <a:cxn ang="0">
+                <a:pos x="connsiteX18" y="connsiteY18"/>
+              </a:cxn>
+              <a:cxn ang="0">
+                <a:pos x="connsiteX19" y="connsiteY19"/>
+              </a:cxn>
+              <a:cxn ang="0">
+                <a:pos x="connsiteX20" y="connsiteY20"/>
+              </a:cxn>
+              <a:cxn ang="0">
+                <a:pos x="connsiteX21" y="connsiteY21"/>
+              </a:cxn>
+              <a:cxn ang="0">
+                <a:pos x="connsiteX22" y="connsiteY22"/>
+              </a:cxn>
+              <a:cxn ang="0">
+                <a:pos x="connsiteX23" y="connsiteY23"/>
+              </a:cxn>
+              <a:cxn ang="0">
+                <a:pos x="connsiteX24" y="connsiteY24"/>
+              </a:cxn>
+              <a:cxn ang="0">
+                <a:pos x="connsiteX25" y="connsiteY25"/>
+              </a:cxn>
+              <a:cxn ang="0">
+                <a:pos x="connsiteX26" y="connsiteY26"/>
+              </a:cxn>
+              <a:cxn ang="0">
+                <a:pos x="connsiteX27" y="connsiteY27"/>
+              </a:cxn>
+              <a:cxn ang="0">
+                <a:pos x="connsiteX28" y="connsiteY28"/>
+              </a:cxn>
+              <a:cxn ang="0">
+                <a:pos x="connsiteX29" y="connsiteY29"/>
+              </a:cxn>
+              <a:cxn ang="0">
+                <a:pos x="connsiteX30" y="connsiteY30"/>
+              </a:cxn>
+              <a:cxn ang="0">
+                <a:pos x="connsiteX31" y="connsiteY31"/>
+              </a:cxn>
+              <a:cxn ang="0">
+                <a:pos x="connsiteX32" y="connsiteY32"/>
+              </a:cxn>
+              <a:cxn ang="0">
+                <a:pos x="connsiteX33" y="connsiteY33"/>
+              </a:cxn>
+              <a:cxn ang="0">
+                <a:pos x="connsiteX34" y="connsiteY34"/>
+              </a:cxn>
+              <a:cxn ang="0">
+                <a:pos x="connsiteX35" y="connsiteY35"/>
+              </a:cxn>
+              <a:cxn ang="0">
+                <a:pos x="connsiteX36" y="connsiteY36"/>
+              </a:cxn>
+              <a:cxn ang="0">
+                <a:pos x="connsiteX37" y="connsiteY37"/>
+              </a:cxn>
+              <a:cxn ang="0">
+                <a:pos x="connsiteX38" y="connsiteY38"/>
+              </a:cxn>
+              <a:cxn ang="0">
+                <a:pos x="connsiteX39" y="connsiteY39"/>
+              </a:cxn>
+              <a:cxn ang="0">
+                <a:pos x="connsiteX40" y="connsiteY40"/>
+              </a:cxn>
+              <a:cxn ang="0">
+                <a:pos x="connsiteX41" y="connsiteY41"/>
+              </a:cxn>
+              <a:cxn ang="0">
+                <a:pos x="connsiteX42" y="connsiteY42"/>
+              </a:cxn>
+              <a:cxn ang="0">
+                <a:pos x="connsiteX43" y="connsiteY43"/>
+              </a:cxn>
+              <a:cxn ang="0">
+                <a:pos x="connsiteX44" y="connsiteY44"/>
+              </a:cxn>
+              <a:cxn ang="0">
+                <a:pos x="connsiteX45" y="connsiteY45"/>
+              </a:cxn>
+              <a:cxn ang="0">
+                <a:pos x="connsiteX46" y="connsiteY46"/>
+              </a:cxn>
+              <a:cxn ang="0">
+                <a:pos x="connsiteX47" y="connsiteY47"/>
+              </a:cxn>
+              <a:cxn ang="0">
+                <a:pos x="connsiteX48" y="connsiteY48"/>
+              </a:cxn>
+              <a:cxn ang="0">
+                <a:pos x="connsiteX49" y="connsiteY49"/>
+              </a:cxn>
+              <a:cxn ang="0">
+                <a:pos x="connsiteX50" y="connsiteY50"/>
+              </a:cxn>
+              <a:cxn ang="0">
+                <a:pos x="connsiteX51" y="connsiteY51"/>
+              </a:cxn>
+              <a:cxn ang="0">
+                <a:pos x="connsiteX52" y="connsiteY52"/>
+              </a:cxn>
+              <a:cxn ang="0">
+                <a:pos x="connsiteX53" y="connsiteY53"/>
+              </a:cxn>
+              <a:cxn ang="0">
+                <a:pos x="connsiteX54" y="connsiteY54"/>
+              </a:cxn>
+              <a:cxn ang="0">
+                <a:pos x="connsiteX55" y="connsiteY55"/>
+              </a:cxn>
+              <a:cxn ang="0">
+                <a:pos x="connsiteX56" y="connsiteY56"/>
+              </a:cxn>
+              <a:cxn ang="0">
+                <a:pos x="connsiteX57" y="connsiteY57"/>
+              </a:cxn>
+              <a:cxn ang="0">
+                <a:pos x="connsiteX58" y="connsiteY58"/>
+              </a:cxn>
+              <a:cxn ang="0">
+                <a:pos x="connsiteX59" y="connsiteY59"/>
+              </a:cxn>
+              <a:cxn ang="0">
+                <a:pos x="connsiteX60" y="connsiteY60"/>
+              </a:cxn>
+              <a:cxn ang="0">
+                <a:pos x="connsiteX61" y="connsiteY61"/>
+              </a:cxn>
+              <a:cxn ang="0">
+                <a:pos x="connsiteX62" y="connsiteY62"/>
+              </a:cxn>
+              <a:cxn ang="0">
+                <a:pos x="connsiteX63" y="connsiteY63"/>
+              </a:cxn>
+              <a:cxn ang="0">
+                <a:pos x="connsiteX64" y="connsiteY64"/>
+              </a:cxn>
+              <a:cxn ang="0">
+                <a:pos x="connsiteX65" y="connsiteY65"/>
+              </a:cxn>
+              <a:cxn ang="0">
+                <a:pos x="connsiteX66" y="connsiteY66"/>
+              </a:cxn>
+              <a:cxn ang="0">
+                <a:pos x="connsiteX67" y="connsiteY67"/>
+              </a:cxn>
+              <a:cxn ang="0">
+                <a:pos x="connsiteX68" y="connsiteY68"/>
+              </a:cxn>
+              <a:cxn ang="0">
+                <a:pos x="connsiteX69" y="connsiteY69"/>
+              </a:cxn>
+              <a:cxn ang="0">
+                <a:pos x="connsiteX70" y="connsiteY70"/>
+              </a:cxn>
+              <a:cxn ang="0">
+                <a:pos x="connsiteX71" y="connsiteY71"/>
+              </a:cxn>
+              <a:cxn ang="0">
+                <a:pos x="connsiteX72" y="connsiteY72"/>
+              </a:cxn>
+              <a:cxn ang="0">
+                <a:pos x="connsiteX73" y="connsiteY73"/>
+              </a:cxn>
+              <a:cxn ang="0">
+                <a:pos x="connsiteX74" y="connsiteY74"/>
+              </a:cxn>
+              <a:cxn ang="0">
+                <a:pos x="connsiteX75" y="connsiteY75"/>
+              </a:cxn>
+              <a:cxn ang="0">
+                <a:pos x="connsiteX76" y="connsiteY76"/>
+              </a:cxn>
+              <a:cxn ang="0">
+                <a:pos x="connsiteX77" y="connsiteY77"/>
+              </a:cxn>
+              <a:cxn ang="0">
+                <a:pos x="connsiteX78" y="connsiteY78"/>
+              </a:cxn>
+              <a:cxn ang="0">
+                <a:pos x="connsiteX79" y="connsiteY79"/>
+              </a:cxn>
+              <a:cxn ang="0">
+                <a:pos x="connsiteX80" y="connsiteY80"/>
+              </a:cxn>
+              <a:cxn ang="0">
+                <a:pos x="connsiteX81" y="connsiteY81"/>
+              </a:cxn>
+              <a:cxn ang="0">
+                <a:pos x="connsiteX82" y="connsiteY82"/>
+              </a:cxn>
+              <a:cxn ang="0">
+                <a:pos x="connsiteX83" y="connsiteY83"/>
+              </a:cxn>
+              <a:cxn ang="0">
+                <a:pos x="connsiteX84" y="connsiteY84"/>
+              </a:cxn>
+              <a:cxn ang="0">
+                <a:pos x="connsiteX85" y="connsiteY85"/>
+              </a:cxn>
+              <a:cxn ang="0">
+                <a:pos x="connsiteX86" y="connsiteY86"/>
+              </a:cxn>
+              <a:cxn ang="0">
+                <a:pos x="connsiteX87" y="connsiteY87"/>
+              </a:cxn>
+              <a:cxn ang="0">
+                <a:pos x="connsiteX88" y="connsiteY88"/>
+              </a:cxn>
+              <a:cxn ang="0">
+                <a:pos x="connsiteX89" y="connsiteY89"/>
+              </a:cxn>
+              <a:cxn ang="0">
+                <a:pos x="connsiteX90" y="connsiteY90"/>
+              </a:cxn>
+              <a:cxn ang="0">
+                <a:pos x="connsiteX91" y="connsiteY91"/>
+              </a:cxn>
+              <a:cxn ang="0">
+                <a:pos x="connsiteX92" y="connsiteY92"/>
+              </a:cxn>
+              <a:cxn ang="0">
+                <a:pos x="connsiteX93" y="connsiteY93"/>
+              </a:cxn>
+              <a:cxn ang="0">
+                <a:pos x="connsiteX94" y="connsiteY94"/>
+              </a:cxn>
+              <a:cxn ang="0">
+                <a:pos x="connsiteX95" y="connsiteY95"/>
+              </a:cxn>
+              <a:cxn ang="0">
+                <a:pos x="connsiteX96" y="connsiteY96"/>
+              </a:cxn>
+              <a:cxn ang="0">
+                <a:pos x="connsiteX97" y="connsiteY97"/>
+              </a:cxn>
+              <a:cxn ang="0">
+                <a:pos x="connsiteX98" y="connsiteY98"/>
+              </a:cxn>
+              <a:cxn ang="0">
+                <a:pos x="connsiteX99" y="connsiteY99"/>
+              </a:cxn>
+              <a:cxn ang="0">
+                <a:pos x="connsiteX100" y="connsiteY100"/>
+              </a:cxn>
+              <a:cxn ang="0">
+                <a:pos x="connsiteX101" y="connsiteY101"/>
+              </a:cxn>
+              <a:cxn ang="0">
+                <a:pos x="connsiteX102" y="connsiteY102"/>
+              </a:cxn>
+              <a:cxn ang="0">
+                <a:pos x="connsiteX103" y="connsiteY103"/>
+              </a:cxn>
+              <a:cxn ang="0">
+                <a:pos x="connsiteX104" y="connsiteY104"/>
+              </a:cxn>
+              <a:cxn ang="0">
+                <a:pos x="connsiteX105" y="connsiteY105"/>
+              </a:cxn>
+              <a:cxn ang="0">
+                <a:pos x="connsiteX106" y="connsiteY106"/>
+              </a:cxn>
+              <a:cxn ang="0">
+                <a:pos x="connsiteX107" y="connsiteY107"/>
+              </a:cxn>
+              <a:cxn ang="0">
+                <a:pos x="connsiteX108" y="connsiteY108"/>
+              </a:cxn>
+              <a:cxn ang="0">
+                <a:pos x="connsiteX109" y="connsiteY109"/>
+              </a:cxn>
+              <a:cxn ang="0">
+                <a:pos x="connsiteX110" y="connsiteY110"/>
+              </a:cxn>
+              <a:cxn ang="0">
+                <a:pos x="connsiteX111" y="connsiteY111"/>
+              </a:cxn>
+              <a:cxn ang="0">
+                <a:pos x="connsiteX112" y="connsiteY112"/>
+              </a:cxn>
+              <a:cxn ang="0">
+                <a:pos x="connsiteX113" y="connsiteY113"/>
+              </a:cxn>
+              <a:cxn ang="0">
+                <a:pos x="connsiteX114" y="connsiteY114"/>
+              </a:cxn>
+              <a:cxn ang="0">
+                <a:pos x="connsiteX115" y="connsiteY115"/>
+              </a:cxn>
+              <a:cxn ang="0">
+                <a:pos x="connsiteX116" y="connsiteY116"/>
+              </a:cxn>
+              <a:cxn ang="0">
+                <a:pos x="connsiteX117" y="connsiteY117"/>
+              </a:cxn>
+              <a:cxn ang="0">
+                <a:pos x="connsiteX118" y="connsiteY118"/>
+              </a:cxn>
+              <a:cxn ang="0">
+                <a:pos x="connsiteX119" y="connsiteY119"/>
+              </a:cxn>
+              <a:cxn ang="0">
+                <a:pos x="connsiteX120" y="connsiteY120"/>
+              </a:cxn>
+              <a:cxn ang="0">
+                <a:pos x="connsiteX121" y="connsiteY121"/>
+              </a:cxn>
+              <a:cxn ang="0">
+                <a:pos x="connsiteX122" y="connsiteY122"/>
+              </a:cxn>
+              <a:cxn ang="0">
+                <a:pos x="connsiteX123" y="connsiteY123"/>
+              </a:cxn>
+              <a:cxn ang="0">
+                <a:pos x="connsiteX124" y="connsiteY124"/>
+              </a:cxn>
+              <a:cxn ang="0">
+                <a:pos x="connsiteX125" y="connsiteY125"/>
+              </a:cxn>
+              <a:cxn ang="0">
+                <a:pos x="connsiteX126" y="connsiteY126"/>
+              </a:cxn>
+              <a:cxn ang="0">
+                <a:pos x="connsiteX127" y="connsiteY127"/>
+              </a:cxn>
+              <a:cxn ang="0">
+                <a:pos x="connsiteX128" y="connsiteY128"/>
+              </a:cxn>
+              <a:cxn ang="0">
+                <a:pos x="connsiteX129" y="connsiteY129"/>
+              </a:cxn>
+              <a:cxn ang="0">
+                <a:pos x="connsiteX130" y="connsiteY130"/>
+              </a:cxn>
+              <a:cxn ang="0">
+                <a:pos x="connsiteX131" y="connsiteY131"/>
+              </a:cxn>
+              <a:cxn ang="0">
+                <a:pos x="connsiteX132" y="connsiteY132"/>
+              </a:cxn>
+              <a:cxn ang="0">
+                <a:pos x="connsiteX133" y="connsiteY133"/>
+              </a:cxn>
+              <a:cxn ang="0">
+                <a:pos x="connsiteX134" y="connsiteY134"/>
+              </a:cxn>
+              <a:cxn ang="0">
+                <a:pos x="connsiteX135" y="connsiteY135"/>
+              </a:cxn>
+              <a:cxn ang="0">
+                <a:pos x="connsiteX136" y="connsiteY136"/>
+              </a:cxn>
+              <a:cxn ang="0">
+                <a:pos x="connsiteX137" y="connsiteY137"/>
+              </a:cxn>
+              <a:cxn ang="0">
+                <a:pos x="connsiteX138" y="connsiteY138"/>
+              </a:cxn>
+              <a:cxn ang="0">
+                <a:pos x="connsiteX139" y="connsiteY139"/>
+              </a:cxn>
+              <a:cxn ang="0">
+                <a:pos x="connsiteX140" y="connsiteY140"/>
+              </a:cxn>
+              <a:cxn ang="0">
+                <a:pos x="connsiteX141" y="connsiteY141"/>
+              </a:cxn>
+              <a:cxn ang="0">
+                <a:pos x="connsiteX142" y="connsiteY142"/>
+              </a:cxn>
+              <a:cxn ang="0">
+                <a:pos x="connsiteX143" y="connsiteY143"/>
+              </a:cxn>
+              <a:cxn ang="0">
+                <a:pos x="connsiteX144" y="connsiteY144"/>
+              </a:cxn>
+              <a:cxn ang="0">
+                <a:pos x="connsiteX145" y="connsiteY145"/>
+              </a:cxn>
+              <a:cxn ang="0">
+                <a:pos x="connsiteX146" y="connsiteY146"/>
+              </a:cxn>
+              <a:cxn ang="0">
+                <a:pos x="connsiteX147" y="connsiteY147"/>
+              </a:cxn>
+              <a:cxn ang="0">
+                <a:pos x="connsiteX148" y="connsiteY148"/>
+              </a:cxn>
+              <a:cxn ang="0">
+                <a:pos x="connsiteX149" y="connsiteY149"/>
+              </a:cxn>
+              <a:cxn ang="0">
+                <a:pos x="connsiteX150" y="connsiteY150"/>
+              </a:cxn>
+              <a:cxn ang="0">
+                <a:pos x="connsiteX151" y="connsiteY151"/>
+              </a:cxn>
+              <a:cxn ang="0">
+                <a:pos x="connsiteX152" y="connsiteY152"/>
+              </a:cxn>
+              <a:cxn ang="0">
+                <a:pos x="connsiteX153" y="connsiteY153"/>
+              </a:cxn>
+              <a:cxn ang="0">
+                <a:pos x="connsiteX154" y="connsiteY154"/>
+              </a:cxn>
+              <a:cxn ang="0">
+                <a:pos x="connsiteX155" y="connsiteY155"/>
+              </a:cxn>
+              <a:cxn ang="0">
+                <a:pos x="connsiteX156" y="connsiteY156"/>
+              </a:cxn>
+              <a:cxn ang="0">
+                <a:pos x="connsiteX157" y="connsiteY157"/>
+              </a:cxn>
+              <a:cxn ang="0">
+                <a:pos x="connsiteX158" y="connsiteY158"/>
+              </a:cxn>
+              <a:cxn ang="0">
+                <a:pos x="connsiteX159" y="connsiteY159"/>
+              </a:cxn>
+              <a:cxn ang="0">
+                <a:pos x="connsiteX160" y="connsiteY160"/>
+              </a:cxn>
+              <a:cxn ang="0">
+                <a:pos x="connsiteX161" y="connsiteY161"/>
+              </a:cxn>
+              <a:cxn ang="0">
+                <a:pos x="connsiteX162" y="connsiteY162"/>
+              </a:cxn>
+              <a:cxn ang="0">
+                <a:pos x="connsiteX163" y="connsiteY163"/>
+              </a:cxn>
+              <a:cxn ang="0">
+                <a:pos x="connsiteX164" y="connsiteY164"/>
+              </a:cxn>
+              <a:cxn ang="0">
+                <a:pos x="connsiteX165" y="connsiteY165"/>
+              </a:cxn>
+              <a:cxn ang="0">
+                <a:pos x="connsiteX166" y="connsiteY166"/>
+              </a:cxn>
+              <a:cxn ang="0">
+                <a:pos x="connsiteX167" y="connsiteY167"/>
+              </a:cxn>
+              <a:cxn ang="0">
+                <a:pos x="connsiteX168" y="connsiteY168"/>
+              </a:cxn>
+              <a:cxn ang="0">
+                <a:pos x="connsiteX169" y="connsiteY169"/>
+              </a:cxn>
+              <a:cxn ang="0">
+                <a:pos x="connsiteX170" y="connsiteY170"/>
+              </a:cxn>
+              <a:cxn ang="0">
+                <a:pos x="connsiteX171" y="connsiteY171"/>
+              </a:cxn>
+              <a:cxn ang="0">
+                <a:pos x="connsiteX172" y="connsiteY172"/>
+              </a:cxn>
+              <a:cxn ang="0">
+                <a:pos x="connsiteX173" y="connsiteY173"/>
+              </a:cxn>
+              <a:cxn ang="0">
+                <a:pos x="connsiteX174" y="connsiteY174"/>
+              </a:cxn>
+              <a:cxn ang="0">
+                <a:pos x="connsiteX175" y="connsiteY175"/>
+              </a:cxn>
+              <a:cxn ang="0">
+                <a:pos x="connsiteX176" y="connsiteY176"/>
+              </a:cxn>
+              <a:cxn ang="0">
+                <a:pos x="connsiteX177" y="connsiteY177"/>
+              </a:cxn>
+              <a:cxn ang="0">
+                <a:pos x="connsiteX178" y="connsiteY178"/>
+              </a:cxn>
+              <a:cxn ang="0">
+                <a:pos x="connsiteX179" y="connsiteY179"/>
+              </a:cxn>
+              <a:cxn ang="0">
+                <a:pos x="connsiteX180" y="connsiteY180"/>
+              </a:cxn>
+              <a:cxn ang="0">
+                <a:pos x="connsiteX181" y="connsiteY181"/>
+              </a:cxn>
+              <a:cxn ang="0">
+                <a:pos x="connsiteX182" y="connsiteY182"/>
+              </a:cxn>
+              <a:cxn ang="0">
+                <a:pos x="connsiteX183" y="connsiteY183"/>
+              </a:cxn>
+              <a:cxn ang="0">
+                <a:pos x="connsiteX184" y="connsiteY184"/>
+              </a:cxn>
+              <a:cxn ang="0">
+                <a:pos x="connsiteX185" y="connsiteY185"/>
+              </a:cxn>
+              <a:cxn ang="0">
+                <a:pos x="connsiteX186" y="connsiteY186"/>
+              </a:cxn>
+              <a:cxn ang="0">
+                <a:pos x="connsiteX187" y="connsiteY187"/>
+              </a:cxn>
+              <a:cxn ang="0">
+                <a:pos x="connsiteX188" y="connsiteY188"/>
+              </a:cxn>
+              <a:cxn ang="0">
+                <a:pos x="connsiteX189" y="connsiteY189"/>
+              </a:cxn>
+              <a:cxn ang="0">
+                <a:pos x="connsiteX190" y="connsiteY190"/>
+              </a:cxn>
+              <a:cxn ang="0">
+                <a:pos x="connsiteX191" y="connsiteY191"/>
+              </a:cxn>
+              <a:cxn ang="0">
+                <a:pos x="connsiteX192" y="connsiteY192"/>
+              </a:cxn>
+              <a:cxn ang="0">
+                <a:pos x="connsiteX193" y="connsiteY193"/>
+              </a:cxn>
+              <a:cxn ang="0">
+                <a:pos x="connsiteX194" y="connsiteY194"/>
+              </a:cxn>
+              <a:cxn ang="0">
+                <a:pos x="connsiteX195" y="connsiteY195"/>
+              </a:cxn>
+              <a:cxn ang="0">
+                <a:pos x="connsiteX196" y="connsiteY196"/>
+              </a:cxn>
+              <a:cxn ang="0">
+                <a:pos x="connsiteX197" y="connsiteY197"/>
+              </a:cxn>
+              <a:cxn ang="0">
+                <a:pos x="connsiteX198" y="connsiteY198"/>
+              </a:cxn>
+              <a:cxn ang="0">
+                <a:pos x="connsiteX199" y="connsiteY199"/>
+              </a:cxn>
+              <a:cxn ang="0">
+                <a:pos x="connsiteX200" y="connsiteY200"/>
+              </a:cxn>
+              <a:cxn ang="0">
+                <a:pos x="connsiteX201" y="connsiteY201"/>
+              </a:cxn>
+              <a:cxn ang="0">
+                <a:pos x="connsiteX202" y="connsiteY202"/>
+              </a:cxn>
+              <a:cxn ang="0">
+                <a:pos x="connsiteX203" y="connsiteY203"/>
+              </a:cxn>
+              <a:cxn ang="0">
+                <a:pos x="connsiteX204" y="connsiteY204"/>
+              </a:cxn>
+              <a:cxn ang="0">
+                <a:pos x="connsiteX205" y="connsiteY205"/>
+              </a:cxn>
+              <a:cxn ang="0">
+                <a:pos x="connsiteX206" y="connsiteY206"/>
+              </a:cxn>
+              <a:cxn ang="0">
+                <a:pos x="connsiteX207" y="connsiteY207"/>
+              </a:cxn>
+              <a:cxn ang="0">
+                <a:pos x="connsiteX208" y="connsiteY208"/>
+              </a:cxn>
+              <a:cxn ang="0">
+                <a:pos x="connsiteX209" y="connsiteY209"/>
+              </a:cxn>
+              <a:cxn ang="0">
+                <a:pos x="connsiteX210" y="connsiteY210"/>
+              </a:cxn>
+              <a:cxn ang="0">
+                <a:pos x="connsiteX211" y="connsiteY211"/>
+              </a:cxn>
+              <a:cxn ang="0">
+                <a:pos x="connsiteX212" y="connsiteY212"/>
+              </a:cxn>
+              <a:cxn ang="0">
+                <a:pos x="connsiteX213" y="connsiteY213"/>
+              </a:cxn>
+              <a:cxn ang="0">
+                <a:pos x="connsiteX214" y="connsiteY214"/>
+              </a:cxn>
+              <a:cxn ang="0">
+                <a:pos x="connsiteX215" y="connsiteY215"/>
+              </a:cxn>
+              <a:cxn ang="0">
+                <a:pos x="connsiteX216" y="connsiteY216"/>
+              </a:cxn>
+              <a:cxn ang="0">
+                <a:pos x="connsiteX217" y="connsiteY217"/>
+              </a:cxn>
+              <a:cxn ang="0">
+                <a:pos x="connsiteX218" y="connsiteY218"/>
+              </a:cxn>
+              <a:cxn ang="0">
+                <a:pos x="connsiteX219" y="connsiteY219"/>
+              </a:cxn>
+              <a:cxn ang="0">
+                <a:pos x="connsiteX220" y="connsiteY220"/>
+              </a:cxn>
+              <a:cxn ang="0">
+                <a:pos x="connsiteX221" y="connsiteY221"/>
+              </a:cxn>
+              <a:cxn ang="0">
+                <a:pos x="connsiteX222" y="connsiteY222"/>
+              </a:cxn>
+              <a:cxn ang="0">
+                <a:pos x="connsiteX223" y="connsiteY223"/>
+              </a:cxn>
+              <a:cxn ang="0">
+                <a:pos x="connsiteX224" y="connsiteY224"/>
+              </a:cxn>
+              <a:cxn ang="0">
+                <a:pos x="connsiteX225" y="connsiteY225"/>
+              </a:cxn>
+              <a:cxn ang="0">
+                <a:pos x="connsiteX226" y="connsiteY226"/>
+              </a:cxn>
+              <a:cxn ang="0">
+                <a:pos x="connsiteX227" y="connsiteY227"/>
+              </a:cxn>
+              <a:cxn ang="0">
+                <a:pos x="connsiteX228" y="connsiteY228"/>
+              </a:cxn>
+              <a:cxn ang="0">
+                <a:pos x="connsiteX229" y="connsiteY229"/>
+              </a:cxn>
+              <a:cxn ang="0">
+                <a:pos x="connsiteX230" y="connsiteY230"/>
+              </a:cxn>
+              <a:cxn ang="0">
+                <a:pos x="connsiteX231" y="connsiteY231"/>
+              </a:cxn>
+              <a:cxn ang="0">
+                <a:pos x="connsiteX232" y="connsiteY232"/>
+              </a:cxn>
+              <a:cxn ang="0">
+                <a:pos x="connsiteX233" y="connsiteY233"/>
+              </a:cxn>
+              <a:cxn ang="0">
+                <a:pos x="connsiteX234" y="connsiteY234"/>
+              </a:cxn>
+              <a:cxn ang="0">
+                <a:pos x="connsiteX235" y="connsiteY235"/>
+              </a:cxn>
+              <a:cxn ang="0">
+                <a:pos x="connsiteX236" y="connsiteY236"/>
+              </a:cxn>
+              <a:cxn ang="0">
+                <a:pos x="connsiteX237" y="connsiteY237"/>
+              </a:cxn>
+              <a:cxn ang="0">
+                <a:pos x="connsiteX238" y="connsiteY238"/>
+              </a:cxn>
+              <a:cxn ang="0">
+                <a:pos x="connsiteX239" y="connsiteY239"/>
+              </a:cxn>
+              <a:cxn ang="0">
+                <a:pos x="connsiteX240" y="connsiteY240"/>
+              </a:cxn>
+              <a:cxn ang="0">
+                <a:pos x="connsiteX241" y="connsiteY241"/>
+              </a:cxn>
+              <a:cxn ang="0">
+                <a:pos x="connsiteX242" y="connsiteY242"/>
+              </a:cxn>
+              <a:cxn ang="0">
+                <a:pos x="connsiteX243" y="connsiteY243"/>
+              </a:cxn>
+              <a:cxn ang="0">
+                <a:pos x="connsiteX244" y="connsiteY244"/>
+              </a:cxn>
+              <a:cxn ang="0">
+                <a:pos x="connsiteX245" y="connsiteY245"/>
+              </a:cxn>
+              <a:cxn ang="0">
+                <a:pos x="connsiteX246" y="connsiteY246"/>
+              </a:cxn>
+              <a:cxn ang="0">
+                <a:pos x="connsiteX247" y="connsiteY247"/>
+              </a:cxn>
+              <a:cxn ang="0">
+                <a:pos x="connsiteX248" y="connsiteY248"/>
+              </a:cxn>
+              <a:cxn ang="0">
+                <a:pos x="connsiteX249" y="connsiteY249"/>
+              </a:cxn>
+              <a:cxn ang="0">
+                <a:pos x="connsiteX250" y="connsiteY250"/>
+              </a:cxn>
+              <a:cxn ang="0">
+                <a:pos x="connsiteX251" y="connsiteY251"/>
+              </a:cxn>
+              <a:cxn ang="0">
+                <a:pos x="connsiteX252" y="connsiteY252"/>
+              </a:cxn>
+              <a:cxn ang="0">
+                <a:pos x="connsiteX253" y="connsiteY253"/>
+              </a:cxn>
+              <a:cxn ang="0">
+                <a:pos x="connsiteX254" y="connsiteY254"/>
+              </a:cxn>
+              <a:cxn ang="0">
+                <a:pos x="connsiteX255" y="connsiteY255"/>
+              </a:cxn>
+              <a:cxn ang="0">
+                <a:pos x="connsiteX256" y="connsiteY256"/>
+              </a:cxn>
+              <a:cxn ang="0">
+                <a:pos x="connsiteX257" y="connsiteY257"/>
+              </a:cxn>
+              <a:cxn ang="0">
+                <a:pos x="connsiteX258" y="connsiteY258"/>
+              </a:cxn>
+              <a:cxn ang="0">
+                <a:pos x="connsiteX259" y="connsiteY259"/>
+              </a:cxn>
+              <a:cxn ang="0">
+                <a:pos x="connsiteX260" y="connsiteY260"/>
+              </a:cxn>
+              <a:cxn ang="0">
+                <a:pos x="connsiteX261" y="connsiteY261"/>
+              </a:cxn>
+              <a:cxn ang="0">
+                <a:pos x="connsiteX262" y="connsiteY262"/>
+              </a:cxn>
+              <a:cxn ang="0">
+                <a:pos x="connsiteX263" y="connsiteY263"/>
+              </a:cxn>
+              <a:cxn ang="0">
+                <a:pos x="connsiteX264" y="connsiteY264"/>
+              </a:cxn>
+              <a:cxn ang="0">
+                <a:pos x="connsiteX265" y="connsiteY265"/>
+              </a:cxn>
+              <a:cxn ang="0">
+                <a:pos x="connsiteX266" y="connsiteY266"/>
+              </a:cxn>
+              <a:cxn ang="0">
+                <a:pos x="connsiteX267" y="connsiteY267"/>
+              </a:cxn>
+              <a:cxn ang="0">
+                <a:pos x="connsiteX268" y="connsiteY268"/>
+              </a:cxn>
+              <a:cxn ang="0">
+                <a:pos x="connsiteX269" y="connsiteY269"/>
+              </a:cxn>
+              <a:cxn ang="0">
+                <a:pos x="connsiteX270" y="connsiteY270"/>
+              </a:cxn>
+              <a:cxn ang="0">
+                <a:pos x="connsiteX271" y="connsiteY271"/>
+              </a:cxn>
+              <a:cxn ang="0">
+                <a:pos x="connsiteX272" y="connsiteY272"/>
+              </a:cxn>
+              <a:cxn ang="0">
+                <a:pos x="connsiteX273" y="connsiteY273"/>
+              </a:cxn>
+              <a:cxn ang="0">
+                <a:pos x="connsiteX274" y="connsiteY274"/>
+              </a:cxn>
+              <a:cxn ang="0">
+                <a:pos x="connsiteX275" y="connsiteY275"/>
+              </a:cxn>
+              <a:cxn ang="0">
+                <a:pos x="connsiteX276" y="connsiteY276"/>
+              </a:cxn>
+              <a:cxn ang="0">
+                <a:pos x="connsiteX277" y="connsiteY277"/>
+              </a:cxn>
+              <a:cxn ang="0">
+                <a:pos x="connsiteX278" y="connsiteY278"/>
+              </a:cxn>
+              <a:cxn ang="0">
+                <a:pos x="connsiteX279" y="connsiteY279"/>
+              </a:cxn>
+              <a:cxn ang="0">
+                <a:pos x="connsiteX280" y="connsiteY280"/>
+              </a:cxn>
+              <a:cxn ang="0">
+                <a:pos x="connsiteX281" y="connsiteY281"/>
+              </a:cxn>
+              <a:cxn ang="0">
+                <a:pos x="connsiteX282" y="connsiteY282"/>
+              </a:cxn>
+              <a:cxn ang="0">
+                <a:pos x="connsiteX283" y="connsiteY283"/>
+              </a:cxn>
+              <a:cxn ang="0">
+                <a:pos x="connsiteX284" y="connsiteY284"/>
+              </a:cxn>
+              <a:cxn ang="0">
+                <a:pos x="connsiteX285" y="connsiteY285"/>
+              </a:cxn>
+              <a:cxn ang="0">
+                <a:pos x="connsiteX286" y="connsiteY286"/>
+              </a:cxn>
+              <a:cxn ang="0">
+                <a:pos x="connsiteX287" y="connsiteY287"/>
+              </a:cxn>
+            </a:cxnLst>
+            <a:rect l="l" t="t" r="r" b="b"/>
+            <a:pathLst>
+              <a:path w="5260975" h="1410656">
+                <a:moveTo>
+                  <a:pt x="5260975" y="0"/>
+                </a:moveTo>
+                <a:lnTo>
+                  <a:pt x="5260975" y="221634"/>
+                </a:lnTo>
+                <a:lnTo>
+                  <a:pt x="5226503" y="237063"/>
+                </a:lnTo>
+                <a:cubicBezTo>
+                  <a:pt x="5219783" y="239848"/>
+                  <a:pt x="5212389" y="241384"/>
+                  <a:pt x="5206341" y="245128"/>
+                </a:cubicBezTo>
+                <a:cubicBezTo>
+                  <a:pt x="5178495" y="262219"/>
+                  <a:pt x="5151515" y="280654"/>
+                  <a:pt x="5123287" y="297073"/>
+                </a:cubicBezTo>
+                <a:cubicBezTo>
+                  <a:pt x="5094195" y="314067"/>
+                  <a:pt x="5068175" y="334134"/>
+                  <a:pt x="5048107" y="361307"/>
+                </a:cubicBezTo>
+                <a:cubicBezTo>
+                  <a:pt x="5029480" y="386559"/>
+                  <a:pt x="5011429" y="412194"/>
+                  <a:pt x="4992899" y="437542"/>
+                </a:cubicBezTo>
+                <a:cubicBezTo>
+                  <a:pt x="4988194" y="443975"/>
+                  <a:pt x="4983873" y="451561"/>
+                  <a:pt x="4977440" y="455690"/>
+                </a:cubicBezTo>
+                <a:cubicBezTo>
+                  <a:pt x="4964094" y="464331"/>
+                  <a:pt x="4949499" y="471340"/>
+                  <a:pt x="4935193" y="478445"/>
+                </a:cubicBezTo>
+                <a:cubicBezTo>
+                  <a:pt x="4922903" y="484494"/>
+                  <a:pt x="4909845" y="489006"/>
+                  <a:pt x="4897844" y="495535"/>
+                </a:cubicBezTo>
+                <a:cubicBezTo>
+                  <a:pt x="4888243" y="500721"/>
+                  <a:pt x="4879697" y="507922"/>
+                  <a:pt x="4870767" y="514451"/>
+                </a:cubicBezTo>
+                <a:cubicBezTo>
+                  <a:pt x="4862990" y="520115"/>
+                  <a:pt x="4854445" y="525012"/>
+                  <a:pt x="4847916" y="531830"/>
+                </a:cubicBezTo>
+                <a:cubicBezTo>
+                  <a:pt x="4831977" y="548344"/>
+                  <a:pt x="4815942" y="564571"/>
+                  <a:pt x="4796163" y="576765"/>
+                </a:cubicBezTo>
+                <a:cubicBezTo>
+                  <a:pt x="4776672" y="588862"/>
+                  <a:pt x="4758237" y="602401"/>
+                  <a:pt x="4738843" y="614691"/>
+                </a:cubicBezTo>
+                <a:cubicBezTo>
+                  <a:pt x="4719831" y="626693"/>
+                  <a:pt x="4702645" y="639846"/>
+                  <a:pt x="4692755" y="661162"/>
+                </a:cubicBezTo>
+                <a:cubicBezTo>
+                  <a:pt x="4688339" y="670571"/>
+                  <a:pt x="4682097" y="680845"/>
+                  <a:pt x="4673744" y="686318"/>
+                </a:cubicBezTo>
+                <a:cubicBezTo>
+                  <a:pt x="4661838" y="694095"/>
+                  <a:pt x="4646764" y="696880"/>
+                  <a:pt x="4633801" y="703505"/>
+                </a:cubicBezTo>
+                <a:cubicBezTo>
+                  <a:pt x="4618535" y="711282"/>
+                  <a:pt x="4600869" y="718003"/>
+                  <a:pt x="4590499" y="730389"/>
+                </a:cubicBezTo>
+                <a:cubicBezTo>
+                  <a:pt x="4581281" y="741431"/>
+                  <a:pt x="4571968" y="750072"/>
+                  <a:pt x="4559773" y="757081"/>
+                </a:cubicBezTo>
+                <a:cubicBezTo>
+                  <a:pt x="4551229" y="761978"/>
+                  <a:pt x="4544892" y="770907"/>
+                  <a:pt x="4536059" y="774940"/>
+                </a:cubicBezTo>
+                <a:cubicBezTo>
+                  <a:pt x="4524441" y="780317"/>
+                  <a:pt x="4512727" y="784542"/>
+                  <a:pt x="4502549" y="792895"/>
+                </a:cubicBezTo>
+                <a:cubicBezTo>
+                  <a:pt x="4491987" y="801536"/>
+                  <a:pt x="4479986" y="808353"/>
+                  <a:pt x="4468944" y="816419"/>
+                </a:cubicBezTo>
+                <a:cubicBezTo>
+                  <a:pt x="4463087" y="820739"/>
+                  <a:pt x="4458286" y="826404"/>
+                  <a:pt x="4452622" y="830917"/>
+                </a:cubicBezTo>
+                <a:cubicBezTo>
+                  <a:pt x="4442252" y="839174"/>
+                  <a:pt x="4431690" y="847239"/>
+                  <a:pt x="4421032" y="855016"/>
+                </a:cubicBezTo>
+                <a:cubicBezTo>
+                  <a:pt x="4410375" y="862794"/>
+                  <a:pt x="4400197" y="871819"/>
+                  <a:pt x="4388483" y="877484"/>
+                </a:cubicBezTo>
+                <a:cubicBezTo>
+                  <a:pt x="4368513" y="887086"/>
+                  <a:pt x="4346717" y="892847"/>
+                  <a:pt x="4327321" y="903216"/>
+                </a:cubicBezTo>
+                <a:cubicBezTo>
+                  <a:pt x="4307639" y="913777"/>
+                  <a:pt x="4289107" y="927028"/>
+                  <a:pt x="4271633" y="941046"/>
+                </a:cubicBezTo>
+                <a:cubicBezTo>
+                  <a:pt x="4257807" y="952088"/>
+                  <a:pt x="4244845" y="963034"/>
+                  <a:pt x="4227465" y="968698"/>
+                </a:cubicBezTo>
+                <a:cubicBezTo>
+                  <a:pt x="4217768" y="971867"/>
+                  <a:pt x="4207591" y="978780"/>
+                  <a:pt x="4201733" y="986846"/>
+                </a:cubicBezTo>
+                <a:cubicBezTo>
+                  <a:pt x="4189059" y="1004416"/>
+                  <a:pt x="4172833" y="1016802"/>
+                  <a:pt x="4154494" y="1027364"/>
+                </a:cubicBezTo>
+                <a:cubicBezTo>
+                  <a:pt x="4130010" y="1041574"/>
+                  <a:pt x="4105814" y="1056072"/>
+                  <a:pt x="4081234" y="1069994"/>
+                </a:cubicBezTo>
+                <a:cubicBezTo>
+                  <a:pt x="4066737" y="1078252"/>
+                  <a:pt x="4052335" y="1086989"/>
+                  <a:pt x="4036971" y="1093038"/>
+                </a:cubicBezTo>
+                <a:cubicBezTo>
+                  <a:pt x="4005575" y="1105520"/>
+                  <a:pt x="3973410" y="1116177"/>
+                  <a:pt x="3941725" y="1127796"/>
+                </a:cubicBezTo>
+                <a:cubicBezTo>
+                  <a:pt x="3931355" y="1131540"/>
+                  <a:pt x="3921561" y="1136917"/>
+                  <a:pt x="3910999" y="1140182"/>
+                </a:cubicBezTo>
+                <a:cubicBezTo>
+                  <a:pt x="3899573" y="1143734"/>
+                  <a:pt x="3887285" y="1144790"/>
+                  <a:pt x="3875859" y="1148343"/>
+                </a:cubicBezTo>
+                <a:cubicBezTo>
+                  <a:pt x="3856847" y="1154199"/>
+                  <a:pt x="3838412" y="1161689"/>
+                  <a:pt x="3819401" y="1167642"/>
+                </a:cubicBezTo>
+                <a:cubicBezTo>
+                  <a:pt x="3782723" y="1179068"/>
+                  <a:pt x="3745949" y="1190014"/>
+                  <a:pt x="3709176" y="1200863"/>
+                </a:cubicBezTo>
+                <a:cubicBezTo>
+                  <a:pt x="3701303" y="1203168"/>
+                  <a:pt x="3692757" y="1203456"/>
+                  <a:pt x="3684981" y="1205952"/>
+                </a:cubicBezTo>
+                <a:cubicBezTo>
+                  <a:pt x="3664337" y="1212673"/>
+                  <a:pt x="3643789" y="1219970"/>
+                  <a:pt x="3623338" y="1227363"/>
+                </a:cubicBezTo>
+                <a:cubicBezTo>
+                  <a:pt x="3610953" y="1231876"/>
+                  <a:pt x="3598854" y="1237445"/>
+                  <a:pt x="3586373" y="1241765"/>
+                </a:cubicBezTo>
+                <a:cubicBezTo>
+                  <a:pt x="3576387" y="1245222"/>
+                  <a:pt x="3566113" y="1247910"/>
+                  <a:pt x="3555743" y="1250023"/>
+                </a:cubicBezTo>
+                <a:cubicBezTo>
+                  <a:pt x="3546814" y="1251848"/>
+                  <a:pt x="3537501" y="1251655"/>
+                  <a:pt x="3528667" y="1253864"/>
+                </a:cubicBezTo>
+                <a:cubicBezTo>
+                  <a:pt x="3504759" y="1259816"/>
+                  <a:pt x="3481140" y="1266538"/>
+                  <a:pt x="3457424" y="1272874"/>
+                </a:cubicBezTo>
+                <a:cubicBezTo>
+                  <a:pt x="3447919" y="1275371"/>
+                  <a:pt x="3438221" y="1277196"/>
+                  <a:pt x="3429003" y="1280364"/>
+                </a:cubicBezTo>
+                <a:cubicBezTo>
+                  <a:pt x="3404327" y="1288717"/>
+                  <a:pt x="3380036" y="1298222"/>
+                  <a:pt x="3355264" y="1306096"/>
+                </a:cubicBezTo>
+                <a:cubicBezTo>
+                  <a:pt x="3334717" y="1312625"/>
+                  <a:pt x="3313593" y="1317329"/>
+                  <a:pt x="3292757" y="1323090"/>
+                </a:cubicBezTo>
+                <a:cubicBezTo>
+                  <a:pt x="3283924" y="1325587"/>
+                  <a:pt x="3275475" y="1329140"/>
+                  <a:pt x="3266643" y="1331251"/>
+                </a:cubicBezTo>
+                <a:cubicBezTo>
+                  <a:pt x="3246863" y="1336053"/>
+                  <a:pt x="3226796" y="1340085"/>
+                  <a:pt x="3206921" y="1344886"/>
+                </a:cubicBezTo>
+                <a:cubicBezTo>
+                  <a:pt x="3195590" y="1347670"/>
+                  <a:pt x="3184645" y="1352663"/>
+                  <a:pt x="3173123" y="1354488"/>
+                </a:cubicBezTo>
+                <a:cubicBezTo>
+                  <a:pt x="3145759" y="1358808"/>
+                  <a:pt x="3118203" y="1361880"/>
+                  <a:pt x="3090646" y="1365337"/>
+                </a:cubicBezTo>
+                <a:cubicBezTo>
+                  <a:pt x="3062227" y="1368889"/>
+                  <a:pt x="3033902" y="1372634"/>
+                  <a:pt x="3005480" y="1375802"/>
+                </a:cubicBezTo>
+                <a:cubicBezTo>
+                  <a:pt x="2989926" y="1377435"/>
+                  <a:pt x="2974275" y="1377723"/>
+                  <a:pt x="2958721" y="1379259"/>
+                </a:cubicBezTo>
+                <a:cubicBezTo>
+                  <a:pt x="2945087" y="1380604"/>
+                  <a:pt x="2931549" y="1383100"/>
+                  <a:pt x="2917915" y="1384733"/>
+                </a:cubicBezTo>
+                <a:cubicBezTo>
+                  <a:pt x="2906105" y="1386076"/>
+                  <a:pt x="2894199" y="1386844"/>
+                  <a:pt x="2882389" y="1388189"/>
+                </a:cubicBezTo>
+                <a:cubicBezTo>
+                  <a:pt x="2863475" y="1390397"/>
+                  <a:pt x="2844655" y="1392894"/>
+                  <a:pt x="2825837" y="1395198"/>
+                </a:cubicBezTo>
+                <a:cubicBezTo>
+                  <a:pt x="2817964" y="1396062"/>
+                  <a:pt x="2809706" y="1398462"/>
+                  <a:pt x="2802313" y="1397023"/>
+                </a:cubicBezTo>
+                <a:cubicBezTo>
+                  <a:pt x="2783686" y="1393373"/>
+                  <a:pt x="2765347" y="1394430"/>
+                  <a:pt x="2746816" y="1396926"/>
+                </a:cubicBezTo>
+                <a:cubicBezTo>
+                  <a:pt x="2740479" y="1397791"/>
+                  <a:pt x="2733662" y="1397598"/>
+                  <a:pt x="2727517" y="1395966"/>
+                </a:cubicBezTo>
+                <a:cubicBezTo>
+                  <a:pt x="2714939" y="1392701"/>
+                  <a:pt x="2702745" y="1388092"/>
+                  <a:pt x="2690359" y="1384060"/>
+                </a:cubicBezTo>
+                <a:cubicBezTo>
+                  <a:pt x="2689014" y="1383580"/>
+                  <a:pt x="2687382" y="1383484"/>
+                  <a:pt x="2685943" y="1383196"/>
+                </a:cubicBezTo>
+                <a:cubicBezTo>
+                  <a:pt x="2677781" y="1381563"/>
+                  <a:pt x="2669717" y="1379931"/>
+                  <a:pt x="2661554" y="1378491"/>
+                </a:cubicBezTo>
+                <a:cubicBezTo>
+                  <a:pt x="2657138" y="1377723"/>
+                  <a:pt x="2652625" y="1377627"/>
+                  <a:pt x="2648208" y="1376955"/>
+                </a:cubicBezTo>
+                <a:cubicBezTo>
+                  <a:pt x="2631118" y="1374266"/>
+                  <a:pt x="2612299" y="1378779"/>
+                  <a:pt x="2597512" y="1367162"/>
+                </a:cubicBezTo>
+                <a:cubicBezTo>
+                  <a:pt x="2587911" y="1359672"/>
+                  <a:pt x="2578597" y="1361401"/>
+                  <a:pt x="2568324" y="1362553"/>
+                </a:cubicBezTo>
+                <a:cubicBezTo>
+                  <a:pt x="2560547" y="1363417"/>
+                  <a:pt x="2552577" y="1363128"/>
+                  <a:pt x="2544704" y="1363225"/>
+                </a:cubicBezTo>
+                <a:cubicBezTo>
+                  <a:pt x="2530878" y="1363512"/>
+                  <a:pt x="2517052" y="1363609"/>
+                  <a:pt x="2503225" y="1364089"/>
+                </a:cubicBezTo>
+                <a:cubicBezTo>
+                  <a:pt x="2498808" y="1364281"/>
+                  <a:pt x="2494297" y="1366682"/>
+                  <a:pt x="2489975" y="1366298"/>
+                </a:cubicBezTo>
+                <a:cubicBezTo>
+                  <a:pt x="2470004" y="1364473"/>
+                  <a:pt x="2450033" y="1361592"/>
+                  <a:pt x="2430061" y="1359960"/>
+                </a:cubicBezTo>
+                <a:cubicBezTo>
+                  <a:pt x="2418732" y="1359001"/>
+                  <a:pt x="2407114" y="1360824"/>
+                  <a:pt x="2395880" y="1359480"/>
+                </a:cubicBezTo>
+                <a:cubicBezTo>
+                  <a:pt x="2382919" y="1357944"/>
+                  <a:pt x="2370245" y="1354008"/>
+                  <a:pt x="2357378" y="1351607"/>
+                </a:cubicBezTo>
+                <a:cubicBezTo>
+                  <a:pt x="2353826" y="1350935"/>
+                  <a:pt x="2349889" y="1351799"/>
+                  <a:pt x="2346145" y="1351991"/>
+                </a:cubicBezTo>
+                <a:cubicBezTo>
+                  <a:pt x="2341920" y="1352183"/>
+                  <a:pt x="2337791" y="1352567"/>
+                  <a:pt x="2333567" y="1352663"/>
+                </a:cubicBezTo>
+                <a:cubicBezTo>
+                  <a:pt x="2320700" y="1352856"/>
+                  <a:pt x="2307835" y="1352567"/>
+                  <a:pt x="2294968" y="1353240"/>
+                </a:cubicBezTo>
+                <a:cubicBezTo>
+                  <a:pt x="2287095" y="1353624"/>
+                  <a:pt x="2278839" y="1357560"/>
+                  <a:pt x="2271540" y="1356120"/>
+                </a:cubicBezTo>
+                <a:cubicBezTo>
+                  <a:pt x="2256659" y="1353335"/>
+                  <a:pt x="2241776" y="1359576"/>
+                  <a:pt x="2226895" y="1354392"/>
+                </a:cubicBezTo>
+                <a:cubicBezTo>
+                  <a:pt x="2222285" y="1352856"/>
+                  <a:pt x="2215948" y="1356696"/>
+                  <a:pt x="2210379" y="1356888"/>
+                </a:cubicBezTo>
+                <a:cubicBezTo>
+                  <a:pt x="2196457" y="1357368"/>
+                  <a:pt x="2182535" y="1357272"/>
+                  <a:pt x="2168613" y="1357176"/>
+                </a:cubicBezTo>
+                <a:cubicBezTo>
+                  <a:pt x="2156131" y="1357080"/>
+                  <a:pt x="2143168" y="1358424"/>
+                  <a:pt x="2131167" y="1355736"/>
+                </a:cubicBezTo>
+                <a:cubicBezTo>
+                  <a:pt x="2118588" y="1352856"/>
+                  <a:pt x="2107259" y="1353240"/>
+                  <a:pt x="2095065" y="1356504"/>
+                </a:cubicBezTo>
+                <a:cubicBezTo>
+                  <a:pt x="2086711" y="1358712"/>
+                  <a:pt x="2077878" y="1359001"/>
+                  <a:pt x="2069237" y="1359672"/>
+                </a:cubicBezTo>
+                <a:cubicBezTo>
+                  <a:pt x="2059924" y="1360440"/>
+                  <a:pt x="2049650" y="1358424"/>
+                  <a:pt x="2041201" y="1361592"/>
+                </a:cubicBezTo>
+                <a:cubicBezTo>
+                  <a:pt x="2016044" y="1371002"/>
+                  <a:pt x="1990216" y="1373018"/>
+                  <a:pt x="1963909" y="1373018"/>
+                </a:cubicBezTo>
+                <a:cubicBezTo>
+                  <a:pt x="1959107" y="1373018"/>
+                  <a:pt x="1954210" y="1371675"/>
+                  <a:pt x="1949603" y="1370234"/>
+                </a:cubicBezTo>
+                <a:cubicBezTo>
+                  <a:pt x="1922717" y="1361592"/>
+                  <a:pt x="1895737" y="1362360"/>
+                  <a:pt x="1868373" y="1367641"/>
+                </a:cubicBezTo>
+                <a:cubicBezTo>
+                  <a:pt x="1862708" y="1368794"/>
+                  <a:pt x="1856372" y="1368986"/>
+                  <a:pt x="1850707" y="1367834"/>
+                </a:cubicBezTo>
+                <a:cubicBezTo>
+                  <a:pt x="1834768" y="1364473"/>
+                  <a:pt x="1819309" y="1358904"/>
+                  <a:pt x="1803275" y="1356504"/>
+                </a:cubicBezTo>
+                <a:cubicBezTo>
+                  <a:pt x="1776775" y="1352567"/>
+                  <a:pt x="1753828" y="1365817"/>
+                  <a:pt x="1730112" y="1374459"/>
+                </a:cubicBezTo>
+                <a:cubicBezTo>
+                  <a:pt x="1707548" y="1382620"/>
+                  <a:pt x="1688345" y="1401055"/>
+                  <a:pt x="1661652" y="1396926"/>
+                </a:cubicBezTo>
+                <a:cubicBezTo>
+                  <a:pt x="1658965" y="1396542"/>
+                  <a:pt x="1655988" y="1399134"/>
+                  <a:pt x="1653011" y="1399807"/>
+                </a:cubicBezTo>
+                <a:cubicBezTo>
+                  <a:pt x="1644850" y="1401631"/>
+                  <a:pt x="1636689" y="1403839"/>
+                  <a:pt x="1628431" y="1404704"/>
+                </a:cubicBezTo>
+                <a:cubicBezTo>
+                  <a:pt x="1618350" y="1405856"/>
+                  <a:pt x="1608076" y="1405472"/>
+                  <a:pt x="1597995" y="1406432"/>
+                </a:cubicBezTo>
+                <a:cubicBezTo>
+                  <a:pt x="1585032" y="1407584"/>
+                  <a:pt x="1572263" y="1410656"/>
+                  <a:pt x="1559396" y="1410656"/>
+                </a:cubicBezTo>
+                <a:cubicBezTo>
+                  <a:pt x="1549026" y="1410656"/>
+                  <a:pt x="1538753" y="1407104"/>
+                  <a:pt x="1528480" y="1405375"/>
+                </a:cubicBezTo>
+                <a:cubicBezTo>
+                  <a:pt x="1513981" y="1402975"/>
+                  <a:pt x="1498042" y="1403647"/>
+                  <a:pt x="1485272" y="1397502"/>
+                </a:cubicBezTo>
+                <a:cubicBezTo>
+                  <a:pt x="1471639" y="1390973"/>
+                  <a:pt x="1458676" y="1387997"/>
+                  <a:pt x="1444562" y="1390013"/>
+                </a:cubicBezTo>
+                <a:cubicBezTo>
+                  <a:pt x="1439857" y="1390685"/>
+                  <a:pt x="1433808" y="1394718"/>
+                  <a:pt x="1431696" y="1398846"/>
+                </a:cubicBezTo>
+                <a:cubicBezTo>
+                  <a:pt x="1426991" y="1408064"/>
+                  <a:pt x="1420559" y="1409697"/>
+                  <a:pt x="1411821" y="1406527"/>
+                </a:cubicBezTo>
+                <a:cubicBezTo>
+                  <a:pt x="1404236" y="1403839"/>
+                  <a:pt x="1394922" y="1402495"/>
+                  <a:pt x="1389738" y="1397310"/>
+                </a:cubicBezTo>
+                <a:cubicBezTo>
+                  <a:pt x="1375047" y="1382620"/>
+                  <a:pt x="1356324" y="1382140"/>
+                  <a:pt x="1338081" y="1378204"/>
+                </a:cubicBezTo>
+                <a:cubicBezTo>
+                  <a:pt x="1326945" y="1375802"/>
+                  <a:pt x="1316574" y="1375707"/>
+                  <a:pt x="1305436" y="1377339"/>
+                </a:cubicBezTo>
+                <a:cubicBezTo>
+                  <a:pt x="1281241" y="1380988"/>
+                  <a:pt x="1257717" y="1375802"/>
+                  <a:pt x="1234481" y="1369178"/>
+                </a:cubicBezTo>
+                <a:cubicBezTo>
+                  <a:pt x="1219118" y="1364761"/>
+                  <a:pt x="1203372" y="1362073"/>
+                  <a:pt x="1188106" y="1357560"/>
+                </a:cubicBezTo>
+                <a:cubicBezTo>
+                  <a:pt x="1176680" y="1354104"/>
+                  <a:pt x="1165255" y="1349975"/>
+                  <a:pt x="1154790" y="1344406"/>
+                </a:cubicBezTo>
+                <a:cubicBezTo>
+                  <a:pt x="1139618" y="1336244"/>
+                  <a:pt x="1126369" y="1323954"/>
+                  <a:pt x="1107069" y="1327219"/>
+                </a:cubicBezTo>
+                <a:cubicBezTo>
+                  <a:pt x="1090074" y="1330099"/>
+                  <a:pt x="1074713" y="1324051"/>
+                  <a:pt x="1059158" y="1318290"/>
+                </a:cubicBezTo>
+                <a:cubicBezTo>
+                  <a:pt x="1047732" y="1314065"/>
+                  <a:pt x="1036308" y="1309744"/>
+                  <a:pt x="1024496" y="1307056"/>
+                </a:cubicBezTo>
+                <a:cubicBezTo>
+                  <a:pt x="1010478" y="1303887"/>
+                  <a:pt x="994635" y="1305232"/>
+                  <a:pt x="982153" y="1299374"/>
+                </a:cubicBezTo>
+                <a:cubicBezTo>
+                  <a:pt x="969095" y="1293229"/>
+                  <a:pt x="958246" y="1297358"/>
+                  <a:pt x="946628" y="1299087"/>
+                </a:cubicBezTo>
+                <a:cubicBezTo>
+                  <a:pt x="928097" y="1301775"/>
+                  <a:pt x="909661" y="1306768"/>
+                  <a:pt x="890939" y="1300431"/>
+                </a:cubicBezTo>
+                <a:cubicBezTo>
+                  <a:pt x="868184" y="1292750"/>
+                  <a:pt x="845620" y="1284493"/>
+                  <a:pt x="822769" y="1277196"/>
+                </a:cubicBezTo>
+                <a:cubicBezTo>
+                  <a:pt x="813934" y="1274410"/>
+                  <a:pt x="804431" y="1273258"/>
+                  <a:pt x="795212" y="1272010"/>
+                </a:cubicBezTo>
+                <a:cubicBezTo>
+                  <a:pt x="786476" y="1270954"/>
+                  <a:pt x="776010" y="1273642"/>
+                  <a:pt x="769288" y="1269610"/>
+                </a:cubicBezTo>
+                <a:cubicBezTo>
+                  <a:pt x="752005" y="1259241"/>
+                  <a:pt x="734243" y="1254152"/>
+                  <a:pt x="714271" y="1254152"/>
+                </a:cubicBezTo>
+                <a:cubicBezTo>
+                  <a:pt x="706781" y="1254152"/>
+                  <a:pt x="699484" y="1249831"/>
+                  <a:pt x="691900" y="1249062"/>
+                </a:cubicBezTo>
+                <a:cubicBezTo>
+                  <a:pt x="681529" y="1248103"/>
+                  <a:pt x="669623" y="1245510"/>
+                  <a:pt x="660598" y="1249159"/>
+                </a:cubicBezTo>
+                <a:cubicBezTo>
+                  <a:pt x="639379" y="1257800"/>
+                  <a:pt x="622193" y="1250599"/>
+                  <a:pt x="603662" y="1242054"/>
+                </a:cubicBezTo>
+                <a:cubicBezTo>
+                  <a:pt x="585418" y="1233604"/>
+                  <a:pt x="566215" y="1226884"/>
+                  <a:pt x="546821" y="1221314"/>
+                </a:cubicBezTo>
+                <a:cubicBezTo>
+                  <a:pt x="539524" y="1219298"/>
+                  <a:pt x="530787" y="1222659"/>
+                  <a:pt x="522721" y="1223330"/>
+                </a:cubicBezTo>
+                <a:cubicBezTo>
+                  <a:pt x="519840" y="1223523"/>
+                  <a:pt x="516671" y="1223811"/>
+                  <a:pt x="514080" y="1222851"/>
+                </a:cubicBezTo>
+                <a:cubicBezTo>
+                  <a:pt x="489020" y="1213633"/>
+                  <a:pt x="463575" y="1206624"/>
+                  <a:pt x="436404" y="1211424"/>
+                </a:cubicBezTo>
+                <a:cubicBezTo>
+                  <a:pt x="433908" y="1211905"/>
+                  <a:pt x="431123" y="1210849"/>
+                  <a:pt x="428626" y="1210177"/>
+                </a:cubicBezTo>
+                <a:cubicBezTo>
+                  <a:pt x="416432" y="1206720"/>
+                  <a:pt x="404526" y="1201247"/>
+                  <a:pt x="392141" y="1199999"/>
+                </a:cubicBezTo>
+                <a:cubicBezTo>
+                  <a:pt x="361608" y="1196927"/>
+                  <a:pt x="330884" y="1195678"/>
+                  <a:pt x="300157" y="1193662"/>
+                </a:cubicBezTo>
+                <a:cubicBezTo>
+                  <a:pt x="298237" y="1193566"/>
+                  <a:pt x="296221" y="1193566"/>
+                  <a:pt x="294493" y="1192894"/>
+                </a:cubicBezTo>
+                <a:cubicBezTo>
+                  <a:pt x="283163" y="1188765"/>
+                  <a:pt x="273274" y="1190110"/>
+                  <a:pt x="263671" y="1197982"/>
+                </a:cubicBezTo>
+                <a:cubicBezTo>
+                  <a:pt x="259447" y="1201439"/>
+                  <a:pt x="253686" y="1203263"/>
+                  <a:pt x="248406" y="1205184"/>
+                </a:cubicBezTo>
+                <a:cubicBezTo>
+                  <a:pt x="240628" y="1208065"/>
+                  <a:pt x="232659" y="1210849"/>
+                  <a:pt x="224594" y="1212673"/>
+                </a:cubicBezTo>
+                <a:cubicBezTo>
+                  <a:pt x="216624" y="1214401"/>
+                  <a:pt x="208079" y="1216801"/>
+                  <a:pt x="200398" y="1215458"/>
+                </a:cubicBezTo>
+                <a:cubicBezTo>
+                  <a:pt x="186572" y="1213057"/>
+                  <a:pt x="173417" y="1207681"/>
+                  <a:pt x="159783" y="1204127"/>
+                </a:cubicBezTo>
+                <a:cubicBezTo>
+                  <a:pt x="155079" y="1202879"/>
+                  <a:pt x="149893" y="1203072"/>
+                  <a:pt x="144997" y="1202975"/>
+                </a:cubicBezTo>
+                <a:cubicBezTo>
+                  <a:pt x="133763" y="1202688"/>
+                  <a:pt x="122241" y="1205472"/>
+                  <a:pt x="112064" y="1197503"/>
+                </a:cubicBezTo>
+                <a:cubicBezTo>
+                  <a:pt x="102655" y="1190014"/>
+                  <a:pt x="93148" y="1192221"/>
+                  <a:pt x="83259" y="1197887"/>
+                </a:cubicBezTo>
+                <a:cubicBezTo>
+                  <a:pt x="76154" y="1201920"/>
+                  <a:pt x="68090" y="1205088"/>
+                  <a:pt x="60120" y="1206624"/>
+                </a:cubicBezTo>
+                <a:cubicBezTo>
+                  <a:pt x="49174" y="1208736"/>
+                  <a:pt x="38324" y="1209601"/>
+                  <a:pt x="26514" y="1208352"/>
+                </a:cubicBezTo>
+                <a:cubicBezTo>
+                  <a:pt x="18161" y="1207488"/>
+                  <a:pt x="11343" y="1207104"/>
+                  <a:pt x="4814" y="1202015"/>
+                </a:cubicBezTo>
+                <a:cubicBezTo>
+                  <a:pt x="3759" y="1201247"/>
+                  <a:pt x="1839" y="1201055"/>
+                  <a:pt x="398" y="1201152"/>
+                </a:cubicBezTo>
+                <a:lnTo>
+                  <a:pt x="0" y="1201150"/>
+                </a:lnTo>
+                <a:lnTo>
+                  <a:pt x="0" y="1004512"/>
+                </a:lnTo>
+                <a:lnTo>
+                  <a:pt x="30355" y="1002784"/>
+                </a:lnTo>
+                <a:cubicBezTo>
+                  <a:pt x="37748" y="1002111"/>
+                  <a:pt x="44853" y="999520"/>
+                  <a:pt x="52151" y="997695"/>
+                </a:cubicBezTo>
+                <a:cubicBezTo>
+                  <a:pt x="56183" y="996639"/>
+                  <a:pt x="60504" y="993855"/>
+                  <a:pt x="64248" y="994430"/>
+                </a:cubicBezTo>
+                <a:cubicBezTo>
+                  <a:pt x="85948" y="997791"/>
+                  <a:pt x="105823" y="989534"/>
+                  <a:pt x="126370" y="985405"/>
+                </a:cubicBezTo>
+                <a:cubicBezTo>
+                  <a:pt x="135876" y="983485"/>
+                  <a:pt x="144805" y="978876"/>
+                  <a:pt x="154022" y="975708"/>
+                </a:cubicBezTo>
+                <a:cubicBezTo>
+                  <a:pt x="156423" y="974843"/>
+                  <a:pt x="159111" y="974075"/>
+                  <a:pt x="161512" y="974268"/>
+                </a:cubicBezTo>
+                <a:cubicBezTo>
+                  <a:pt x="175242" y="975420"/>
+                  <a:pt x="188876" y="977052"/>
+                  <a:pt x="202510" y="978300"/>
+                </a:cubicBezTo>
+                <a:cubicBezTo>
+                  <a:pt x="214896" y="979452"/>
+                  <a:pt x="227378" y="979836"/>
+                  <a:pt x="233235" y="993950"/>
+                </a:cubicBezTo>
+                <a:cubicBezTo>
+                  <a:pt x="234100" y="996159"/>
+                  <a:pt x="236979" y="997791"/>
+                  <a:pt x="239188" y="999231"/>
+                </a:cubicBezTo>
+                <a:cubicBezTo>
+                  <a:pt x="273274" y="1021411"/>
+                  <a:pt x="291516" y="1020835"/>
+                  <a:pt x="324834" y="997407"/>
+                </a:cubicBezTo>
+                <a:cubicBezTo>
+                  <a:pt x="328290" y="995007"/>
+                  <a:pt x="335683" y="993278"/>
+                  <a:pt x="337987" y="995198"/>
+                </a:cubicBezTo>
+                <a:cubicBezTo>
+                  <a:pt x="357575" y="1011137"/>
+                  <a:pt x="378986" y="1009409"/>
+                  <a:pt x="401550" y="1004416"/>
+                </a:cubicBezTo>
+                <a:cubicBezTo>
+                  <a:pt x="407407" y="1003072"/>
+                  <a:pt x="415664" y="1003072"/>
+                  <a:pt x="420081" y="1006240"/>
+                </a:cubicBezTo>
+                <a:cubicBezTo>
+                  <a:pt x="441108" y="1020930"/>
+                  <a:pt x="463672" y="1018819"/>
+                  <a:pt x="486523" y="1014498"/>
+                </a:cubicBezTo>
+                <a:cubicBezTo>
+                  <a:pt x="490075" y="1013826"/>
+                  <a:pt x="494397" y="1010177"/>
+                  <a:pt x="495932" y="1006817"/>
+                </a:cubicBezTo>
+                <a:cubicBezTo>
+                  <a:pt x="501406" y="994911"/>
+                  <a:pt x="511680" y="990878"/>
+                  <a:pt x="523009" y="987517"/>
+                </a:cubicBezTo>
+                <a:cubicBezTo>
+                  <a:pt x="540868" y="982044"/>
+                  <a:pt x="558438" y="975611"/>
+                  <a:pt x="576393" y="970427"/>
+                </a:cubicBezTo>
+                <a:cubicBezTo>
+                  <a:pt x="580811" y="969179"/>
+                  <a:pt x="586283" y="969947"/>
+                  <a:pt x="590892" y="971387"/>
+                </a:cubicBezTo>
+                <a:cubicBezTo>
+                  <a:pt x="606638" y="976284"/>
+                  <a:pt x="616624" y="988574"/>
+                  <a:pt x="627569" y="999904"/>
+                </a:cubicBezTo>
+                <a:cubicBezTo>
+                  <a:pt x="632370" y="1004897"/>
+                  <a:pt x="638995" y="1008449"/>
+                  <a:pt x="645429" y="1011329"/>
+                </a:cubicBezTo>
+                <a:cubicBezTo>
+                  <a:pt x="662135" y="1018723"/>
+                  <a:pt x="679226" y="1025348"/>
+                  <a:pt x="696125" y="1032356"/>
+                </a:cubicBezTo>
+                <a:cubicBezTo>
+                  <a:pt x="697757" y="1033029"/>
+                  <a:pt x="699100" y="1034757"/>
+                  <a:pt x="700349" y="1036197"/>
+                </a:cubicBezTo>
+                <a:cubicBezTo>
+                  <a:pt x="712831" y="1051368"/>
+                  <a:pt x="725216" y="1066634"/>
+                  <a:pt x="737795" y="1081804"/>
+                </a:cubicBezTo>
+                <a:cubicBezTo>
+                  <a:pt x="740195" y="1084684"/>
+                  <a:pt x="743652" y="1086797"/>
+                  <a:pt x="746244" y="1089581"/>
+                </a:cubicBezTo>
+                <a:cubicBezTo>
+                  <a:pt x="749893" y="1093422"/>
+                  <a:pt x="754502" y="1097071"/>
+                  <a:pt x="756422" y="1101680"/>
+                </a:cubicBezTo>
+                <a:cubicBezTo>
+                  <a:pt x="762374" y="1116177"/>
+                  <a:pt x="773801" y="1122419"/>
+                  <a:pt x="788202" y="1125108"/>
+                </a:cubicBezTo>
+                <a:cubicBezTo>
+                  <a:pt x="801357" y="1127603"/>
+                  <a:pt x="814511" y="1129716"/>
+                  <a:pt x="827569" y="1132596"/>
+                </a:cubicBezTo>
+                <a:cubicBezTo>
+                  <a:pt x="843507" y="1136053"/>
+                  <a:pt x="859350" y="1139798"/>
+                  <a:pt x="875097" y="1144022"/>
+                </a:cubicBezTo>
+                <a:cubicBezTo>
+                  <a:pt x="881913" y="1145847"/>
+                  <a:pt x="889115" y="1147959"/>
+                  <a:pt x="894972" y="1151704"/>
+                </a:cubicBezTo>
+                <a:cubicBezTo>
+                  <a:pt x="911390" y="1162073"/>
+                  <a:pt x="928961" y="1169082"/>
+                  <a:pt x="948260" y="1166298"/>
+                </a:cubicBezTo>
+                <a:cubicBezTo>
+                  <a:pt x="963718" y="1164089"/>
+                  <a:pt x="976680" y="1169754"/>
+                  <a:pt x="986282" y="1178588"/>
+                </a:cubicBezTo>
+                <a:cubicBezTo>
+                  <a:pt x="1003757" y="1194623"/>
+                  <a:pt x="1022479" y="1190973"/>
+                  <a:pt x="1041107" y="1185789"/>
+                </a:cubicBezTo>
+                <a:cubicBezTo>
+                  <a:pt x="1050708" y="1183101"/>
+                  <a:pt x="1058581" y="1183485"/>
+                  <a:pt x="1067703" y="1186076"/>
+                </a:cubicBezTo>
+                <a:cubicBezTo>
+                  <a:pt x="1088826" y="1192126"/>
+                  <a:pt x="1102941" y="1208544"/>
+                  <a:pt x="1116574" y="1222946"/>
+                </a:cubicBezTo>
+                <a:cubicBezTo>
+                  <a:pt x="1128193" y="1235236"/>
+                  <a:pt x="1141251" y="1242149"/>
+                  <a:pt x="1155557" y="1247335"/>
+                </a:cubicBezTo>
+                <a:cubicBezTo>
+                  <a:pt x="1173608" y="1253959"/>
+                  <a:pt x="1187914" y="1251464"/>
+                  <a:pt x="1196556" y="1235525"/>
+                </a:cubicBezTo>
+                <a:cubicBezTo>
+                  <a:pt x="1198956" y="1231012"/>
+                  <a:pt x="1203180" y="1225730"/>
+                  <a:pt x="1207693" y="1224387"/>
+                </a:cubicBezTo>
+                <a:cubicBezTo>
+                  <a:pt x="1229488" y="1217666"/>
+                  <a:pt x="1251572" y="1207872"/>
+                  <a:pt x="1274904" y="1213826"/>
+                </a:cubicBezTo>
+                <a:cubicBezTo>
+                  <a:pt x="1307165" y="1221987"/>
+                  <a:pt x="1338658" y="1221507"/>
+                  <a:pt x="1370919" y="1213442"/>
+                </a:cubicBezTo>
+                <a:cubicBezTo>
+                  <a:pt x="1423247" y="1200383"/>
+                  <a:pt x="1475575" y="1186557"/>
+                  <a:pt x="1530593" y="1189437"/>
+                </a:cubicBezTo>
+                <a:cubicBezTo>
+                  <a:pt x="1539713" y="1189917"/>
+                  <a:pt x="1550563" y="1184060"/>
+                  <a:pt x="1558436" y="1178299"/>
+                </a:cubicBezTo>
+                <a:cubicBezTo>
+                  <a:pt x="1573511" y="1167354"/>
+                  <a:pt x="1572838" y="1166489"/>
+                  <a:pt x="1589737" y="1175515"/>
+                </a:cubicBezTo>
+                <a:cubicBezTo>
+                  <a:pt x="1593770" y="1177724"/>
+                  <a:pt x="1598763" y="1179068"/>
+                  <a:pt x="1601740" y="1182333"/>
+                </a:cubicBezTo>
+                <a:cubicBezTo>
+                  <a:pt x="1616909" y="1198943"/>
+                  <a:pt x="1635633" y="1194910"/>
+                  <a:pt x="1654259" y="1192510"/>
+                </a:cubicBezTo>
+                <a:cubicBezTo>
+                  <a:pt x="1657524" y="1192030"/>
+                  <a:pt x="1661460" y="1191358"/>
+                  <a:pt x="1664246" y="1192702"/>
+                </a:cubicBezTo>
+                <a:cubicBezTo>
+                  <a:pt x="1676823" y="1198750"/>
+                  <a:pt x="1687481" y="1196639"/>
+                  <a:pt x="1698427" y="1188381"/>
+                </a:cubicBezTo>
+                <a:cubicBezTo>
+                  <a:pt x="1707932" y="1181276"/>
+                  <a:pt x="1718878" y="1177052"/>
+                  <a:pt x="1730112" y="1185885"/>
+                </a:cubicBezTo>
+                <a:cubicBezTo>
+                  <a:pt x="1755076" y="1205472"/>
+                  <a:pt x="1781767" y="1206432"/>
+                  <a:pt x="1809996" y="1194046"/>
+                </a:cubicBezTo>
+                <a:cubicBezTo>
+                  <a:pt x="1830159" y="1185213"/>
+                  <a:pt x="1850034" y="1183196"/>
+                  <a:pt x="1871254" y="1192126"/>
+                </a:cubicBezTo>
+                <a:cubicBezTo>
+                  <a:pt x="1879415" y="1195582"/>
+                  <a:pt x="1889977" y="1193278"/>
+                  <a:pt x="1899482" y="1194046"/>
+                </a:cubicBezTo>
+                <a:cubicBezTo>
+                  <a:pt x="1904859" y="1194430"/>
+                  <a:pt x="1910813" y="1194526"/>
+                  <a:pt x="1915420" y="1196927"/>
+                </a:cubicBezTo>
+                <a:cubicBezTo>
+                  <a:pt x="1927711" y="1203072"/>
+                  <a:pt x="1939136" y="1210945"/>
+                  <a:pt x="1951522" y="1216994"/>
+                </a:cubicBezTo>
+                <a:cubicBezTo>
+                  <a:pt x="1957475" y="1219874"/>
+                  <a:pt x="1964580" y="1221410"/>
+                  <a:pt x="1971302" y="1221507"/>
+                </a:cubicBezTo>
+                <a:cubicBezTo>
+                  <a:pt x="1991177" y="1221987"/>
+                  <a:pt x="2011052" y="1221987"/>
+                  <a:pt x="2030831" y="1221123"/>
+                </a:cubicBezTo>
+                <a:cubicBezTo>
+                  <a:pt x="2063476" y="1219778"/>
+                  <a:pt x="2096601" y="1219490"/>
+                  <a:pt x="2120125" y="1190878"/>
+                </a:cubicBezTo>
+                <a:cubicBezTo>
+                  <a:pt x="2122046" y="1188573"/>
+                  <a:pt x="2126174" y="1187229"/>
+                  <a:pt x="2129439" y="1186845"/>
+                </a:cubicBezTo>
+                <a:cubicBezTo>
+                  <a:pt x="2144513" y="1185021"/>
+                  <a:pt x="2159971" y="1184828"/>
+                  <a:pt x="2174854" y="1181852"/>
+                </a:cubicBezTo>
+                <a:cubicBezTo>
+                  <a:pt x="2186760" y="1179452"/>
+                  <a:pt x="2196650" y="1180220"/>
+                  <a:pt x="2205674" y="1188669"/>
+                </a:cubicBezTo>
+                <a:cubicBezTo>
+                  <a:pt x="2217485" y="1199807"/>
+                  <a:pt x="2231887" y="1206336"/>
+                  <a:pt x="2247634" y="1202784"/>
+                </a:cubicBezTo>
+                <a:cubicBezTo>
+                  <a:pt x="2263379" y="1199327"/>
+                  <a:pt x="2273749" y="1206816"/>
+                  <a:pt x="2285367" y="1214594"/>
+                </a:cubicBezTo>
+                <a:cubicBezTo>
+                  <a:pt x="2293817" y="1220258"/>
+                  <a:pt x="2303418" y="1227363"/>
+                  <a:pt x="2312827" y="1227939"/>
+                </a:cubicBezTo>
+                <a:cubicBezTo>
+                  <a:pt x="2334143" y="1229187"/>
+                  <a:pt x="2352482" y="1248967"/>
+                  <a:pt x="2375622" y="1237733"/>
+                </a:cubicBezTo>
+                <a:cubicBezTo>
+                  <a:pt x="2377158" y="1236965"/>
+                  <a:pt x="2379942" y="1238885"/>
+                  <a:pt x="2382151" y="1239365"/>
+                </a:cubicBezTo>
+                <a:cubicBezTo>
+                  <a:pt x="2399817" y="1243014"/>
+                  <a:pt x="2416428" y="1239461"/>
+                  <a:pt x="2429390" y="1227459"/>
+                </a:cubicBezTo>
+                <a:cubicBezTo>
+                  <a:pt x="2446385" y="1211809"/>
+                  <a:pt x="2465203" y="1210272"/>
+                  <a:pt x="2486134" y="1215362"/>
+                </a:cubicBezTo>
+                <a:cubicBezTo>
+                  <a:pt x="2492856" y="1216994"/>
+                  <a:pt x="2499577" y="1218146"/>
+                  <a:pt x="2506394" y="1219490"/>
+                </a:cubicBezTo>
+                <a:cubicBezTo>
+                  <a:pt x="2515611" y="1221410"/>
+                  <a:pt x="2524925" y="1223427"/>
+                  <a:pt x="2534142" y="1225347"/>
+                </a:cubicBezTo>
+                <a:cubicBezTo>
+                  <a:pt x="2543072" y="1227268"/>
+                  <a:pt x="2552962" y="1230532"/>
+                  <a:pt x="2559874" y="1222275"/>
+                </a:cubicBezTo>
+                <a:cubicBezTo>
+                  <a:pt x="2565827" y="1215169"/>
+                  <a:pt x="2570052" y="1215842"/>
+                  <a:pt x="2575525" y="1221987"/>
+                </a:cubicBezTo>
+                <a:cubicBezTo>
+                  <a:pt x="2594536" y="1243494"/>
+                  <a:pt x="2617580" y="1256936"/>
+                  <a:pt x="2646960" y="1257896"/>
+                </a:cubicBezTo>
+                <a:cubicBezTo>
+                  <a:pt x="2653009" y="1258088"/>
+                  <a:pt x="2659154" y="1259432"/>
+                  <a:pt x="2665107" y="1260873"/>
+                </a:cubicBezTo>
+                <a:cubicBezTo>
+                  <a:pt x="2668756" y="1261736"/>
+                  <a:pt x="2673173" y="1262697"/>
+                  <a:pt x="2675381" y="1265290"/>
+                </a:cubicBezTo>
+                <a:cubicBezTo>
+                  <a:pt x="2692567" y="1285068"/>
+                  <a:pt x="2713979" y="1298799"/>
+                  <a:pt x="2737311" y="1309841"/>
+                </a:cubicBezTo>
+                <a:cubicBezTo>
+                  <a:pt x="2745664" y="1313777"/>
+                  <a:pt x="2754594" y="1317713"/>
+                  <a:pt x="2763619" y="1318866"/>
+                </a:cubicBezTo>
+                <a:cubicBezTo>
+                  <a:pt x="2773028" y="1320018"/>
+                  <a:pt x="2782917" y="1318098"/>
+                  <a:pt x="2792519" y="1317041"/>
+                </a:cubicBezTo>
+                <a:cubicBezTo>
+                  <a:pt x="2798184" y="1316466"/>
+                  <a:pt x="2804713" y="1316561"/>
+                  <a:pt x="2809226" y="1313777"/>
+                </a:cubicBezTo>
+                <a:cubicBezTo>
+                  <a:pt x="2823532" y="1305039"/>
+                  <a:pt x="2837358" y="1295631"/>
+                  <a:pt x="2850705" y="1285452"/>
+                </a:cubicBezTo>
+                <a:cubicBezTo>
+                  <a:pt x="2862131" y="1276715"/>
+                  <a:pt x="2864435" y="1275467"/>
+                  <a:pt x="2874324" y="1286413"/>
+                </a:cubicBezTo>
+                <a:cubicBezTo>
+                  <a:pt x="2884502" y="1297647"/>
+                  <a:pt x="2897176" y="1303503"/>
+                  <a:pt x="2911194" y="1305903"/>
+                </a:cubicBezTo>
+                <a:cubicBezTo>
+                  <a:pt x="2933373" y="1309648"/>
+                  <a:pt x="2955745" y="1312816"/>
+                  <a:pt x="2978116" y="1314641"/>
+                </a:cubicBezTo>
+                <a:cubicBezTo>
+                  <a:pt x="2998375" y="1316273"/>
+                  <a:pt x="3008073" y="1307440"/>
+                  <a:pt x="3012106" y="1287373"/>
+                </a:cubicBezTo>
+                <a:cubicBezTo>
+                  <a:pt x="3014410" y="1276235"/>
+                  <a:pt x="3017387" y="1264137"/>
+                  <a:pt x="3029676" y="1261161"/>
+                </a:cubicBezTo>
+                <a:cubicBezTo>
+                  <a:pt x="3049744" y="1256360"/>
+                  <a:pt x="3070579" y="1254248"/>
+                  <a:pt x="3080469" y="1230724"/>
+                </a:cubicBezTo>
+                <a:cubicBezTo>
+                  <a:pt x="3085941" y="1235909"/>
+                  <a:pt x="3089302" y="1238981"/>
+                  <a:pt x="3092567" y="1242054"/>
+                </a:cubicBezTo>
+                <a:cubicBezTo>
+                  <a:pt x="3101592" y="1250599"/>
+                  <a:pt x="3120314" y="1254248"/>
+                  <a:pt x="3129821" y="1246855"/>
+                </a:cubicBezTo>
+                <a:cubicBezTo>
+                  <a:pt x="3143839" y="1236101"/>
+                  <a:pt x="3156705" y="1238117"/>
+                  <a:pt x="3170147" y="1246471"/>
+                </a:cubicBezTo>
+                <a:cubicBezTo>
+                  <a:pt x="3192615" y="1260297"/>
+                  <a:pt x="3217674" y="1257128"/>
+                  <a:pt x="3240429" y="1251559"/>
+                </a:cubicBezTo>
+                <a:cubicBezTo>
+                  <a:pt x="3257617" y="1247430"/>
+                  <a:pt x="3275956" y="1239845"/>
+                  <a:pt x="3287189" y="1222466"/>
+                </a:cubicBezTo>
+                <a:cubicBezTo>
+                  <a:pt x="3290741" y="1216898"/>
+                  <a:pt x="3298711" y="1214113"/>
+                  <a:pt x="3305049" y="1210465"/>
+                </a:cubicBezTo>
+                <a:cubicBezTo>
+                  <a:pt x="3310329" y="1207488"/>
+                  <a:pt x="3315898" y="1204704"/>
+                  <a:pt x="3321755" y="1202784"/>
+                </a:cubicBezTo>
+                <a:cubicBezTo>
+                  <a:pt x="3327995" y="1200671"/>
+                  <a:pt x="3334909" y="1197598"/>
+                  <a:pt x="3341055" y="1198463"/>
+                </a:cubicBezTo>
+                <a:cubicBezTo>
+                  <a:pt x="3359681" y="1200959"/>
+                  <a:pt x="3374467" y="1196062"/>
+                  <a:pt x="3387621" y="1182140"/>
+                </a:cubicBezTo>
+                <a:cubicBezTo>
+                  <a:pt x="3394439" y="1174939"/>
+                  <a:pt x="3404520" y="1166202"/>
+                  <a:pt x="3413161" y="1166105"/>
+                </a:cubicBezTo>
+                <a:cubicBezTo>
+                  <a:pt x="3434189" y="1165818"/>
+                  <a:pt x="3451663" y="1158905"/>
+                  <a:pt x="3470579" y="1150647"/>
+                </a:cubicBezTo>
+                <a:cubicBezTo>
+                  <a:pt x="3482772" y="1145366"/>
+                  <a:pt x="3496598" y="1141718"/>
+                  <a:pt x="3509657" y="1136821"/>
+                </a:cubicBezTo>
+                <a:cubicBezTo>
+                  <a:pt x="3524923" y="1131060"/>
+                  <a:pt x="3541534" y="1128948"/>
+                  <a:pt x="3550847" y="1113009"/>
+                </a:cubicBezTo>
+                <a:cubicBezTo>
+                  <a:pt x="3551903" y="1111281"/>
+                  <a:pt x="3555072" y="1110993"/>
+                  <a:pt x="3556608" y="1109361"/>
+                </a:cubicBezTo>
+                <a:cubicBezTo>
+                  <a:pt x="3561505" y="1104368"/>
+                  <a:pt x="3567842" y="1099760"/>
+                  <a:pt x="3570435" y="1093710"/>
+                </a:cubicBezTo>
+                <a:cubicBezTo>
+                  <a:pt x="3577923" y="1076044"/>
+                  <a:pt x="3583780" y="1057800"/>
+                  <a:pt x="3590501" y="1039846"/>
+                </a:cubicBezTo>
+                <a:cubicBezTo>
+                  <a:pt x="3591942" y="1036005"/>
+                  <a:pt x="3593285" y="1031108"/>
+                  <a:pt x="3596263" y="1028900"/>
+                </a:cubicBezTo>
+                <a:cubicBezTo>
+                  <a:pt x="3613449" y="1016226"/>
+                  <a:pt x="3630925" y="1004032"/>
+                  <a:pt x="3648591" y="992030"/>
+                </a:cubicBezTo>
+                <a:cubicBezTo>
+                  <a:pt x="3655696" y="987229"/>
+                  <a:pt x="3661649" y="989918"/>
+                  <a:pt x="3667986" y="995487"/>
+                </a:cubicBezTo>
+                <a:cubicBezTo>
+                  <a:pt x="3674131" y="1000768"/>
+                  <a:pt x="3681717" y="1006240"/>
+                  <a:pt x="3689397" y="1007585"/>
+                </a:cubicBezTo>
+                <a:cubicBezTo>
+                  <a:pt x="3704760" y="1010177"/>
+                  <a:pt x="3720698" y="1010753"/>
+                  <a:pt x="3736349" y="1010753"/>
+                </a:cubicBezTo>
+                <a:cubicBezTo>
+                  <a:pt x="3742205" y="1010753"/>
+                  <a:pt x="3748446" y="1007297"/>
+                  <a:pt x="3753919" y="1004513"/>
+                </a:cubicBezTo>
+                <a:cubicBezTo>
+                  <a:pt x="3764289" y="999231"/>
+                  <a:pt x="3773890" y="992126"/>
+                  <a:pt x="3784643" y="987710"/>
+                </a:cubicBezTo>
+                <a:cubicBezTo>
+                  <a:pt x="3797126" y="982621"/>
+                  <a:pt x="3804615" y="974459"/>
+                  <a:pt x="3808359" y="961689"/>
+                </a:cubicBezTo>
+                <a:cubicBezTo>
+                  <a:pt x="3813929" y="942679"/>
+                  <a:pt x="3827179" y="929428"/>
+                  <a:pt x="3842829" y="918674"/>
+                </a:cubicBezTo>
+                <a:cubicBezTo>
+                  <a:pt x="3862705" y="904944"/>
+                  <a:pt x="3886421" y="905616"/>
+                  <a:pt x="3908983" y="902256"/>
+                </a:cubicBezTo>
+                <a:cubicBezTo>
+                  <a:pt x="3917625" y="901008"/>
+                  <a:pt x="3926555" y="899951"/>
+                  <a:pt x="3934428" y="896783"/>
+                </a:cubicBezTo>
+                <a:cubicBezTo>
+                  <a:pt x="3964288" y="884877"/>
+                  <a:pt x="3994149" y="873548"/>
+                  <a:pt x="4026987" y="873835"/>
+                </a:cubicBezTo>
+                <a:cubicBezTo>
+                  <a:pt x="4029674" y="873835"/>
+                  <a:pt x="4032363" y="873548"/>
+                  <a:pt x="4035051" y="873067"/>
+                </a:cubicBezTo>
+                <a:cubicBezTo>
+                  <a:pt x="4058383" y="869131"/>
+                  <a:pt x="4082483" y="867594"/>
+                  <a:pt x="4099189" y="846664"/>
+                </a:cubicBezTo>
+                <a:cubicBezTo>
+                  <a:pt x="4102261" y="842823"/>
+                  <a:pt x="4109271" y="841671"/>
+                  <a:pt x="4114647" y="840134"/>
+                </a:cubicBezTo>
+                <a:cubicBezTo>
+                  <a:pt x="4123961" y="837638"/>
+                  <a:pt x="4130203" y="832549"/>
+                  <a:pt x="4133563" y="823427"/>
+                </a:cubicBezTo>
+                <a:cubicBezTo>
+                  <a:pt x="4139229" y="807681"/>
+                  <a:pt x="4145949" y="792223"/>
+                  <a:pt x="4151039" y="776284"/>
+                </a:cubicBezTo>
+                <a:cubicBezTo>
+                  <a:pt x="4154591" y="765338"/>
+                  <a:pt x="4161215" y="759289"/>
+                  <a:pt x="4171489" y="754776"/>
+                </a:cubicBezTo>
+                <a:cubicBezTo>
+                  <a:pt x="4177251" y="752280"/>
+                  <a:pt x="4182243" y="746808"/>
+                  <a:pt x="4186372" y="741718"/>
+                </a:cubicBezTo>
+                <a:cubicBezTo>
+                  <a:pt x="4191365" y="735573"/>
+                  <a:pt x="4193957" y="727412"/>
+                  <a:pt x="4199429" y="721940"/>
+                </a:cubicBezTo>
+                <a:cubicBezTo>
+                  <a:pt x="4212775" y="708305"/>
+                  <a:pt x="4216905" y="693231"/>
+                  <a:pt x="4212487" y="674604"/>
+                </a:cubicBezTo>
+                <a:cubicBezTo>
+                  <a:pt x="4208551" y="658090"/>
+                  <a:pt x="4218921" y="636006"/>
+                  <a:pt x="4232555" y="632645"/>
+                </a:cubicBezTo>
+                <a:cubicBezTo>
+                  <a:pt x="4247629" y="628900"/>
+                  <a:pt x="4257999" y="619684"/>
+                  <a:pt x="4268657" y="609410"/>
+                </a:cubicBezTo>
+                <a:cubicBezTo>
+                  <a:pt x="4274609" y="603649"/>
+                  <a:pt x="4282963" y="598656"/>
+                  <a:pt x="4291028" y="597216"/>
+                </a:cubicBezTo>
+                <a:cubicBezTo>
+                  <a:pt x="4321657" y="591647"/>
+                  <a:pt x="4350557" y="598464"/>
+                  <a:pt x="4379651" y="609506"/>
+                </a:cubicBezTo>
+                <a:cubicBezTo>
+                  <a:pt x="4398661" y="616707"/>
+                  <a:pt x="4419784" y="618627"/>
+                  <a:pt x="4440139" y="621507"/>
+                </a:cubicBezTo>
+                <a:cubicBezTo>
+                  <a:pt x="4446477" y="622371"/>
+                  <a:pt x="4454542" y="620452"/>
+                  <a:pt x="4460015" y="616899"/>
+                </a:cubicBezTo>
+                <a:cubicBezTo>
+                  <a:pt x="4479218" y="604609"/>
+                  <a:pt x="4498325" y="591935"/>
+                  <a:pt x="4516183" y="577724"/>
+                </a:cubicBezTo>
+                <a:cubicBezTo>
+                  <a:pt x="4532795" y="564379"/>
+                  <a:pt x="4551517" y="558810"/>
+                  <a:pt x="4571681" y="560250"/>
+                </a:cubicBezTo>
+                <a:cubicBezTo>
+                  <a:pt x="4586371" y="561306"/>
+                  <a:pt x="4599621" y="558905"/>
+                  <a:pt x="4613447" y="555257"/>
+                </a:cubicBezTo>
+                <a:cubicBezTo>
+                  <a:pt x="4624969" y="552185"/>
+                  <a:pt x="4637643" y="550072"/>
+                  <a:pt x="4649355" y="551417"/>
+                </a:cubicBezTo>
+                <a:cubicBezTo>
+                  <a:pt x="4665775" y="553337"/>
+                  <a:pt x="4679313" y="550553"/>
+                  <a:pt x="4692467" y="540663"/>
+                </a:cubicBezTo>
+                <a:cubicBezTo>
+                  <a:pt x="4699476" y="535382"/>
+                  <a:pt x="4708502" y="532598"/>
+                  <a:pt x="4716855" y="528949"/>
+                </a:cubicBezTo>
+                <a:cubicBezTo>
+                  <a:pt x="4729721" y="523284"/>
+                  <a:pt x="4743067" y="518483"/>
+                  <a:pt x="4755645" y="512147"/>
+                </a:cubicBezTo>
+                <a:cubicBezTo>
+                  <a:pt x="4769183" y="505425"/>
+                  <a:pt x="4781569" y="496112"/>
+                  <a:pt x="4795395" y="490351"/>
+                </a:cubicBezTo>
+                <a:cubicBezTo>
+                  <a:pt x="4810278" y="484110"/>
+                  <a:pt x="4819879" y="474605"/>
+                  <a:pt x="4825928" y="459818"/>
+                </a:cubicBezTo>
+                <a:cubicBezTo>
+                  <a:pt x="4829769" y="450504"/>
+                  <a:pt x="4835049" y="440615"/>
+                  <a:pt x="4842347" y="434086"/>
+                </a:cubicBezTo>
+                <a:cubicBezTo>
+                  <a:pt x="4857422" y="420740"/>
+                  <a:pt x="4875087" y="410370"/>
+                  <a:pt x="4890451" y="397216"/>
+                </a:cubicBezTo>
+                <a:cubicBezTo>
+                  <a:pt x="4912054" y="378781"/>
+                  <a:pt x="4932025" y="359194"/>
+                  <a:pt x="4933945" y="327701"/>
+                </a:cubicBezTo>
+                <a:cubicBezTo>
+                  <a:pt x="4935001" y="310322"/>
+                  <a:pt x="4944219" y="302929"/>
+                  <a:pt x="4961214" y="298801"/>
+                </a:cubicBezTo>
+                <a:cubicBezTo>
+                  <a:pt x="4966878" y="297457"/>
+                  <a:pt x="4974945" y="294864"/>
+                  <a:pt x="4976672" y="290639"/>
+                </a:cubicBezTo>
+                <a:cubicBezTo>
+                  <a:pt x="4981857" y="278061"/>
+                  <a:pt x="4992610" y="275565"/>
+                  <a:pt x="5002979" y="270573"/>
+                </a:cubicBezTo>
+                <a:cubicBezTo>
+                  <a:pt x="5009221" y="267596"/>
+                  <a:pt x="5016903" y="261739"/>
+                  <a:pt x="5018535" y="255690"/>
+                </a:cubicBezTo>
+                <a:cubicBezTo>
+                  <a:pt x="5025255" y="231206"/>
+                  <a:pt x="5043690" y="216804"/>
+                  <a:pt x="5061069" y="200961"/>
+                </a:cubicBezTo>
+                <a:cubicBezTo>
+                  <a:pt x="5066158" y="196256"/>
+                  <a:pt x="5071631" y="190879"/>
+                  <a:pt x="5074127" y="184735"/>
+                </a:cubicBezTo>
+                <a:cubicBezTo>
+                  <a:pt x="5079409" y="171484"/>
+                  <a:pt x="5087281" y="161882"/>
+                  <a:pt x="5101108" y="156891"/>
+                </a:cubicBezTo>
+                <a:cubicBezTo>
+                  <a:pt x="5105524" y="155354"/>
+                  <a:pt x="5109557" y="151801"/>
+                  <a:pt x="5112918" y="148441"/>
+                </a:cubicBezTo>
+                <a:cubicBezTo>
+                  <a:pt x="5120119" y="141144"/>
+                  <a:pt x="5126167" y="132598"/>
+                  <a:pt x="5133753" y="125782"/>
+                </a:cubicBezTo>
+                <a:cubicBezTo>
+                  <a:pt x="5153051" y="108211"/>
+                  <a:pt x="5172159" y="90928"/>
+                  <a:pt x="5183393" y="66348"/>
+                </a:cubicBezTo>
+                <a:cubicBezTo>
+                  <a:pt x="5188865" y="54346"/>
+                  <a:pt x="5195107" y="41288"/>
+                  <a:pt x="5204709" y="33030"/>
+                </a:cubicBezTo>
+                <a:cubicBezTo>
+                  <a:pt x="5216903" y="22565"/>
+                  <a:pt x="5232937" y="16612"/>
+                  <a:pt x="5247243" y="8451"/>
+                </a:cubicBezTo>
+                <a:close/>
+              </a:path>
+            </a:pathLst>
+          </a:custGeom>
+          <a:solidFill>
+            <a:srgbClr val="FFFFFF"/>
+          </a:solidFill>
+          <a:ln>
+            <a:noFill/>
+          </a:ln>
+        </p:spPr>
+        <p:style>
+          <a:lnRef idx="2">
+            <a:schemeClr val="accent1">
+              <a:shade val="50000"/>
+            </a:schemeClr>
+          </a:lnRef>
+          <a:fillRef idx="1">
+            <a:schemeClr val="accent1"/>
+          </a:fillRef>
+          <a:effectRef idx="0">
+            <a:schemeClr val="accent1"/>
+          </a:effectRef>
+          <a:fontRef idx="minor">
+            <a:schemeClr val="lt1"/>
+          </a:fontRef>
+        </p:style>
+        <p:txBody>
+          <a:bodyPr wrap="square" rtlCol="0" anchor="ctr">
+            <a:noAutofit/>
+          </a:bodyPr>
+          <a:lstStyle/>
+          <a:p>
+            <a:pPr algn="ctr"/>
+            <a:endParaRPr lang="en-US"/>
+          </a:p>
+        </p:txBody>
+      </p:sp>
+      <p:sp>
+        <p:nvSpPr>
+          <p:cNvPr id="16" name="Freeform: Shape 15">
+            <a:extLst>
+              <a:ext uri="{FF2B5EF4-FFF2-40B4-BE49-F238E27FC236}">
+                <a16:creationId xmlns:a16="http://schemas.microsoft.com/office/drawing/2014/main" id="{35A51D22-76EA-4C70-B5C9-ED3946924CB7}"/>
+              </a:ext>
+              <a:ext uri="{C183D7F6-B498-43B3-948B-1728B52AA6E4}">
+                <adec:decorative xmlns:adec="http://schemas.microsoft.com/office/drawing/2017/decorative" val="1"/>
+              </a:ext>
+            </a:extLst>
+          </p:cNvPr>
+          <p:cNvSpPr>
+            <a:spLocks noGrp="1" noRot="1" noChangeAspect="1" noMove="1" noResize="1" noEditPoints="1" noAdjustHandles="1" noChangeArrowheads="1" noChangeShapeType="1" noTextEdit="1"/>
+          </p:cNvSpPr>
+          <p:nvPr>
+            <p:extLst>
+              <p:ext uri="{386F3935-93C4-4BCD-93E2-E3B085C9AB24}">
+                <p16:designElem xmlns:p16="http://schemas.microsoft.com/office/powerpoint/2015/main" val="1"/>
+              </p:ext>
+            </p:extLst>
+          </p:nvPr>
+        </p:nvSpPr>
+        <p:spPr>
+          <a:xfrm>
+            <a:off x="827088" y="4258080"/>
+            <a:ext cx="4403345" cy="1180695"/>
+          </a:xfrm>
+          <a:custGeom>
+            <a:avLst/>
+            <a:gdLst>
+              <a:gd name="connsiteX0" fmla="*/ 5260975 w 5260975"/>
+              <a:gd name="connsiteY0" fmla="*/ 0 h 1410656"/>
+              <a:gd name="connsiteX1" fmla="*/ 5260975 w 5260975"/>
+              <a:gd name="connsiteY1" fmla="*/ 221634 h 1410656"/>
+              <a:gd name="connsiteX2" fmla="*/ 5226503 w 5260975"/>
+              <a:gd name="connsiteY2" fmla="*/ 237063 h 1410656"/>
+              <a:gd name="connsiteX3" fmla="*/ 5206341 w 5260975"/>
+              <a:gd name="connsiteY3" fmla="*/ 245128 h 1410656"/>
+              <a:gd name="connsiteX4" fmla="*/ 5123287 w 5260975"/>
+              <a:gd name="connsiteY4" fmla="*/ 297073 h 1410656"/>
+              <a:gd name="connsiteX5" fmla="*/ 5048107 w 5260975"/>
+              <a:gd name="connsiteY5" fmla="*/ 361307 h 1410656"/>
+              <a:gd name="connsiteX6" fmla="*/ 4992899 w 5260975"/>
+              <a:gd name="connsiteY6" fmla="*/ 437542 h 1410656"/>
+              <a:gd name="connsiteX7" fmla="*/ 4977440 w 5260975"/>
+              <a:gd name="connsiteY7" fmla="*/ 455690 h 1410656"/>
+              <a:gd name="connsiteX8" fmla="*/ 4935193 w 5260975"/>
+              <a:gd name="connsiteY8" fmla="*/ 478445 h 1410656"/>
+              <a:gd name="connsiteX9" fmla="*/ 4897844 w 5260975"/>
+              <a:gd name="connsiteY9" fmla="*/ 495535 h 1410656"/>
+              <a:gd name="connsiteX10" fmla="*/ 4870767 w 5260975"/>
+              <a:gd name="connsiteY10" fmla="*/ 514451 h 1410656"/>
+              <a:gd name="connsiteX11" fmla="*/ 4847916 w 5260975"/>
+              <a:gd name="connsiteY11" fmla="*/ 531830 h 1410656"/>
+              <a:gd name="connsiteX12" fmla="*/ 4796163 w 5260975"/>
+              <a:gd name="connsiteY12" fmla="*/ 576765 h 1410656"/>
+              <a:gd name="connsiteX13" fmla="*/ 4738843 w 5260975"/>
+              <a:gd name="connsiteY13" fmla="*/ 614691 h 1410656"/>
+              <a:gd name="connsiteX14" fmla="*/ 4692755 w 5260975"/>
+              <a:gd name="connsiteY14" fmla="*/ 661162 h 1410656"/>
+              <a:gd name="connsiteX15" fmla="*/ 4673744 w 5260975"/>
+              <a:gd name="connsiteY15" fmla="*/ 686318 h 1410656"/>
+              <a:gd name="connsiteX16" fmla="*/ 4633801 w 5260975"/>
+              <a:gd name="connsiteY16" fmla="*/ 703505 h 1410656"/>
+              <a:gd name="connsiteX17" fmla="*/ 4590499 w 5260975"/>
+              <a:gd name="connsiteY17" fmla="*/ 730389 h 1410656"/>
+              <a:gd name="connsiteX18" fmla="*/ 4559773 w 5260975"/>
+              <a:gd name="connsiteY18" fmla="*/ 757081 h 1410656"/>
+              <a:gd name="connsiteX19" fmla="*/ 4536059 w 5260975"/>
+              <a:gd name="connsiteY19" fmla="*/ 774940 h 1410656"/>
+              <a:gd name="connsiteX20" fmla="*/ 4502549 w 5260975"/>
+              <a:gd name="connsiteY20" fmla="*/ 792895 h 1410656"/>
+              <a:gd name="connsiteX21" fmla="*/ 4468944 w 5260975"/>
+              <a:gd name="connsiteY21" fmla="*/ 816419 h 1410656"/>
+              <a:gd name="connsiteX22" fmla="*/ 4452622 w 5260975"/>
+              <a:gd name="connsiteY22" fmla="*/ 830917 h 1410656"/>
+              <a:gd name="connsiteX23" fmla="*/ 4421032 w 5260975"/>
+              <a:gd name="connsiteY23" fmla="*/ 855016 h 1410656"/>
+              <a:gd name="connsiteX24" fmla="*/ 4388483 w 5260975"/>
+              <a:gd name="connsiteY24" fmla="*/ 877484 h 1410656"/>
+              <a:gd name="connsiteX25" fmla="*/ 4327321 w 5260975"/>
+              <a:gd name="connsiteY25" fmla="*/ 903216 h 1410656"/>
+              <a:gd name="connsiteX26" fmla="*/ 4271633 w 5260975"/>
+              <a:gd name="connsiteY26" fmla="*/ 941046 h 1410656"/>
+              <a:gd name="connsiteX27" fmla="*/ 4227465 w 5260975"/>
+              <a:gd name="connsiteY27" fmla="*/ 968698 h 1410656"/>
+              <a:gd name="connsiteX28" fmla="*/ 4201733 w 5260975"/>
+              <a:gd name="connsiteY28" fmla="*/ 986846 h 1410656"/>
+              <a:gd name="connsiteX29" fmla="*/ 4154494 w 5260975"/>
+              <a:gd name="connsiteY29" fmla="*/ 1027364 h 1410656"/>
+              <a:gd name="connsiteX30" fmla="*/ 4081234 w 5260975"/>
+              <a:gd name="connsiteY30" fmla="*/ 1069994 h 1410656"/>
+              <a:gd name="connsiteX31" fmla="*/ 4036971 w 5260975"/>
+              <a:gd name="connsiteY31" fmla="*/ 1093038 h 1410656"/>
+              <a:gd name="connsiteX32" fmla="*/ 3941725 w 5260975"/>
+              <a:gd name="connsiteY32" fmla="*/ 1127796 h 1410656"/>
+              <a:gd name="connsiteX33" fmla="*/ 3910999 w 5260975"/>
+              <a:gd name="connsiteY33" fmla="*/ 1140182 h 1410656"/>
+              <a:gd name="connsiteX34" fmla="*/ 3875859 w 5260975"/>
+              <a:gd name="connsiteY34" fmla="*/ 1148343 h 1410656"/>
+              <a:gd name="connsiteX35" fmla="*/ 3819401 w 5260975"/>
+              <a:gd name="connsiteY35" fmla="*/ 1167642 h 1410656"/>
+              <a:gd name="connsiteX36" fmla="*/ 3709176 w 5260975"/>
+              <a:gd name="connsiteY36" fmla="*/ 1200863 h 1410656"/>
+              <a:gd name="connsiteX37" fmla="*/ 3684981 w 5260975"/>
+              <a:gd name="connsiteY37" fmla="*/ 1205952 h 1410656"/>
+              <a:gd name="connsiteX38" fmla="*/ 3623338 w 5260975"/>
+              <a:gd name="connsiteY38" fmla="*/ 1227363 h 1410656"/>
+              <a:gd name="connsiteX39" fmla="*/ 3586373 w 5260975"/>
+              <a:gd name="connsiteY39" fmla="*/ 1241765 h 1410656"/>
+              <a:gd name="connsiteX40" fmla="*/ 3555743 w 5260975"/>
+              <a:gd name="connsiteY40" fmla="*/ 1250023 h 1410656"/>
+              <a:gd name="connsiteX41" fmla="*/ 3528667 w 5260975"/>
+              <a:gd name="connsiteY41" fmla="*/ 1253864 h 1410656"/>
+              <a:gd name="connsiteX42" fmla="*/ 3457424 w 5260975"/>
+              <a:gd name="connsiteY42" fmla="*/ 1272874 h 1410656"/>
+              <a:gd name="connsiteX43" fmla="*/ 3429003 w 5260975"/>
+              <a:gd name="connsiteY43" fmla="*/ 1280364 h 1410656"/>
+              <a:gd name="connsiteX44" fmla="*/ 3355264 w 5260975"/>
+              <a:gd name="connsiteY44" fmla="*/ 1306096 h 1410656"/>
+              <a:gd name="connsiteX45" fmla="*/ 3292757 w 5260975"/>
+              <a:gd name="connsiteY45" fmla="*/ 1323090 h 1410656"/>
+              <a:gd name="connsiteX46" fmla="*/ 3266643 w 5260975"/>
+              <a:gd name="connsiteY46" fmla="*/ 1331251 h 1410656"/>
+              <a:gd name="connsiteX47" fmla="*/ 3206921 w 5260975"/>
+              <a:gd name="connsiteY47" fmla="*/ 1344886 h 1410656"/>
+              <a:gd name="connsiteX48" fmla="*/ 3173123 w 5260975"/>
+              <a:gd name="connsiteY48" fmla="*/ 1354488 h 1410656"/>
+              <a:gd name="connsiteX49" fmla="*/ 3090646 w 5260975"/>
+              <a:gd name="connsiteY49" fmla="*/ 1365337 h 1410656"/>
+              <a:gd name="connsiteX50" fmla="*/ 3005480 w 5260975"/>
+              <a:gd name="connsiteY50" fmla="*/ 1375802 h 1410656"/>
+              <a:gd name="connsiteX51" fmla="*/ 2958721 w 5260975"/>
+              <a:gd name="connsiteY51" fmla="*/ 1379259 h 1410656"/>
+              <a:gd name="connsiteX52" fmla="*/ 2917915 w 5260975"/>
+              <a:gd name="connsiteY52" fmla="*/ 1384733 h 1410656"/>
+              <a:gd name="connsiteX53" fmla="*/ 2882389 w 5260975"/>
+              <a:gd name="connsiteY53" fmla="*/ 1388189 h 1410656"/>
+              <a:gd name="connsiteX54" fmla="*/ 2825837 w 5260975"/>
+              <a:gd name="connsiteY54" fmla="*/ 1395198 h 1410656"/>
+              <a:gd name="connsiteX55" fmla="*/ 2802313 w 5260975"/>
+              <a:gd name="connsiteY55" fmla="*/ 1397023 h 1410656"/>
+              <a:gd name="connsiteX56" fmla="*/ 2746816 w 5260975"/>
+              <a:gd name="connsiteY56" fmla="*/ 1396926 h 1410656"/>
+              <a:gd name="connsiteX57" fmla="*/ 2727517 w 5260975"/>
+              <a:gd name="connsiteY57" fmla="*/ 1395966 h 1410656"/>
+              <a:gd name="connsiteX58" fmla="*/ 2690359 w 5260975"/>
+              <a:gd name="connsiteY58" fmla="*/ 1384060 h 1410656"/>
+              <a:gd name="connsiteX59" fmla="*/ 2685943 w 5260975"/>
+              <a:gd name="connsiteY59" fmla="*/ 1383196 h 1410656"/>
+              <a:gd name="connsiteX60" fmla="*/ 2661554 w 5260975"/>
+              <a:gd name="connsiteY60" fmla="*/ 1378491 h 1410656"/>
+              <a:gd name="connsiteX61" fmla="*/ 2648208 w 5260975"/>
+              <a:gd name="connsiteY61" fmla="*/ 1376955 h 1410656"/>
+              <a:gd name="connsiteX62" fmla="*/ 2597512 w 5260975"/>
+              <a:gd name="connsiteY62" fmla="*/ 1367162 h 1410656"/>
+              <a:gd name="connsiteX63" fmla="*/ 2568324 w 5260975"/>
+              <a:gd name="connsiteY63" fmla="*/ 1362553 h 1410656"/>
+              <a:gd name="connsiteX64" fmla="*/ 2544704 w 5260975"/>
+              <a:gd name="connsiteY64" fmla="*/ 1363225 h 1410656"/>
+              <a:gd name="connsiteX65" fmla="*/ 2503225 w 5260975"/>
+              <a:gd name="connsiteY65" fmla="*/ 1364089 h 1410656"/>
+              <a:gd name="connsiteX66" fmla="*/ 2489975 w 5260975"/>
+              <a:gd name="connsiteY66" fmla="*/ 1366298 h 1410656"/>
+              <a:gd name="connsiteX67" fmla="*/ 2430061 w 5260975"/>
+              <a:gd name="connsiteY67" fmla="*/ 1359960 h 1410656"/>
+              <a:gd name="connsiteX68" fmla="*/ 2395880 w 5260975"/>
+              <a:gd name="connsiteY68" fmla="*/ 1359480 h 1410656"/>
+              <a:gd name="connsiteX69" fmla="*/ 2357378 w 5260975"/>
+              <a:gd name="connsiteY69" fmla="*/ 1351607 h 1410656"/>
+              <a:gd name="connsiteX70" fmla="*/ 2346145 w 5260975"/>
+              <a:gd name="connsiteY70" fmla="*/ 1351991 h 1410656"/>
+              <a:gd name="connsiteX71" fmla="*/ 2333567 w 5260975"/>
+              <a:gd name="connsiteY71" fmla="*/ 1352663 h 1410656"/>
+              <a:gd name="connsiteX72" fmla="*/ 2294968 w 5260975"/>
+              <a:gd name="connsiteY72" fmla="*/ 1353240 h 1410656"/>
+              <a:gd name="connsiteX73" fmla="*/ 2271540 w 5260975"/>
+              <a:gd name="connsiteY73" fmla="*/ 1356120 h 1410656"/>
+              <a:gd name="connsiteX74" fmla="*/ 2226895 w 5260975"/>
+              <a:gd name="connsiteY74" fmla="*/ 1354392 h 1410656"/>
+              <a:gd name="connsiteX75" fmla="*/ 2210379 w 5260975"/>
+              <a:gd name="connsiteY75" fmla="*/ 1356888 h 1410656"/>
+              <a:gd name="connsiteX76" fmla="*/ 2168613 w 5260975"/>
+              <a:gd name="connsiteY76" fmla="*/ 1357176 h 1410656"/>
+              <a:gd name="connsiteX77" fmla="*/ 2131167 w 5260975"/>
+              <a:gd name="connsiteY77" fmla="*/ 1355736 h 1410656"/>
+              <a:gd name="connsiteX78" fmla="*/ 2095065 w 5260975"/>
+              <a:gd name="connsiteY78" fmla="*/ 1356504 h 1410656"/>
+              <a:gd name="connsiteX79" fmla="*/ 2069237 w 5260975"/>
+              <a:gd name="connsiteY79" fmla="*/ 1359672 h 1410656"/>
+              <a:gd name="connsiteX80" fmla="*/ 2041201 w 5260975"/>
+              <a:gd name="connsiteY80" fmla="*/ 1361592 h 1410656"/>
+              <a:gd name="connsiteX81" fmla="*/ 1963909 w 5260975"/>
+              <a:gd name="connsiteY81" fmla="*/ 1373018 h 1410656"/>
+              <a:gd name="connsiteX82" fmla="*/ 1949603 w 5260975"/>
+              <a:gd name="connsiteY82" fmla="*/ 1370234 h 1410656"/>
+              <a:gd name="connsiteX83" fmla="*/ 1868373 w 5260975"/>
+              <a:gd name="connsiteY83" fmla="*/ 1367641 h 1410656"/>
+              <a:gd name="connsiteX84" fmla="*/ 1850707 w 5260975"/>
+              <a:gd name="connsiteY84" fmla="*/ 1367834 h 1410656"/>
+              <a:gd name="connsiteX85" fmla="*/ 1803275 w 5260975"/>
+              <a:gd name="connsiteY85" fmla="*/ 1356504 h 1410656"/>
+              <a:gd name="connsiteX86" fmla="*/ 1730112 w 5260975"/>
+              <a:gd name="connsiteY86" fmla="*/ 1374459 h 1410656"/>
+              <a:gd name="connsiteX87" fmla="*/ 1661652 w 5260975"/>
+              <a:gd name="connsiteY87" fmla="*/ 1396926 h 1410656"/>
+              <a:gd name="connsiteX88" fmla="*/ 1653011 w 5260975"/>
+              <a:gd name="connsiteY88" fmla="*/ 1399807 h 1410656"/>
+              <a:gd name="connsiteX89" fmla="*/ 1628431 w 5260975"/>
+              <a:gd name="connsiteY89" fmla="*/ 1404704 h 1410656"/>
+              <a:gd name="connsiteX90" fmla="*/ 1597995 w 5260975"/>
+              <a:gd name="connsiteY90" fmla="*/ 1406432 h 1410656"/>
+              <a:gd name="connsiteX91" fmla="*/ 1559396 w 5260975"/>
+              <a:gd name="connsiteY91" fmla="*/ 1410656 h 1410656"/>
+              <a:gd name="connsiteX92" fmla="*/ 1528480 w 5260975"/>
+              <a:gd name="connsiteY92" fmla="*/ 1405375 h 1410656"/>
+              <a:gd name="connsiteX93" fmla="*/ 1485272 w 5260975"/>
+              <a:gd name="connsiteY93" fmla="*/ 1397502 h 1410656"/>
+              <a:gd name="connsiteX94" fmla="*/ 1444562 w 5260975"/>
+              <a:gd name="connsiteY94" fmla="*/ 1390013 h 1410656"/>
+              <a:gd name="connsiteX95" fmla="*/ 1431696 w 5260975"/>
+              <a:gd name="connsiteY95" fmla="*/ 1398846 h 1410656"/>
+              <a:gd name="connsiteX96" fmla="*/ 1411821 w 5260975"/>
+              <a:gd name="connsiteY96" fmla="*/ 1406527 h 1410656"/>
+              <a:gd name="connsiteX97" fmla="*/ 1389738 w 5260975"/>
+              <a:gd name="connsiteY97" fmla="*/ 1397310 h 1410656"/>
+              <a:gd name="connsiteX98" fmla="*/ 1338081 w 5260975"/>
+              <a:gd name="connsiteY98" fmla="*/ 1378204 h 1410656"/>
+              <a:gd name="connsiteX99" fmla="*/ 1305436 w 5260975"/>
+              <a:gd name="connsiteY99" fmla="*/ 1377339 h 1410656"/>
+              <a:gd name="connsiteX100" fmla="*/ 1234481 w 5260975"/>
+              <a:gd name="connsiteY100" fmla="*/ 1369178 h 1410656"/>
+              <a:gd name="connsiteX101" fmla="*/ 1188106 w 5260975"/>
+              <a:gd name="connsiteY101" fmla="*/ 1357560 h 1410656"/>
+              <a:gd name="connsiteX102" fmla="*/ 1154790 w 5260975"/>
+              <a:gd name="connsiteY102" fmla="*/ 1344406 h 1410656"/>
+              <a:gd name="connsiteX103" fmla="*/ 1107069 w 5260975"/>
+              <a:gd name="connsiteY103" fmla="*/ 1327219 h 1410656"/>
+              <a:gd name="connsiteX104" fmla="*/ 1059158 w 5260975"/>
+              <a:gd name="connsiteY104" fmla="*/ 1318290 h 1410656"/>
+              <a:gd name="connsiteX105" fmla="*/ 1024496 w 5260975"/>
+              <a:gd name="connsiteY105" fmla="*/ 1307056 h 1410656"/>
+              <a:gd name="connsiteX106" fmla="*/ 982153 w 5260975"/>
+              <a:gd name="connsiteY106" fmla="*/ 1299374 h 1410656"/>
+              <a:gd name="connsiteX107" fmla="*/ 946628 w 5260975"/>
+              <a:gd name="connsiteY107" fmla="*/ 1299087 h 1410656"/>
+              <a:gd name="connsiteX108" fmla="*/ 890939 w 5260975"/>
+              <a:gd name="connsiteY108" fmla="*/ 1300431 h 1410656"/>
+              <a:gd name="connsiteX109" fmla="*/ 822769 w 5260975"/>
+              <a:gd name="connsiteY109" fmla="*/ 1277196 h 1410656"/>
+              <a:gd name="connsiteX110" fmla="*/ 795212 w 5260975"/>
+              <a:gd name="connsiteY110" fmla="*/ 1272010 h 1410656"/>
+              <a:gd name="connsiteX111" fmla="*/ 769288 w 5260975"/>
+              <a:gd name="connsiteY111" fmla="*/ 1269610 h 1410656"/>
+              <a:gd name="connsiteX112" fmla="*/ 714271 w 5260975"/>
+              <a:gd name="connsiteY112" fmla="*/ 1254152 h 1410656"/>
+              <a:gd name="connsiteX113" fmla="*/ 691900 w 5260975"/>
+              <a:gd name="connsiteY113" fmla="*/ 1249062 h 1410656"/>
+              <a:gd name="connsiteX114" fmla="*/ 660598 w 5260975"/>
+              <a:gd name="connsiteY114" fmla="*/ 1249159 h 1410656"/>
+              <a:gd name="connsiteX115" fmla="*/ 603662 w 5260975"/>
+              <a:gd name="connsiteY115" fmla="*/ 1242054 h 1410656"/>
+              <a:gd name="connsiteX116" fmla="*/ 546821 w 5260975"/>
+              <a:gd name="connsiteY116" fmla="*/ 1221314 h 1410656"/>
+              <a:gd name="connsiteX117" fmla="*/ 522721 w 5260975"/>
+              <a:gd name="connsiteY117" fmla="*/ 1223330 h 1410656"/>
+              <a:gd name="connsiteX118" fmla="*/ 514080 w 5260975"/>
+              <a:gd name="connsiteY118" fmla="*/ 1222851 h 1410656"/>
+              <a:gd name="connsiteX119" fmla="*/ 436404 w 5260975"/>
+              <a:gd name="connsiteY119" fmla="*/ 1211424 h 1410656"/>
+              <a:gd name="connsiteX120" fmla="*/ 428626 w 5260975"/>
+              <a:gd name="connsiteY120" fmla="*/ 1210177 h 1410656"/>
+              <a:gd name="connsiteX121" fmla="*/ 392141 w 5260975"/>
+              <a:gd name="connsiteY121" fmla="*/ 1199999 h 1410656"/>
+              <a:gd name="connsiteX122" fmla="*/ 300157 w 5260975"/>
+              <a:gd name="connsiteY122" fmla="*/ 1193662 h 1410656"/>
+              <a:gd name="connsiteX123" fmla="*/ 294493 w 5260975"/>
+              <a:gd name="connsiteY123" fmla="*/ 1192894 h 1410656"/>
+              <a:gd name="connsiteX124" fmla="*/ 263671 w 5260975"/>
+              <a:gd name="connsiteY124" fmla="*/ 1197982 h 1410656"/>
+              <a:gd name="connsiteX125" fmla="*/ 248406 w 5260975"/>
+              <a:gd name="connsiteY125" fmla="*/ 1205184 h 1410656"/>
+              <a:gd name="connsiteX126" fmla="*/ 224594 w 5260975"/>
+              <a:gd name="connsiteY126" fmla="*/ 1212673 h 1410656"/>
+              <a:gd name="connsiteX127" fmla="*/ 200398 w 5260975"/>
+              <a:gd name="connsiteY127" fmla="*/ 1215458 h 1410656"/>
+              <a:gd name="connsiteX128" fmla="*/ 159783 w 5260975"/>
+              <a:gd name="connsiteY128" fmla="*/ 1204127 h 1410656"/>
+              <a:gd name="connsiteX129" fmla="*/ 144997 w 5260975"/>
+              <a:gd name="connsiteY129" fmla="*/ 1202975 h 1410656"/>
+              <a:gd name="connsiteX130" fmla="*/ 112064 w 5260975"/>
+              <a:gd name="connsiteY130" fmla="*/ 1197503 h 1410656"/>
+              <a:gd name="connsiteX131" fmla="*/ 83259 w 5260975"/>
+              <a:gd name="connsiteY131" fmla="*/ 1197887 h 1410656"/>
+              <a:gd name="connsiteX132" fmla="*/ 60120 w 5260975"/>
+              <a:gd name="connsiteY132" fmla="*/ 1206624 h 1410656"/>
+              <a:gd name="connsiteX133" fmla="*/ 26514 w 5260975"/>
+              <a:gd name="connsiteY133" fmla="*/ 1208352 h 1410656"/>
+              <a:gd name="connsiteX134" fmla="*/ 4814 w 5260975"/>
+              <a:gd name="connsiteY134" fmla="*/ 1202015 h 1410656"/>
+              <a:gd name="connsiteX135" fmla="*/ 398 w 5260975"/>
+              <a:gd name="connsiteY135" fmla="*/ 1201152 h 1410656"/>
+              <a:gd name="connsiteX136" fmla="*/ 0 w 5260975"/>
+              <a:gd name="connsiteY136" fmla="*/ 1201150 h 1410656"/>
+              <a:gd name="connsiteX137" fmla="*/ 0 w 5260975"/>
+              <a:gd name="connsiteY137" fmla="*/ 1004512 h 1410656"/>
+              <a:gd name="connsiteX138" fmla="*/ 30355 w 5260975"/>
+              <a:gd name="connsiteY138" fmla="*/ 1002784 h 1410656"/>
+              <a:gd name="connsiteX139" fmla="*/ 52151 w 5260975"/>
+              <a:gd name="connsiteY139" fmla="*/ 997695 h 1410656"/>
+              <a:gd name="connsiteX140" fmla="*/ 64248 w 5260975"/>
+              <a:gd name="connsiteY140" fmla="*/ 994430 h 1410656"/>
+              <a:gd name="connsiteX141" fmla="*/ 126370 w 5260975"/>
+              <a:gd name="connsiteY141" fmla="*/ 985405 h 1410656"/>
+              <a:gd name="connsiteX142" fmla="*/ 154022 w 5260975"/>
+              <a:gd name="connsiteY142" fmla="*/ 975708 h 1410656"/>
+              <a:gd name="connsiteX143" fmla="*/ 161512 w 5260975"/>
+              <a:gd name="connsiteY143" fmla="*/ 974268 h 1410656"/>
+              <a:gd name="connsiteX144" fmla="*/ 202510 w 5260975"/>
+              <a:gd name="connsiteY144" fmla="*/ 978300 h 1410656"/>
+              <a:gd name="connsiteX145" fmla="*/ 233235 w 5260975"/>
+              <a:gd name="connsiteY145" fmla="*/ 993950 h 1410656"/>
+              <a:gd name="connsiteX146" fmla="*/ 239188 w 5260975"/>
+              <a:gd name="connsiteY146" fmla="*/ 999231 h 1410656"/>
+              <a:gd name="connsiteX147" fmla="*/ 324834 w 5260975"/>
+              <a:gd name="connsiteY147" fmla="*/ 997407 h 1410656"/>
+              <a:gd name="connsiteX148" fmla="*/ 337987 w 5260975"/>
+              <a:gd name="connsiteY148" fmla="*/ 995198 h 1410656"/>
+              <a:gd name="connsiteX149" fmla="*/ 401550 w 5260975"/>
+              <a:gd name="connsiteY149" fmla="*/ 1004416 h 1410656"/>
+              <a:gd name="connsiteX150" fmla="*/ 420081 w 5260975"/>
+              <a:gd name="connsiteY150" fmla="*/ 1006240 h 1410656"/>
+              <a:gd name="connsiteX151" fmla="*/ 486523 w 5260975"/>
+              <a:gd name="connsiteY151" fmla="*/ 1014498 h 1410656"/>
+              <a:gd name="connsiteX152" fmla="*/ 495932 w 5260975"/>
+              <a:gd name="connsiteY152" fmla="*/ 1006817 h 1410656"/>
+              <a:gd name="connsiteX153" fmla="*/ 523009 w 5260975"/>
+              <a:gd name="connsiteY153" fmla="*/ 987517 h 1410656"/>
+              <a:gd name="connsiteX154" fmla="*/ 576393 w 5260975"/>
+              <a:gd name="connsiteY154" fmla="*/ 970427 h 1410656"/>
+              <a:gd name="connsiteX155" fmla="*/ 590892 w 5260975"/>
+              <a:gd name="connsiteY155" fmla="*/ 971387 h 1410656"/>
+              <a:gd name="connsiteX156" fmla="*/ 627569 w 5260975"/>
+              <a:gd name="connsiteY156" fmla="*/ 999904 h 1410656"/>
+              <a:gd name="connsiteX157" fmla="*/ 645429 w 5260975"/>
+              <a:gd name="connsiteY157" fmla="*/ 1011329 h 1410656"/>
+              <a:gd name="connsiteX158" fmla="*/ 696125 w 5260975"/>
+              <a:gd name="connsiteY158" fmla="*/ 1032356 h 1410656"/>
+              <a:gd name="connsiteX159" fmla="*/ 700349 w 5260975"/>
+              <a:gd name="connsiteY159" fmla="*/ 1036197 h 1410656"/>
+              <a:gd name="connsiteX160" fmla="*/ 737795 w 5260975"/>
+              <a:gd name="connsiteY160" fmla="*/ 1081804 h 1410656"/>
+              <a:gd name="connsiteX161" fmla="*/ 746244 w 5260975"/>
+              <a:gd name="connsiteY161" fmla="*/ 1089581 h 1410656"/>
+              <a:gd name="connsiteX162" fmla="*/ 756422 w 5260975"/>
+              <a:gd name="connsiteY162" fmla="*/ 1101680 h 1410656"/>
+              <a:gd name="connsiteX163" fmla="*/ 788202 w 5260975"/>
+              <a:gd name="connsiteY163" fmla="*/ 1125108 h 1410656"/>
+              <a:gd name="connsiteX164" fmla="*/ 827569 w 5260975"/>
+              <a:gd name="connsiteY164" fmla="*/ 1132596 h 1410656"/>
+              <a:gd name="connsiteX165" fmla="*/ 875097 w 5260975"/>
+              <a:gd name="connsiteY165" fmla="*/ 1144022 h 1410656"/>
+              <a:gd name="connsiteX166" fmla="*/ 894972 w 5260975"/>
+              <a:gd name="connsiteY166" fmla="*/ 1151704 h 1410656"/>
+              <a:gd name="connsiteX167" fmla="*/ 948260 w 5260975"/>
+              <a:gd name="connsiteY167" fmla="*/ 1166298 h 1410656"/>
+              <a:gd name="connsiteX168" fmla="*/ 986282 w 5260975"/>
+              <a:gd name="connsiteY168" fmla="*/ 1178588 h 1410656"/>
+              <a:gd name="connsiteX169" fmla="*/ 1041107 w 5260975"/>
+              <a:gd name="connsiteY169" fmla="*/ 1185789 h 1410656"/>
+              <a:gd name="connsiteX170" fmla="*/ 1067703 w 5260975"/>
+              <a:gd name="connsiteY170" fmla="*/ 1186076 h 1410656"/>
+              <a:gd name="connsiteX171" fmla="*/ 1116574 w 5260975"/>
+              <a:gd name="connsiteY171" fmla="*/ 1222946 h 1410656"/>
+              <a:gd name="connsiteX172" fmla="*/ 1155557 w 5260975"/>
+              <a:gd name="connsiteY172" fmla="*/ 1247335 h 1410656"/>
+              <a:gd name="connsiteX173" fmla="*/ 1196556 w 5260975"/>
+              <a:gd name="connsiteY173" fmla="*/ 1235525 h 1410656"/>
+              <a:gd name="connsiteX174" fmla="*/ 1207693 w 5260975"/>
+              <a:gd name="connsiteY174" fmla="*/ 1224387 h 1410656"/>
+              <a:gd name="connsiteX175" fmla="*/ 1274904 w 5260975"/>
+              <a:gd name="connsiteY175" fmla="*/ 1213826 h 1410656"/>
+              <a:gd name="connsiteX176" fmla="*/ 1370919 w 5260975"/>
+              <a:gd name="connsiteY176" fmla="*/ 1213442 h 1410656"/>
+              <a:gd name="connsiteX177" fmla="*/ 1530593 w 5260975"/>
+              <a:gd name="connsiteY177" fmla="*/ 1189437 h 1410656"/>
+              <a:gd name="connsiteX178" fmla="*/ 1558436 w 5260975"/>
+              <a:gd name="connsiteY178" fmla="*/ 1178299 h 1410656"/>
+              <a:gd name="connsiteX179" fmla="*/ 1589737 w 5260975"/>
+              <a:gd name="connsiteY179" fmla="*/ 1175515 h 1410656"/>
+              <a:gd name="connsiteX180" fmla="*/ 1601740 w 5260975"/>
+              <a:gd name="connsiteY180" fmla="*/ 1182333 h 1410656"/>
+              <a:gd name="connsiteX181" fmla="*/ 1654259 w 5260975"/>
+              <a:gd name="connsiteY181" fmla="*/ 1192510 h 1410656"/>
+              <a:gd name="connsiteX182" fmla="*/ 1664246 w 5260975"/>
+              <a:gd name="connsiteY182" fmla="*/ 1192702 h 1410656"/>
+              <a:gd name="connsiteX183" fmla="*/ 1698427 w 5260975"/>
+              <a:gd name="connsiteY183" fmla="*/ 1188381 h 1410656"/>
+              <a:gd name="connsiteX184" fmla="*/ 1730112 w 5260975"/>
+              <a:gd name="connsiteY184" fmla="*/ 1185885 h 1410656"/>
+              <a:gd name="connsiteX185" fmla="*/ 1809996 w 5260975"/>
+              <a:gd name="connsiteY185" fmla="*/ 1194046 h 1410656"/>
+              <a:gd name="connsiteX186" fmla="*/ 1871254 w 5260975"/>
+              <a:gd name="connsiteY186" fmla="*/ 1192126 h 1410656"/>
+              <a:gd name="connsiteX187" fmla="*/ 1899482 w 5260975"/>
+              <a:gd name="connsiteY187" fmla="*/ 1194046 h 1410656"/>
+              <a:gd name="connsiteX188" fmla="*/ 1915420 w 5260975"/>
+              <a:gd name="connsiteY188" fmla="*/ 1196927 h 1410656"/>
+              <a:gd name="connsiteX189" fmla="*/ 1951522 w 5260975"/>
+              <a:gd name="connsiteY189" fmla="*/ 1216994 h 1410656"/>
+              <a:gd name="connsiteX190" fmla="*/ 1971302 w 5260975"/>
+              <a:gd name="connsiteY190" fmla="*/ 1221507 h 1410656"/>
+              <a:gd name="connsiteX191" fmla="*/ 2030831 w 5260975"/>
+              <a:gd name="connsiteY191" fmla="*/ 1221123 h 1410656"/>
+              <a:gd name="connsiteX192" fmla="*/ 2120125 w 5260975"/>
+              <a:gd name="connsiteY192" fmla="*/ 1190878 h 1410656"/>
+              <a:gd name="connsiteX193" fmla="*/ 2129439 w 5260975"/>
+              <a:gd name="connsiteY193" fmla="*/ 1186845 h 1410656"/>
+              <a:gd name="connsiteX194" fmla="*/ 2174854 w 5260975"/>
+              <a:gd name="connsiteY194" fmla="*/ 1181852 h 1410656"/>
+              <a:gd name="connsiteX195" fmla="*/ 2205674 w 5260975"/>
+              <a:gd name="connsiteY195" fmla="*/ 1188669 h 1410656"/>
+              <a:gd name="connsiteX196" fmla="*/ 2247634 w 5260975"/>
+              <a:gd name="connsiteY196" fmla="*/ 1202784 h 1410656"/>
+              <a:gd name="connsiteX197" fmla="*/ 2285367 w 5260975"/>
+              <a:gd name="connsiteY197" fmla="*/ 1214594 h 1410656"/>
+              <a:gd name="connsiteX198" fmla="*/ 2312827 w 5260975"/>
+              <a:gd name="connsiteY198" fmla="*/ 1227939 h 1410656"/>
+              <a:gd name="connsiteX199" fmla="*/ 2375622 w 5260975"/>
+              <a:gd name="connsiteY199" fmla="*/ 1237733 h 1410656"/>
+              <a:gd name="connsiteX200" fmla="*/ 2382151 w 5260975"/>
+              <a:gd name="connsiteY200" fmla="*/ 1239365 h 1410656"/>
+              <a:gd name="connsiteX201" fmla="*/ 2429390 w 5260975"/>
+              <a:gd name="connsiteY201" fmla="*/ 1227459 h 1410656"/>
+              <a:gd name="connsiteX202" fmla="*/ 2486134 w 5260975"/>
+              <a:gd name="connsiteY202" fmla="*/ 1215362 h 1410656"/>
+              <a:gd name="connsiteX203" fmla="*/ 2506394 w 5260975"/>
+              <a:gd name="connsiteY203" fmla="*/ 1219490 h 1410656"/>
+              <a:gd name="connsiteX204" fmla="*/ 2534142 w 5260975"/>
+              <a:gd name="connsiteY204" fmla="*/ 1225347 h 1410656"/>
+              <a:gd name="connsiteX205" fmla="*/ 2559874 w 5260975"/>
+              <a:gd name="connsiteY205" fmla="*/ 1222275 h 1410656"/>
+              <a:gd name="connsiteX206" fmla="*/ 2575525 w 5260975"/>
+              <a:gd name="connsiteY206" fmla="*/ 1221987 h 1410656"/>
+              <a:gd name="connsiteX207" fmla="*/ 2646960 w 5260975"/>
+              <a:gd name="connsiteY207" fmla="*/ 1257896 h 1410656"/>
+              <a:gd name="connsiteX208" fmla="*/ 2665107 w 5260975"/>
+              <a:gd name="connsiteY208" fmla="*/ 1260873 h 1410656"/>
+              <a:gd name="connsiteX209" fmla="*/ 2675381 w 5260975"/>
+              <a:gd name="connsiteY209" fmla="*/ 1265290 h 1410656"/>
+              <a:gd name="connsiteX210" fmla="*/ 2737311 w 5260975"/>
+              <a:gd name="connsiteY210" fmla="*/ 1309841 h 1410656"/>
+              <a:gd name="connsiteX211" fmla="*/ 2763619 w 5260975"/>
+              <a:gd name="connsiteY211" fmla="*/ 1318866 h 1410656"/>
+              <a:gd name="connsiteX212" fmla="*/ 2792519 w 5260975"/>
+              <a:gd name="connsiteY212" fmla="*/ 1317041 h 1410656"/>
+              <a:gd name="connsiteX213" fmla="*/ 2809226 w 5260975"/>
+              <a:gd name="connsiteY213" fmla="*/ 1313777 h 1410656"/>
+              <a:gd name="connsiteX214" fmla="*/ 2850705 w 5260975"/>
+              <a:gd name="connsiteY214" fmla="*/ 1285452 h 1410656"/>
+              <a:gd name="connsiteX215" fmla="*/ 2874324 w 5260975"/>
+              <a:gd name="connsiteY215" fmla="*/ 1286413 h 1410656"/>
+              <a:gd name="connsiteX216" fmla="*/ 2911194 w 5260975"/>
+              <a:gd name="connsiteY216" fmla="*/ 1305903 h 1410656"/>
+              <a:gd name="connsiteX217" fmla="*/ 2978116 w 5260975"/>
+              <a:gd name="connsiteY217" fmla="*/ 1314641 h 1410656"/>
+              <a:gd name="connsiteX218" fmla="*/ 3012106 w 5260975"/>
+              <a:gd name="connsiteY218" fmla="*/ 1287373 h 1410656"/>
+              <a:gd name="connsiteX219" fmla="*/ 3029676 w 5260975"/>
+              <a:gd name="connsiteY219" fmla="*/ 1261161 h 1410656"/>
+              <a:gd name="connsiteX220" fmla="*/ 3080469 w 5260975"/>
+              <a:gd name="connsiteY220" fmla="*/ 1230724 h 1410656"/>
+              <a:gd name="connsiteX221" fmla="*/ 3092567 w 5260975"/>
+              <a:gd name="connsiteY221" fmla="*/ 1242054 h 1410656"/>
+              <a:gd name="connsiteX222" fmla="*/ 3129821 w 5260975"/>
+              <a:gd name="connsiteY222" fmla="*/ 1246855 h 1410656"/>
+              <a:gd name="connsiteX223" fmla="*/ 3170147 w 5260975"/>
+              <a:gd name="connsiteY223" fmla="*/ 1246471 h 1410656"/>
+              <a:gd name="connsiteX224" fmla="*/ 3240429 w 5260975"/>
+              <a:gd name="connsiteY224" fmla="*/ 1251559 h 1410656"/>
+              <a:gd name="connsiteX225" fmla="*/ 3287189 w 5260975"/>
+              <a:gd name="connsiteY225" fmla="*/ 1222466 h 1410656"/>
+              <a:gd name="connsiteX226" fmla="*/ 3305049 w 5260975"/>
+              <a:gd name="connsiteY226" fmla="*/ 1210465 h 1410656"/>
+              <a:gd name="connsiteX227" fmla="*/ 3321755 w 5260975"/>
+              <a:gd name="connsiteY227" fmla="*/ 1202784 h 1410656"/>
+              <a:gd name="connsiteX228" fmla="*/ 3341055 w 5260975"/>
+              <a:gd name="connsiteY228" fmla="*/ 1198463 h 1410656"/>
+              <a:gd name="connsiteX229" fmla="*/ 3387621 w 5260975"/>
+              <a:gd name="connsiteY229" fmla="*/ 1182140 h 1410656"/>
+              <a:gd name="connsiteX230" fmla="*/ 3413161 w 5260975"/>
+              <a:gd name="connsiteY230" fmla="*/ 1166105 h 1410656"/>
+              <a:gd name="connsiteX231" fmla="*/ 3470579 w 5260975"/>
+              <a:gd name="connsiteY231" fmla="*/ 1150647 h 1410656"/>
+              <a:gd name="connsiteX232" fmla="*/ 3509657 w 5260975"/>
+              <a:gd name="connsiteY232" fmla="*/ 1136821 h 1410656"/>
+              <a:gd name="connsiteX233" fmla="*/ 3550847 w 5260975"/>
+              <a:gd name="connsiteY233" fmla="*/ 1113009 h 1410656"/>
+              <a:gd name="connsiteX234" fmla="*/ 3556608 w 5260975"/>
+              <a:gd name="connsiteY234" fmla="*/ 1109361 h 1410656"/>
+              <a:gd name="connsiteX235" fmla="*/ 3570435 w 5260975"/>
+              <a:gd name="connsiteY235" fmla="*/ 1093710 h 1410656"/>
+              <a:gd name="connsiteX236" fmla="*/ 3590501 w 5260975"/>
+              <a:gd name="connsiteY236" fmla="*/ 1039846 h 1410656"/>
+              <a:gd name="connsiteX237" fmla="*/ 3596263 w 5260975"/>
+              <a:gd name="connsiteY237" fmla="*/ 1028900 h 1410656"/>
+              <a:gd name="connsiteX238" fmla="*/ 3648591 w 5260975"/>
+              <a:gd name="connsiteY238" fmla="*/ 992030 h 1410656"/>
+              <a:gd name="connsiteX239" fmla="*/ 3667986 w 5260975"/>
+              <a:gd name="connsiteY239" fmla="*/ 995487 h 1410656"/>
+              <a:gd name="connsiteX240" fmla="*/ 3689397 w 5260975"/>
+              <a:gd name="connsiteY240" fmla="*/ 1007585 h 1410656"/>
+              <a:gd name="connsiteX241" fmla="*/ 3736349 w 5260975"/>
+              <a:gd name="connsiteY241" fmla="*/ 1010753 h 1410656"/>
+              <a:gd name="connsiteX242" fmla="*/ 3753919 w 5260975"/>
+              <a:gd name="connsiteY242" fmla="*/ 1004513 h 1410656"/>
+              <a:gd name="connsiteX243" fmla="*/ 3784643 w 5260975"/>
+              <a:gd name="connsiteY243" fmla="*/ 987710 h 1410656"/>
+              <a:gd name="connsiteX244" fmla="*/ 3808359 w 5260975"/>
+              <a:gd name="connsiteY244" fmla="*/ 961689 h 1410656"/>
+              <a:gd name="connsiteX245" fmla="*/ 3842829 w 5260975"/>
+              <a:gd name="connsiteY245" fmla="*/ 918674 h 1410656"/>
+              <a:gd name="connsiteX246" fmla="*/ 3908983 w 5260975"/>
+              <a:gd name="connsiteY246" fmla="*/ 902256 h 1410656"/>
+              <a:gd name="connsiteX247" fmla="*/ 3934428 w 5260975"/>
+              <a:gd name="connsiteY247" fmla="*/ 896783 h 1410656"/>
+              <a:gd name="connsiteX248" fmla="*/ 4026987 w 5260975"/>
+              <a:gd name="connsiteY248" fmla="*/ 873835 h 1410656"/>
+              <a:gd name="connsiteX249" fmla="*/ 4035051 w 5260975"/>
+              <a:gd name="connsiteY249" fmla="*/ 873067 h 1410656"/>
+              <a:gd name="connsiteX250" fmla="*/ 4099189 w 5260975"/>
+              <a:gd name="connsiteY250" fmla="*/ 846664 h 1410656"/>
+              <a:gd name="connsiteX251" fmla="*/ 4114647 w 5260975"/>
+              <a:gd name="connsiteY251" fmla="*/ 840134 h 1410656"/>
+              <a:gd name="connsiteX252" fmla="*/ 4133563 w 5260975"/>
+              <a:gd name="connsiteY252" fmla="*/ 823427 h 1410656"/>
+              <a:gd name="connsiteX253" fmla="*/ 4151039 w 5260975"/>
+              <a:gd name="connsiteY253" fmla="*/ 776284 h 1410656"/>
+              <a:gd name="connsiteX254" fmla="*/ 4171489 w 5260975"/>
+              <a:gd name="connsiteY254" fmla="*/ 754776 h 1410656"/>
+              <a:gd name="connsiteX255" fmla="*/ 4186372 w 5260975"/>
+              <a:gd name="connsiteY255" fmla="*/ 741718 h 1410656"/>
+              <a:gd name="connsiteX256" fmla="*/ 4199429 w 5260975"/>
+              <a:gd name="connsiteY256" fmla="*/ 721940 h 1410656"/>
+              <a:gd name="connsiteX257" fmla="*/ 4212487 w 5260975"/>
+              <a:gd name="connsiteY257" fmla="*/ 674604 h 1410656"/>
+              <a:gd name="connsiteX258" fmla="*/ 4232555 w 5260975"/>
+              <a:gd name="connsiteY258" fmla="*/ 632645 h 1410656"/>
+              <a:gd name="connsiteX259" fmla="*/ 4268657 w 5260975"/>
+              <a:gd name="connsiteY259" fmla="*/ 609410 h 1410656"/>
+              <a:gd name="connsiteX260" fmla="*/ 4291028 w 5260975"/>
+              <a:gd name="connsiteY260" fmla="*/ 597216 h 1410656"/>
+              <a:gd name="connsiteX261" fmla="*/ 4379651 w 5260975"/>
+              <a:gd name="connsiteY261" fmla="*/ 609506 h 1410656"/>
+              <a:gd name="connsiteX262" fmla="*/ 4440139 w 5260975"/>
+              <a:gd name="connsiteY262" fmla="*/ 621507 h 1410656"/>
+              <a:gd name="connsiteX263" fmla="*/ 4460015 w 5260975"/>
+              <a:gd name="connsiteY263" fmla="*/ 616899 h 1410656"/>
+              <a:gd name="connsiteX264" fmla="*/ 4516183 w 5260975"/>
+              <a:gd name="connsiteY264" fmla="*/ 577724 h 1410656"/>
+              <a:gd name="connsiteX265" fmla="*/ 4571681 w 5260975"/>
+              <a:gd name="connsiteY265" fmla="*/ 560250 h 1410656"/>
+              <a:gd name="connsiteX266" fmla="*/ 4613447 w 5260975"/>
+              <a:gd name="connsiteY266" fmla="*/ 555257 h 1410656"/>
+              <a:gd name="connsiteX267" fmla="*/ 4649355 w 5260975"/>
+              <a:gd name="connsiteY267" fmla="*/ 551417 h 1410656"/>
+              <a:gd name="connsiteX268" fmla="*/ 4692467 w 5260975"/>
+              <a:gd name="connsiteY268" fmla="*/ 540663 h 1410656"/>
+              <a:gd name="connsiteX269" fmla="*/ 4716855 w 5260975"/>
+              <a:gd name="connsiteY269" fmla="*/ 528949 h 1410656"/>
+              <a:gd name="connsiteX270" fmla="*/ 4755645 w 5260975"/>
+              <a:gd name="connsiteY270" fmla="*/ 512147 h 1410656"/>
+              <a:gd name="connsiteX271" fmla="*/ 4795395 w 5260975"/>
+              <a:gd name="connsiteY271" fmla="*/ 490351 h 1410656"/>
+              <a:gd name="connsiteX272" fmla="*/ 4825928 w 5260975"/>
+              <a:gd name="connsiteY272" fmla="*/ 459818 h 1410656"/>
+              <a:gd name="connsiteX273" fmla="*/ 4842347 w 5260975"/>
+              <a:gd name="connsiteY273" fmla="*/ 434086 h 1410656"/>
+              <a:gd name="connsiteX274" fmla="*/ 4890451 w 5260975"/>
+              <a:gd name="connsiteY274" fmla="*/ 397216 h 1410656"/>
+              <a:gd name="connsiteX275" fmla="*/ 4933945 w 5260975"/>
+              <a:gd name="connsiteY275" fmla="*/ 327701 h 1410656"/>
+              <a:gd name="connsiteX276" fmla="*/ 4961214 w 5260975"/>
+              <a:gd name="connsiteY276" fmla="*/ 298801 h 1410656"/>
+              <a:gd name="connsiteX277" fmla="*/ 4976672 w 5260975"/>
+              <a:gd name="connsiteY277" fmla="*/ 290639 h 1410656"/>
+              <a:gd name="connsiteX278" fmla="*/ 5002979 w 5260975"/>
+              <a:gd name="connsiteY278" fmla="*/ 270573 h 1410656"/>
+              <a:gd name="connsiteX279" fmla="*/ 5018535 w 5260975"/>
+              <a:gd name="connsiteY279" fmla="*/ 255690 h 1410656"/>
+              <a:gd name="connsiteX280" fmla="*/ 5061069 w 5260975"/>
+              <a:gd name="connsiteY280" fmla="*/ 200961 h 1410656"/>
+              <a:gd name="connsiteX281" fmla="*/ 5074127 w 5260975"/>
+              <a:gd name="connsiteY281" fmla="*/ 184735 h 1410656"/>
+              <a:gd name="connsiteX282" fmla="*/ 5101108 w 5260975"/>
+              <a:gd name="connsiteY282" fmla="*/ 156891 h 1410656"/>
+              <a:gd name="connsiteX283" fmla="*/ 5112918 w 5260975"/>
+              <a:gd name="connsiteY283" fmla="*/ 148441 h 1410656"/>
+              <a:gd name="connsiteX284" fmla="*/ 5133753 w 5260975"/>
+              <a:gd name="connsiteY284" fmla="*/ 125782 h 1410656"/>
+              <a:gd name="connsiteX285" fmla="*/ 5183393 w 5260975"/>
+              <a:gd name="connsiteY285" fmla="*/ 66348 h 1410656"/>
+              <a:gd name="connsiteX286" fmla="*/ 5204709 w 5260975"/>
+              <a:gd name="connsiteY286" fmla="*/ 33030 h 1410656"/>
+              <a:gd name="connsiteX287" fmla="*/ 5247243 w 5260975"/>
+              <a:gd name="connsiteY287" fmla="*/ 8451 h 1410656"/>
+            </a:gdLst>
+            <a:ahLst/>
+            <a:cxnLst>
+              <a:cxn ang="0">
+                <a:pos x="connsiteX0" y="connsiteY0"/>
+              </a:cxn>
+              <a:cxn ang="0">
+                <a:pos x="connsiteX1" y="connsiteY1"/>
+              </a:cxn>
+              <a:cxn ang="0">
+                <a:pos x="connsiteX2" y="connsiteY2"/>
+              </a:cxn>
+              <a:cxn ang="0">
+                <a:pos x="connsiteX3" y="connsiteY3"/>
+              </a:cxn>
+              <a:cxn ang="0">
+                <a:pos x="connsiteX4" y="connsiteY4"/>
+              </a:cxn>
+              <a:cxn ang="0">
+                <a:pos x="connsiteX5" y="connsiteY5"/>
+              </a:cxn>
+              <a:cxn ang="0">
+                <a:pos x="connsiteX6" y="connsiteY6"/>
+              </a:cxn>
+              <a:cxn ang="0">
+                <a:pos x="connsiteX7" y="connsiteY7"/>
+              </a:cxn>
+              <a:cxn ang="0">
+                <a:pos x="connsiteX8" y="connsiteY8"/>
+              </a:cxn>
+              <a:cxn ang="0">
+                <a:pos x="connsiteX9" y="connsiteY9"/>
+              </a:cxn>
+              <a:cxn ang="0">
+                <a:pos x="connsiteX10" y="connsiteY10"/>
+              </a:cxn>
+              <a:cxn ang="0">
+                <a:pos x="connsiteX11" y="connsiteY11"/>
+              </a:cxn>
+              <a:cxn ang="0">
+                <a:pos x="connsiteX12" y="connsiteY12"/>
+              </a:cxn>
+              <a:cxn ang="0">
+                <a:pos x="connsiteX13" y="connsiteY13"/>
+              </a:cxn>
+              <a:cxn ang="0">
+                <a:pos x="connsiteX14" y="connsiteY14"/>
+              </a:cxn>
+              <a:cxn ang="0">
+                <a:pos x="connsiteX15" y="connsiteY15"/>
+              </a:cxn>
+              <a:cxn ang="0">
+                <a:pos x="connsiteX16" y="connsiteY16"/>
+              </a:cxn>
+              <a:cxn ang="0">
+                <a:pos x="connsiteX17" y="connsiteY17"/>
+              </a:cxn>
+              <a:cxn ang="0">
+                <a:pos x="connsiteX18" y="connsiteY18"/>
+              </a:cxn>
+              <a:cxn ang="0">
+                <a:pos x="connsiteX19" y="connsiteY19"/>
+              </a:cxn>
+              <a:cxn ang="0">
+                <a:pos x="connsiteX20" y="connsiteY20"/>
+              </a:cxn>
+              <a:cxn ang="0">
+                <a:pos x="connsiteX21" y="connsiteY21"/>
+              </a:cxn>
+              <a:cxn ang="0">
+                <a:pos x="connsiteX22" y="connsiteY22"/>
+              </a:cxn>
+              <a:cxn ang="0">
+                <a:pos x="connsiteX23" y="connsiteY23"/>
+              </a:cxn>
+              <a:cxn ang="0">
+                <a:pos x="connsiteX24" y="connsiteY24"/>
+              </a:cxn>
+              <a:cxn ang="0">
+                <a:pos x="connsiteX25" y="connsiteY25"/>
+              </a:cxn>
+              <a:cxn ang="0">
+                <a:pos x="connsiteX26" y="connsiteY26"/>
+              </a:cxn>
+              <a:cxn ang="0">
+                <a:pos x="connsiteX27" y="connsiteY27"/>
+              </a:cxn>
+              <a:cxn ang="0">
+                <a:pos x="connsiteX28" y="connsiteY28"/>
+              </a:cxn>
+              <a:cxn ang="0">
+                <a:pos x="connsiteX29" y="connsiteY29"/>
+              </a:cxn>
+              <a:cxn ang="0">
+                <a:pos x="connsiteX30" y="connsiteY30"/>
+              </a:cxn>
+              <a:cxn ang="0">
+                <a:pos x="connsiteX31" y="connsiteY31"/>
+              </a:cxn>
+              <a:cxn ang="0">
+                <a:pos x="connsiteX32" y="connsiteY32"/>
+              </a:cxn>
+              <a:cxn ang="0">
+                <a:pos x="connsiteX33" y="connsiteY33"/>
+              </a:cxn>
+              <a:cxn ang="0">
+                <a:pos x="connsiteX34" y="connsiteY34"/>
+              </a:cxn>
+              <a:cxn ang="0">
+                <a:pos x="connsiteX35" y="connsiteY35"/>
+              </a:cxn>
+              <a:cxn ang="0">
+                <a:pos x="connsiteX36" y="connsiteY36"/>
+              </a:cxn>
+              <a:cxn ang="0">
+                <a:pos x="connsiteX37" y="connsiteY37"/>
+              </a:cxn>
+              <a:cxn ang="0">
+                <a:pos x="connsiteX38" y="connsiteY38"/>
+              </a:cxn>
+              <a:cxn ang="0">
+                <a:pos x="connsiteX39" y="connsiteY39"/>
+              </a:cxn>
+              <a:cxn ang="0">
+                <a:pos x="connsiteX40" y="connsiteY40"/>
+              </a:cxn>
+              <a:cxn ang="0">
+                <a:pos x="connsiteX41" y="connsiteY41"/>
+              </a:cxn>
+              <a:cxn ang="0">
+                <a:pos x="connsiteX42" y="connsiteY42"/>
+              </a:cxn>
+              <a:cxn ang="0">
+                <a:pos x="connsiteX43" y="connsiteY43"/>
+              </a:cxn>
+              <a:cxn ang="0">
+                <a:pos x="connsiteX44" y="connsiteY44"/>
+              </a:cxn>
+              <a:cxn ang="0">
+                <a:pos x="connsiteX45" y="connsiteY45"/>
+              </a:cxn>
+              <a:cxn ang="0">
+                <a:pos x="connsiteX46" y="connsiteY46"/>
+              </a:cxn>
+              <a:cxn ang="0">
+                <a:pos x="connsiteX47" y="connsiteY47"/>
+              </a:cxn>
+              <a:cxn ang="0">
+                <a:pos x="connsiteX48" y="connsiteY48"/>
+              </a:cxn>
+              <a:cxn ang="0">
+                <a:pos x="connsiteX49" y="connsiteY49"/>
+              </a:cxn>
+              <a:cxn ang="0">
+                <a:pos x="connsiteX50" y="connsiteY50"/>
+              </a:cxn>
+              <a:cxn ang="0">
+                <a:pos x="connsiteX51" y="connsiteY51"/>
+              </a:cxn>
+              <a:cxn ang="0">
+                <a:pos x="connsiteX52" y="connsiteY52"/>
+              </a:cxn>
+              <a:cxn ang="0">
+                <a:pos x="connsiteX53" y="connsiteY53"/>
+              </a:cxn>
+              <a:cxn ang="0">
+                <a:pos x="connsiteX54" y="connsiteY54"/>
+              </a:cxn>
+              <a:cxn ang="0">
+                <a:pos x="connsiteX55" y="connsiteY55"/>
+              </a:cxn>
+              <a:cxn ang="0">
+                <a:pos x="connsiteX56" y="connsiteY56"/>
+              </a:cxn>
+              <a:cxn ang="0">
+                <a:pos x="connsiteX57" y="connsiteY57"/>
+              </a:cxn>
+              <a:cxn ang="0">
+                <a:pos x="connsiteX58" y="connsiteY58"/>
+              </a:cxn>
+              <a:cxn ang="0">
+                <a:pos x="connsiteX59" y="connsiteY59"/>
+              </a:cxn>
+              <a:cxn ang="0">
+                <a:pos x="connsiteX60" y="connsiteY60"/>
+              </a:cxn>
+              <a:cxn ang="0">
+                <a:pos x="connsiteX61" y="connsiteY61"/>
+              </a:cxn>
+              <a:cxn ang="0">
+                <a:pos x="connsiteX62" y="connsiteY62"/>
+              </a:cxn>
+              <a:cxn ang="0">
+                <a:pos x="connsiteX63" y="connsiteY63"/>
+              </a:cxn>
+              <a:cxn ang="0">
+                <a:pos x="connsiteX64" y="connsiteY64"/>
+              </a:cxn>
+              <a:cxn ang="0">
+                <a:pos x="connsiteX65" y="connsiteY65"/>
+              </a:cxn>
+              <a:cxn ang="0">
+                <a:pos x="connsiteX66" y="connsiteY66"/>
+              </a:cxn>
+              <a:cxn ang="0">
+                <a:pos x="connsiteX67" y="connsiteY67"/>
+              </a:cxn>
+              <a:cxn ang="0">
+                <a:pos x="connsiteX68" y="connsiteY68"/>
+              </a:cxn>
+              <a:cxn ang="0">
+                <a:pos x="connsiteX69" y="connsiteY69"/>
+              </a:cxn>
+              <a:cxn ang="0">
+                <a:pos x="connsiteX70" y="connsiteY70"/>
+              </a:cxn>
+              <a:cxn ang="0">
+                <a:pos x="connsiteX71" y="connsiteY71"/>
+              </a:cxn>
+              <a:cxn ang="0">
+                <a:pos x="connsiteX72" y="connsiteY72"/>
+              </a:cxn>
+              <a:cxn ang="0">
+                <a:pos x="connsiteX73" y="connsiteY73"/>
+              </a:cxn>
+              <a:cxn ang="0">
+                <a:pos x="connsiteX74" y="connsiteY74"/>
+              </a:cxn>
+              <a:cxn ang="0">
+                <a:pos x="connsiteX75" y="connsiteY75"/>
+              </a:cxn>
+              <a:cxn ang="0">
+                <a:pos x="connsiteX76" y="connsiteY76"/>
+              </a:cxn>
+              <a:cxn ang="0">
+                <a:pos x="connsiteX77" y="connsiteY77"/>
+              </a:cxn>
+              <a:cxn ang="0">
+                <a:pos x="connsiteX78" y="connsiteY78"/>
+              </a:cxn>
+              <a:cxn ang="0">
+                <a:pos x="connsiteX79" y="connsiteY79"/>
+              </a:cxn>
+              <a:cxn ang="0">
+                <a:pos x="connsiteX80" y="connsiteY80"/>
+              </a:cxn>
+              <a:cxn ang="0">
+                <a:pos x="connsiteX81" y="connsiteY81"/>
+              </a:cxn>
+              <a:cxn ang="0">
+                <a:pos x="connsiteX82" y="connsiteY82"/>
+              </a:cxn>
+              <a:cxn ang="0">
+                <a:pos x="connsiteX83" y="connsiteY83"/>
+              </a:cxn>
+              <a:cxn ang="0">
+                <a:pos x="connsiteX84" y="connsiteY84"/>
+              </a:cxn>
+              <a:cxn ang="0">
+                <a:pos x="connsiteX85" y="connsiteY85"/>
+              </a:cxn>
+              <a:cxn ang="0">
+                <a:pos x="connsiteX86" y="connsiteY86"/>
+              </a:cxn>
+              <a:cxn ang="0">
+                <a:pos x="connsiteX87" y="connsiteY87"/>
+              </a:cxn>
+              <a:cxn ang="0">
+                <a:pos x="connsiteX88" y="connsiteY88"/>
+              </a:cxn>
+              <a:cxn ang="0">
+                <a:pos x="connsiteX89" y="connsiteY89"/>
+              </a:cxn>
+              <a:cxn ang="0">
+                <a:pos x="connsiteX90" y="connsiteY90"/>
+              </a:cxn>
+              <a:cxn ang="0">
+                <a:pos x="connsiteX91" y="connsiteY91"/>
+              </a:cxn>
+              <a:cxn ang="0">
+                <a:pos x="connsiteX92" y="connsiteY92"/>
+              </a:cxn>
+              <a:cxn ang="0">
+                <a:pos x="connsiteX93" y="connsiteY93"/>
+              </a:cxn>
+              <a:cxn ang="0">
+                <a:pos x="connsiteX94" y="connsiteY94"/>
+              </a:cxn>
+              <a:cxn ang="0">
+                <a:pos x="connsiteX95" y="connsiteY95"/>
+              </a:cxn>
+              <a:cxn ang="0">
+                <a:pos x="connsiteX96" y="connsiteY96"/>
+              </a:cxn>
+              <a:cxn ang="0">
+                <a:pos x="connsiteX97" y="connsiteY97"/>
+              </a:cxn>
+              <a:cxn ang="0">
+                <a:pos x="connsiteX98" y="connsiteY98"/>
+              </a:cxn>
+              <a:cxn ang="0">
+                <a:pos x="connsiteX99" y="connsiteY99"/>
+              </a:cxn>
+              <a:cxn ang="0">
+                <a:pos x="connsiteX100" y="connsiteY100"/>
+              </a:cxn>
+              <a:cxn ang="0">
+                <a:pos x="connsiteX101" y="connsiteY101"/>
+              </a:cxn>
+              <a:cxn ang="0">
+                <a:pos x="connsiteX102" y="connsiteY102"/>
+              </a:cxn>
+              <a:cxn ang="0">
+                <a:pos x="connsiteX103" y="connsiteY103"/>
+              </a:cxn>
+              <a:cxn ang="0">
+                <a:pos x="connsiteX104" y="connsiteY104"/>
+              </a:cxn>
+              <a:cxn ang="0">
+                <a:pos x="connsiteX105" y="connsiteY105"/>
+              </a:cxn>
+              <a:cxn ang="0">
+                <a:pos x="connsiteX106" y="connsiteY106"/>
+              </a:cxn>
+              <a:cxn ang="0">
+                <a:pos x="connsiteX107" y="connsiteY107"/>
+              </a:cxn>
+              <a:cxn ang="0">
+                <a:pos x="connsiteX108" y="connsiteY108"/>
+              </a:cxn>
+              <a:cxn ang="0">
+                <a:pos x="connsiteX109" y="connsiteY109"/>
+              </a:cxn>
+              <a:cxn ang="0">
+                <a:pos x="connsiteX110" y="connsiteY110"/>
+              </a:cxn>
+              <a:cxn ang="0">
+                <a:pos x="connsiteX111" y="connsiteY111"/>
+              </a:cxn>
+              <a:cxn ang="0">
+                <a:pos x="connsiteX112" y="connsiteY112"/>
+              </a:cxn>
+              <a:cxn ang="0">
+                <a:pos x="connsiteX113" y="connsiteY113"/>
+              </a:cxn>
+              <a:cxn ang="0">
+                <a:pos x="connsiteX114" y="connsiteY114"/>
+              </a:cxn>
+              <a:cxn ang="0">
+                <a:pos x="connsiteX115" y="connsiteY115"/>
+              </a:cxn>
+              <a:cxn ang="0">
+                <a:pos x="connsiteX116" y="connsiteY116"/>
+              </a:cxn>
+              <a:cxn ang="0">
+                <a:pos x="connsiteX117" y="connsiteY117"/>
+              </a:cxn>
+              <a:cxn ang="0">
+                <a:pos x="connsiteX118" y="connsiteY118"/>
+              </a:cxn>
+              <a:cxn ang="0">
+                <a:pos x="connsiteX119" y="connsiteY119"/>
+              </a:cxn>
+              <a:cxn ang="0">
+                <a:pos x="connsiteX120" y="connsiteY120"/>
+              </a:cxn>
+              <a:cxn ang="0">
+                <a:pos x="connsiteX121" y="connsiteY121"/>
+              </a:cxn>
+              <a:cxn ang="0">
+                <a:pos x="connsiteX122" y="connsiteY122"/>
+              </a:cxn>
+              <a:cxn ang="0">
+                <a:pos x="connsiteX123" y="connsiteY123"/>
+              </a:cxn>
+              <a:cxn ang="0">
+                <a:pos x="connsiteX124" y="connsiteY124"/>
+              </a:cxn>
+              <a:cxn ang="0">
+                <a:pos x="connsiteX125" y="connsiteY125"/>
+              </a:cxn>
+              <a:cxn ang="0">
+                <a:pos x="connsiteX126" y="connsiteY126"/>
+              </a:cxn>
+              <a:cxn ang="0">
+                <a:pos x="connsiteX127" y="connsiteY127"/>
+              </a:cxn>
+              <a:cxn ang="0">
+                <a:pos x="connsiteX128" y="connsiteY128"/>
+              </a:cxn>
+              <a:cxn ang="0">
+                <a:pos x="connsiteX129" y="connsiteY129"/>
+              </a:cxn>
+              <a:cxn ang="0">
+                <a:pos x="connsiteX130" y="connsiteY130"/>
+              </a:cxn>
+              <a:cxn ang="0">
+                <a:pos x="connsiteX131" y="connsiteY131"/>
+              </a:cxn>
+              <a:cxn ang="0">
+                <a:pos x="connsiteX132" y="connsiteY132"/>
+              </a:cxn>
+              <a:cxn ang="0">
+                <a:pos x="connsiteX133" y="connsiteY133"/>
+              </a:cxn>
+              <a:cxn ang="0">
+                <a:pos x="connsiteX134" y="connsiteY134"/>
+              </a:cxn>
+              <a:cxn ang="0">
+                <a:pos x="connsiteX135" y="connsiteY135"/>
+              </a:cxn>
+              <a:cxn ang="0">
+                <a:pos x="connsiteX136" y="connsiteY136"/>
+              </a:cxn>
+              <a:cxn ang="0">
+                <a:pos x="connsiteX137" y="connsiteY137"/>
+              </a:cxn>
+              <a:cxn ang="0">
+                <a:pos x="connsiteX138" y="connsiteY138"/>
+              </a:cxn>
+              <a:cxn ang="0">
+                <a:pos x="connsiteX139" y="connsiteY139"/>
+              </a:cxn>
+              <a:cxn ang="0">
+                <a:pos x="connsiteX140" y="connsiteY140"/>
+              </a:cxn>
+              <a:cxn ang="0">
+                <a:pos x="connsiteX141" y="connsiteY141"/>
+              </a:cxn>
+              <a:cxn ang="0">
+                <a:pos x="connsiteX142" y="connsiteY142"/>
+              </a:cxn>
+              <a:cxn ang="0">
+                <a:pos x="connsiteX143" y="connsiteY143"/>
+              </a:cxn>
+              <a:cxn ang="0">
+                <a:pos x="connsiteX144" y="connsiteY144"/>
+              </a:cxn>
+              <a:cxn ang="0">
+                <a:pos x="connsiteX145" y="connsiteY145"/>
+              </a:cxn>
+              <a:cxn ang="0">
+                <a:pos x="connsiteX146" y="connsiteY146"/>
+              </a:cxn>
+              <a:cxn ang="0">
+                <a:pos x="connsiteX147" y="connsiteY147"/>
+              </a:cxn>
+              <a:cxn ang="0">
+                <a:pos x="connsiteX148" y="connsiteY148"/>
+              </a:cxn>
+              <a:cxn ang="0">
+                <a:pos x="connsiteX149" y="connsiteY149"/>
+              </a:cxn>
+              <a:cxn ang="0">
+                <a:pos x="connsiteX150" y="connsiteY150"/>
+              </a:cxn>
+              <a:cxn ang="0">
+                <a:pos x="connsiteX151" y="connsiteY151"/>
+              </a:cxn>
+              <a:cxn ang="0">
+                <a:pos x="connsiteX152" y="connsiteY152"/>
+              </a:cxn>
+              <a:cxn ang="0">
+                <a:pos x="connsiteX153" y="connsiteY153"/>
+              </a:cxn>
+              <a:cxn ang="0">
+                <a:pos x="connsiteX154" y="connsiteY154"/>
+              </a:cxn>
+              <a:cxn ang="0">
+                <a:pos x="connsiteX155" y="connsiteY155"/>
+              </a:cxn>
+              <a:cxn ang="0">
+                <a:pos x="connsiteX156" y="connsiteY156"/>
+              </a:cxn>
+              <a:cxn ang="0">
+                <a:pos x="connsiteX157" y="connsiteY157"/>
+              </a:cxn>
+              <a:cxn ang="0">
+                <a:pos x="connsiteX158" y="connsiteY158"/>
+              </a:cxn>
+              <a:cxn ang="0">
+                <a:pos x="connsiteX159" y="connsiteY159"/>
+              </a:cxn>
+              <a:cxn ang="0">
+                <a:pos x="connsiteX160" y="connsiteY160"/>
+              </a:cxn>
+              <a:cxn ang="0">
+                <a:pos x="connsiteX161" y="connsiteY161"/>
+              </a:cxn>
+              <a:cxn ang="0">
+                <a:pos x="connsiteX162" y="connsiteY162"/>
+              </a:cxn>
+              <a:cxn ang="0">
+                <a:pos x="connsiteX163" y="connsiteY163"/>
+              </a:cxn>
+              <a:cxn ang="0">
+                <a:pos x="connsiteX164" y="connsiteY164"/>
+              </a:cxn>
+              <a:cxn ang="0">
+                <a:pos x="connsiteX165" y="connsiteY165"/>
+              </a:cxn>
+              <a:cxn ang="0">
+                <a:pos x="connsiteX166" y="connsiteY166"/>
+              </a:cxn>
+              <a:cxn ang="0">
+                <a:pos x="connsiteX167" y="connsiteY167"/>
+              </a:cxn>
+              <a:cxn ang="0">
+                <a:pos x="connsiteX168" y="connsiteY168"/>
+              </a:cxn>
+              <a:cxn ang="0">
+                <a:pos x="connsiteX169" y="connsiteY169"/>
+              </a:cxn>
+              <a:cxn ang="0">
+                <a:pos x="connsiteX170" y="connsiteY170"/>
+              </a:cxn>
+              <a:cxn ang="0">
+                <a:pos x="connsiteX171" y="connsiteY171"/>
+              </a:cxn>
+              <a:cxn ang="0">
+                <a:pos x="connsiteX172" y="connsiteY172"/>
+              </a:cxn>
+              <a:cxn ang="0">
+                <a:pos x="connsiteX173" y="connsiteY173"/>
+              </a:cxn>
+              <a:cxn ang="0">
+                <a:pos x="connsiteX174" y="connsiteY174"/>
+              </a:cxn>
+              <a:cxn ang="0">
+                <a:pos x="connsiteX175" y="connsiteY175"/>
+              </a:cxn>
+              <a:cxn ang="0">
+                <a:pos x="connsiteX176" y="connsiteY176"/>
+              </a:cxn>
+              <a:cxn ang="0">
+                <a:pos x="connsiteX177" y="connsiteY177"/>
+              </a:cxn>
+              <a:cxn ang="0">
+                <a:pos x="connsiteX178" y="connsiteY178"/>
+              </a:cxn>
+              <a:cxn ang="0">
+                <a:pos x="connsiteX179" y="connsiteY179"/>
+              </a:cxn>
+              <a:cxn ang="0">
+                <a:pos x="connsiteX180" y="connsiteY180"/>
+              </a:cxn>
+              <a:cxn ang="0">
+                <a:pos x="connsiteX181" y="connsiteY181"/>
+              </a:cxn>
+              <a:cxn ang="0">
+                <a:pos x="connsiteX182" y="connsiteY182"/>
+              </a:cxn>
+              <a:cxn ang="0">
+                <a:pos x="connsiteX183" y="connsiteY183"/>
+              </a:cxn>
+              <a:cxn ang="0">
+                <a:pos x="connsiteX184" y="connsiteY184"/>
+              </a:cxn>
+              <a:cxn ang="0">
+                <a:pos x="connsiteX185" y="connsiteY185"/>
+              </a:cxn>
+              <a:cxn ang="0">
+                <a:pos x="connsiteX186" y="connsiteY186"/>
+              </a:cxn>
+              <a:cxn ang="0">
+                <a:pos x="connsiteX187" y="connsiteY187"/>
+              </a:cxn>
+              <a:cxn ang="0">
+                <a:pos x="connsiteX188" y="connsiteY188"/>
+              </a:cxn>
+              <a:cxn ang="0">
+                <a:pos x="connsiteX189" y="connsiteY189"/>
+              </a:cxn>
+              <a:cxn ang="0">
+                <a:pos x="connsiteX190" y="connsiteY190"/>
+              </a:cxn>
+              <a:cxn ang="0">
+                <a:pos x="connsiteX191" y="connsiteY191"/>
+              </a:cxn>
+              <a:cxn ang="0">
+                <a:pos x="connsiteX192" y="connsiteY192"/>
+              </a:cxn>
+              <a:cxn ang="0">
+                <a:pos x="connsiteX193" y="connsiteY193"/>
+              </a:cxn>
+              <a:cxn ang="0">
+                <a:pos x="connsiteX194" y="connsiteY194"/>
+              </a:cxn>
+              <a:cxn ang="0">
+                <a:pos x="connsiteX195" y="connsiteY195"/>
+              </a:cxn>
+              <a:cxn ang="0">
+                <a:pos x="connsiteX196" y="connsiteY196"/>
+              </a:cxn>
+              <a:cxn ang="0">
+                <a:pos x="connsiteX197" y="connsiteY197"/>
+              </a:cxn>
+              <a:cxn ang="0">
+                <a:pos x="connsiteX198" y="connsiteY198"/>
+              </a:cxn>
+              <a:cxn ang="0">
+                <a:pos x="connsiteX199" y="connsiteY199"/>
+              </a:cxn>
+              <a:cxn ang="0">
+                <a:pos x="connsiteX200" y="connsiteY200"/>
+              </a:cxn>
+              <a:cxn ang="0">
+                <a:pos x="connsiteX201" y="connsiteY201"/>
+              </a:cxn>
+              <a:cxn ang="0">
+                <a:pos x="connsiteX202" y="connsiteY202"/>
+              </a:cxn>
+              <a:cxn ang="0">
+                <a:pos x="connsiteX203" y="connsiteY203"/>
+              </a:cxn>
+              <a:cxn ang="0">
+                <a:pos x="connsiteX204" y="connsiteY204"/>
+              </a:cxn>
+              <a:cxn ang="0">
+                <a:pos x="connsiteX205" y="connsiteY205"/>
+              </a:cxn>
+              <a:cxn ang="0">
+                <a:pos x="connsiteX206" y="connsiteY206"/>
+              </a:cxn>
+              <a:cxn ang="0">
+                <a:pos x="connsiteX207" y="connsiteY207"/>
+              </a:cxn>
+              <a:cxn ang="0">
+                <a:pos x="connsiteX208" y="connsiteY208"/>
+              </a:cxn>
+              <a:cxn ang="0">
+                <a:pos x="connsiteX209" y="connsiteY209"/>
+              </a:cxn>
+              <a:cxn ang="0">
+                <a:pos x="connsiteX210" y="connsiteY210"/>
+              </a:cxn>
+              <a:cxn ang="0">
+                <a:pos x="connsiteX211" y="connsiteY211"/>
+              </a:cxn>
+              <a:cxn ang="0">
+                <a:pos x="connsiteX212" y="connsiteY212"/>
+              </a:cxn>
+              <a:cxn ang="0">
+                <a:pos x="connsiteX213" y="connsiteY213"/>
+              </a:cxn>
+              <a:cxn ang="0">
+                <a:pos x="connsiteX214" y="connsiteY214"/>
+              </a:cxn>
+              <a:cxn ang="0">
+                <a:pos x="connsiteX215" y="connsiteY215"/>
+              </a:cxn>
+              <a:cxn ang="0">
+                <a:pos x="connsiteX216" y="connsiteY216"/>
+              </a:cxn>
+              <a:cxn ang="0">
+                <a:pos x="connsiteX217" y="connsiteY217"/>
+              </a:cxn>
+              <a:cxn ang="0">
+                <a:pos x="connsiteX218" y="connsiteY218"/>
+              </a:cxn>
+              <a:cxn ang="0">
+                <a:pos x="connsiteX219" y="connsiteY219"/>
+              </a:cxn>
+              <a:cxn ang="0">
+                <a:pos x="connsiteX220" y="connsiteY220"/>
+              </a:cxn>
+              <a:cxn ang="0">
+                <a:pos x="connsiteX221" y="connsiteY221"/>
+              </a:cxn>
+              <a:cxn ang="0">
+                <a:pos x="connsiteX222" y="connsiteY222"/>
+              </a:cxn>
+              <a:cxn ang="0">
+                <a:pos x="connsiteX223" y="connsiteY223"/>
+              </a:cxn>
+              <a:cxn ang="0">
+                <a:pos x="connsiteX224" y="connsiteY224"/>
+              </a:cxn>
+              <a:cxn ang="0">
+                <a:pos x="connsiteX225" y="connsiteY225"/>
+              </a:cxn>
+              <a:cxn ang="0">
+                <a:pos x="connsiteX226" y="connsiteY226"/>
+              </a:cxn>
+              <a:cxn ang="0">
+                <a:pos x="connsiteX227" y="connsiteY227"/>
+              </a:cxn>
+              <a:cxn ang="0">
+                <a:pos x="connsiteX228" y="connsiteY228"/>
+              </a:cxn>
+              <a:cxn ang="0">
+                <a:pos x="connsiteX229" y="connsiteY229"/>
+              </a:cxn>
+              <a:cxn ang="0">
+                <a:pos x="connsiteX230" y="connsiteY230"/>
+              </a:cxn>
+              <a:cxn ang="0">
+                <a:pos x="connsiteX231" y="connsiteY231"/>
+              </a:cxn>
+              <a:cxn ang="0">
+                <a:pos x="connsiteX232" y="connsiteY232"/>
+              </a:cxn>
+              <a:cxn ang="0">
+                <a:pos x="connsiteX233" y="connsiteY233"/>
+              </a:cxn>
+              <a:cxn ang="0">
+                <a:pos x="connsiteX234" y="connsiteY234"/>
+              </a:cxn>
+              <a:cxn ang="0">
+                <a:pos x="connsiteX235" y="connsiteY235"/>
+              </a:cxn>
+              <a:cxn ang="0">
+                <a:pos x="connsiteX236" y="connsiteY236"/>
+              </a:cxn>
+              <a:cxn ang="0">
+                <a:pos x="connsiteX237" y="connsiteY237"/>
+              </a:cxn>
+              <a:cxn ang="0">
+                <a:pos x="connsiteX238" y="connsiteY238"/>
+              </a:cxn>
+              <a:cxn ang="0">
+                <a:pos x="connsiteX239" y="connsiteY239"/>
+              </a:cxn>
+              <a:cxn ang="0">
+                <a:pos x="connsiteX240" y="connsiteY240"/>
+              </a:cxn>
+              <a:cxn ang="0">
+                <a:pos x="connsiteX241" y="connsiteY241"/>
+              </a:cxn>
+              <a:cxn ang="0">
+                <a:pos x="connsiteX242" y="connsiteY242"/>
+              </a:cxn>
+              <a:cxn ang="0">
+                <a:pos x="connsiteX243" y="connsiteY243"/>
+              </a:cxn>
+              <a:cxn ang="0">
+                <a:pos x="connsiteX244" y="connsiteY244"/>
+              </a:cxn>
+              <a:cxn ang="0">
+                <a:pos x="connsiteX245" y="connsiteY245"/>
+              </a:cxn>
+              <a:cxn ang="0">
+                <a:pos x="connsiteX246" y="connsiteY246"/>
+              </a:cxn>
+              <a:cxn ang="0">
+                <a:pos x="connsiteX247" y="connsiteY247"/>
+              </a:cxn>
+              <a:cxn ang="0">
+                <a:pos x="connsiteX248" y="connsiteY248"/>
+              </a:cxn>
+              <a:cxn ang="0">
+                <a:pos x="connsiteX249" y="connsiteY249"/>
+              </a:cxn>
+              <a:cxn ang="0">
+                <a:pos x="connsiteX250" y="connsiteY250"/>
+              </a:cxn>
+              <a:cxn ang="0">
+                <a:pos x="connsiteX251" y="connsiteY251"/>
+              </a:cxn>
+              <a:cxn ang="0">
+                <a:pos x="connsiteX252" y="connsiteY252"/>
+              </a:cxn>
+              <a:cxn ang="0">
+                <a:pos x="connsiteX253" y="connsiteY253"/>
+              </a:cxn>
+              <a:cxn ang="0">
+                <a:pos x="connsiteX254" y="connsiteY254"/>
+              </a:cxn>
+              <a:cxn ang="0">
+                <a:pos x="connsiteX255" y="connsiteY255"/>
+              </a:cxn>
+              <a:cxn ang="0">
+                <a:pos x="connsiteX256" y="connsiteY256"/>
+              </a:cxn>
+              <a:cxn ang="0">
+                <a:pos x="connsiteX257" y="connsiteY257"/>
+              </a:cxn>
+              <a:cxn ang="0">
+                <a:pos x="connsiteX258" y="connsiteY258"/>
+              </a:cxn>
+              <a:cxn ang="0">
+                <a:pos x="connsiteX259" y="connsiteY259"/>
+              </a:cxn>
+              <a:cxn ang="0">
+                <a:pos x="connsiteX260" y="connsiteY260"/>
+              </a:cxn>
+              <a:cxn ang="0">
+                <a:pos x="connsiteX261" y="connsiteY261"/>
+              </a:cxn>
+              <a:cxn ang="0">
+                <a:pos x="connsiteX262" y="connsiteY262"/>
+              </a:cxn>
+              <a:cxn ang="0">
+                <a:pos x="connsiteX263" y="connsiteY263"/>
+              </a:cxn>
+              <a:cxn ang="0">
+                <a:pos x="connsiteX264" y="connsiteY264"/>
+              </a:cxn>
+              <a:cxn ang="0">
+                <a:pos x="connsiteX265" y="connsiteY265"/>
+              </a:cxn>
+              <a:cxn ang="0">
+                <a:pos x="connsiteX266" y="connsiteY266"/>
+              </a:cxn>
+              <a:cxn ang="0">
+                <a:pos x="connsiteX267" y="connsiteY267"/>
+              </a:cxn>
+              <a:cxn ang="0">
+                <a:pos x="connsiteX268" y="connsiteY268"/>
+              </a:cxn>
+              <a:cxn ang="0">
+                <a:pos x="connsiteX269" y="connsiteY269"/>
+              </a:cxn>
+              <a:cxn ang="0">
+                <a:pos x="connsiteX270" y="connsiteY270"/>
+              </a:cxn>
+              <a:cxn ang="0">
+                <a:pos x="connsiteX271" y="connsiteY271"/>
+              </a:cxn>
+              <a:cxn ang="0">
+                <a:pos x="connsiteX272" y="connsiteY272"/>
+              </a:cxn>
+              <a:cxn ang="0">
+                <a:pos x="connsiteX273" y="connsiteY273"/>
+              </a:cxn>
+              <a:cxn ang="0">
+                <a:pos x="connsiteX274" y="connsiteY274"/>
+              </a:cxn>
+              <a:cxn ang="0">
+                <a:pos x="connsiteX275" y="connsiteY275"/>
+              </a:cxn>
+              <a:cxn ang="0">
+                <a:pos x="connsiteX276" y="connsiteY276"/>
+              </a:cxn>
+              <a:cxn ang="0">
+                <a:pos x="connsiteX277" y="connsiteY277"/>
+              </a:cxn>
+              <a:cxn ang="0">
+                <a:pos x="connsiteX278" y="connsiteY278"/>
+              </a:cxn>
+              <a:cxn ang="0">
+                <a:pos x="connsiteX279" y="connsiteY279"/>
+              </a:cxn>
+              <a:cxn ang="0">
+                <a:pos x="connsiteX280" y="connsiteY280"/>
+              </a:cxn>
+              <a:cxn ang="0">
+                <a:pos x="connsiteX281" y="connsiteY281"/>
+              </a:cxn>
+              <a:cxn ang="0">
+                <a:pos x="connsiteX282" y="connsiteY282"/>
+              </a:cxn>
+              <a:cxn ang="0">
+                <a:pos x="connsiteX283" y="connsiteY283"/>
+              </a:cxn>
+              <a:cxn ang="0">
+                <a:pos x="connsiteX284" y="connsiteY284"/>
+              </a:cxn>
+              <a:cxn ang="0">
+                <a:pos x="connsiteX285" y="connsiteY285"/>
+              </a:cxn>
+              <a:cxn ang="0">
+                <a:pos x="connsiteX286" y="connsiteY286"/>
+              </a:cxn>
+              <a:cxn ang="0">
+                <a:pos x="connsiteX287" y="connsiteY287"/>
+              </a:cxn>
+            </a:cxnLst>
+            <a:rect l="l" t="t" r="r" b="b"/>
+            <a:pathLst>
+              <a:path w="5260975" h="1410656">
+                <a:moveTo>
+                  <a:pt x="5260975" y="0"/>
+                </a:moveTo>
+                <a:lnTo>
+                  <a:pt x="5260975" y="221634"/>
+                </a:lnTo>
+                <a:lnTo>
+                  <a:pt x="5226503" y="237063"/>
+                </a:lnTo>
+                <a:cubicBezTo>
+                  <a:pt x="5219783" y="239848"/>
+                  <a:pt x="5212389" y="241384"/>
+                  <a:pt x="5206341" y="245128"/>
+                </a:cubicBezTo>
+                <a:cubicBezTo>
+                  <a:pt x="5178495" y="262219"/>
+                  <a:pt x="5151515" y="280654"/>
+                  <a:pt x="5123287" y="297073"/>
+                </a:cubicBezTo>
+                <a:cubicBezTo>
+                  <a:pt x="5094195" y="314067"/>
+                  <a:pt x="5068175" y="334134"/>
+                  <a:pt x="5048107" y="361307"/>
+                </a:cubicBezTo>
+                <a:cubicBezTo>
+                  <a:pt x="5029480" y="386559"/>
+                  <a:pt x="5011429" y="412194"/>
+                  <a:pt x="4992899" y="437542"/>
+                </a:cubicBezTo>
+                <a:cubicBezTo>
+                  <a:pt x="4988194" y="443975"/>
+                  <a:pt x="4983873" y="451561"/>
+                  <a:pt x="4977440" y="455690"/>
+                </a:cubicBezTo>
+                <a:cubicBezTo>
+                  <a:pt x="4964094" y="464331"/>
+                  <a:pt x="4949499" y="471340"/>
+                  <a:pt x="4935193" y="478445"/>
+                </a:cubicBezTo>
+                <a:cubicBezTo>
+                  <a:pt x="4922903" y="484494"/>
+                  <a:pt x="4909845" y="489006"/>
+                  <a:pt x="4897844" y="495535"/>
+                </a:cubicBezTo>
+                <a:cubicBezTo>
+                  <a:pt x="4888243" y="500721"/>
+                  <a:pt x="4879697" y="507922"/>
+                  <a:pt x="4870767" y="514451"/>
+                </a:cubicBezTo>
+                <a:cubicBezTo>
+                  <a:pt x="4862990" y="520115"/>
+                  <a:pt x="4854445" y="525012"/>
+                  <a:pt x="4847916" y="531830"/>
+                </a:cubicBezTo>
+                <a:cubicBezTo>
+                  <a:pt x="4831977" y="548344"/>
+                  <a:pt x="4815942" y="564571"/>
+                  <a:pt x="4796163" y="576765"/>
+                </a:cubicBezTo>
+                <a:cubicBezTo>
+                  <a:pt x="4776672" y="588862"/>
+                  <a:pt x="4758237" y="602401"/>
+                  <a:pt x="4738843" y="614691"/>
+                </a:cubicBezTo>
+                <a:cubicBezTo>
+                  <a:pt x="4719831" y="626693"/>
+                  <a:pt x="4702645" y="639846"/>
+                  <a:pt x="4692755" y="661162"/>
+                </a:cubicBezTo>
+                <a:cubicBezTo>
+                  <a:pt x="4688339" y="670571"/>
+                  <a:pt x="4682097" y="680845"/>
+                  <a:pt x="4673744" y="686318"/>
+                </a:cubicBezTo>
+                <a:cubicBezTo>
+                  <a:pt x="4661838" y="694095"/>
+                  <a:pt x="4646764" y="696880"/>
+                  <a:pt x="4633801" y="703505"/>
+                </a:cubicBezTo>
+                <a:cubicBezTo>
+                  <a:pt x="4618535" y="711282"/>
+                  <a:pt x="4600869" y="718003"/>
+                  <a:pt x="4590499" y="730389"/>
+                </a:cubicBezTo>
+                <a:cubicBezTo>
+                  <a:pt x="4581281" y="741431"/>
+                  <a:pt x="4571968" y="750072"/>
+                  <a:pt x="4559773" y="757081"/>
+                </a:cubicBezTo>
+                <a:cubicBezTo>
+                  <a:pt x="4551229" y="761978"/>
+                  <a:pt x="4544892" y="770907"/>
+                  <a:pt x="4536059" y="774940"/>
+                </a:cubicBezTo>
+                <a:cubicBezTo>
+                  <a:pt x="4524441" y="780317"/>
+                  <a:pt x="4512727" y="784542"/>
+                  <a:pt x="4502549" y="792895"/>
+                </a:cubicBezTo>
+                <a:cubicBezTo>
+                  <a:pt x="4491987" y="801536"/>
+                  <a:pt x="4479986" y="808353"/>
+                  <a:pt x="4468944" y="816419"/>
+                </a:cubicBezTo>
+                <a:cubicBezTo>
+                  <a:pt x="4463087" y="820739"/>
+                  <a:pt x="4458286" y="826404"/>
+                  <a:pt x="4452622" y="830917"/>
+                </a:cubicBezTo>
+                <a:cubicBezTo>
+                  <a:pt x="4442252" y="839174"/>
+                  <a:pt x="4431690" y="847239"/>
+                  <a:pt x="4421032" y="855016"/>
+                </a:cubicBezTo>
+                <a:cubicBezTo>
+                  <a:pt x="4410375" y="862794"/>
+                  <a:pt x="4400197" y="871819"/>
+                  <a:pt x="4388483" y="877484"/>
+                </a:cubicBezTo>
+                <a:cubicBezTo>
+                  <a:pt x="4368513" y="887086"/>
+                  <a:pt x="4346717" y="892847"/>
+                  <a:pt x="4327321" y="903216"/>
+                </a:cubicBezTo>
+                <a:cubicBezTo>
+                  <a:pt x="4307639" y="913777"/>
+                  <a:pt x="4289107" y="927028"/>
+                  <a:pt x="4271633" y="941046"/>
+                </a:cubicBezTo>
+                <a:cubicBezTo>
+                  <a:pt x="4257807" y="952088"/>
+                  <a:pt x="4244845" y="963034"/>
+                  <a:pt x="4227465" y="968698"/>
+                </a:cubicBezTo>
+                <a:cubicBezTo>
+                  <a:pt x="4217768" y="971867"/>
+                  <a:pt x="4207591" y="978780"/>
+                  <a:pt x="4201733" y="986846"/>
+                </a:cubicBezTo>
+                <a:cubicBezTo>
+                  <a:pt x="4189059" y="1004416"/>
+                  <a:pt x="4172833" y="1016802"/>
+                  <a:pt x="4154494" y="1027364"/>
+                </a:cubicBezTo>
+                <a:cubicBezTo>
+                  <a:pt x="4130010" y="1041574"/>
+                  <a:pt x="4105814" y="1056072"/>
+                  <a:pt x="4081234" y="1069994"/>
+                </a:cubicBezTo>
+                <a:cubicBezTo>
+                  <a:pt x="4066737" y="1078252"/>
+                  <a:pt x="4052335" y="1086989"/>
+                  <a:pt x="4036971" y="1093038"/>
+                </a:cubicBezTo>
+                <a:cubicBezTo>
+                  <a:pt x="4005575" y="1105520"/>
+                  <a:pt x="3973410" y="1116177"/>
+                  <a:pt x="3941725" y="1127796"/>
+                </a:cubicBezTo>
+                <a:cubicBezTo>
+                  <a:pt x="3931355" y="1131540"/>
+                  <a:pt x="3921561" y="1136917"/>
+                  <a:pt x="3910999" y="1140182"/>
+                </a:cubicBezTo>
+                <a:cubicBezTo>
+                  <a:pt x="3899573" y="1143734"/>
+                  <a:pt x="3887285" y="1144790"/>
+                  <a:pt x="3875859" y="1148343"/>
+                </a:cubicBezTo>
+                <a:cubicBezTo>
+                  <a:pt x="3856847" y="1154199"/>
+                  <a:pt x="3838412" y="1161689"/>
+                  <a:pt x="3819401" y="1167642"/>
+                </a:cubicBezTo>
+                <a:cubicBezTo>
+                  <a:pt x="3782723" y="1179068"/>
+                  <a:pt x="3745949" y="1190014"/>
+                  <a:pt x="3709176" y="1200863"/>
+                </a:cubicBezTo>
+                <a:cubicBezTo>
+                  <a:pt x="3701303" y="1203168"/>
+                  <a:pt x="3692757" y="1203456"/>
+                  <a:pt x="3684981" y="1205952"/>
+                </a:cubicBezTo>
+                <a:cubicBezTo>
+                  <a:pt x="3664337" y="1212673"/>
+                  <a:pt x="3643789" y="1219970"/>
+                  <a:pt x="3623338" y="1227363"/>
+                </a:cubicBezTo>
+                <a:cubicBezTo>
+                  <a:pt x="3610953" y="1231876"/>
+                  <a:pt x="3598854" y="1237445"/>
+                  <a:pt x="3586373" y="1241765"/>
+                </a:cubicBezTo>
+                <a:cubicBezTo>
+                  <a:pt x="3576387" y="1245222"/>
+                  <a:pt x="3566113" y="1247910"/>
+                  <a:pt x="3555743" y="1250023"/>
+                </a:cubicBezTo>
+                <a:cubicBezTo>
+                  <a:pt x="3546814" y="1251848"/>
+                  <a:pt x="3537501" y="1251655"/>
+                  <a:pt x="3528667" y="1253864"/>
+                </a:cubicBezTo>
+                <a:cubicBezTo>
+                  <a:pt x="3504759" y="1259816"/>
+                  <a:pt x="3481140" y="1266538"/>
+                  <a:pt x="3457424" y="1272874"/>
+                </a:cubicBezTo>
+                <a:cubicBezTo>
+                  <a:pt x="3447919" y="1275371"/>
+                  <a:pt x="3438221" y="1277196"/>
+                  <a:pt x="3429003" y="1280364"/>
+                </a:cubicBezTo>
+                <a:cubicBezTo>
+                  <a:pt x="3404327" y="1288717"/>
+                  <a:pt x="3380036" y="1298222"/>
+                  <a:pt x="3355264" y="1306096"/>
+                </a:cubicBezTo>
+                <a:cubicBezTo>
+                  <a:pt x="3334717" y="1312625"/>
+                  <a:pt x="3313593" y="1317329"/>
+                  <a:pt x="3292757" y="1323090"/>
+                </a:cubicBezTo>
+                <a:cubicBezTo>
+                  <a:pt x="3283924" y="1325587"/>
+                  <a:pt x="3275475" y="1329140"/>
+                  <a:pt x="3266643" y="1331251"/>
+                </a:cubicBezTo>
+                <a:cubicBezTo>
+                  <a:pt x="3246863" y="1336053"/>
+                  <a:pt x="3226796" y="1340085"/>
+                  <a:pt x="3206921" y="1344886"/>
+                </a:cubicBezTo>
+                <a:cubicBezTo>
+                  <a:pt x="3195590" y="1347670"/>
+                  <a:pt x="3184645" y="1352663"/>
+                  <a:pt x="3173123" y="1354488"/>
+                </a:cubicBezTo>
+                <a:cubicBezTo>
+                  <a:pt x="3145759" y="1358808"/>
+                  <a:pt x="3118203" y="1361880"/>
+                  <a:pt x="3090646" y="1365337"/>
+                </a:cubicBezTo>
+                <a:cubicBezTo>
+                  <a:pt x="3062227" y="1368889"/>
+                  <a:pt x="3033902" y="1372634"/>
+                  <a:pt x="3005480" y="1375802"/>
+                </a:cubicBezTo>
+                <a:cubicBezTo>
+                  <a:pt x="2989926" y="1377435"/>
+                  <a:pt x="2974275" y="1377723"/>
+                  <a:pt x="2958721" y="1379259"/>
+                </a:cubicBezTo>
+                <a:cubicBezTo>
+                  <a:pt x="2945087" y="1380604"/>
+                  <a:pt x="2931549" y="1383100"/>
+                  <a:pt x="2917915" y="1384733"/>
+                </a:cubicBezTo>
+                <a:cubicBezTo>
+                  <a:pt x="2906105" y="1386076"/>
+                  <a:pt x="2894199" y="1386844"/>
+                  <a:pt x="2882389" y="1388189"/>
+                </a:cubicBezTo>
+                <a:cubicBezTo>
+                  <a:pt x="2863475" y="1390397"/>
+                  <a:pt x="2844655" y="1392894"/>
+                  <a:pt x="2825837" y="1395198"/>
+                </a:cubicBezTo>
+                <a:cubicBezTo>
+                  <a:pt x="2817964" y="1396062"/>
+                  <a:pt x="2809706" y="1398462"/>
+                  <a:pt x="2802313" y="1397023"/>
+                </a:cubicBezTo>
+                <a:cubicBezTo>
+                  <a:pt x="2783686" y="1393373"/>
+                  <a:pt x="2765347" y="1394430"/>
+                  <a:pt x="2746816" y="1396926"/>
+                </a:cubicBezTo>
+                <a:cubicBezTo>
+                  <a:pt x="2740479" y="1397791"/>
+                  <a:pt x="2733662" y="1397598"/>
+                  <a:pt x="2727517" y="1395966"/>
+                </a:cubicBezTo>
+                <a:cubicBezTo>
+                  <a:pt x="2714939" y="1392701"/>
+                  <a:pt x="2702745" y="1388092"/>
+                  <a:pt x="2690359" y="1384060"/>
+                </a:cubicBezTo>
+                <a:cubicBezTo>
+                  <a:pt x="2689014" y="1383580"/>
+                  <a:pt x="2687382" y="1383484"/>
+                  <a:pt x="2685943" y="1383196"/>
+                </a:cubicBezTo>
+                <a:cubicBezTo>
+                  <a:pt x="2677781" y="1381563"/>
+                  <a:pt x="2669717" y="1379931"/>
+                  <a:pt x="2661554" y="1378491"/>
+                </a:cubicBezTo>
+                <a:cubicBezTo>
+                  <a:pt x="2657138" y="1377723"/>
+                  <a:pt x="2652625" y="1377627"/>
+                  <a:pt x="2648208" y="1376955"/>
+                </a:cubicBezTo>
+                <a:cubicBezTo>
+                  <a:pt x="2631118" y="1374266"/>
+                  <a:pt x="2612299" y="1378779"/>
+                  <a:pt x="2597512" y="1367162"/>
+                </a:cubicBezTo>
+                <a:cubicBezTo>
+                  <a:pt x="2587911" y="1359672"/>
+                  <a:pt x="2578597" y="1361401"/>
+                  <a:pt x="2568324" y="1362553"/>
+                </a:cubicBezTo>
+                <a:cubicBezTo>
+                  <a:pt x="2560547" y="1363417"/>
+                  <a:pt x="2552577" y="1363128"/>
+                  <a:pt x="2544704" y="1363225"/>
+                </a:cubicBezTo>
+                <a:cubicBezTo>
+                  <a:pt x="2530878" y="1363512"/>
+                  <a:pt x="2517052" y="1363609"/>
+                  <a:pt x="2503225" y="1364089"/>
+                </a:cubicBezTo>
+                <a:cubicBezTo>
+                  <a:pt x="2498808" y="1364281"/>
+                  <a:pt x="2494297" y="1366682"/>
+                  <a:pt x="2489975" y="1366298"/>
+                </a:cubicBezTo>
+                <a:cubicBezTo>
+                  <a:pt x="2470004" y="1364473"/>
+                  <a:pt x="2450033" y="1361592"/>
+                  <a:pt x="2430061" y="1359960"/>
+                </a:cubicBezTo>
+                <a:cubicBezTo>
+                  <a:pt x="2418732" y="1359001"/>
+                  <a:pt x="2407114" y="1360824"/>
+                  <a:pt x="2395880" y="1359480"/>
+                </a:cubicBezTo>
+                <a:cubicBezTo>
+                  <a:pt x="2382919" y="1357944"/>
+                  <a:pt x="2370245" y="1354008"/>
+                  <a:pt x="2357378" y="1351607"/>
+                </a:cubicBezTo>
+                <a:cubicBezTo>
+                  <a:pt x="2353826" y="1350935"/>
+                  <a:pt x="2349889" y="1351799"/>
+                  <a:pt x="2346145" y="1351991"/>
+                </a:cubicBezTo>
+                <a:cubicBezTo>
+                  <a:pt x="2341920" y="1352183"/>
+                  <a:pt x="2337791" y="1352567"/>
+                  <a:pt x="2333567" y="1352663"/>
+                </a:cubicBezTo>
+                <a:cubicBezTo>
+                  <a:pt x="2320700" y="1352856"/>
+                  <a:pt x="2307835" y="1352567"/>
+                  <a:pt x="2294968" y="1353240"/>
+                </a:cubicBezTo>
+                <a:cubicBezTo>
+                  <a:pt x="2287095" y="1353624"/>
+                  <a:pt x="2278839" y="1357560"/>
+                  <a:pt x="2271540" y="1356120"/>
+                </a:cubicBezTo>
+                <a:cubicBezTo>
+                  <a:pt x="2256659" y="1353335"/>
+                  <a:pt x="2241776" y="1359576"/>
+                  <a:pt x="2226895" y="1354392"/>
+                </a:cubicBezTo>
+                <a:cubicBezTo>
+                  <a:pt x="2222285" y="1352856"/>
+                  <a:pt x="2215948" y="1356696"/>
+                  <a:pt x="2210379" y="1356888"/>
+                </a:cubicBezTo>
+                <a:cubicBezTo>
+                  <a:pt x="2196457" y="1357368"/>
+                  <a:pt x="2182535" y="1357272"/>
+                  <a:pt x="2168613" y="1357176"/>
+                </a:cubicBezTo>
+                <a:cubicBezTo>
+                  <a:pt x="2156131" y="1357080"/>
+                  <a:pt x="2143168" y="1358424"/>
+                  <a:pt x="2131167" y="1355736"/>
+                </a:cubicBezTo>
+                <a:cubicBezTo>
+                  <a:pt x="2118588" y="1352856"/>
+                  <a:pt x="2107259" y="1353240"/>
+                  <a:pt x="2095065" y="1356504"/>
+                </a:cubicBezTo>
+                <a:cubicBezTo>
+                  <a:pt x="2086711" y="1358712"/>
+                  <a:pt x="2077878" y="1359001"/>
+                  <a:pt x="2069237" y="1359672"/>
+                </a:cubicBezTo>
+                <a:cubicBezTo>
+                  <a:pt x="2059924" y="1360440"/>
+                  <a:pt x="2049650" y="1358424"/>
+                  <a:pt x="2041201" y="1361592"/>
+                </a:cubicBezTo>
+                <a:cubicBezTo>
+                  <a:pt x="2016044" y="1371002"/>
+                  <a:pt x="1990216" y="1373018"/>
+                  <a:pt x="1963909" y="1373018"/>
+                </a:cubicBezTo>
+                <a:cubicBezTo>
+                  <a:pt x="1959107" y="1373018"/>
+                  <a:pt x="1954210" y="1371675"/>
+                  <a:pt x="1949603" y="1370234"/>
+                </a:cubicBezTo>
+                <a:cubicBezTo>
+                  <a:pt x="1922717" y="1361592"/>
+                  <a:pt x="1895737" y="1362360"/>
+                  <a:pt x="1868373" y="1367641"/>
+                </a:cubicBezTo>
+                <a:cubicBezTo>
+                  <a:pt x="1862708" y="1368794"/>
+                  <a:pt x="1856372" y="1368986"/>
+                  <a:pt x="1850707" y="1367834"/>
+                </a:cubicBezTo>
+                <a:cubicBezTo>
+                  <a:pt x="1834768" y="1364473"/>
+                  <a:pt x="1819309" y="1358904"/>
+                  <a:pt x="1803275" y="1356504"/>
+                </a:cubicBezTo>
+                <a:cubicBezTo>
+                  <a:pt x="1776775" y="1352567"/>
+                  <a:pt x="1753828" y="1365817"/>
+                  <a:pt x="1730112" y="1374459"/>
+                </a:cubicBezTo>
+                <a:cubicBezTo>
+                  <a:pt x="1707548" y="1382620"/>
+                  <a:pt x="1688345" y="1401055"/>
+                  <a:pt x="1661652" y="1396926"/>
+                </a:cubicBezTo>
+                <a:cubicBezTo>
+                  <a:pt x="1658965" y="1396542"/>
+                  <a:pt x="1655988" y="1399134"/>
+                  <a:pt x="1653011" y="1399807"/>
+                </a:cubicBezTo>
+                <a:cubicBezTo>
+                  <a:pt x="1644850" y="1401631"/>
+                  <a:pt x="1636689" y="1403839"/>
+                  <a:pt x="1628431" y="1404704"/>
+                </a:cubicBezTo>
+                <a:cubicBezTo>
+                  <a:pt x="1618350" y="1405856"/>
+                  <a:pt x="1608076" y="1405472"/>
+                  <a:pt x="1597995" y="1406432"/>
+                </a:cubicBezTo>
+                <a:cubicBezTo>
+                  <a:pt x="1585032" y="1407584"/>
+                  <a:pt x="1572263" y="1410656"/>
+                  <a:pt x="1559396" y="1410656"/>
+                </a:cubicBezTo>
+                <a:cubicBezTo>
+                  <a:pt x="1549026" y="1410656"/>
+                  <a:pt x="1538753" y="1407104"/>
+                  <a:pt x="1528480" y="1405375"/>
+                </a:cubicBezTo>
+                <a:cubicBezTo>
+                  <a:pt x="1513981" y="1402975"/>
+                  <a:pt x="1498042" y="1403647"/>
+                  <a:pt x="1485272" y="1397502"/>
+                </a:cubicBezTo>
+                <a:cubicBezTo>
+                  <a:pt x="1471639" y="1390973"/>
+                  <a:pt x="1458676" y="1387997"/>
+                  <a:pt x="1444562" y="1390013"/>
+                </a:cubicBezTo>
+                <a:cubicBezTo>
+                  <a:pt x="1439857" y="1390685"/>
+                  <a:pt x="1433808" y="1394718"/>
+                  <a:pt x="1431696" y="1398846"/>
+                </a:cubicBezTo>
+                <a:cubicBezTo>
+                  <a:pt x="1426991" y="1408064"/>
+                  <a:pt x="1420559" y="1409697"/>
+                  <a:pt x="1411821" y="1406527"/>
+                </a:cubicBezTo>
+                <a:cubicBezTo>
+                  <a:pt x="1404236" y="1403839"/>
+                  <a:pt x="1394922" y="1402495"/>
+                  <a:pt x="1389738" y="1397310"/>
+                </a:cubicBezTo>
+                <a:cubicBezTo>
+                  <a:pt x="1375047" y="1382620"/>
+                  <a:pt x="1356324" y="1382140"/>
+                  <a:pt x="1338081" y="1378204"/>
+                </a:cubicBezTo>
+                <a:cubicBezTo>
+                  <a:pt x="1326945" y="1375802"/>
+                  <a:pt x="1316574" y="1375707"/>
+                  <a:pt x="1305436" y="1377339"/>
+                </a:cubicBezTo>
+                <a:cubicBezTo>
+                  <a:pt x="1281241" y="1380988"/>
+                  <a:pt x="1257717" y="1375802"/>
+                  <a:pt x="1234481" y="1369178"/>
+                </a:cubicBezTo>
+                <a:cubicBezTo>
+                  <a:pt x="1219118" y="1364761"/>
+                  <a:pt x="1203372" y="1362073"/>
+                  <a:pt x="1188106" y="1357560"/>
+                </a:cubicBezTo>
+                <a:cubicBezTo>
+                  <a:pt x="1176680" y="1354104"/>
+                  <a:pt x="1165255" y="1349975"/>
+                  <a:pt x="1154790" y="1344406"/>
+                </a:cubicBezTo>
+                <a:cubicBezTo>
+                  <a:pt x="1139618" y="1336244"/>
+                  <a:pt x="1126369" y="1323954"/>
+                  <a:pt x="1107069" y="1327219"/>
+                </a:cubicBezTo>
+                <a:cubicBezTo>
+                  <a:pt x="1090074" y="1330099"/>
+                  <a:pt x="1074713" y="1324051"/>
+                  <a:pt x="1059158" y="1318290"/>
+                </a:cubicBezTo>
+                <a:cubicBezTo>
+                  <a:pt x="1047732" y="1314065"/>
+                  <a:pt x="1036308" y="1309744"/>
+                  <a:pt x="1024496" y="1307056"/>
+                </a:cubicBezTo>
+                <a:cubicBezTo>
+                  <a:pt x="1010478" y="1303887"/>
+                  <a:pt x="994635" y="1305232"/>
+                  <a:pt x="982153" y="1299374"/>
+                </a:cubicBezTo>
+                <a:cubicBezTo>
+                  <a:pt x="969095" y="1293229"/>
+                  <a:pt x="958246" y="1297358"/>
+                  <a:pt x="946628" y="1299087"/>
+                </a:cubicBezTo>
+                <a:cubicBezTo>
+                  <a:pt x="928097" y="1301775"/>
+                  <a:pt x="909661" y="1306768"/>
+                  <a:pt x="890939" y="1300431"/>
+                </a:cubicBezTo>
+                <a:cubicBezTo>
+                  <a:pt x="868184" y="1292750"/>
+                  <a:pt x="845620" y="1284493"/>
+                  <a:pt x="822769" y="1277196"/>
+                </a:cubicBezTo>
+                <a:cubicBezTo>
+                  <a:pt x="813934" y="1274410"/>
+                  <a:pt x="804431" y="1273258"/>
+                  <a:pt x="795212" y="1272010"/>
+                </a:cubicBezTo>
+                <a:cubicBezTo>
+                  <a:pt x="786476" y="1270954"/>
+                  <a:pt x="776010" y="1273642"/>
+                  <a:pt x="769288" y="1269610"/>
+                </a:cubicBezTo>
+                <a:cubicBezTo>
+                  <a:pt x="752005" y="1259241"/>
+                  <a:pt x="734243" y="1254152"/>
+                  <a:pt x="714271" y="1254152"/>
+                </a:cubicBezTo>
+                <a:cubicBezTo>
+                  <a:pt x="706781" y="1254152"/>
+                  <a:pt x="699484" y="1249831"/>
+                  <a:pt x="691900" y="1249062"/>
+                </a:cubicBezTo>
+                <a:cubicBezTo>
+                  <a:pt x="681529" y="1248103"/>
+                  <a:pt x="669623" y="1245510"/>
+                  <a:pt x="660598" y="1249159"/>
+                </a:cubicBezTo>
+                <a:cubicBezTo>
+                  <a:pt x="639379" y="1257800"/>
+                  <a:pt x="622193" y="1250599"/>
+                  <a:pt x="603662" y="1242054"/>
+                </a:cubicBezTo>
+                <a:cubicBezTo>
+                  <a:pt x="585418" y="1233604"/>
+                  <a:pt x="566215" y="1226884"/>
+                  <a:pt x="546821" y="1221314"/>
+                </a:cubicBezTo>
+                <a:cubicBezTo>
+                  <a:pt x="539524" y="1219298"/>
+                  <a:pt x="530787" y="1222659"/>
+                  <a:pt x="522721" y="1223330"/>
+                </a:cubicBezTo>
+                <a:cubicBezTo>
+                  <a:pt x="519840" y="1223523"/>
+                  <a:pt x="516671" y="1223811"/>
+                  <a:pt x="514080" y="1222851"/>
+                </a:cubicBezTo>
+                <a:cubicBezTo>
+                  <a:pt x="489020" y="1213633"/>
+                  <a:pt x="463575" y="1206624"/>
+                  <a:pt x="436404" y="1211424"/>
+                </a:cubicBezTo>
+                <a:cubicBezTo>
+                  <a:pt x="433908" y="1211905"/>
+                  <a:pt x="431123" y="1210849"/>
+                  <a:pt x="428626" y="1210177"/>
+                </a:cubicBezTo>
+                <a:cubicBezTo>
+                  <a:pt x="416432" y="1206720"/>
+                  <a:pt x="404526" y="1201247"/>
+                  <a:pt x="392141" y="1199999"/>
+                </a:cubicBezTo>
+                <a:cubicBezTo>
+                  <a:pt x="361608" y="1196927"/>
+                  <a:pt x="330884" y="1195678"/>
+                  <a:pt x="300157" y="1193662"/>
+                </a:cubicBezTo>
+                <a:cubicBezTo>
+                  <a:pt x="298237" y="1193566"/>
+                  <a:pt x="296221" y="1193566"/>
+                  <a:pt x="294493" y="1192894"/>
+                </a:cubicBezTo>
+                <a:cubicBezTo>
+                  <a:pt x="283163" y="1188765"/>
+                  <a:pt x="273274" y="1190110"/>
+                  <a:pt x="263671" y="1197982"/>
+                </a:cubicBezTo>
+                <a:cubicBezTo>
+                  <a:pt x="259447" y="1201439"/>
+                  <a:pt x="253686" y="1203263"/>
+                  <a:pt x="248406" y="1205184"/>
+                </a:cubicBezTo>
+                <a:cubicBezTo>
+                  <a:pt x="240628" y="1208065"/>
+                  <a:pt x="232659" y="1210849"/>
+                  <a:pt x="224594" y="1212673"/>
+                </a:cubicBezTo>
+                <a:cubicBezTo>
+                  <a:pt x="216624" y="1214401"/>
+                  <a:pt x="208079" y="1216801"/>
+                  <a:pt x="200398" y="1215458"/>
+                </a:cubicBezTo>
+                <a:cubicBezTo>
+                  <a:pt x="186572" y="1213057"/>
+                  <a:pt x="173417" y="1207681"/>
+                  <a:pt x="159783" y="1204127"/>
+                </a:cubicBezTo>
+                <a:cubicBezTo>
+                  <a:pt x="155079" y="1202879"/>
+                  <a:pt x="149893" y="1203072"/>
+                  <a:pt x="144997" y="1202975"/>
+                </a:cubicBezTo>
+                <a:cubicBezTo>
+                  <a:pt x="133763" y="1202688"/>
+                  <a:pt x="122241" y="1205472"/>
+                  <a:pt x="112064" y="1197503"/>
+                </a:cubicBezTo>
+                <a:cubicBezTo>
+                  <a:pt x="102655" y="1190014"/>
+                  <a:pt x="93148" y="1192221"/>
+                  <a:pt x="83259" y="1197887"/>
+                </a:cubicBezTo>
+                <a:cubicBezTo>
+                  <a:pt x="76154" y="1201920"/>
+                  <a:pt x="68090" y="1205088"/>
+                  <a:pt x="60120" y="1206624"/>
+                </a:cubicBezTo>
+                <a:cubicBezTo>
+                  <a:pt x="49174" y="1208736"/>
+                  <a:pt x="38324" y="1209601"/>
+                  <a:pt x="26514" y="1208352"/>
+                </a:cubicBezTo>
+                <a:cubicBezTo>
+                  <a:pt x="18161" y="1207488"/>
+                  <a:pt x="11343" y="1207104"/>
+                  <a:pt x="4814" y="1202015"/>
+                </a:cubicBezTo>
+                <a:cubicBezTo>
+                  <a:pt x="3759" y="1201247"/>
+                  <a:pt x="1839" y="1201055"/>
+                  <a:pt x="398" y="1201152"/>
+                </a:cubicBezTo>
+                <a:lnTo>
+                  <a:pt x="0" y="1201150"/>
+                </a:lnTo>
+                <a:lnTo>
+                  <a:pt x="0" y="1004512"/>
+                </a:lnTo>
+                <a:lnTo>
+                  <a:pt x="30355" y="1002784"/>
+                </a:lnTo>
+                <a:cubicBezTo>
+                  <a:pt x="37748" y="1002111"/>
+                  <a:pt x="44853" y="999520"/>
+                  <a:pt x="52151" y="997695"/>
+                </a:cubicBezTo>
+                <a:cubicBezTo>
+                  <a:pt x="56183" y="996639"/>
+                  <a:pt x="60504" y="993855"/>
+                  <a:pt x="64248" y="994430"/>
+                </a:cubicBezTo>
+                <a:cubicBezTo>
+                  <a:pt x="85948" y="997791"/>
+                  <a:pt x="105823" y="989534"/>
+                  <a:pt x="126370" y="985405"/>
+                </a:cubicBezTo>
+                <a:cubicBezTo>
+                  <a:pt x="135876" y="983485"/>
+                  <a:pt x="144805" y="978876"/>
+                  <a:pt x="154022" y="975708"/>
+                </a:cubicBezTo>
+                <a:cubicBezTo>
+                  <a:pt x="156423" y="974843"/>
+                  <a:pt x="159111" y="974075"/>
+                  <a:pt x="161512" y="974268"/>
+                </a:cubicBezTo>
+                <a:cubicBezTo>
+                  <a:pt x="175242" y="975420"/>
+                  <a:pt x="188876" y="977052"/>
+                  <a:pt x="202510" y="978300"/>
+                </a:cubicBezTo>
+                <a:cubicBezTo>
+                  <a:pt x="214896" y="979452"/>
+                  <a:pt x="227378" y="979836"/>
+                  <a:pt x="233235" y="993950"/>
+                </a:cubicBezTo>
+                <a:cubicBezTo>
+                  <a:pt x="234100" y="996159"/>
+                  <a:pt x="236979" y="997791"/>
+                  <a:pt x="239188" y="999231"/>
+                </a:cubicBezTo>
+                <a:cubicBezTo>
+                  <a:pt x="273274" y="1021411"/>
+                  <a:pt x="291516" y="1020835"/>
+                  <a:pt x="324834" y="997407"/>
+                </a:cubicBezTo>
+                <a:cubicBezTo>
+                  <a:pt x="328290" y="995007"/>
+                  <a:pt x="335683" y="993278"/>
+                  <a:pt x="337987" y="995198"/>
+                </a:cubicBezTo>
+                <a:cubicBezTo>
+                  <a:pt x="357575" y="1011137"/>
+                  <a:pt x="378986" y="1009409"/>
+                  <a:pt x="401550" y="1004416"/>
+                </a:cubicBezTo>
+                <a:cubicBezTo>
+                  <a:pt x="407407" y="1003072"/>
+                  <a:pt x="415664" y="1003072"/>
+                  <a:pt x="420081" y="1006240"/>
+                </a:cubicBezTo>
+                <a:cubicBezTo>
+                  <a:pt x="441108" y="1020930"/>
+                  <a:pt x="463672" y="1018819"/>
+                  <a:pt x="486523" y="1014498"/>
+                </a:cubicBezTo>
+                <a:cubicBezTo>
+                  <a:pt x="490075" y="1013826"/>
+                  <a:pt x="494397" y="1010177"/>
+                  <a:pt x="495932" y="1006817"/>
+                </a:cubicBezTo>
+                <a:cubicBezTo>
+                  <a:pt x="501406" y="994911"/>
+                  <a:pt x="511680" y="990878"/>
+                  <a:pt x="523009" y="987517"/>
+                </a:cubicBezTo>
+                <a:cubicBezTo>
+                  <a:pt x="540868" y="982044"/>
+                  <a:pt x="558438" y="975611"/>
+                  <a:pt x="576393" y="970427"/>
+                </a:cubicBezTo>
+                <a:cubicBezTo>
+                  <a:pt x="580811" y="969179"/>
+                  <a:pt x="586283" y="969947"/>
+                  <a:pt x="590892" y="971387"/>
+                </a:cubicBezTo>
+                <a:cubicBezTo>
+                  <a:pt x="606638" y="976284"/>
+                  <a:pt x="616624" y="988574"/>
+                  <a:pt x="627569" y="999904"/>
+                </a:cubicBezTo>
+                <a:cubicBezTo>
+                  <a:pt x="632370" y="1004897"/>
+                  <a:pt x="638995" y="1008449"/>
+                  <a:pt x="645429" y="1011329"/>
+                </a:cubicBezTo>
+                <a:cubicBezTo>
+                  <a:pt x="662135" y="1018723"/>
+                  <a:pt x="679226" y="1025348"/>
+                  <a:pt x="696125" y="1032356"/>
+                </a:cubicBezTo>
+                <a:cubicBezTo>
+                  <a:pt x="697757" y="1033029"/>
+                  <a:pt x="699100" y="1034757"/>
+                  <a:pt x="700349" y="1036197"/>
+                </a:cubicBezTo>
+                <a:cubicBezTo>
+                  <a:pt x="712831" y="1051368"/>
+                  <a:pt x="725216" y="1066634"/>
+                  <a:pt x="737795" y="1081804"/>
+                </a:cubicBezTo>
+                <a:cubicBezTo>
+                  <a:pt x="740195" y="1084684"/>
+                  <a:pt x="743652" y="1086797"/>
+                  <a:pt x="746244" y="1089581"/>
+                </a:cubicBezTo>
+                <a:cubicBezTo>
+                  <a:pt x="749893" y="1093422"/>
+                  <a:pt x="754502" y="1097071"/>
+                  <a:pt x="756422" y="1101680"/>
+                </a:cubicBezTo>
+                <a:cubicBezTo>
+                  <a:pt x="762374" y="1116177"/>
+                  <a:pt x="773801" y="1122419"/>
+                  <a:pt x="788202" y="1125108"/>
+                </a:cubicBezTo>
+                <a:cubicBezTo>
+                  <a:pt x="801357" y="1127603"/>
+                  <a:pt x="814511" y="1129716"/>
+                  <a:pt x="827569" y="1132596"/>
+                </a:cubicBezTo>
+                <a:cubicBezTo>
+                  <a:pt x="843507" y="1136053"/>
+                  <a:pt x="859350" y="1139798"/>
+                  <a:pt x="875097" y="1144022"/>
+                </a:cubicBezTo>
+                <a:cubicBezTo>
+                  <a:pt x="881913" y="1145847"/>
+                  <a:pt x="889115" y="1147959"/>
+                  <a:pt x="894972" y="1151704"/>
+                </a:cubicBezTo>
+                <a:cubicBezTo>
+                  <a:pt x="911390" y="1162073"/>
+                  <a:pt x="928961" y="1169082"/>
+                  <a:pt x="948260" y="1166298"/>
+                </a:cubicBezTo>
+                <a:cubicBezTo>
+                  <a:pt x="963718" y="1164089"/>
+                  <a:pt x="976680" y="1169754"/>
+                  <a:pt x="986282" y="1178588"/>
+                </a:cubicBezTo>
+                <a:cubicBezTo>
+                  <a:pt x="1003757" y="1194623"/>
+                  <a:pt x="1022479" y="1190973"/>
+                  <a:pt x="1041107" y="1185789"/>
+                </a:cubicBezTo>
+                <a:cubicBezTo>
+                  <a:pt x="1050708" y="1183101"/>
+                  <a:pt x="1058581" y="1183485"/>
+                  <a:pt x="1067703" y="1186076"/>
+                </a:cubicBezTo>
+                <a:cubicBezTo>
+                  <a:pt x="1088826" y="1192126"/>
+                  <a:pt x="1102941" y="1208544"/>
+                  <a:pt x="1116574" y="1222946"/>
+                </a:cubicBezTo>
+                <a:cubicBezTo>
+                  <a:pt x="1128193" y="1235236"/>
+                  <a:pt x="1141251" y="1242149"/>
+                  <a:pt x="1155557" y="1247335"/>
+                </a:cubicBezTo>
+                <a:cubicBezTo>
+                  <a:pt x="1173608" y="1253959"/>
+                  <a:pt x="1187914" y="1251464"/>
+                  <a:pt x="1196556" y="1235525"/>
+                </a:cubicBezTo>
+                <a:cubicBezTo>
+                  <a:pt x="1198956" y="1231012"/>
+                  <a:pt x="1203180" y="1225730"/>
+                  <a:pt x="1207693" y="1224387"/>
+                </a:cubicBezTo>
+                <a:cubicBezTo>
+                  <a:pt x="1229488" y="1217666"/>
+                  <a:pt x="1251572" y="1207872"/>
+                  <a:pt x="1274904" y="1213826"/>
+                </a:cubicBezTo>
+                <a:cubicBezTo>
+                  <a:pt x="1307165" y="1221987"/>
+                  <a:pt x="1338658" y="1221507"/>
+                  <a:pt x="1370919" y="1213442"/>
+                </a:cubicBezTo>
+                <a:cubicBezTo>
+                  <a:pt x="1423247" y="1200383"/>
+                  <a:pt x="1475575" y="1186557"/>
+                  <a:pt x="1530593" y="1189437"/>
+                </a:cubicBezTo>
+                <a:cubicBezTo>
+                  <a:pt x="1539713" y="1189917"/>
+                  <a:pt x="1550563" y="1184060"/>
+                  <a:pt x="1558436" y="1178299"/>
+                </a:cubicBezTo>
+                <a:cubicBezTo>
+                  <a:pt x="1573511" y="1167354"/>
+                  <a:pt x="1572838" y="1166489"/>
+                  <a:pt x="1589737" y="1175515"/>
+                </a:cubicBezTo>
+                <a:cubicBezTo>
+                  <a:pt x="1593770" y="1177724"/>
+                  <a:pt x="1598763" y="1179068"/>
+                  <a:pt x="1601740" y="1182333"/>
+                </a:cubicBezTo>
+                <a:cubicBezTo>
+                  <a:pt x="1616909" y="1198943"/>
+                  <a:pt x="1635633" y="1194910"/>
+                  <a:pt x="1654259" y="1192510"/>
+                </a:cubicBezTo>
+                <a:cubicBezTo>
+                  <a:pt x="1657524" y="1192030"/>
+                  <a:pt x="1661460" y="1191358"/>
+                  <a:pt x="1664246" y="1192702"/>
+                </a:cubicBezTo>
+                <a:cubicBezTo>
+                  <a:pt x="1676823" y="1198750"/>
+                  <a:pt x="1687481" y="1196639"/>
+                  <a:pt x="1698427" y="1188381"/>
+                </a:cubicBezTo>
+                <a:cubicBezTo>
+                  <a:pt x="1707932" y="1181276"/>
+                  <a:pt x="1718878" y="1177052"/>
+                  <a:pt x="1730112" y="1185885"/>
+                </a:cubicBezTo>
+                <a:cubicBezTo>
+                  <a:pt x="1755076" y="1205472"/>
+                  <a:pt x="1781767" y="1206432"/>
+                  <a:pt x="1809996" y="1194046"/>
+                </a:cubicBezTo>
+                <a:cubicBezTo>
+                  <a:pt x="1830159" y="1185213"/>
+                  <a:pt x="1850034" y="1183196"/>
+                  <a:pt x="1871254" y="1192126"/>
+                </a:cubicBezTo>
+                <a:cubicBezTo>
+                  <a:pt x="1879415" y="1195582"/>
+                  <a:pt x="1889977" y="1193278"/>
+                  <a:pt x="1899482" y="1194046"/>
+                </a:cubicBezTo>
+                <a:cubicBezTo>
+                  <a:pt x="1904859" y="1194430"/>
+                  <a:pt x="1910813" y="1194526"/>
+                  <a:pt x="1915420" y="1196927"/>
+                </a:cubicBezTo>
+                <a:cubicBezTo>
+                  <a:pt x="1927711" y="1203072"/>
+                  <a:pt x="1939136" y="1210945"/>
+                  <a:pt x="1951522" y="1216994"/>
+                </a:cubicBezTo>
+                <a:cubicBezTo>
+                  <a:pt x="1957475" y="1219874"/>
+                  <a:pt x="1964580" y="1221410"/>
+                  <a:pt x="1971302" y="1221507"/>
+                </a:cubicBezTo>
+                <a:cubicBezTo>
+                  <a:pt x="1991177" y="1221987"/>
+                  <a:pt x="2011052" y="1221987"/>
+                  <a:pt x="2030831" y="1221123"/>
+                </a:cubicBezTo>
+                <a:cubicBezTo>
+                  <a:pt x="2063476" y="1219778"/>
+                  <a:pt x="2096601" y="1219490"/>
+                  <a:pt x="2120125" y="1190878"/>
+                </a:cubicBezTo>
+                <a:cubicBezTo>
+                  <a:pt x="2122046" y="1188573"/>
+                  <a:pt x="2126174" y="1187229"/>
+                  <a:pt x="2129439" y="1186845"/>
+                </a:cubicBezTo>
+                <a:cubicBezTo>
+                  <a:pt x="2144513" y="1185021"/>
+                  <a:pt x="2159971" y="1184828"/>
+                  <a:pt x="2174854" y="1181852"/>
+                </a:cubicBezTo>
+                <a:cubicBezTo>
+                  <a:pt x="2186760" y="1179452"/>
+                  <a:pt x="2196650" y="1180220"/>
+                  <a:pt x="2205674" y="1188669"/>
+                </a:cubicBezTo>
+                <a:cubicBezTo>
+                  <a:pt x="2217485" y="1199807"/>
+                  <a:pt x="2231887" y="1206336"/>
+                  <a:pt x="2247634" y="1202784"/>
+                </a:cubicBezTo>
+                <a:cubicBezTo>
+                  <a:pt x="2263379" y="1199327"/>
+                  <a:pt x="2273749" y="1206816"/>
+                  <a:pt x="2285367" y="1214594"/>
+                </a:cubicBezTo>
+                <a:cubicBezTo>
+                  <a:pt x="2293817" y="1220258"/>
+                  <a:pt x="2303418" y="1227363"/>
+                  <a:pt x="2312827" y="1227939"/>
+                </a:cubicBezTo>
+                <a:cubicBezTo>
+                  <a:pt x="2334143" y="1229187"/>
+                  <a:pt x="2352482" y="1248967"/>
+                  <a:pt x="2375622" y="1237733"/>
+                </a:cubicBezTo>
+                <a:cubicBezTo>
+                  <a:pt x="2377158" y="1236965"/>
+                  <a:pt x="2379942" y="1238885"/>
+                  <a:pt x="2382151" y="1239365"/>
+                </a:cubicBezTo>
+                <a:cubicBezTo>
+                  <a:pt x="2399817" y="1243014"/>
+                  <a:pt x="2416428" y="1239461"/>
+                  <a:pt x="2429390" y="1227459"/>
+                </a:cubicBezTo>
+                <a:cubicBezTo>
+                  <a:pt x="2446385" y="1211809"/>
+                  <a:pt x="2465203" y="1210272"/>
+                  <a:pt x="2486134" y="1215362"/>
+                </a:cubicBezTo>
+                <a:cubicBezTo>
+                  <a:pt x="2492856" y="1216994"/>
+                  <a:pt x="2499577" y="1218146"/>
+                  <a:pt x="2506394" y="1219490"/>
+                </a:cubicBezTo>
+                <a:cubicBezTo>
+                  <a:pt x="2515611" y="1221410"/>
+                  <a:pt x="2524925" y="1223427"/>
+                  <a:pt x="2534142" y="1225347"/>
+                </a:cubicBezTo>
+                <a:cubicBezTo>
+                  <a:pt x="2543072" y="1227268"/>
+                  <a:pt x="2552962" y="1230532"/>
+                  <a:pt x="2559874" y="1222275"/>
+                </a:cubicBezTo>
+                <a:cubicBezTo>
+                  <a:pt x="2565827" y="1215169"/>
+                  <a:pt x="2570052" y="1215842"/>
+                  <a:pt x="2575525" y="1221987"/>
+                </a:cubicBezTo>
+                <a:cubicBezTo>
+                  <a:pt x="2594536" y="1243494"/>
+                  <a:pt x="2617580" y="1256936"/>
+                  <a:pt x="2646960" y="1257896"/>
+                </a:cubicBezTo>
+                <a:cubicBezTo>
+                  <a:pt x="2653009" y="1258088"/>
+                  <a:pt x="2659154" y="1259432"/>
+                  <a:pt x="2665107" y="1260873"/>
+                </a:cubicBezTo>
+                <a:cubicBezTo>
+                  <a:pt x="2668756" y="1261736"/>
+                  <a:pt x="2673173" y="1262697"/>
+                  <a:pt x="2675381" y="1265290"/>
+                </a:cubicBezTo>
+                <a:cubicBezTo>
+                  <a:pt x="2692567" y="1285068"/>
+                  <a:pt x="2713979" y="1298799"/>
+                  <a:pt x="2737311" y="1309841"/>
+                </a:cubicBezTo>
+                <a:cubicBezTo>
+                  <a:pt x="2745664" y="1313777"/>
+                  <a:pt x="2754594" y="1317713"/>
+                  <a:pt x="2763619" y="1318866"/>
+                </a:cubicBezTo>
+                <a:cubicBezTo>
+                  <a:pt x="2773028" y="1320018"/>
+                  <a:pt x="2782917" y="1318098"/>
+                  <a:pt x="2792519" y="1317041"/>
+                </a:cubicBezTo>
+                <a:cubicBezTo>
+                  <a:pt x="2798184" y="1316466"/>
+                  <a:pt x="2804713" y="1316561"/>
+                  <a:pt x="2809226" y="1313777"/>
+                </a:cubicBezTo>
+                <a:cubicBezTo>
+                  <a:pt x="2823532" y="1305039"/>
+                  <a:pt x="2837358" y="1295631"/>
+                  <a:pt x="2850705" y="1285452"/>
+                </a:cubicBezTo>
+                <a:cubicBezTo>
+                  <a:pt x="2862131" y="1276715"/>
+                  <a:pt x="2864435" y="1275467"/>
+                  <a:pt x="2874324" y="1286413"/>
+                </a:cubicBezTo>
+                <a:cubicBezTo>
+                  <a:pt x="2884502" y="1297647"/>
+                  <a:pt x="2897176" y="1303503"/>
+                  <a:pt x="2911194" y="1305903"/>
+                </a:cubicBezTo>
+                <a:cubicBezTo>
+                  <a:pt x="2933373" y="1309648"/>
+                  <a:pt x="2955745" y="1312816"/>
+                  <a:pt x="2978116" y="1314641"/>
+                </a:cubicBezTo>
+                <a:cubicBezTo>
+                  <a:pt x="2998375" y="1316273"/>
+                  <a:pt x="3008073" y="1307440"/>
+                  <a:pt x="3012106" y="1287373"/>
+                </a:cubicBezTo>
+                <a:cubicBezTo>
+                  <a:pt x="3014410" y="1276235"/>
+                  <a:pt x="3017387" y="1264137"/>
+                  <a:pt x="3029676" y="1261161"/>
+                </a:cubicBezTo>
+                <a:cubicBezTo>
+                  <a:pt x="3049744" y="1256360"/>
+                  <a:pt x="3070579" y="1254248"/>
+                  <a:pt x="3080469" y="1230724"/>
+                </a:cubicBezTo>
+                <a:cubicBezTo>
+                  <a:pt x="3085941" y="1235909"/>
+                  <a:pt x="3089302" y="1238981"/>
+                  <a:pt x="3092567" y="1242054"/>
+                </a:cubicBezTo>
+                <a:cubicBezTo>
+                  <a:pt x="3101592" y="1250599"/>
+                  <a:pt x="3120314" y="1254248"/>
+                  <a:pt x="3129821" y="1246855"/>
+                </a:cubicBezTo>
+                <a:cubicBezTo>
+                  <a:pt x="3143839" y="1236101"/>
+                  <a:pt x="3156705" y="1238117"/>
+                  <a:pt x="3170147" y="1246471"/>
+                </a:cubicBezTo>
+                <a:cubicBezTo>
+                  <a:pt x="3192615" y="1260297"/>
+                  <a:pt x="3217674" y="1257128"/>
+                  <a:pt x="3240429" y="1251559"/>
+                </a:cubicBezTo>
+                <a:cubicBezTo>
+                  <a:pt x="3257617" y="1247430"/>
+                  <a:pt x="3275956" y="1239845"/>
+                  <a:pt x="3287189" y="1222466"/>
+                </a:cubicBezTo>
+                <a:cubicBezTo>
+                  <a:pt x="3290741" y="1216898"/>
+                  <a:pt x="3298711" y="1214113"/>
+                  <a:pt x="3305049" y="1210465"/>
+                </a:cubicBezTo>
+                <a:cubicBezTo>
+                  <a:pt x="3310329" y="1207488"/>
+                  <a:pt x="3315898" y="1204704"/>
+                  <a:pt x="3321755" y="1202784"/>
+                </a:cubicBezTo>
+                <a:cubicBezTo>
+                  <a:pt x="3327995" y="1200671"/>
+                  <a:pt x="3334909" y="1197598"/>
+                  <a:pt x="3341055" y="1198463"/>
+                </a:cubicBezTo>
+                <a:cubicBezTo>
+                  <a:pt x="3359681" y="1200959"/>
+                  <a:pt x="3374467" y="1196062"/>
+                  <a:pt x="3387621" y="1182140"/>
+                </a:cubicBezTo>
+                <a:cubicBezTo>
+                  <a:pt x="3394439" y="1174939"/>
+                  <a:pt x="3404520" y="1166202"/>
+                  <a:pt x="3413161" y="1166105"/>
+                </a:cubicBezTo>
+                <a:cubicBezTo>
+                  <a:pt x="3434189" y="1165818"/>
+                  <a:pt x="3451663" y="1158905"/>
+                  <a:pt x="3470579" y="1150647"/>
+                </a:cubicBezTo>
+                <a:cubicBezTo>
+                  <a:pt x="3482772" y="1145366"/>
+                  <a:pt x="3496598" y="1141718"/>
+                  <a:pt x="3509657" y="1136821"/>
+                </a:cubicBezTo>
+                <a:cubicBezTo>
+                  <a:pt x="3524923" y="1131060"/>
+                  <a:pt x="3541534" y="1128948"/>
+                  <a:pt x="3550847" y="1113009"/>
+                </a:cubicBezTo>
+                <a:cubicBezTo>
+                  <a:pt x="3551903" y="1111281"/>
+                  <a:pt x="3555072" y="1110993"/>
+                  <a:pt x="3556608" y="1109361"/>
+                </a:cubicBezTo>
+                <a:cubicBezTo>
+                  <a:pt x="3561505" y="1104368"/>
+                  <a:pt x="3567842" y="1099760"/>
+                  <a:pt x="3570435" y="1093710"/>
+                </a:cubicBezTo>
+                <a:cubicBezTo>
+                  <a:pt x="3577923" y="1076044"/>
+                  <a:pt x="3583780" y="1057800"/>
+                  <a:pt x="3590501" y="1039846"/>
+                </a:cubicBezTo>
+                <a:cubicBezTo>
+                  <a:pt x="3591942" y="1036005"/>
+                  <a:pt x="3593285" y="1031108"/>
+                  <a:pt x="3596263" y="1028900"/>
+                </a:cubicBezTo>
+                <a:cubicBezTo>
+                  <a:pt x="3613449" y="1016226"/>
+                  <a:pt x="3630925" y="1004032"/>
+                  <a:pt x="3648591" y="992030"/>
+                </a:cubicBezTo>
+                <a:cubicBezTo>
+                  <a:pt x="3655696" y="987229"/>
+                  <a:pt x="3661649" y="989918"/>
+                  <a:pt x="3667986" y="995487"/>
+                </a:cubicBezTo>
+                <a:cubicBezTo>
+                  <a:pt x="3674131" y="1000768"/>
+                  <a:pt x="3681717" y="1006240"/>
+                  <a:pt x="3689397" y="1007585"/>
+                </a:cubicBezTo>
+                <a:cubicBezTo>
+                  <a:pt x="3704760" y="1010177"/>
+                  <a:pt x="3720698" y="1010753"/>
+                  <a:pt x="3736349" y="1010753"/>
+                </a:cubicBezTo>
+                <a:cubicBezTo>
+                  <a:pt x="3742205" y="1010753"/>
+                  <a:pt x="3748446" y="1007297"/>
+                  <a:pt x="3753919" y="1004513"/>
+                </a:cubicBezTo>
+                <a:cubicBezTo>
+                  <a:pt x="3764289" y="999231"/>
+                  <a:pt x="3773890" y="992126"/>
+                  <a:pt x="3784643" y="987710"/>
+                </a:cubicBezTo>
+                <a:cubicBezTo>
+                  <a:pt x="3797126" y="982621"/>
+                  <a:pt x="3804615" y="974459"/>
+                  <a:pt x="3808359" y="961689"/>
+                </a:cubicBezTo>
+                <a:cubicBezTo>
+                  <a:pt x="3813929" y="942679"/>
+                  <a:pt x="3827179" y="929428"/>
+                  <a:pt x="3842829" y="918674"/>
+                </a:cubicBezTo>
+                <a:cubicBezTo>
+                  <a:pt x="3862705" y="904944"/>
+                  <a:pt x="3886421" y="905616"/>
+                  <a:pt x="3908983" y="902256"/>
+                </a:cubicBezTo>
+                <a:cubicBezTo>
+                  <a:pt x="3917625" y="901008"/>
+                  <a:pt x="3926555" y="899951"/>
+                  <a:pt x="3934428" y="896783"/>
+                </a:cubicBezTo>
+                <a:cubicBezTo>
+                  <a:pt x="3964288" y="884877"/>
+                  <a:pt x="3994149" y="873548"/>
+                  <a:pt x="4026987" y="873835"/>
+                </a:cubicBezTo>
+                <a:cubicBezTo>
+                  <a:pt x="4029674" y="873835"/>
+                  <a:pt x="4032363" y="873548"/>
+                  <a:pt x="4035051" y="873067"/>
+                </a:cubicBezTo>
+                <a:cubicBezTo>
+                  <a:pt x="4058383" y="869131"/>
+                  <a:pt x="4082483" y="867594"/>
+                  <a:pt x="4099189" y="846664"/>
+                </a:cubicBezTo>
+                <a:cubicBezTo>
+                  <a:pt x="4102261" y="842823"/>
+                  <a:pt x="4109271" y="841671"/>
+                  <a:pt x="4114647" y="840134"/>
+                </a:cubicBezTo>
+                <a:cubicBezTo>
+                  <a:pt x="4123961" y="837638"/>
+                  <a:pt x="4130203" y="832549"/>
+                  <a:pt x="4133563" y="823427"/>
+                </a:cubicBezTo>
+                <a:cubicBezTo>
+                  <a:pt x="4139229" y="807681"/>
+                  <a:pt x="4145949" y="792223"/>
+                  <a:pt x="4151039" y="776284"/>
+                </a:cubicBezTo>
+                <a:cubicBezTo>
+                  <a:pt x="4154591" y="765338"/>
+                  <a:pt x="4161215" y="759289"/>
+                  <a:pt x="4171489" y="754776"/>
+                </a:cubicBezTo>
+                <a:cubicBezTo>
+                  <a:pt x="4177251" y="752280"/>
+                  <a:pt x="4182243" y="746808"/>
+                  <a:pt x="4186372" y="741718"/>
+                </a:cubicBezTo>
+                <a:cubicBezTo>
+                  <a:pt x="4191365" y="735573"/>
+                  <a:pt x="4193957" y="727412"/>
+                  <a:pt x="4199429" y="721940"/>
+                </a:cubicBezTo>
+                <a:cubicBezTo>
+                  <a:pt x="4212775" y="708305"/>
+                  <a:pt x="4216905" y="693231"/>
+                  <a:pt x="4212487" y="674604"/>
+                </a:cubicBezTo>
+                <a:cubicBezTo>
+                  <a:pt x="4208551" y="658090"/>
+                  <a:pt x="4218921" y="636006"/>
+                  <a:pt x="4232555" y="632645"/>
+                </a:cubicBezTo>
+                <a:cubicBezTo>
+                  <a:pt x="4247629" y="628900"/>
+                  <a:pt x="4257999" y="619684"/>
+                  <a:pt x="4268657" y="609410"/>
+                </a:cubicBezTo>
+                <a:cubicBezTo>
+                  <a:pt x="4274609" y="603649"/>
+                  <a:pt x="4282963" y="598656"/>
+                  <a:pt x="4291028" y="597216"/>
+                </a:cubicBezTo>
+                <a:cubicBezTo>
+                  <a:pt x="4321657" y="591647"/>
+                  <a:pt x="4350557" y="598464"/>
+                  <a:pt x="4379651" y="609506"/>
+                </a:cubicBezTo>
+                <a:cubicBezTo>
+                  <a:pt x="4398661" y="616707"/>
+                  <a:pt x="4419784" y="618627"/>
+                  <a:pt x="4440139" y="621507"/>
+                </a:cubicBezTo>
+                <a:cubicBezTo>
+                  <a:pt x="4446477" y="622371"/>
+                  <a:pt x="4454542" y="620452"/>
+                  <a:pt x="4460015" y="616899"/>
+                </a:cubicBezTo>
+                <a:cubicBezTo>
+                  <a:pt x="4479218" y="604609"/>
+                  <a:pt x="4498325" y="591935"/>
+                  <a:pt x="4516183" y="577724"/>
+                </a:cubicBezTo>
+                <a:cubicBezTo>
+                  <a:pt x="4532795" y="564379"/>
+                  <a:pt x="4551517" y="558810"/>
+                  <a:pt x="4571681" y="560250"/>
+                </a:cubicBezTo>
+                <a:cubicBezTo>
+                  <a:pt x="4586371" y="561306"/>
+                  <a:pt x="4599621" y="558905"/>
+                  <a:pt x="4613447" y="555257"/>
+                </a:cubicBezTo>
+                <a:cubicBezTo>
+                  <a:pt x="4624969" y="552185"/>
+                  <a:pt x="4637643" y="550072"/>
+                  <a:pt x="4649355" y="551417"/>
+                </a:cubicBezTo>
+                <a:cubicBezTo>
+                  <a:pt x="4665775" y="553337"/>
+                  <a:pt x="4679313" y="550553"/>
+                  <a:pt x="4692467" y="540663"/>
+                </a:cubicBezTo>
+                <a:cubicBezTo>
+                  <a:pt x="4699476" y="535382"/>
+                  <a:pt x="4708502" y="532598"/>
+                  <a:pt x="4716855" y="528949"/>
+                </a:cubicBezTo>
+                <a:cubicBezTo>
+                  <a:pt x="4729721" y="523284"/>
+                  <a:pt x="4743067" y="518483"/>
+                  <a:pt x="4755645" y="512147"/>
+                </a:cubicBezTo>
+                <a:cubicBezTo>
+                  <a:pt x="4769183" y="505425"/>
+                  <a:pt x="4781569" y="496112"/>
+                  <a:pt x="4795395" y="490351"/>
+                </a:cubicBezTo>
+                <a:cubicBezTo>
+                  <a:pt x="4810278" y="484110"/>
+                  <a:pt x="4819879" y="474605"/>
+                  <a:pt x="4825928" y="459818"/>
+                </a:cubicBezTo>
+                <a:cubicBezTo>
+                  <a:pt x="4829769" y="450504"/>
+                  <a:pt x="4835049" y="440615"/>
+                  <a:pt x="4842347" y="434086"/>
+                </a:cubicBezTo>
+                <a:cubicBezTo>
+                  <a:pt x="4857422" y="420740"/>
+                  <a:pt x="4875087" y="410370"/>
+                  <a:pt x="4890451" y="397216"/>
+                </a:cubicBezTo>
+                <a:cubicBezTo>
+                  <a:pt x="4912054" y="378781"/>
+                  <a:pt x="4932025" y="359194"/>
+                  <a:pt x="4933945" y="327701"/>
+                </a:cubicBezTo>
+                <a:cubicBezTo>
+                  <a:pt x="4935001" y="310322"/>
+                  <a:pt x="4944219" y="302929"/>
+                  <a:pt x="4961214" y="298801"/>
+                </a:cubicBezTo>
+                <a:cubicBezTo>
+                  <a:pt x="4966878" y="297457"/>
+                  <a:pt x="4974945" y="294864"/>
+                  <a:pt x="4976672" y="290639"/>
+                </a:cubicBezTo>
+                <a:cubicBezTo>
+                  <a:pt x="4981857" y="278061"/>
+                  <a:pt x="4992610" y="275565"/>
+                  <a:pt x="5002979" y="270573"/>
+                </a:cubicBezTo>
+                <a:cubicBezTo>
+                  <a:pt x="5009221" y="267596"/>
+                  <a:pt x="5016903" y="261739"/>
+                  <a:pt x="5018535" y="255690"/>
+                </a:cubicBezTo>
+                <a:cubicBezTo>
+                  <a:pt x="5025255" y="231206"/>
+                  <a:pt x="5043690" y="216804"/>
+                  <a:pt x="5061069" y="200961"/>
+                </a:cubicBezTo>
+                <a:cubicBezTo>
+                  <a:pt x="5066158" y="196256"/>
+                  <a:pt x="5071631" y="190879"/>
+                  <a:pt x="5074127" y="184735"/>
+                </a:cubicBezTo>
+                <a:cubicBezTo>
+                  <a:pt x="5079409" y="171484"/>
+                  <a:pt x="5087281" y="161882"/>
+                  <a:pt x="5101108" y="156891"/>
+                </a:cubicBezTo>
+                <a:cubicBezTo>
+                  <a:pt x="5105524" y="155354"/>
+                  <a:pt x="5109557" y="151801"/>
+                  <a:pt x="5112918" y="148441"/>
+                </a:cubicBezTo>
+                <a:cubicBezTo>
+                  <a:pt x="5120119" y="141144"/>
+                  <a:pt x="5126167" y="132598"/>
+                  <a:pt x="5133753" y="125782"/>
+                </a:cubicBezTo>
+                <a:cubicBezTo>
+                  <a:pt x="5153051" y="108211"/>
+                  <a:pt x="5172159" y="90928"/>
+                  <a:pt x="5183393" y="66348"/>
+                </a:cubicBezTo>
+                <a:cubicBezTo>
+                  <a:pt x="5188865" y="54346"/>
+                  <a:pt x="5195107" y="41288"/>
+                  <a:pt x="5204709" y="33030"/>
+                </a:cubicBezTo>
+                <a:cubicBezTo>
+                  <a:pt x="5216903" y="22565"/>
+                  <a:pt x="5232937" y="16612"/>
+                  <a:pt x="5247243" y="8451"/>
+                </a:cubicBezTo>
+                <a:close/>
+              </a:path>
+            </a:pathLst>
+          </a:custGeom>
+          <a:blipFill dpi="0" rotWithShape="1">
+            <a:blip r:embed="rId2">
+              <a:alphaModFix amt="57000"/>
+            </a:blip>
+            <a:srcRect/>
+            <a:tile tx="0" ty="0" sx="100000" sy="100000" flip="none" algn="tl"/>
+          </a:blipFill>
+          <a:ln>
+            <a:noFill/>
+          </a:ln>
+          <a:effectLst/>
+        </p:spPr>
+        <p:style>
+          <a:lnRef idx="2">
+            <a:schemeClr val="accent1">
+              <a:shade val="50000"/>
+            </a:schemeClr>
+          </a:lnRef>
+          <a:fillRef idx="1">
+            <a:schemeClr val="accent1"/>
+          </a:fillRef>
+          <a:effectRef idx="0">
+            <a:schemeClr val="accent1"/>
+          </a:effectRef>
+          <a:fontRef idx="minor">
+            <a:schemeClr val="lt1"/>
+          </a:fontRef>
+        </p:style>
+        <p:txBody>
+          <a:bodyPr wrap="square" rtlCol="0" anchor="ctr">
+            <a:noAutofit/>
+          </a:bodyPr>
+          <a:lstStyle/>
+          <a:p>
+            <a:pPr algn="ctr"/>
+            <a:endParaRPr lang="en-US"/>
+          </a:p>
+        </p:txBody>
+      </p:sp>
+      <p:sp>
+        <p:nvSpPr>
+          <p:cNvPr id="3" name="Content Placeholder 2">
+            <a:extLst>
+              <a:ext uri="{FF2B5EF4-FFF2-40B4-BE49-F238E27FC236}">
+                <a16:creationId xmlns:a16="http://schemas.microsoft.com/office/drawing/2014/main" id="{C3917459-17B3-2FB0-538B-B176F719D8B7}"/>
+              </a:ext>
+            </a:extLst>
+          </p:cNvPr>
+          <p:cNvSpPr>
+            <a:spLocks noGrp="1"/>
+          </p:cNvSpPr>
+          <p:nvPr>
+            <p:ph idx="1"/>
+          </p:nvPr>
+        </p:nvSpPr>
+        <p:spPr>
+          <a:xfrm>
+            <a:off x="6099175" y="1311088"/>
+            <a:ext cx="5276850" cy="4327261"/>
+          </a:xfrm>
+        </p:spPr>
+        <p:txBody>
+          <a:bodyPr vert="horz" lIns="91440" tIns="45720" rIns="91440" bIns="45720" rtlCol="0" anchor="t">
+            <a:normAutofit/>
+          </a:bodyPr>
+          <a:lstStyle/>
+          <a:p>
+            <a:r>
+              <a:rPr lang="pl-PL" sz="2200" dirty="0">
+                <a:solidFill>
+                  <a:schemeClr val="tx1">
+                    <a:alpha val="80000"/>
+                  </a:schemeClr>
+                </a:solidFill>
+              </a:rPr>
+              <a:t>Unit </a:t>
+            </a:r>
+            <a:r>
+              <a:rPr lang="pl-PL" sz="2200" dirty="0" err="1">
+                <a:solidFill>
+                  <a:schemeClr val="tx1">
+                    <a:alpha val="80000"/>
+                  </a:schemeClr>
+                </a:solidFill>
+              </a:rPr>
+              <a:t>Tests</a:t>
+            </a:r>
+            <a:endParaRPr lang="pl-PL" sz="2200" dirty="0" err="1">
+              <a:solidFill>
+                <a:schemeClr val="tx1">
+                  <a:alpha val="80000"/>
+                </a:schemeClr>
+              </a:solidFill>
+              <a:cs typeface="Calibri"/>
+            </a:endParaRPr>
+          </a:p>
+          <a:p>
+            <a:r>
+              <a:rPr lang="pl-PL" sz="2200" dirty="0">
+                <a:solidFill>
+                  <a:schemeClr val="tx1">
+                    <a:alpha val="80000"/>
+                  </a:schemeClr>
+                </a:solidFill>
+                <a:cs typeface="Calibri"/>
+              </a:rPr>
+              <a:t>Integration </a:t>
+            </a:r>
+            <a:r>
+              <a:rPr lang="pl-PL" sz="2200" dirty="0" err="1">
+                <a:solidFill>
+                  <a:schemeClr val="tx1">
+                    <a:alpha val="80000"/>
+                  </a:schemeClr>
+                </a:solidFill>
+                <a:cs typeface="Calibri"/>
+              </a:rPr>
+              <a:t>Tests</a:t>
+            </a:r>
+          </a:p>
+          <a:p>
+            <a:r>
+              <a:rPr lang="pl-PL" sz="2200" dirty="0">
+                <a:solidFill>
+                  <a:schemeClr val="tx1">
+                    <a:alpha val="80000"/>
+                  </a:schemeClr>
+                </a:solidFill>
+                <a:cs typeface="Calibri"/>
+              </a:rPr>
+              <a:t>End To End </a:t>
+            </a:r>
+            <a:r>
+              <a:rPr lang="pl-PL" sz="2200" dirty="0" err="1">
+                <a:solidFill>
+                  <a:schemeClr val="tx1">
+                    <a:alpha val="80000"/>
+                  </a:schemeClr>
+                </a:solidFill>
+                <a:cs typeface="Calibri"/>
+              </a:rPr>
+              <a:t>Tests</a:t>
+            </a:r>
+          </a:p>
+          <a:p>
+            <a:r>
+              <a:rPr lang="pl-PL" sz="2200" dirty="0">
+                <a:solidFill>
+                  <a:schemeClr val="tx1">
+                    <a:alpha val="80000"/>
+                  </a:schemeClr>
+                </a:solidFill>
+                <a:cs typeface="Calibri"/>
+              </a:rPr>
+              <a:t>Automation </a:t>
+            </a:r>
+            <a:r>
+              <a:rPr lang="pl-PL" sz="2200" dirty="0" err="1">
+                <a:solidFill>
+                  <a:schemeClr val="tx1">
+                    <a:alpha val="80000"/>
+                  </a:schemeClr>
+                </a:solidFill>
+                <a:cs typeface="Calibri"/>
+              </a:rPr>
+              <a:t>Tests</a:t>
+            </a:r>
+          </a:p>
+          <a:p>
+            <a:endParaRPr lang="pl-PL" sz="2200" dirty="0">
+              <a:solidFill>
+                <a:srgbClr val="FFFFFF">
+                  <a:alpha val="80000"/>
+                </a:srgbClr>
+              </a:solidFill>
+              <a:cs typeface="Calibri"/>
+            </a:endParaRPr>
+          </a:p>
+        </p:txBody>
+      </p:sp>
+    </p:spTree>
+    <p:extLst>
+      <p:ext uri="{BB962C8B-B14F-4D97-AF65-F5344CB8AC3E}">
+        <p14:creationId xmlns:p14="http://schemas.microsoft.com/office/powerpoint/2010/main" val="2406994956"/>
+      </p:ext>
+    </p:extLst>
+  </p:cSld>
+  <p:clrMapOvr>
+    <a:overrideClrMapping bg1="dk1" tx1="lt1" bg2="dk2" tx2="lt2" accent1="accent1" accent2="accent2" accent3="accent3" accent4="accent4" accent5="accent5" accent6="accent6" hlink="hlink" folHlink="folHlink"/>
+  </p:clrMapOvr>
+</p:sld>
+</file>
+
+<file path=ppt/slides/slide5.xml><?xml version="1.0" encoding="utf-8"?>
+<p:sld xmlns:a="http://schemas.openxmlformats.org/drawingml/2006/main" xmlns:r="http://schemas.openxmlformats.org/officeDocument/2006/relationships" xmlns:p="http://schemas.openxmlformats.org/presentationml/2006/main">
+  <p:cSld>
+    <p:bg>
+      <p:bgPr>
+        <a:solidFill>
+          <a:schemeClr val="bg1"/>
+        </a:solidFill>
+        <a:effectLst/>
+      </p:bgPr>
+    </p:bg>
+    <p:spTree>
+      <p:nvGrpSpPr>
+        <p:cNvPr id="1" name=""/>
+        <p:cNvGrpSpPr/>
+        <p:nvPr/>
+      </p:nvGrpSpPr>
+      <p:grpSpPr>
+        <a:xfrm>
+          <a:off x="0" y="0"/>
+          <a:ext cx="0" cy="0"/>
+          <a:chOff x="0" y="0"/>
+          <a:chExt cx="0" cy="0"/>
+        </a:xfrm>
+      </p:grpSpPr>
+      <p:sp useBgFill="1">
+        <p:nvSpPr>
+          <p:cNvPr id="8" name="Rectangle 7">
+            <a:extLst>
+              <a:ext uri="{FF2B5EF4-FFF2-40B4-BE49-F238E27FC236}">
                 <a16:creationId xmlns:a16="http://schemas.microsoft.com/office/drawing/2014/main" id="{A9CB0874-88B8-43D3-B0B6-C32F790F790D}"/>
               </a:ext>
               <a:ext uri="{C183D7F6-B498-43B3-948B-1728B52AA6E4}">
